--- a/week01/文本分析與程式設計Week01.pptx
+++ b/week01/文本分析與程式設計Week01.pptx
@@ -208,7 +208,7 @@
       </p15:sldGuideLst>
     </p:ext>
     <p:ext uri="http://customooxmlschemas.google.com/">
-      <go:slidesCustomData xmlns:go="http://customooxmlschemas.google.com/" xmlns:ahyp="http://schemas.microsoft.com/office/drawing/2018/hyperlinkcolor" xmlns:p15="http://schemas.microsoft.com/office/powerpoint/2012/main" xmlns:p14="http://schemas.microsoft.com/office/powerpoint/2010/main" xmlns:com="http://schemas.openxmlformats.org/drawingml/2006/compatibility" xmlns:pvml="urn:schemas-microsoft-com:office:powerpoint" xmlns:v="urn:schemas-microsoft-com:vml" xmlns:o="urn:schemas-microsoft-com:office:office" xmlns:dgm="http://schemas.openxmlformats.org/drawingml/2006/diagram" xmlns:c="http://schemas.openxmlformats.org/drawingml/2006/chart" xmlns:mv="urn:schemas-microsoft-com:mac:vml" xmlns:mc="http://schemas.openxmlformats.org/markup-compatibility/2006" xmlns="" r:id="rId72" roundtripDataSignature="AMtx7mgUQKmmGkRDAx1+z1XqxXGeYbaTHA=="/>
+      <go:slidesCustomData xmlns="" xmlns:mc="http://schemas.openxmlformats.org/markup-compatibility/2006" xmlns:mv="urn:schemas-microsoft-com:mac:vml" xmlns:c="http://schemas.openxmlformats.org/drawingml/2006/chart" xmlns:dgm="http://schemas.openxmlformats.org/drawingml/2006/diagram" xmlns:o="urn:schemas-microsoft-com:office:office" xmlns:v="urn:schemas-microsoft-com:vml" xmlns:pvml="urn:schemas-microsoft-com:office:powerpoint" xmlns:com="http://schemas.openxmlformats.org/drawingml/2006/compatibility" xmlns:p14="http://schemas.microsoft.com/office/powerpoint/2010/main" xmlns:p15="http://schemas.microsoft.com/office/powerpoint/2012/main" xmlns:ahyp="http://schemas.microsoft.com/office/drawing/2018/hyperlinkcolor" xmlns:go="http://customooxmlschemas.google.com/" r:id="rId72" roundtripDataSignature="AMtx7mgUQKmmGkRDAx1+z1XqxXGeYbaTHA=="/>
     </p:ext>
   </p:extLst>
 </p:presentation>
@@ -4188,7 +4188,7 @@
           <a:p>
             <a:fld id="{3A92803A-0F1C-4C1D-B134-784D74EF7FC5}" type="datetime1">
               <a:rPr lang="zh-TW" altLang="en-US" smtClean="0"/>
-              <a:t>2021/6/15</a:t>
+              <a:t>2021/6/16</a:t>
             </a:fld>
             <a:endParaRPr lang="en-US" dirty="0"/>
           </a:p>
@@ -4453,7 +4453,7 @@
           <a:p>
             <a:fld id="{AD638850-190C-4A5F-B6A9-6F16A812CB41}" type="datetime1">
               <a:rPr lang="zh-TW" altLang="en-US" smtClean="0"/>
-              <a:t>2021/6/15</a:t>
+              <a:t>2021/6/16</a:t>
             </a:fld>
             <a:endParaRPr lang="en-US" dirty="0"/>
           </a:p>
@@ -4776,7 +4776,7 @@
           <a:p>
             <a:fld id="{4074179C-7DC6-43E8-BC8E-5D09762777BE}" type="datetime1">
               <a:rPr lang="zh-TW" altLang="en-US" smtClean="0"/>
-              <a:t>2021/6/15</a:t>
+              <a:t>2021/6/16</a:t>
             </a:fld>
             <a:endParaRPr lang="en-US" dirty="0"/>
           </a:p>
@@ -5118,7 +5118,7 @@
           <a:p>
             <a:fld id="{74A2EE74-DD9F-4769-A54D-E56DB731716A}" type="datetime1">
               <a:rPr lang="zh-TW" altLang="en-US" smtClean="0"/>
-              <a:t>2021/6/15</a:t>
+              <a:t>2021/6/16</a:t>
             </a:fld>
             <a:endParaRPr lang="en-US" dirty="0"/>
           </a:p>
@@ -5441,7 +5441,7 @@
           <a:p>
             <a:fld id="{67BAD6BD-6720-414E-ADD8-6A573ABCCD45}" type="datetime1">
               <a:rPr lang="zh-TW" altLang="en-US" smtClean="0"/>
-              <a:t>2021/6/15</a:t>
+              <a:t>2021/6/16</a:t>
             </a:fld>
             <a:endParaRPr lang="en-US" dirty="0"/>
           </a:p>
@@ -5843,7 +5843,7 @@
           <a:p>
             <a:fld id="{92FCB4DC-BF2A-494B-8FEB-5539852687C5}" type="datetime1">
               <a:rPr lang="zh-TW" altLang="en-US" smtClean="0"/>
-              <a:t>2021/6/15</a:t>
+              <a:t>2021/6/16</a:t>
             </a:fld>
             <a:endParaRPr lang="en-US" dirty="0"/>
           </a:p>
@@ -6022,7 +6022,7 @@
           <a:p>
             <a:fld id="{A5F6CBE4-86D2-4D55-B77D-A1CC22B1A407}" type="datetime1">
               <a:rPr lang="zh-TW" altLang="en-US" smtClean="0"/>
-              <a:t>2021/6/15</a:t>
+              <a:t>2021/6/16</a:t>
             </a:fld>
             <a:endParaRPr lang="en-US" dirty="0"/>
           </a:p>
@@ -6211,7 +6211,7 @@
           <a:p>
             <a:fld id="{4594EFF4-DC49-45FA-9E18-10CE34C83FAB}" type="datetime1">
               <a:rPr lang="zh-TW" altLang="en-US" smtClean="0"/>
-              <a:t>2021/6/15</a:t>
+              <a:t>2021/6/16</a:t>
             </a:fld>
             <a:endParaRPr lang="en-US" dirty="0"/>
           </a:p>
@@ -7038,7 +7038,7 @@
           <a:p>
             <a:fld id="{6CA82FD1-9978-4FDE-B2EB-9509A23CACE8}" type="datetime1">
               <a:rPr lang="zh-TW" altLang="en-US" smtClean="0"/>
-              <a:t>2021/6/15</a:t>
+              <a:t>2021/6/16</a:t>
             </a:fld>
             <a:endParaRPr lang="en-US" dirty="0"/>
           </a:p>
@@ -7294,7 +7294,7 @@
           <a:p>
             <a:fld id="{796C15B9-032B-4D1A-BC2E-EDBF11555012}" type="datetime1">
               <a:rPr lang="zh-TW" altLang="en-US" smtClean="0"/>
-              <a:t>2021/6/15</a:t>
+              <a:t>2021/6/16</a:t>
             </a:fld>
             <a:endParaRPr lang="en-US" dirty="0"/>
           </a:p>
@@ -7547,7 +7547,7 @@
           <a:p>
             <a:fld id="{E83BB894-529B-4762-9E20-7C53A9C3A5DF}" type="datetime1">
               <a:rPr lang="zh-TW" altLang="en-US" smtClean="0"/>
-              <a:t>2021/6/15</a:t>
+              <a:t>2021/6/16</a:t>
             </a:fld>
             <a:endParaRPr lang="en-US" dirty="0"/>
           </a:p>
@@ -7930,7 +7930,7 @@
           <a:p>
             <a:fld id="{79C04706-A608-4A22-80A5-2558D4360FF4}" type="datetime1">
               <a:rPr lang="zh-TW" altLang="en-US" smtClean="0"/>
-              <a:t>2021/6/15</a:t>
+              <a:t>2021/6/16</a:t>
             </a:fld>
             <a:endParaRPr lang="en-US" dirty="0"/>
           </a:p>
@@ -8062,7 +8062,7 @@
           <a:p>
             <a:fld id="{C76560EC-6E60-442B-9D9B-54899F4B544F}" type="datetime1">
               <a:rPr lang="zh-TW" altLang="en-US" smtClean="0"/>
-              <a:t>2021/6/15</a:t>
+              <a:t>2021/6/16</a:t>
             </a:fld>
             <a:endParaRPr lang="en-US" dirty="0"/>
           </a:p>
@@ -8166,7 +8166,7 @@
           <a:p>
             <a:fld id="{1E8065FB-F46E-4D50-8CB3-9F20035DB419}" type="datetime1">
               <a:rPr lang="zh-TW" altLang="en-US" smtClean="0"/>
-              <a:t>2021/6/15</a:t>
+              <a:t>2021/6/16</a:t>
             </a:fld>
             <a:endParaRPr lang="en-US" dirty="0"/>
           </a:p>
@@ -8430,7 +8430,7 @@
           <a:p>
             <a:fld id="{0EFA52A9-5311-41DC-91A7-31273C4D72F6}" type="datetime1">
               <a:rPr lang="zh-TW" altLang="en-US" smtClean="0"/>
-              <a:t>2021/6/15</a:t>
+              <a:t>2021/6/16</a:t>
             </a:fld>
             <a:endParaRPr lang="en-US" dirty="0"/>
           </a:p>
@@ -8753,7 +8753,7 @@
           <a:p>
             <a:fld id="{254F3074-9D9F-446D-AAAC-BBCAB0CACE8E}" type="datetime1">
               <a:rPr lang="zh-TW" altLang="en-US" smtClean="0"/>
-              <a:t>2021/6/15</a:t>
+              <a:t>2021/6/16</a:t>
             </a:fld>
             <a:endParaRPr lang="en-US" dirty="0"/>
           </a:p>
@@ -9455,7 +9455,7 @@
           <a:p>
             <a:fld id="{6E10F4CF-B5F9-4648-BEE7-992B9B061DA8}" type="datetime1">
               <a:rPr lang="zh-TW" altLang="en-US" smtClean="0"/>
-              <a:t>2021/6/15</a:t>
+              <a:t>2021/6/16</a:t>
             </a:fld>
             <a:endParaRPr lang="en-US" dirty="0"/>
           </a:p>
@@ -26980,6 +26980,10 @@
           </a:bodyPr>
           <a:lstStyle/>
           <a:p>
+            <a:pPr>
+              <a:buFont typeface="Wingdings" panose="05000000000000000000" pitchFamily="2" charset="2"/>
+              <a:buChar char="Ø"/>
+            </a:pPr>
             <a:r>
               <a:rPr lang="zh-TW" altLang="en-US" dirty="0">
                 <a:hlinkClick r:id="rId2"/>
@@ -26989,6 +26993,9 @@
             <a:endParaRPr lang="en-US" altLang="zh-TW" dirty="0"/>
           </a:p>
           <a:p>
+            <a:pPr marL="114300" indent="0">
+              <a:buNone/>
+            </a:pPr>
             <a:r>
               <a:rPr lang="zh-TW" altLang="en-US" dirty="0"/>
               <a:t>任務</a:t>
@@ -27004,6 +27011,9 @@
             <a:endParaRPr lang="en-US" altLang="zh-TW" dirty="0"/>
           </a:p>
           <a:p>
+            <a:pPr marL="114300" indent="0">
+              <a:buNone/>
+            </a:pPr>
             <a:r>
               <a:rPr lang="zh-TW" altLang="en-US" dirty="0"/>
               <a:t>請用</a:t>
@@ -27756,6 +27766,10 @@
           <a:bodyPr/>
           <a:lstStyle/>
           <a:p>
+            <a:pPr>
+              <a:buFont typeface="Wingdings" panose="05000000000000000000" pitchFamily="2" charset="2"/>
+              <a:buChar char="Ø"/>
+            </a:pPr>
             <a:r>
               <a:rPr lang="zh-TW" altLang="en-US" dirty="0">
                 <a:solidFill>
@@ -27790,6 +27804,9 @@
             </a:r>
           </a:p>
           <a:p>
+            <a:pPr marL="114300" indent="0">
+              <a:buNone/>
+            </a:pPr>
             <a:r>
               <a:rPr lang="zh-TW" altLang="en-US" dirty="0"/>
               <a:t>因為他回傳的檔案是字典檔，我們可以運用以下方式取得斷詞結果</a:t>
@@ -27808,6 +27825,9 @@
             </a:r>
           </a:p>
           <a:p>
+            <a:pPr marL="114300" indent="0">
+              <a:buNone/>
+            </a:pPr>
             <a:r>
               <a:rPr lang="en-US" altLang="zh-TW" dirty="0" err="1">
                 <a:latin typeface="Courier New" panose="02070309020205020404" pitchFamily="49" charset="0"/>
@@ -27970,6 +27990,10 @@
           <a:bodyPr/>
           <a:lstStyle/>
           <a:p>
+            <a:pPr>
+              <a:buFont typeface="Wingdings" panose="05000000000000000000" pitchFamily="2" charset="2"/>
+              <a:buChar char="Ø"/>
+            </a:pPr>
             <a:r>
               <a:rPr lang="zh-TW" altLang="en-US" dirty="0">
                 <a:solidFill>
@@ -28001,6 +28025,9 @@
             </a:endParaRPr>
           </a:p>
           <a:p>
+            <a:pPr marL="114300" indent="0">
+              <a:buNone/>
+            </a:pPr>
             <a:r>
               <a:rPr lang="zh-TW" altLang="en-US" dirty="0"/>
               <a:t>因為回傳結果是整個字串</a:t>
@@ -28008,6 +28035,9 @@
             <a:endParaRPr lang="en-US" altLang="zh-TW" dirty="0"/>
           </a:p>
           <a:p>
+            <a:pPr marL="114300" indent="0">
+              <a:buNone/>
+            </a:pPr>
             <a:r>
               <a:rPr lang="zh-TW" altLang="en-US" dirty="0"/>
               <a:t>例如</a:t>
@@ -28090,6 +28120,9 @@
             </a:r>
           </a:p>
           <a:p>
+            <a:pPr marL="114300" indent="0">
+              <a:buNone/>
+            </a:pPr>
             <a:r>
               <a:rPr lang="zh-TW" altLang="en-US" dirty="0"/>
               <a:t>所以我們必須將字串依據</a:t>
@@ -28393,6 +28426,10 @@
           <a:bodyPr/>
           <a:lstStyle/>
           <a:p>
+            <a:pPr>
+              <a:buFont typeface="Wingdings" panose="05000000000000000000" pitchFamily="2" charset="2"/>
+              <a:buChar char="Ø"/>
+            </a:pPr>
             <a:r>
               <a:rPr lang="zh-TW" altLang="en-US" dirty="0">
                 <a:solidFill>
@@ -28424,6 +28461,9 @@
             </a:endParaRPr>
           </a:p>
           <a:p>
+            <a:pPr marL="114300" indent="0">
+              <a:buNone/>
+            </a:pPr>
             <a:r>
               <a:rPr lang="zh-TW" altLang="en-US" dirty="0">
                 <a:solidFill>
@@ -28938,6 +28978,10 @@
           <a:bodyPr/>
           <a:lstStyle/>
           <a:p>
+            <a:pPr>
+              <a:buFont typeface="Wingdings" panose="05000000000000000000" pitchFamily="2" charset="2"/>
+              <a:buChar char="Ø"/>
+            </a:pPr>
             <a:r>
               <a:rPr lang="zh-TW" altLang="en-US" dirty="0">
                 <a:solidFill>
@@ -29628,6 +29672,10 @@
           </a:bodyPr>
           <a:lstStyle/>
           <a:p>
+            <a:pPr>
+              <a:buFont typeface="Wingdings" panose="05000000000000000000" pitchFamily="2" charset="2"/>
+              <a:buChar char="Ø"/>
+            </a:pPr>
             <a:r>
               <a:rPr lang="zh-TW" altLang="en-US" dirty="0"/>
               <a:t>任務</a:t>
@@ -29643,6 +29691,9 @@
             <a:endParaRPr lang="en-US" altLang="zh-TW" dirty="0"/>
           </a:p>
           <a:p>
+            <a:pPr marL="114300" indent="0">
+              <a:buNone/>
+            </a:pPr>
             <a:r>
               <a:rPr lang="zh-TW" altLang="en-US" dirty="0"/>
               <a:t>經過斷詞還有頻率的分析，我們大概可以知道每篇文章的代表詞彙，但是在這些文章中的前</a:t>
@@ -29812,6 +29863,10 @@
           <a:bodyPr/>
           <a:lstStyle/>
           <a:p>
+            <a:pPr>
+              <a:buFont typeface="Wingdings" panose="05000000000000000000" pitchFamily="2" charset="2"/>
+              <a:buChar char="Ø"/>
+            </a:pPr>
             <a:r>
               <a:rPr lang="zh-TW" altLang="en-US" dirty="0">
                 <a:solidFill>
@@ -30329,20 +30384,39 @@
             <a:endParaRPr lang="zh-TW" altLang="en-US" dirty="0"/>
           </a:p>
           <a:p>
-            <a:r>
-              <a:rPr lang="zh-TW" altLang="en-US" dirty="0"/>
+            <a:pPr>
+              <a:buFont typeface="Wingdings" panose="05000000000000000000" pitchFamily="2" charset="2"/>
+              <a:buChar char="Ø"/>
+            </a:pPr>
+            <a:r>
+              <a:rPr lang="zh-TW" altLang="en-US" dirty="0">
+                <a:solidFill>
+                  <a:schemeClr val="accent1"/>
+                </a:solidFill>
+              </a:rPr>
               <a:t>任務</a:t>
             </a:r>
             <a:r>
-              <a:rPr lang="en-US" altLang="zh-TW" dirty="0"/>
+              <a:rPr lang="en-US" altLang="zh-TW" dirty="0">
+                <a:solidFill>
+                  <a:schemeClr val="accent1"/>
+                </a:solidFill>
+              </a:rPr>
               <a:t>3: </a:t>
             </a:r>
             <a:r>
-              <a:rPr lang="zh-TW" altLang="en-US" dirty="0"/>
+              <a:rPr lang="zh-TW" altLang="en-US" dirty="0">
+                <a:solidFill>
+                  <a:schemeClr val="accent1"/>
+                </a:solidFill>
+              </a:rPr>
               <a:t>反思</a:t>
             </a:r>
           </a:p>
           <a:p>
+            <a:pPr marL="114300" indent="0">
+              <a:buNone/>
+            </a:pPr>
             <a:r>
               <a:rPr lang="zh-TW" altLang="en-US" dirty="0"/>
               <a:t>請觀察斷詞後並濾掉標點符號後的表格，這樣的結果其實並不盡人意，有一些意義不大的功能詞，例如</a:t>

--- a/week01/文本分析與程式設計Week01.pptx
+++ b/week01/文本分析與程式設計Week01.pptx
@@ -208,7 +208,7 @@
       </p15:sldGuideLst>
     </p:ext>
     <p:ext uri="http://customooxmlschemas.google.com/">
-      <go:slidesCustomData xmlns="" xmlns:mc="http://schemas.openxmlformats.org/markup-compatibility/2006" xmlns:mv="urn:schemas-microsoft-com:mac:vml" xmlns:c="http://schemas.openxmlformats.org/drawingml/2006/chart" xmlns:dgm="http://schemas.openxmlformats.org/drawingml/2006/diagram" xmlns:o="urn:schemas-microsoft-com:office:office" xmlns:v="urn:schemas-microsoft-com:vml" xmlns:pvml="urn:schemas-microsoft-com:office:powerpoint" xmlns:com="http://schemas.openxmlformats.org/drawingml/2006/compatibility" xmlns:p14="http://schemas.microsoft.com/office/powerpoint/2010/main" xmlns:p15="http://schemas.microsoft.com/office/powerpoint/2012/main" xmlns:ahyp="http://schemas.microsoft.com/office/drawing/2018/hyperlinkcolor" xmlns:go="http://customooxmlschemas.google.com/" r:id="rId72" roundtripDataSignature="AMtx7mgUQKmmGkRDAx1+z1XqxXGeYbaTHA=="/>
+      <go:slidesCustomData xmlns:go="http://customooxmlschemas.google.com/" xmlns:ahyp="http://schemas.microsoft.com/office/drawing/2018/hyperlinkcolor" xmlns:p15="http://schemas.microsoft.com/office/powerpoint/2012/main" xmlns:p14="http://schemas.microsoft.com/office/powerpoint/2010/main" xmlns:com="http://schemas.openxmlformats.org/drawingml/2006/compatibility" xmlns:pvml="urn:schemas-microsoft-com:office:powerpoint" xmlns:v="urn:schemas-microsoft-com:vml" xmlns:o="urn:schemas-microsoft-com:office:office" xmlns:dgm="http://schemas.openxmlformats.org/drawingml/2006/diagram" xmlns:c="http://schemas.openxmlformats.org/drawingml/2006/chart" xmlns:mv="urn:schemas-microsoft-com:mac:vml" xmlns:mc="http://schemas.openxmlformats.org/markup-compatibility/2006" xmlns="" r:id="rId72" roundtripDataSignature="AMtx7mgUQKmmGkRDAx1+z1XqxXGeYbaTHA=="/>
     </p:ext>
   </p:extLst>
 </p:presentation>
@@ -30391,7 +30391,7 @@
             <a:r>
               <a:rPr lang="zh-TW" altLang="en-US" dirty="0">
                 <a:solidFill>
-                  <a:schemeClr val="accent1"/>
+                  <a:schemeClr val="tx1"/>
                 </a:solidFill>
               </a:rPr>
               <a:t>任務</a:t>
@@ -30399,7 +30399,7 @@
             <a:r>
               <a:rPr lang="en-US" altLang="zh-TW" dirty="0">
                 <a:solidFill>
-                  <a:schemeClr val="accent1"/>
+                  <a:schemeClr val="tx1"/>
                 </a:solidFill>
               </a:rPr>
               <a:t>3: </a:t>
@@ -30407,7 +30407,7 @@
             <a:r>
               <a:rPr lang="zh-TW" altLang="en-US" dirty="0">
                 <a:solidFill>
-                  <a:schemeClr val="accent1"/>
+                  <a:schemeClr val="tx1"/>
                 </a:solidFill>
               </a:rPr>
               <a:t>反思</a:t>

--- a/week01/文本分析與程式設計Week01.pptx
+++ b/week01/文本分析與程式設計Week01.pptx
@@ -5,7 +5,7 @@
     <p:sldMasterId id="2147483678" r:id="rId1"/>
   </p:sldMasterIdLst>
   <p:notesMasterIdLst>
-    <p:notesMasterId r:id="rId56"/>
+    <p:notesMasterId r:id="rId57"/>
   </p:notesMasterIdLst>
   <p:sldIdLst>
     <p:sldId id="256" r:id="rId2"/>
@@ -37,64 +37,65 @@
     <p:sldId id="279" r:id="rId28"/>
     <p:sldId id="262" r:id="rId29"/>
     <p:sldId id="263" r:id="rId30"/>
-    <p:sldId id="295" r:id="rId31"/>
-    <p:sldId id="264" r:id="rId32"/>
-    <p:sldId id="281" r:id="rId33"/>
-    <p:sldId id="296" r:id="rId34"/>
-    <p:sldId id="280" r:id="rId35"/>
-    <p:sldId id="265" r:id="rId36"/>
-    <p:sldId id="298" r:id="rId37"/>
-    <p:sldId id="266" r:id="rId38"/>
-    <p:sldId id="299" r:id="rId39"/>
-    <p:sldId id="267" r:id="rId40"/>
-    <p:sldId id="300" r:id="rId41"/>
-    <p:sldId id="268" r:id="rId42"/>
-    <p:sldId id="301" r:id="rId43"/>
-    <p:sldId id="303" r:id="rId44"/>
-    <p:sldId id="302" r:id="rId45"/>
-    <p:sldId id="306" r:id="rId46"/>
-    <p:sldId id="311" r:id="rId47"/>
-    <p:sldId id="310" r:id="rId48"/>
-    <p:sldId id="312" r:id="rId49"/>
-    <p:sldId id="313" r:id="rId50"/>
-    <p:sldId id="314" r:id="rId51"/>
-    <p:sldId id="315" r:id="rId52"/>
-    <p:sldId id="308" r:id="rId53"/>
-    <p:sldId id="316" r:id="rId54"/>
-    <p:sldId id="309" r:id="rId55"/>
+    <p:sldId id="317" r:id="rId31"/>
+    <p:sldId id="295" r:id="rId32"/>
+    <p:sldId id="264" r:id="rId33"/>
+    <p:sldId id="281" r:id="rId34"/>
+    <p:sldId id="296" r:id="rId35"/>
+    <p:sldId id="280" r:id="rId36"/>
+    <p:sldId id="265" r:id="rId37"/>
+    <p:sldId id="298" r:id="rId38"/>
+    <p:sldId id="266" r:id="rId39"/>
+    <p:sldId id="299" r:id="rId40"/>
+    <p:sldId id="267" r:id="rId41"/>
+    <p:sldId id="300" r:id="rId42"/>
+    <p:sldId id="268" r:id="rId43"/>
+    <p:sldId id="301" r:id="rId44"/>
+    <p:sldId id="303" r:id="rId45"/>
+    <p:sldId id="302" r:id="rId46"/>
+    <p:sldId id="306" r:id="rId47"/>
+    <p:sldId id="311" r:id="rId48"/>
+    <p:sldId id="310" r:id="rId49"/>
+    <p:sldId id="312" r:id="rId50"/>
+    <p:sldId id="313" r:id="rId51"/>
+    <p:sldId id="314" r:id="rId52"/>
+    <p:sldId id="315" r:id="rId53"/>
+    <p:sldId id="308" r:id="rId54"/>
+    <p:sldId id="316" r:id="rId55"/>
+    <p:sldId id="309" r:id="rId56"/>
   </p:sldIdLst>
   <p:sldSz cx="9144000" cy="5143500" type="screen16x9"/>
   <p:notesSz cx="6858000" cy="9144000"/>
   <p:embeddedFontLst>
     <p:embeddedFont>
+      <p:font typeface="微軟正黑體" panose="020B0604030504040204" pitchFamily="34" charset="-120"/>
+      <p:regular r:id="rId58"/>
+      <p:bold r:id="rId59"/>
+    </p:embeddedFont>
+    <p:embeddedFont>
       <p:font typeface="Consolas" panose="020B0609020204030204" pitchFamily="49" charset="0"/>
-      <p:regular r:id="rId57"/>
-      <p:bold r:id="rId58"/>
-      <p:italic r:id="rId59"/>
-      <p:boldItalic r:id="rId60"/>
+      <p:regular r:id="rId60"/>
+      <p:bold r:id="rId61"/>
+      <p:italic r:id="rId62"/>
+      <p:boldItalic r:id="rId63"/>
     </p:embeddedFont>
     <p:embeddedFont>
       <p:font typeface="Roboto" panose="02020500000000000000" charset="0"/>
-      <p:regular r:id="rId61"/>
-      <p:bold r:id="rId62"/>
-      <p:italic r:id="rId63"/>
-      <p:boldItalic r:id="rId64"/>
+      <p:regular r:id="rId64"/>
+      <p:bold r:id="rId65"/>
+      <p:italic r:id="rId66"/>
+      <p:boldItalic r:id="rId67"/>
     </p:embeddedFont>
     <p:embeddedFont>
       <p:font typeface="Trebuchet MS" panose="020B0603020202020204" pitchFamily="34" charset="0"/>
-      <p:regular r:id="rId65"/>
-      <p:bold r:id="rId66"/>
-      <p:italic r:id="rId67"/>
-      <p:boldItalic r:id="rId68"/>
+      <p:regular r:id="rId68"/>
+      <p:bold r:id="rId69"/>
+      <p:italic r:id="rId70"/>
+      <p:boldItalic r:id="rId71"/>
     </p:embeddedFont>
     <p:embeddedFont>
       <p:font typeface="Wingdings 3" panose="05040102010807070707" pitchFamily="18" charset="2"/>
-      <p:regular r:id="rId69"/>
-    </p:embeddedFont>
-    <p:embeddedFont>
-      <p:font typeface="微軟正黑體" panose="020B0604030504040204" pitchFamily="34" charset="-120"/>
-      <p:regular r:id="rId70"/>
-      <p:bold r:id="rId71"/>
+      <p:regular r:id="rId72"/>
     </p:embeddedFont>
   </p:embeddedFontLst>
   <p:defaultTextStyle>
@@ -208,7 +209,7 @@
       </p15:sldGuideLst>
     </p:ext>
     <p:ext uri="http://customooxmlschemas.google.com/">
-      <go:slidesCustomData xmlns:go="http://customooxmlschemas.google.com/" xmlns:ahyp="http://schemas.microsoft.com/office/drawing/2018/hyperlinkcolor" xmlns:p15="http://schemas.microsoft.com/office/powerpoint/2012/main" xmlns:p14="http://schemas.microsoft.com/office/powerpoint/2010/main" xmlns:com="http://schemas.openxmlformats.org/drawingml/2006/compatibility" xmlns:pvml="urn:schemas-microsoft-com:office:powerpoint" xmlns:v="urn:schemas-microsoft-com:vml" xmlns:o="urn:schemas-microsoft-com:office:office" xmlns:dgm="http://schemas.openxmlformats.org/drawingml/2006/diagram" xmlns:c="http://schemas.openxmlformats.org/drawingml/2006/chart" xmlns:mv="urn:schemas-microsoft-com:mac:vml" xmlns:mc="http://schemas.openxmlformats.org/markup-compatibility/2006" xmlns="" r:id="rId72" roundtripDataSignature="AMtx7mgUQKmmGkRDAx1+z1XqxXGeYbaTHA=="/>
+      <go:slidesCustomData xmlns="" xmlns:mc="http://schemas.openxmlformats.org/markup-compatibility/2006" xmlns:mv="urn:schemas-microsoft-com:mac:vml" xmlns:c="http://schemas.openxmlformats.org/drawingml/2006/chart" xmlns:dgm="http://schemas.openxmlformats.org/drawingml/2006/diagram" xmlns:o="urn:schemas-microsoft-com:office:office" xmlns:v="urn:schemas-microsoft-com:vml" xmlns:pvml="urn:schemas-microsoft-com:office:powerpoint" xmlns:com="http://schemas.openxmlformats.org/drawingml/2006/compatibility" xmlns:p14="http://schemas.microsoft.com/office/powerpoint/2010/main" xmlns:p15="http://schemas.microsoft.com/office/powerpoint/2012/main" xmlns:ahyp="http://schemas.microsoft.com/office/drawing/2018/hyperlinkcolor" xmlns:go="http://customooxmlschemas.google.com/" r:id="rId73" roundtripDataSignature="AMtx7mgUQKmmGkRDAx1+z1XqxXGeYbaTHA=="/>
     </p:ext>
   </p:extLst>
 </p:presentation>
@@ -4188,7 +4189,7 @@
           <a:p>
             <a:fld id="{3A92803A-0F1C-4C1D-B134-784D74EF7FC5}" type="datetime1">
               <a:rPr lang="zh-TW" altLang="en-US" smtClean="0"/>
-              <a:t>2021/6/16</a:t>
+              <a:t>2021/6/17</a:t>
             </a:fld>
             <a:endParaRPr lang="en-US" dirty="0"/>
           </a:p>
@@ -4453,7 +4454,7 @@
           <a:p>
             <a:fld id="{AD638850-190C-4A5F-B6A9-6F16A812CB41}" type="datetime1">
               <a:rPr lang="zh-TW" altLang="en-US" smtClean="0"/>
-              <a:t>2021/6/16</a:t>
+              <a:t>2021/6/17</a:t>
             </a:fld>
             <a:endParaRPr lang="en-US" dirty="0"/>
           </a:p>
@@ -4776,7 +4777,7 @@
           <a:p>
             <a:fld id="{4074179C-7DC6-43E8-BC8E-5D09762777BE}" type="datetime1">
               <a:rPr lang="zh-TW" altLang="en-US" smtClean="0"/>
-              <a:t>2021/6/16</a:t>
+              <a:t>2021/6/17</a:t>
             </a:fld>
             <a:endParaRPr lang="en-US" dirty="0"/>
           </a:p>
@@ -5118,7 +5119,7 @@
           <a:p>
             <a:fld id="{74A2EE74-DD9F-4769-A54D-E56DB731716A}" type="datetime1">
               <a:rPr lang="zh-TW" altLang="en-US" smtClean="0"/>
-              <a:t>2021/6/16</a:t>
+              <a:t>2021/6/17</a:t>
             </a:fld>
             <a:endParaRPr lang="en-US" dirty="0"/>
           </a:p>
@@ -5441,7 +5442,7 @@
           <a:p>
             <a:fld id="{67BAD6BD-6720-414E-ADD8-6A573ABCCD45}" type="datetime1">
               <a:rPr lang="zh-TW" altLang="en-US" smtClean="0"/>
-              <a:t>2021/6/16</a:t>
+              <a:t>2021/6/17</a:t>
             </a:fld>
             <a:endParaRPr lang="en-US" dirty="0"/>
           </a:p>
@@ -5843,7 +5844,7 @@
           <a:p>
             <a:fld id="{92FCB4DC-BF2A-494B-8FEB-5539852687C5}" type="datetime1">
               <a:rPr lang="zh-TW" altLang="en-US" smtClean="0"/>
-              <a:t>2021/6/16</a:t>
+              <a:t>2021/6/17</a:t>
             </a:fld>
             <a:endParaRPr lang="en-US" dirty="0"/>
           </a:p>
@@ -6022,7 +6023,7 @@
           <a:p>
             <a:fld id="{A5F6CBE4-86D2-4D55-B77D-A1CC22B1A407}" type="datetime1">
               <a:rPr lang="zh-TW" altLang="en-US" smtClean="0"/>
-              <a:t>2021/6/16</a:t>
+              <a:t>2021/6/17</a:t>
             </a:fld>
             <a:endParaRPr lang="en-US" dirty="0"/>
           </a:p>
@@ -6211,7 +6212,7 @@
           <a:p>
             <a:fld id="{4594EFF4-DC49-45FA-9E18-10CE34C83FAB}" type="datetime1">
               <a:rPr lang="zh-TW" altLang="en-US" smtClean="0"/>
-              <a:t>2021/6/16</a:t>
+              <a:t>2021/6/17</a:t>
             </a:fld>
             <a:endParaRPr lang="en-US" dirty="0"/>
           </a:p>
@@ -7038,7 +7039,7 @@
           <a:p>
             <a:fld id="{6CA82FD1-9978-4FDE-B2EB-9509A23CACE8}" type="datetime1">
               <a:rPr lang="zh-TW" altLang="en-US" smtClean="0"/>
-              <a:t>2021/6/16</a:t>
+              <a:t>2021/6/17</a:t>
             </a:fld>
             <a:endParaRPr lang="en-US" dirty="0"/>
           </a:p>
@@ -7294,7 +7295,7 @@
           <a:p>
             <a:fld id="{796C15B9-032B-4D1A-BC2E-EDBF11555012}" type="datetime1">
               <a:rPr lang="zh-TW" altLang="en-US" smtClean="0"/>
-              <a:t>2021/6/16</a:t>
+              <a:t>2021/6/17</a:t>
             </a:fld>
             <a:endParaRPr lang="en-US" dirty="0"/>
           </a:p>
@@ -7547,7 +7548,7 @@
           <a:p>
             <a:fld id="{E83BB894-529B-4762-9E20-7C53A9C3A5DF}" type="datetime1">
               <a:rPr lang="zh-TW" altLang="en-US" smtClean="0"/>
-              <a:t>2021/6/16</a:t>
+              <a:t>2021/6/17</a:t>
             </a:fld>
             <a:endParaRPr lang="en-US" dirty="0"/>
           </a:p>
@@ -7930,7 +7931,7 @@
           <a:p>
             <a:fld id="{79C04706-A608-4A22-80A5-2558D4360FF4}" type="datetime1">
               <a:rPr lang="zh-TW" altLang="en-US" smtClean="0"/>
-              <a:t>2021/6/16</a:t>
+              <a:t>2021/6/17</a:t>
             </a:fld>
             <a:endParaRPr lang="en-US" dirty="0"/>
           </a:p>
@@ -8062,7 +8063,7 @@
           <a:p>
             <a:fld id="{C76560EC-6E60-442B-9D9B-54899F4B544F}" type="datetime1">
               <a:rPr lang="zh-TW" altLang="en-US" smtClean="0"/>
-              <a:t>2021/6/16</a:t>
+              <a:t>2021/6/17</a:t>
             </a:fld>
             <a:endParaRPr lang="en-US" dirty="0"/>
           </a:p>
@@ -8166,7 +8167,7 @@
           <a:p>
             <a:fld id="{1E8065FB-F46E-4D50-8CB3-9F20035DB419}" type="datetime1">
               <a:rPr lang="zh-TW" altLang="en-US" smtClean="0"/>
-              <a:t>2021/6/16</a:t>
+              <a:t>2021/6/17</a:t>
             </a:fld>
             <a:endParaRPr lang="en-US" dirty="0"/>
           </a:p>
@@ -8430,7 +8431,7 @@
           <a:p>
             <a:fld id="{0EFA52A9-5311-41DC-91A7-31273C4D72F6}" type="datetime1">
               <a:rPr lang="zh-TW" altLang="en-US" smtClean="0"/>
-              <a:t>2021/6/16</a:t>
+              <a:t>2021/6/17</a:t>
             </a:fld>
             <a:endParaRPr lang="en-US" dirty="0"/>
           </a:p>
@@ -8753,7 +8754,7 @@
           <a:p>
             <a:fld id="{254F3074-9D9F-446D-AAAC-BBCAB0CACE8E}" type="datetime1">
               <a:rPr lang="zh-TW" altLang="en-US" smtClean="0"/>
-              <a:t>2021/6/16</a:t>
+              <a:t>2021/6/17</a:t>
             </a:fld>
             <a:endParaRPr lang="en-US" dirty="0"/>
           </a:p>
@@ -9455,7 +9456,7 @@
           <a:p>
             <a:fld id="{6E10F4CF-B5F9-4648-BEE7-992B9B061DA8}" type="datetime1">
               <a:rPr lang="zh-TW" altLang="en-US" smtClean="0"/>
-              <a:t>2021/6/16</a:t>
+              <a:t>2021/6/17</a:t>
             </a:fld>
             <a:endParaRPr lang="en-US" dirty="0"/>
           </a:p>
@@ -19139,630 +19140,6 @@
       </p:sp>
       <p:sp>
         <p:nvSpPr>
-          <p:cNvPr id="2" name="Rectangle 1">
-            <a:extLst>
-              <a:ext uri="{FF2B5EF4-FFF2-40B4-BE49-F238E27FC236}">
-                <a16:creationId xmlns:a16="http://schemas.microsoft.com/office/drawing/2014/main" id="{544C4E63-A41A-43A3-86B8-769FEF576701}"/>
-              </a:ext>
-            </a:extLst>
-          </p:cNvPr>
-          <p:cNvSpPr>
-            <a:spLocks noChangeArrowheads="1"/>
-          </p:cNvSpPr>
-          <p:nvPr/>
-        </p:nvSpPr>
-        <p:spPr bwMode="auto">
-          <a:xfrm>
-            <a:off x="708300" y="2710249"/>
-            <a:ext cx="7053469" cy="2308324"/>
-          </a:xfrm>
-          <a:prstGeom prst="rect">
-            <a:avLst/>
-          </a:prstGeom>
-          <a:solidFill>
-            <a:schemeClr val="accent1">
-              <a:lumMod val="40000"/>
-              <a:lumOff val="60000"/>
-            </a:schemeClr>
-          </a:solidFill>
-          <a:ln>
-            <a:noFill/>
-          </a:ln>
-          <a:effectLst/>
-        </p:spPr>
-        <p:txBody>
-          <a:bodyPr vert="horz" wrap="square" lIns="0" tIns="0" rIns="0" bIns="0" numCol="1" anchor="ctr" anchorCtr="0" compatLnSpc="1">
-            <a:prstTxWarp prst="textNoShape">
-              <a:avLst/>
-            </a:prstTxWarp>
-            <a:spAutoFit/>
-          </a:bodyPr>
-          <a:lstStyle/>
-          <a:p>
-            <a:pPr defTabSz="914400" eaLnBrk="0" fontAlgn="base" hangingPunct="0">
-              <a:spcBef>
-                <a:spcPct val="0"/>
-              </a:spcBef>
-              <a:spcAft>
-                <a:spcPct val="0"/>
-              </a:spcAft>
-            </a:pPr>
-            <a:r>
-              <a:rPr lang="zh-TW" altLang="en-US" sz="1000" u="sng" dirty="0">
-                <a:solidFill>
-                  <a:schemeClr val="dk1"/>
-                </a:solidFill>
-                <a:latin typeface="Consolas" panose="020B0609020204030204" pitchFamily="49" charset="0"/>
-                <a:ea typeface="Arial"/>
-                <a:cs typeface="Arial"/>
-                <a:sym typeface="Arial"/>
-              </a:rPr>
-              <a:t>執行結果</a:t>
-            </a:r>
-            <a:endParaRPr lang="en-US" altLang="zh-TW" sz="1000" u="sng" dirty="0">
-              <a:solidFill>
-                <a:schemeClr val="dk1"/>
-              </a:solidFill>
-              <a:latin typeface="Consolas" panose="020B0609020204030204" pitchFamily="49" charset="0"/>
-              <a:ea typeface="Arial"/>
-              <a:cs typeface="Arial"/>
-              <a:sym typeface="Arial"/>
-            </a:endParaRPr>
-          </a:p>
-          <a:p>
-            <a:pPr defTabSz="914400" eaLnBrk="0" fontAlgn="base" hangingPunct="0">
-              <a:spcBef>
-                <a:spcPct val="0"/>
-              </a:spcBef>
-              <a:spcAft>
-                <a:spcPct val="0"/>
-              </a:spcAft>
-            </a:pPr>
-            <a:endParaRPr lang="zh-TW" altLang="en-US" sz="1000" u="sng" dirty="0">
-              <a:solidFill>
-                <a:schemeClr val="dk1"/>
-              </a:solidFill>
-              <a:latin typeface="Consolas" panose="020B0609020204030204" pitchFamily="49" charset="0"/>
-              <a:ea typeface="Arial"/>
-              <a:cs typeface="Arial"/>
-              <a:sym typeface="Arial"/>
-            </a:endParaRPr>
-          </a:p>
-          <a:p>
-            <a:pPr lvl="0" defTabSz="914400" eaLnBrk="0" fontAlgn="base" hangingPunct="0">
-              <a:spcBef>
-                <a:spcPct val="0"/>
-              </a:spcBef>
-              <a:spcAft>
-                <a:spcPct val="0"/>
-              </a:spcAft>
-            </a:pPr>
-            <a:r>
-              <a:rPr lang="en-US" altLang="zh-TW" sz="1000" dirty="0">
-                <a:solidFill>
-                  <a:srgbClr val="000000"/>
-                </a:solidFill>
-                <a:latin typeface="Consolas" panose="020B0609020204030204" pitchFamily="49" charset="0"/>
-                <a:cs typeface="Courier New" panose="02070309020205020404" pitchFamily="49" charset="0"/>
-              </a:rPr>
-              <a:t>lv1 </a:t>
-            </a:r>
-            <a:r>
-              <a:rPr lang="zh-TW" altLang="en-US" sz="1000" dirty="0">
-                <a:solidFill>
-                  <a:srgbClr val="000000"/>
-                </a:solidFill>
-                <a:latin typeface="Consolas" panose="020B0609020204030204" pitchFamily="49" charset="0"/>
-                <a:cs typeface="Courier New" panose="02070309020205020404" pitchFamily="49" charset="0"/>
-              </a:rPr>
-              <a:t>的設定下，處理結果：</a:t>
-            </a:r>
-          </a:p>
-          <a:p>
-            <a:pPr lvl="0" defTabSz="914400" eaLnBrk="0" fontAlgn="base" hangingPunct="0">
-              <a:spcBef>
-                <a:spcPct val="0"/>
-              </a:spcBef>
-              <a:spcAft>
-                <a:spcPct val="0"/>
-              </a:spcAft>
-            </a:pPr>
-            <a:r>
-              <a:rPr lang="zh-TW" altLang="en-US" sz="1000" dirty="0">
-                <a:solidFill>
-                  <a:srgbClr val="000000"/>
-                </a:solidFill>
-                <a:latin typeface="Consolas" panose="020B0609020204030204" pitchFamily="49" charset="0"/>
-                <a:cs typeface="Courier New" panose="02070309020205020404" pitchFamily="49" charset="0"/>
-              </a:rPr>
-              <a:t> </a:t>
-            </a:r>
-            <a:r>
-              <a:rPr lang="en-US" altLang="zh-TW" sz="1000" dirty="0">
-                <a:solidFill>
-                  <a:srgbClr val="000000"/>
-                </a:solidFill>
-                <a:latin typeface="Consolas" panose="020B0609020204030204" pitchFamily="49" charset="0"/>
-                <a:cs typeface="Courier New" panose="02070309020205020404" pitchFamily="49" charset="0"/>
-              </a:rPr>
-              <a:t>{'exec_time': 0.03921389579772949, 'result_pos': ['&lt;MODIFIER&gt;</a:t>
-            </a:r>
-            <a:r>
-              <a:rPr lang="zh-TW" altLang="en-US" sz="1000" dirty="0">
-                <a:solidFill>
-                  <a:srgbClr val="000000"/>
-                </a:solidFill>
-                <a:latin typeface="Consolas" panose="020B0609020204030204" pitchFamily="49" charset="0"/>
-                <a:cs typeface="Courier New" panose="02070309020205020404" pitchFamily="49" charset="0"/>
-              </a:rPr>
-              <a:t>小</a:t>
-            </a:r>
-            <a:r>
-              <a:rPr lang="en-US" altLang="zh-TW" sz="1000" dirty="0">
-                <a:solidFill>
-                  <a:srgbClr val="000000"/>
-                </a:solidFill>
-                <a:latin typeface="Consolas" panose="020B0609020204030204" pitchFamily="49" charset="0"/>
-                <a:cs typeface="Courier New" panose="02070309020205020404" pitchFamily="49" charset="0"/>
-              </a:rPr>
-              <a:t>&lt;/MODIFIER&gt;&lt;MODIFIER_color&gt;</a:t>
-            </a:r>
-            <a:r>
-              <a:rPr lang="zh-TW" altLang="en-US" sz="1000" dirty="0">
-                <a:solidFill>
-                  <a:srgbClr val="000000"/>
-                </a:solidFill>
-                <a:latin typeface="Consolas" panose="020B0609020204030204" pitchFamily="49" charset="0"/>
-                <a:cs typeface="Courier New" panose="02070309020205020404" pitchFamily="49" charset="0"/>
-              </a:rPr>
-              <a:t>紅</a:t>
-            </a:r>
-            <a:r>
-              <a:rPr lang="en-US" altLang="zh-TW" sz="1000" dirty="0">
-                <a:solidFill>
-                  <a:srgbClr val="000000"/>
-                </a:solidFill>
-                <a:latin typeface="Consolas" panose="020B0609020204030204" pitchFamily="49" charset="0"/>
-                <a:cs typeface="Courier New" panose="02070309020205020404" pitchFamily="49" charset="0"/>
-              </a:rPr>
-              <a:t>&lt;/MODIFIER_color&gt;&lt;ENTITY_nounHead&gt;</a:t>
-            </a:r>
-            <a:r>
-              <a:rPr lang="zh-TW" altLang="en-US" sz="1000" dirty="0">
-                <a:solidFill>
-                  <a:srgbClr val="000000"/>
-                </a:solidFill>
-                <a:latin typeface="Consolas" panose="020B0609020204030204" pitchFamily="49" charset="0"/>
-                <a:cs typeface="Courier New" panose="02070309020205020404" pitchFamily="49" charset="0"/>
-              </a:rPr>
-              <a:t>帽</a:t>
-            </a:r>
-            <a:r>
-              <a:rPr lang="en-US" altLang="zh-TW" sz="1000" dirty="0">
-                <a:solidFill>
-                  <a:srgbClr val="000000"/>
-                </a:solidFill>
-                <a:latin typeface="Consolas" panose="020B0609020204030204" pitchFamily="49" charset="0"/>
-                <a:cs typeface="Courier New" panose="02070309020205020404" pitchFamily="49" charset="0"/>
-              </a:rPr>
-              <a:t>&lt;/ENTITY_nounHead&gt;'], 'result_segmentation': '</a:t>
-            </a:r>
-            <a:r>
-              <a:rPr lang="zh-TW" altLang="en-US" sz="1000" dirty="0">
-                <a:solidFill>
-                  <a:srgbClr val="000000"/>
-                </a:solidFill>
-                <a:latin typeface="Consolas" panose="020B0609020204030204" pitchFamily="49" charset="0"/>
-                <a:cs typeface="Courier New" panose="02070309020205020404" pitchFamily="49" charset="0"/>
-              </a:rPr>
-              <a:t>小</a:t>
-            </a:r>
-            <a:r>
-              <a:rPr lang="en-US" altLang="zh-TW" sz="1000" dirty="0">
-                <a:solidFill>
-                  <a:srgbClr val="000000"/>
-                </a:solidFill>
-                <a:latin typeface="Consolas" panose="020B0609020204030204" pitchFamily="49" charset="0"/>
-                <a:cs typeface="Courier New" panose="02070309020205020404" pitchFamily="49" charset="0"/>
-              </a:rPr>
-              <a:t>/</a:t>
-            </a:r>
-            <a:r>
-              <a:rPr lang="zh-TW" altLang="en-US" sz="1000" dirty="0">
-                <a:solidFill>
-                  <a:srgbClr val="000000"/>
-                </a:solidFill>
-                <a:latin typeface="Consolas" panose="020B0609020204030204" pitchFamily="49" charset="0"/>
-                <a:cs typeface="Courier New" panose="02070309020205020404" pitchFamily="49" charset="0"/>
-              </a:rPr>
-              <a:t>紅</a:t>
-            </a:r>
-            <a:r>
-              <a:rPr lang="en-US" altLang="zh-TW" sz="1000" dirty="0">
-                <a:solidFill>
-                  <a:srgbClr val="000000"/>
-                </a:solidFill>
-                <a:latin typeface="Consolas" panose="020B0609020204030204" pitchFamily="49" charset="0"/>
-                <a:cs typeface="Courier New" panose="02070309020205020404" pitchFamily="49" charset="0"/>
-              </a:rPr>
-              <a:t>/</a:t>
-            </a:r>
-            <a:r>
-              <a:rPr lang="zh-TW" altLang="en-US" sz="1000" dirty="0">
-                <a:solidFill>
-                  <a:srgbClr val="000000"/>
-                </a:solidFill>
-                <a:latin typeface="Consolas" panose="020B0609020204030204" pitchFamily="49" charset="0"/>
-                <a:cs typeface="Courier New" panose="02070309020205020404" pitchFamily="49" charset="0"/>
-              </a:rPr>
-              <a:t>帽</a:t>
-            </a:r>
-            <a:r>
-              <a:rPr lang="en-US" altLang="zh-TW" sz="1000" dirty="0">
-                <a:solidFill>
-                  <a:srgbClr val="000000"/>
-                </a:solidFill>
-                <a:latin typeface="Consolas" panose="020B0609020204030204" pitchFamily="49" charset="0"/>
-                <a:cs typeface="Courier New" panose="02070309020205020404" pitchFamily="49" charset="0"/>
-              </a:rPr>
-              <a:t>', '</a:t>
-            </a:r>
-            <a:r>
-              <a:rPr lang="en-US" altLang="zh-TW" sz="1000" dirty="0" err="1">
-                <a:solidFill>
-                  <a:srgbClr val="000000"/>
-                </a:solidFill>
-                <a:latin typeface="Consolas" panose="020B0609020204030204" pitchFamily="49" charset="0"/>
-                <a:cs typeface="Courier New" panose="02070309020205020404" pitchFamily="49" charset="0"/>
-              </a:rPr>
-              <a:t>result_obj</a:t>
-            </a:r>
-            <a:r>
-              <a:rPr lang="en-US" altLang="zh-TW" sz="1000" dirty="0">
-                <a:solidFill>
-                  <a:srgbClr val="000000"/>
-                </a:solidFill>
-                <a:latin typeface="Consolas" panose="020B0609020204030204" pitchFamily="49" charset="0"/>
-                <a:cs typeface="Courier New" panose="02070309020205020404" pitchFamily="49" charset="0"/>
-              </a:rPr>
-              <a:t>': [[{'text': '</a:t>
-            </a:r>
-            <a:r>
-              <a:rPr lang="zh-TW" altLang="en-US" sz="1000" dirty="0">
-                <a:solidFill>
-                  <a:srgbClr val="000000"/>
-                </a:solidFill>
-                <a:latin typeface="Consolas" panose="020B0609020204030204" pitchFamily="49" charset="0"/>
-                <a:cs typeface="Courier New" panose="02070309020205020404" pitchFamily="49" charset="0"/>
-              </a:rPr>
-              <a:t>小</a:t>
-            </a:r>
-            <a:r>
-              <a:rPr lang="en-US" altLang="zh-TW" sz="1000" dirty="0">
-                <a:solidFill>
-                  <a:srgbClr val="000000"/>
-                </a:solidFill>
-                <a:latin typeface="Consolas" panose="020B0609020204030204" pitchFamily="49" charset="0"/>
-                <a:cs typeface="Courier New" panose="02070309020205020404" pitchFamily="49" charset="0"/>
-              </a:rPr>
-              <a:t>', 'pos': 'MODIFIER'}, {'text': '</a:t>
-            </a:r>
-            <a:r>
-              <a:rPr lang="zh-TW" altLang="en-US" sz="1000" dirty="0">
-                <a:solidFill>
-                  <a:srgbClr val="000000"/>
-                </a:solidFill>
-                <a:latin typeface="Consolas" panose="020B0609020204030204" pitchFamily="49" charset="0"/>
-                <a:cs typeface="Courier New" panose="02070309020205020404" pitchFamily="49" charset="0"/>
-              </a:rPr>
-              <a:t>紅</a:t>
-            </a:r>
-            <a:r>
-              <a:rPr lang="en-US" altLang="zh-TW" sz="1000" dirty="0">
-                <a:solidFill>
-                  <a:srgbClr val="000000"/>
-                </a:solidFill>
-                <a:latin typeface="Consolas" panose="020B0609020204030204" pitchFamily="49" charset="0"/>
-                <a:cs typeface="Courier New" panose="02070309020205020404" pitchFamily="49" charset="0"/>
-              </a:rPr>
-              <a:t>', 'pos': 'MODIFIER_color'}, {'text': '</a:t>
-            </a:r>
-            <a:r>
-              <a:rPr lang="zh-TW" altLang="en-US" sz="1000" dirty="0">
-                <a:solidFill>
-                  <a:srgbClr val="000000"/>
-                </a:solidFill>
-                <a:latin typeface="Consolas" panose="020B0609020204030204" pitchFamily="49" charset="0"/>
-                <a:cs typeface="Courier New" panose="02070309020205020404" pitchFamily="49" charset="0"/>
-              </a:rPr>
-              <a:t>帽</a:t>
-            </a:r>
-            <a:r>
-              <a:rPr lang="en-US" altLang="zh-TW" sz="1000" dirty="0">
-                <a:solidFill>
-                  <a:srgbClr val="000000"/>
-                </a:solidFill>
-                <a:latin typeface="Consolas" panose="020B0609020204030204" pitchFamily="49" charset="0"/>
-                <a:cs typeface="Courier New" panose="02070309020205020404" pitchFamily="49" charset="0"/>
-              </a:rPr>
-              <a:t>', 'pos': 'ENTITY_nounHead'}]], 'level': 'lv1', 'version': 'v235', 'status': True, 'msg': 'Success!', 'word_count_balance': 1991, 'product': 'https://api.droidtown.co/product/', 'document': 'https://api.droidtown.co/document/'}</a:t>
-            </a:r>
-          </a:p>
-          <a:p>
-            <a:pPr lvl="0" defTabSz="914400" eaLnBrk="0" fontAlgn="base" hangingPunct="0">
-              <a:spcBef>
-                <a:spcPct val="0"/>
-              </a:spcBef>
-              <a:spcAft>
-                <a:spcPct val="0"/>
-              </a:spcAft>
-            </a:pPr>
-            <a:endParaRPr lang="en-US" altLang="zh-TW" sz="1000" dirty="0">
-              <a:solidFill>
-                <a:srgbClr val="000000"/>
-              </a:solidFill>
-              <a:latin typeface="Consolas" panose="020B0609020204030204" pitchFamily="49" charset="0"/>
-              <a:cs typeface="Courier New" panose="02070309020205020404" pitchFamily="49" charset="0"/>
-            </a:endParaRPr>
-          </a:p>
-          <a:p>
-            <a:pPr lvl="0" defTabSz="914400" eaLnBrk="0" fontAlgn="base" hangingPunct="0">
-              <a:spcBef>
-                <a:spcPct val="0"/>
-              </a:spcBef>
-              <a:spcAft>
-                <a:spcPct val="0"/>
-              </a:spcAft>
-            </a:pPr>
-            <a:r>
-              <a:rPr lang="en-US" altLang="zh-TW" sz="1000" dirty="0">
-                <a:solidFill>
-                  <a:srgbClr val="000000"/>
-                </a:solidFill>
-                <a:latin typeface="Consolas" panose="020B0609020204030204" pitchFamily="49" charset="0"/>
-                <a:cs typeface="Courier New" panose="02070309020205020404" pitchFamily="49" charset="0"/>
-              </a:rPr>
-              <a:t> lv2 </a:t>
-            </a:r>
-            <a:r>
-              <a:rPr lang="zh-TW" altLang="en-US" sz="1000" dirty="0">
-                <a:solidFill>
-                  <a:srgbClr val="000000"/>
-                </a:solidFill>
-                <a:latin typeface="Consolas" panose="020B0609020204030204" pitchFamily="49" charset="0"/>
-                <a:cs typeface="Courier New" panose="02070309020205020404" pitchFamily="49" charset="0"/>
-              </a:rPr>
-              <a:t>的設定下，處理結果：</a:t>
-            </a:r>
-          </a:p>
-          <a:p>
-            <a:pPr lvl="0" defTabSz="914400" eaLnBrk="0" fontAlgn="base" hangingPunct="0">
-              <a:spcBef>
-                <a:spcPct val="0"/>
-              </a:spcBef>
-              <a:spcAft>
-                <a:spcPct val="0"/>
-              </a:spcAft>
-            </a:pPr>
-            <a:r>
-              <a:rPr lang="zh-TW" altLang="en-US" sz="1000" dirty="0">
-                <a:solidFill>
-                  <a:srgbClr val="000000"/>
-                </a:solidFill>
-                <a:latin typeface="Consolas" panose="020B0609020204030204" pitchFamily="49" charset="0"/>
-                <a:cs typeface="Courier New" panose="02070309020205020404" pitchFamily="49" charset="0"/>
-              </a:rPr>
-              <a:t> </a:t>
-            </a:r>
-            <a:r>
-              <a:rPr lang="en-US" altLang="zh-TW" sz="1000" dirty="0">
-                <a:solidFill>
-                  <a:srgbClr val="000000"/>
-                </a:solidFill>
-                <a:latin typeface="Consolas" panose="020B0609020204030204" pitchFamily="49" charset="0"/>
-                <a:cs typeface="Courier New" panose="02070309020205020404" pitchFamily="49" charset="0"/>
-              </a:rPr>
-              <a:t>{'exec_time': 0.054255008697509766, 'result_pos': ['&lt;ENTITY_nouny&gt;</a:t>
-            </a:r>
-            <a:r>
-              <a:rPr lang="zh-TW" altLang="en-US" sz="1000" dirty="0">
-                <a:solidFill>
-                  <a:srgbClr val="000000"/>
-                </a:solidFill>
-                <a:latin typeface="Consolas" panose="020B0609020204030204" pitchFamily="49" charset="0"/>
-                <a:cs typeface="Courier New" panose="02070309020205020404" pitchFamily="49" charset="0"/>
-              </a:rPr>
-              <a:t>小紅帽</a:t>
-            </a:r>
-            <a:r>
-              <a:rPr lang="en-US" altLang="zh-TW" sz="1000" dirty="0">
-                <a:solidFill>
-                  <a:srgbClr val="000000"/>
-                </a:solidFill>
-                <a:latin typeface="Consolas" panose="020B0609020204030204" pitchFamily="49" charset="0"/>
-                <a:cs typeface="Courier New" panose="02070309020205020404" pitchFamily="49" charset="0"/>
-              </a:rPr>
-              <a:t>&lt;/ENTITY_nouny&gt;'], 'result_segmentation': '</a:t>
-            </a:r>
-            <a:r>
-              <a:rPr lang="zh-TW" altLang="en-US" sz="1000" dirty="0">
-                <a:solidFill>
-                  <a:srgbClr val="000000"/>
-                </a:solidFill>
-                <a:latin typeface="Consolas" panose="020B0609020204030204" pitchFamily="49" charset="0"/>
-                <a:cs typeface="Courier New" panose="02070309020205020404" pitchFamily="49" charset="0"/>
-              </a:rPr>
-              <a:t>小紅帽</a:t>
-            </a:r>
-            <a:r>
-              <a:rPr lang="en-US" altLang="zh-TW" sz="1000" dirty="0">
-                <a:solidFill>
-                  <a:srgbClr val="000000"/>
-                </a:solidFill>
-                <a:latin typeface="Consolas" panose="020B0609020204030204" pitchFamily="49" charset="0"/>
-                <a:cs typeface="Courier New" panose="02070309020205020404" pitchFamily="49" charset="0"/>
-              </a:rPr>
-              <a:t>', '</a:t>
-            </a:r>
-            <a:r>
-              <a:rPr lang="en-US" altLang="zh-TW" sz="1000" dirty="0" err="1">
-                <a:solidFill>
-                  <a:srgbClr val="000000"/>
-                </a:solidFill>
-                <a:latin typeface="Consolas" panose="020B0609020204030204" pitchFamily="49" charset="0"/>
-                <a:cs typeface="Courier New" panose="02070309020205020404" pitchFamily="49" charset="0"/>
-              </a:rPr>
-              <a:t>result_obj</a:t>
-            </a:r>
-            <a:r>
-              <a:rPr lang="en-US" altLang="zh-TW" sz="1000" dirty="0">
-                <a:solidFill>
-                  <a:srgbClr val="000000"/>
-                </a:solidFill>
-                <a:latin typeface="Consolas" panose="020B0609020204030204" pitchFamily="49" charset="0"/>
-                <a:cs typeface="Courier New" panose="02070309020205020404" pitchFamily="49" charset="0"/>
-              </a:rPr>
-              <a:t>': [[{'text': '</a:t>
-            </a:r>
-            <a:r>
-              <a:rPr lang="zh-TW" altLang="en-US" sz="1000" dirty="0">
-                <a:solidFill>
-                  <a:srgbClr val="000000"/>
-                </a:solidFill>
-                <a:latin typeface="Consolas" panose="020B0609020204030204" pitchFamily="49" charset="0"/>
-                <a:cs typeface="Courier New" panose="02070309020205020404" pitchFamily="49" charset="0"/>
-              </a:rPr>
-              <a:t>小紅帽</a:t>
-            </a:r>
-            <a:r>
-              <a:rPr lang="en-US" altLang="zh-TW" sz="1000" dirty="0">
-                <a:solidFill>
-                  <a:srgbClr val="000000"/>
-                </a:solidFill>
-                <a:latin typeface="Consolas" panose="020B0609020204030204" pitchFamily="49" charset="0"/>
-                <a:cs typeface="Courier New" panose="02070309020205020404" pitchFamily="49" charset="0"/>
-              </a:rPr>
-              <a:t>', 'pos': 'ENTITY_nouny'}]], 'level': 'lv2', 'version': 'v235', 'status': True, 'msg': 'Success!', 'word_count_balance': 1988, 'product': 'https://api.droidtown.co/product/', 'document': 'https://api.droidtown.co/document/'}</a:t>
-            </a:r>
-            <a:endParaRPr kumimoji="0" lang="zh-TW" altLang="zh-TW" sz="1800" b="0" i="0" u="none" strike="noStrike" cap="none" normalizeH="0" baseline="0" dirty="0">
-              <a:ln>
-                <a:noFill/>
-              </a:ln>
-              <a:solidFill>
-                <a:schemeClr val="tx1"/>
-              </a:solidFill>
-              <a:effectLst/>
-              <a:latin typeface="Arial" panose="020B0604020202020204" pitchFamily="34" charset="0"/>
-            </a:endParaRPr>
-          </a:p>
-        </p:txBody>
-      </p:sp>
-      <p:sp>
-        <p:nvSpPr>
-          <p:cNvPr id="4" name="矩形 3">
-            <a:extLst>
-              <a:ext uri="{FF2B5EF4-FFF2-40B4-BE49-F238E27FC236}">
-                <a16:creationId xmlns:a16="http://schemas.microsoft.com/office/drawing/2014/main" id="{28203FCB-B5AE-4986-8AA3-6BBA0038C58C}"/>
-              </a:ext>
-            </a:extLst>
-          </p:cNvPr>
-          <p:cNvSpPr/>
-          <p:nvPr/>
-        </p:nvSpPr>
-        <p:spPr>
-          <a:xfrm>
-            <a:off x="6331596" y="3245623"/>
-            <a:ext cx="852617" cy="238669"/>
-          </a:xfrm>
-          <a:prstGeom prst="rect">
-            <a:avLst/>
-          </a:prstGeom>
-          <a:noFill/>
-          <a:ln>
-            <a:solidFill>
-              <a:srgbClr val="FF0000"/>
-            </a:solidFill>
-          </a:ln>
-        </p:spPr>
-        <p:style>
-          <a:lnRef idx="2">
-            <a:schemeClr val="accent1">
-              <a:shade val="50000"/>
-            </a:schemeClr>
-          </a:lnRef>
-          <a:fillRef idx="1">
-            <a:schemeClr val="accent1"/>
-          </a:fillRef>
-          <a:effectRef idx="0">
-            <a:schemeClr val="accent1"/>
-          </a:effectRef>
-          <a:fontRef idx="minor">
-            <a:schemeClr val="lt1"/>
-          </a:fontRef>
-        </p:style>
-        <p:txBody>
-          <a:bodyPr rtlCol="0" anchor="ctr"/>
-          <a:lstStyle/>
-          <a:p>
-            <a:pPr algn="ctr"/>
-            <a:endParaRPr lang="zh-TW" altLang="en-US"/>
-          </a:p>
-        </p:txBody>
-      </p:sp>
-      <p:sp>
-        <p:nvSpPr>
-          <p:cNvPr id="9" name="矩形 8">
-            <a:extLst>
-              <a:ext uri="{FF2B5EF4-FFF2-40B4-BE49-F238E27FC236}">
-                <a16:creationId xmlns:a16="http://schemas.microsoft.com/office/drawing/2014/main" id="{3724AE84-9925-4FC5-9126-1F17A2C39261}"/>
-              </a:ext>
-            </a:extLst>
-          </p:cNvPr>
-          <p:cNvSpPr/>
-          <p:nvPr/>
-        </p:nvSpPr>
-        <p:spPr>
-          <a:xfrm>
-            <a:off x="2291819" y="4461838"/>
-            <a:ext cx="652261" cy="224631"/>
-          </a:xfrm>
-          <a:prstGeom prst="rect">
-            <a:avLst/>
-          </a:prstGeom>
-          <a:noFill/>
-          <a:ln>
-            <a:solidFill>
-              <a:srgbClr val="FF0000"/>
-            </a:solidFill>
-          </a:ln>
-        </p:spPr>
-        <p:style>
-          <a:lnRef idx="2">
-            <a:schemeClr val="accent1">
-              <a:shade val="50000"/>
-            </a:schemeClr>
-          </a:lnRef>
-          <a:fillRef idx="1">
-            <a:schemeClr val="accent1"/>
-          </a:fillRef>
-          <a:effectRef idx="0">
-            <a:schemeClr val="accent1"/>
-          </a:effectRef>
-          <a:fontRef idx="minor">
-            <a:schemeClr val="lt1"/>
-          </a:fontRef>
-        </p:style>
-        <p:txBody>
-          <a:bodyPr rtlCol="0" anchor="ctr"/>
-          <a:lstStyle/>
-          <a:p>
-            <a:pPr algn="ctr"/>
-            <a:endParaRPr lang="zh-TW" altLang="en-US"/>
-          </a:p>
-        </p:txBody>
-      </p:sp>
-      <p:sp>
-        <p:nvSpPr>
           <p:cNvPr id="7" name="投影片編號版面配置區 6">
             <a:extLst>
               <a:ext uri="{FF2B5EF4-FFF2-40B4-BE49-F238E27FC236}">
@@ -19935,7 +19312,7 @@
   <p:cSld>
     <p:spTree>
       <p:nvGrpSpPr>
-        <p:cNvPr id="1" name="Shape 118"/>
+        <p:cNvPr id="1" name=""/>
         <p:cNvGrpSpPr/>
         <p:nvPr/>
       </p:nvGrpSpPr>
@@ -19949,113 +19326,62 @@
       </p:grpSpPr>
       <p:sp>
         <p:nvSpPr>
-          <p:cNvPr id="119" name="Google Shape;119;p9"/>
-          <p:cNvSpPr txBox="1">
+          <p:cNvPr id="2" name="標題 1">
+            <a:extLst>
+              <a:ext uri="{FF2B5EF4-FFF2-40B4-BE49-F238E27FC236}">
+                <a16:creationId xmlns:a16="http://schemas.microsoft.com/office/drawing/2014/main" id="{04581404-A1C0-4047-B8DF-2E0285CC76C8}"/>
+              </a:ext>
+            </a:extLst>
+          </p:cNvPr>
+          <p:cNvSpPr>
             <a:spLocks noGrp="1"/>
           </p:cNvSpPr>
           <p:nvPr>
             <p:ph type="title"/>
           </p:nvPr>
         </p:nvSpPr>
-        <p:spPr>
-          <a:prstGeom prst="rect">
-            <a:avLst/>
-          </a:prstGeom>
-          <a:noFill/>
-          <a:ln>
-            <a:noFill/>
-          </a:ln>
-        </p:spPr>
+        <p:spPr/>
         <p:txBody>
-          <a:bodyPr spcFirstLastPara="1" wrap="square" lIns="91425" tIns="91425" rIns="91425" bIns="91425" anchor="b" anchorCtr="0">
-            <a:noAutofit/>
+          <a:bodyPr>
+            <a:normAutofit fontScale="90000"/>
           </a:bodyPr>
           <a:lstStyle/>
           <a:p>
-            <a:pPr marL="0" lvl="0" indent="0" algn="l" rtl="0">
-              <a:lnSpc>
-                <a:spcPct val="100000"/>
-              </a:lnSpc>
-              <a:spcBef>
-                <a:spcPts val="0"/>
-              </a:spcBef>
-              <a:spcAft>
-                <a:spcPts val="0"/>
-              </a:spcAft>
-              <a:buSzPts val="3000"/>
-              <a:buNone/>
-            </a:pPr>
-            <a:r>
-              <a:rPr lang="zh-TW" sz="4000" dirty="0"/>
-              <a:t>進階用法之一：lv1 和 lv2</a:t>
-            </a:r>
-            <a:endParaRPr sz="4000" dirty="0"/>
+            <a:endParaRPr lang="zh-TW" altLang="en-US"/>
           </a:p>
         </p:txBody>
       </p:sp>
       <p:sp>
         <p:nvSpPr>
-          <p:cNvPr id="120" name="Google Shape;120;p9"/>
-          <p:cNvSpPr txBox="1">
+          <p:cNvPr id="3" name="文字版面配置區 2">
+            <a:extLst>
+              <a:ext uri="{FF2B5EF4-FFF2-40B4-BE49-F238E27FC236}">
+                <a16:creationId xmlns:a16="http://schemas.microsoft.com/office/drawing/2014/main" id="{7A928954-227C-45F3-8110-72B299D18858}"/>
+              </a:ext>
+            </a:extLst>
+          </p:cNvPr>
+          <p:cNvSpPr>
             <a:spLocks noGrp="1"/>
           </p:cNvSpPr>
           <p:nvPr>
             <p:ph type="body" idx="1"/>
           </p:nvPr>
         </p:nvSpPr>
-        <p:spPr>
-          <a:xfrm>
-            <a:off x="387900" y="1489825"/>
-            <a:ext cx="7926367" cy="3032748"/>
-          </a:xfrm>
-          <a:prstGeom prst="rect">
-            <a:avLst/>
-          </a:prstGeom>
-          <a:noFill/>
-          <a:ln>
-            <a:noFill/>
-          </a:ln>
-        </p:spPr>
+        <p:spPr/>
         <p:txBody>
-          <a:bodyPr spcFirstLastPara="1" wrap="square" lIns="91425" tIns="91425" rIns="91425" bIns="91425" anchor="t" anchorCtr="0">
-            <a:normAutofit/>
-          </a:bodyPr>
+          <a:bodyPr/>
           <a:lstStyle/>
           <a:p>
-            <a:pPr marL="285750" lvl="0" indent="-285750" algn="l" rtl="0">
-              <a:lnSpc>
-                <a:spcPct val="115000"/>
-              </a:lnSpc>
-              <a:spcBef>
-                <a:spcPts val="0"/>
-              </a:spcBef>
-              <a:spcAft>
-                <a:spcPts val="0"/>
-              </a:spcAft>
-              <a:buSzPct val="117647"/>
-              <a:buFont typeface="Wingdings" panose="05000000000000000000" pitchFamily="2" charset="2"/>
-              <a:buChar char="Ø"/>
-            </a:pPr>
-            <a:r>
-              <a:rPr lang="zh-TW" sz="2800" dirty="0">
-                <a:latin typeface="Arial" panose="020B0604020202020204" pitchFamily="34" charset="0"/>
-                <a:cs typeface="Arial" panose="020B0604020202020204" pitchFamily="34" charset="0"/>
-              </a:rPr>
-              <a:t>同理，在 lv1 下會把動詞和時態標記分開，因此「創造了」會被切分成「創造/了」；但在 lv2 的設定下，則會把動詞和時態標記結合在一起，因此「創造了」將在 lv2 處理為「創造了」。</a:t>
-            </a:r>
-            <a:endParaRPr sz="2800" dirty="0">
-              <a:latin typeface="Arial" panose="020B0604020202020204" pitchFamily="34" charset="0"/>
-              <a:cs typeface="Arial" panose="020B0604020202020204" pitchFamily="34" charset="0"/>
-            </a:endParaRPr>
+            <a:endParaRPr lang="zh-TW" altLang="en-US"/>
           </a:p>
         </p:txBody>
       </p:sp>
       <p:sp>
         <p:nvSpPr>
-          <p:cNvPr id="3" name="投影片編號版面配置區 2">
+          <p:cNvPr id="4" name="投影片編號版面配置區 3">
             <a:extLst>
               <a:ext uri="{FF2B5EF4-FFF2-40B4-BE49-F238E27FC236}">
-                <a16:creationId xmlns:a16="http://schemas.microsoft.com/office/drawing/2014/main" id="{921313F3-F025-4D09-89F6-6AE0219AD102}"/>
+                <a16:creationId xmlns:a16="http://schemas.microsoft.com/office/drawing/2014/main" id="{2F80ED32-2E43-4E15-B5A8-FEE27D793DE8}"/>
               </a:ext>
             </a:extLst>
           </p:cNvPr>
@@ -20088,10 +19414,1594 @@
           </a:p>
         </p:txBody>
       </p:sp>
+      <p:sp>
+        <p:nvSpPr>
+          <p:cNvPr id="5" name="Rectangle 1">
+            <a:extLst>
+              <a:ext uri="{FF2B5EF4-FFF2-40B4-BE49-F238E27FC236}">
+                <a16:creationId xmlns:a16="http://schemas.microsoft.com/office/drawing/2014/main" id="{AE6AEBA6-4D3E-4AA4-A631-7860FC057BBB}"/>
+              </a:ext>
+            </a:extLst>
+          </p:cNvPr>
+          <p:cNvSpPr>
+            <a:spLocks noChangeArrowheads="1"/>
+          </p:cNvSpPr>
+          <p:nvPr/>
+        </p:nvSpPr>
+        <p:spPr bwMode="auto">
+          <a:xfrm>
+            <a:off x="232755" y="243369"/>
+            <a:ext cx="8514053" cy="4616648"/>
+          </a:xfrm>
+          <a:prstGeom prst="rect">
+            <a:avLst/>
+          </a:prstGeom>
+          <a:solidFill>
+            <a:schemeClr val="accent1">
+              <a:lumMod val="40000"/>
+              <a:lumOff val="60000"/>
+            </a:schemeClr>
+          </a:solidFill>
+          <a:ln>
+            <a:noFill/>
+          </a:ln>
+          <a:effectLst/>
+        </p:spPr>
+        <p:txBody>
+          <a:bodyPr vert="horz" wrap="square" lIns="0" tIns="0" rIns="0" bIns="0" numCol="1" anchor="ctr" anchorCtr="0" compatLnSpc="1">
+            <a:prstTxWarp prst="textNoShape">
+              <a:avLst/>
+            </a:prstTxWarp>
+            <a:spAutoFit/>
+          </a:bodyPr>
+          <a:lstStyle/>
+          <a:p>
+            <a:pPr defTabSz="914400" eaLnBrk="0" fontAlgn="base" hangingPunct="0">
+              <a:spcBef>
+                <a:spcPct val="0"/>
+              </a:spcBef>
+              <a:spcAft>
+                <a:spcPct val="0"/>
+              </a:spcAft>
+            </a:pPr>
+            <a:r>
+              <a:rPr lang="zh-TW" altLang="en-US" sz="1000" u="sng" dirty="0">
+                <a:solidFill>
+                  <a:schemeClr val="dk1"/>
+                </a:solidFill>
+                <a:latin typeface="Consolas" panose="020B0609020204030204" pitchFamily="49" charset="0"/>
+                <a:ea typeface="Arial"/>
+                <a:cs typeface="Arial"/>
+                <a:sym typeface="Arial"/>
+              </a:rPr>
+              <a:t>執行結果</a:t>
+            </a:r>
+            <a:endParaRPr lang="en-US" altLang="zh-TW" sz="1000" u="sng" dirty="0">
+              <a:solidFill>
+                <a:schemeClr val="dk1"/>
+              </a:solidFill>
+              <a:latin typeface="Consolas" panose="020B0609020204030204" pitchFamily="49" charset="0"/>
+              <a:ea typeface="Arial"/>
+              <a:cs typeface="Arial"/>
+              <a:sym typeface="Arial"/>
+            </a:endParaRPr>
+          </a:p>
+          <a:p>
+            <a:pPr defTabSz="914400" eaLnBrk="0" fontAlgn="base" hangingPunct="0">
+              <a:spcBef>
+                <a:spcPct val="0"/>
+              </a:spcBef>
+              <a:spcAft>
+                <a:spcPct val="0"/>
+              </a:spcAft>
+            </a:pPr>
+            <a:r>
+              <a:rPr lang="en-US" altLang="zh-TW" sz="1000" dirty="0">
+                <a:solidFill>
+                  <a:schemeClr val="dk1"/>
+                </a:solidFill>
+                <a:latin typeface="Consolas" panose="020B0609020204030204" pitchFamily="49" charset="0"/>
+                <a:ea typeface="Arial"/>
+                <a:cs typeface="Arial"/>
+                <a:sym typeface="Arial"/>
+              </a:rPr>
+              <a:t>lv1 </a:t>
+            </a:r>
+            <a:r>
+              <a:rPr lang="zh-TW" altLang="en-US" sz="1000" dirty="0">
+                <a:solidFill>
+                  <a:schemeClr val="dk1"/>
+                </a:solidFill>
+                <a:latin typeface="Consolas" panose="020B0609020204030204" pitchFamily="49" charset="0"/>
+                <a:ea typeface="Arial"/>
+                <a:cs typeface="Arial"/>
+                <a:sym typeface="Arial"/>
+              </a:rPr>
+              <a:t>的設定下，處理結果：</a:t>
+            </a:r>
+          </a:p>
+          <a:p>
+            <a:pPr defTabSz="914400" eaLnBrk="0" fontAlgn="base" hangingPunct="0">
+              <a:spcBef>
+                <a:spcPct val="0"/>
+              </a:spcBef>
+              <a:spcAft>
+                <a:spcPct val="0"/>
+              </a:spcAft>
+            </a:pPr>
+            <a:endParaRPr lang="zh-TW" altLang="en-US" sz="1000" dirty="0">
+              <a:solidFill>
+                <a:schemeClr val="dk1"/>
+              </a:solidFill>
+              <a:latin typeface="Consolas" panose="020B0609020204030204" pitchFamily="49" charset="0"/>
+              <a:ea typeface="Arial"/>
+              <a:cs typeface="Arial"/>
+              <a:sym typeface="Arial"/>
+            </a:endParaRPr>
+          </a:p>
+          <a:p>
+            <a:pPr defTabSz="914400" eaLnBrk="0" fontAlgn="base" hangingPunct="0">
+              <a:spcBef>
+                <a:spcPct val="0"/>
+              </a:spcBef>
+              <a:spcAft>
+                <a:spcPct val="0"/>
+              </a:spcAft>
+            </a:pPr>
+            <a:r>
+              <a:rPr lang="en-US" altLang="zh-TW" sz="1000" dirty="0">
+                <a:solidFill>
+                  <a:schemeClr val="dk1"/>
+                </a:solidFill>
+                <a:latin typeface="Consolas" panose="020B0609020204030204" pitchFamily="49" charset="0"/>
+                <a:ea typeface="Arial"/>
+                <a:cs typeface="Arial"/>
+                <a:sym typeface="Arial"/>
+              </a:rPr>
+              <a:t>{'document': 'https://api.droidtown.co/document/',</a:t>
+            </a:r>
+          </a:p>
+          <a:p>
+            <a:pPr defTabSz="914400" eaLnBrk="0" fontAlgn="base" hangingPunct="0">
+              <a:spcBef>
+                <a:spcPct val="0"/>
+              </a:spcBef>
+              <a:spcAft>
+                <a:spcPct val="0"/>
+              </a:spcAft>
+            </a:pPr>
+            <a:r>
+              <a:rPr lang="en-US" altLang="zh-TW" sz="1000" dirty="0">
+                <a:solidFill>
+                  <a:schemeClr val="dk1"/>
+                </a:solidFill>
+                <a:latin typeface="Consolas" panose="020B0609020204030204" pitchFamily="49" charset="0"/>
+                <a:ea typeface="Arial"/>
+                <a:cs typeface="Arial"/>
+                <a:sym typeface="Arial"/>
+              </a:rPr>
+              <a:t> '</a:t>
+            </a:r>
+            <a:r>
+              <a:rPr lang="en-US" altLang="zh-TW" sz="1000" dirty="0" err="1">
+                <a:solidFill>
+                  <a:schemeClr val="dk1"/>
+                </a:solidFill>
+                <a:latin typeface="Consolas" panose="020B0609020204030204" pitchFamily="49" charset="0"/>
+                <a:ea typeface="Arial"/>
+                <a:cs typeface="Arial"/>
+                <a:sym typeface="Arial"/>
+              </a:rPr>
+              <a:t>exec_time</a:t>
+            </a:r>
+            <a:r>
+              <a:rPr lang="en-US" altLang="zh-TW" sz="1000" dirty="0">
+                <a:solidFill>
+                  <a:schemeClr val="dk1"/>
+                </a:solidFill>
+                <a:latin typeface="Consolas" panose="020B0609020204030204" pitchFamily="49" charset="0"/>
+                <a:ea typeface="Arial"/>
+                <a:cs typeface="Arial"/>
+                <a:sym typeface="Arial"/>
+              </a:rPr>
+              <a:t>': 0.03942060470581055,</a:t>
+            </a:r>
+          </a:p>
+          <a:p>
+            <a:pPr defTabSz="914400" eaLnBrk="0" fontAlgn="base" hangingPunct="0">
+              <a:spcBef>
+                <a:spcPct val="0"/>
+              </a:spcBef>
+              <a:spcAft>
+                <a:spcPct val="0"/>
+              </a:spcAft>
+            </a:pPr>
+            <a:r>
+              <a:rPr lang="en-US" altLang="zh-TW" sz="1000" dirty="0">
+                <a:solidFill>
+                  <a:schemeClr val="dk1"/>
+                </a:solidFill>
+                <a:latin typeface="Consolas" panose="020B0609020204030204" pitchFamily="49" charset="0"/>
+                <a:ea typeface="Arial"/>
+                <a:cs typeface="Arial"/>
+                <a:sym typeface="Arial"/>
+              </a:rPr>
+              <a:t> 'level': 'lv1',</a:t>
+            </a:r>
+          </a:p>
+          <a:p>
+            <a:pPr defTabSz="914400" eaLnBrk="0" fontAlgn="base" hangingPunct="0">
+              <a:spcBef>
+                <a:spcPct val="0"/>
+              </a:spcBef>
+              <a:spcAft>
+                <a:spcPct val="0"/>
+              </a:spcAft>
+            </a:pPr>
+            <a:r>
+              <a:rPr lang="en-US" altLang="zh-TW" sz="1000" dirty="0">
+                <a:solidFill>
+                  <a:schemeClr val="dk1"/>
+                </a:solidFill>
+                <a:latin typeface="Consolas" panose="020B0609020204030204" pitchFamily="49" charset="0"/>
+                <a:ea typeface="Arial"/>
+                <a:cs typeface="Arial"/>
+                <a:sym typeface="Arial"/>
+              </a:rPr>
+              <a:t> 'msg': 'Success!',</a:t>
+            </a:r>
+          </a:p>
+          <a:p>
+            <a:pPr defTabSz="914400" eaLnBrk="0" fontAlgn="base" hangingPunct="0">
+              <a:spcBef>
+                <a:spcPct val="0"/>
+              </a:spcBef>
+              <a:spcAft>
+                <a:spcPct val="0"/>
+              </a:spcAft>
+            </a:pPr>
+            <a:r>
+              <a:rPr lang="en-US" altLang="zh-TW" sz="1000" dirty="0">
+                <a:solidFill>
+                  <a:schemeClr val="dk1"/>
+                </a:solidFill>
+                <a:latin typeface="Consolas" panose="020B0609020204030204" pitchFamily="49" charset="0"/>
+                <a:ea typeface="Arial"/>
+                <a:cs typeface="Arial"/>
+                <a:sym typeface="Arial"/>
+              </a:rPr>
+              <a:t> 'product': 'https://api.droidtown.co/product/',</a:t>
+            </a:r>
+          </a:p>
+          <a:p>
+            <a:pPr defTabSz="914400" eaLnBrk="0" fontAlgn="base" hangingPunct="0">
+              <a:spcBef>
+                <a:spcPct val="0"/>
+              </a:spcBef>
+              <a:spcAft>
+                <a:spcPct val="0"/>
+              </a:spcAft>
+            </a:pPr>
+            <a:r>
+              <a:rPr lang="en-US" altLang="zh-TW" sz="1000" dirty="0">
+                <a:solidFill>
+                  <a:schemeClr val="dk1"/>
+                </a:solidFill>
+                <a:latin typeface="Consolas" panose="020B0609020204030204" pitchFamily="49" charset="0"/>
+                <a:ea typeface="Arial"/>
+                <a:cs typeface="Arial"/>
+                <a:sym typeface="Arial"/>
+              </a:rPr>
+              <a:t> '</a:t>
+            </a:r>
+            <a:r>
+              <a:rPr lang="en-US" altLang="zh-TW" sz="1000" dirty="0" err="1">
+                <a:solidFill>
+                  <a:schemeClr val="dk1"/>
+                </a:solidFill>
+                <a:latin typeface="Consolas" panose="020B0609020204030204" pitchFamily="49" charset="0"/>
+                <a:ea typeface="Arial"/>
+                <a:cs typeface="Arial"/>
+                <a:sym typeface="Arial"/>
+              </a:rPr>
+              <a:t>result_obj</a:t>
+            </a:r>
+            <a:r>
+              <a:rPr lang="en-US" altLang="zh-TW" sz="1000" dirty="0">
+                <a:solidFill>
+                  <a:schemeClr val="dk1"/>
+                </a:solidFill>
+                <a:latin typeface="Consolas" panose="020B0609020204030204" pitchFamily="49" charset="0"/>
+                <a:ea typeface="Arial"/>
+                <a:cs typeface="Arial"/>
+                <a:sym typeface="Arial"/>
+              </a:rPr>
+              <a:t>': [[{'pos': 'MODIFIER', 'text': '</a:t>
+            </a:r>
+            <a:r>
+              <a:rPr lang="zh-TW" altLang="en-US" sz="1000" dirty="0">
+                <a:solidFill>
+                  <a:schemeClr val="dk1"/>
+                </a:solidFill>
+                <a:latin typeface="Consolas" panose="020B0609020204030204" pitchFamily="49" charset="0"/>
+                <a:ea typeface="Arial"/>
+                <a:cs typeface="Arial"/>
+                <a:sym typeface="Arial"/>
+              </a:rPr>
+              <a:t>小</a:t>
+            </a:r>
+            <a:r>
+              <a:rPr lang="en-US" altLang="zh-TW" sz="1000" dirty="0">
+                <a:solidFill>
+                  <a:schemeClr val="dk1"/>
+                </a:solidFill>
+                <a:latin typeface="Consolas" panose="020B0609020204030204" pitchFamily="49" charset="0"/>
+                <a:ea typeface="Arial"/>
+                <a:cs typeface="Arial"/>
+                <a:sym typeface="Arial"/>
+              </a:rPr>
+              <a:t>'},</a:t>
+            </a:r>
+          </a:p>
+          <a:p>
+            <a:pPr defTabSz="914400" eaLnBrk="0" fontAlgn="base" hangingPunct="0">
+              <a:spcBef>
+                <a:spcPct val="0"/>
+              </a:spcBef>
+              <a:spcAft>
+                <a:spcPct val="0"/>
+              </a:spcAft>
+            </a:pPr>
+            <a:r>
+              <a:rPr lang="en-US" altLang="zh-TW" sz="1000" dirty="0">
+                <a:solidFill>
+                  <a:schemeClr val="dk1"/>
+                </a:solidFill>
+                <a:latin typeface="Consolas" panose="020B0609020204030204" pitchFamily="49" charset="0"/>
+                <a:ea typeface="Arial"/>
+                <a:cs typeface="Arial"/>
+                <a:sym typeface="Arial"/>
+              </a:rPr>
+              <a:t>                 {'pos': '</a:t>
+            </a:r>
+            <a:r>
+              <a:rPr lang="en-US" altLang="zh-TW" sz="1000" dirty="0" err="1">
+                <a:solidFill>
+                  <a:schemeClr val="dk1"/>
+                </a:solidFill>
+                <a:latin typeface="Consolas" panose="020B0609020204030204" pitchFamily="49" charset="0"/>
+                <a:ea typeface="Arial"/>
+                <a:cs typeface="Arial"/>
+                <a:sym typeface="Arial"/>
+              </a:rPr>
+              <a:t>MODIFIER_color</a:t>
+            </a:r>
+            <a:r>
+              <a:rPr lang="en-US" altLang="zh-TW" sz="1000" dirty="0">
+                <a:solidFill>
+                  <a:schemeClr val="dk1"/>
+                </a:solidFill>
+                <a:latin typeface="Consolas" panose="020B0609020204030204" pitchFamily="49" charset="0"/>
+                <a:ea typeface="Arial"/>
+                <a:cs typeface="Arial"/>
+                <a:sym typeface="Arial"/>
+              </a:rPr>
+              <a:t>', 'text': '</a:t>
+            </a:r>
+            <a:r>
+              <a:rPr lang="zh-TW" altLang="en-US" sz="1000" dirty="0">
+                <a:solidFill>
+                  <a:schemeClr val="dk1"/>
+                </a:solidFill>
+                <a:latin typeface="Consolas" panose="020B0609020204030204" pitchFamily="49" charset="0"/>
+                <a:ea typeface="Arial"/>
+                <a:cs typeface="Arial"/>
+                <a:sym typeface="Arial"/>
+              </a:rPr>
+              <a:t>紅</a:t>
+            </a:r>
+            <a:r>
+              <a:rPr lang="en-US" altLang="zh-TW" sz="1000" dirty="0">
+                <a:solidFill>
+                  <a:schemeClr val="dk1"/>
+                </a:solidFill>
+                <a:latin typeface="Consolas" panose="020B0609020204030204" pitchFamily="49" charset="0"/>
+                <a:ea typeface="Arial"/>
+                <a:cs typeface="Arial"/>
+                <a:sym typeface="Arial"/>
+              </a:rPr>
+              <a:t>'},</a:t>
+            </a:r>
+          </a:p>
+          <a:p>
+            <a:pPr defTabSz="914400" eaLnBrk="0" fontAlgn="base" hangingPunct="0">
+              <a:spcBef>
+                <a:spcPct val="0"/>
+              </a:spcBef>
+              <a:spcAft>
+                <a:spcPct val="0"/>
+              </a:spcAft>
+            </a:pPr>
+            <a:r>
+              <a:rPr lang="en-US" altLang="zh-TW" sz="1000" dirty="0">
+                <a:solidFill>
+                  <a:schemeClr val="dk1"/>
+                </a:solidFill>
+                <a:latin typeface="Consolas" panose="020B0609020204030204" pitchFamily="49" charset="0"/>
+                <a:ea typeface="Arial"/>
+                <a:cs typeface="Arial"/>
+                <a:sym typeface="Arial"/>
+              </a:rPr>
+              <a:t>                 {'pos': '</a:t>
+            </a:r>
+            <a:r>
+              <a:rPr lang="en-US" altLang="zh-TW" sz="1000" dirty="0" err="1">
+                <a:solidFill>
+                  <a:schemeClr val="dk1"/>
+                </a:solidFill>
+                <a:latin typeface="Consolas" panose="020B0609020204030204" pitchFamily="49" charset="0"/>
+                <a:ea typeface="Arial"/>
+                <a:cs typeface="Arial"/>
+                <a:sym typeface="Arial"/>
+              </a:rPr>
+              <a:t>ENTITY_nounHead</a:t>
+            </a:r>
+            <a:r>
+              <a:rPr lang="en-US" altLang="zh-TW" sz="1000" dirty="0">
+                <a:solidFill>
+                  <a:schemeClr val="dk1"/>
+                </a:solidFill>
+                <a:latin typeface="Consolas" panose="020B0609020204030204" pitchFamily="49" charset="0"/>
+                <a:ea typeface="Arial"/>
+                <a:cs typeface="Arial"/>
+                <a:sym typeface="Arial"/>
+              </a:rPr>
+              <a:t>', 'text': '</a:t>
+            </a:r>
+            <a:r>
+              <a:rPr lang="zh-TW" altLang="en-US" sz="1000" dirty="0">
+                <a:solidFill>
+                  <a:schemeClr val="dk1"/>
+                </a:solidFill>
+                <a:latin typeface="Consolas" panose="020B0609020204030204" pitchFamily="49" charset="0"/>
+                <a:ea typeface="Arial"/>
+                <a:cs typeface="Arial"/>
+                <a:sym typeface="Arial"/>
+              </a:rPr>
+              <a:t>帽</a:t>
+            </a:r>
+            <a:r>
+              <a:rPr lang="en-US" altLang="zh-TW" sz="1000" dirty="0">
+                <a:solidFill>
+                  <a:schemeClr val="dk1"/>
+                </a:solidFill>
+                <a:latin typeface="Consolas" panose="020B0609020204030204" pitchFamily="49" charset="0"/>
+                <a:ea typeface="Arial"/>
+                <a:cs typeface="Arial"/>
+                <a:sym typeface="Arial"/>
+              </a:rPr>
+              <a:t>'}]],</a:t>
+            </a:r>
+          </a:p>
+          <a:p>
+            <a:pPr defTabSz="914400" eaLnBrk="0" fontAlgn="base" hangingPunct="0">
+              <a:spcBef>
+                <a:spcPct val="0"/>
+              </a:spcBef>
+              <a:spcAft>
+                <a:spcPct val="0"/>
+              </a:spcAft>
+            </a:pPr>
+            <a:r>
+              <a:rPr lang="en-US" altLang="zh-TW" sz="1000" dirty="0">
+                <a:solidFill>
+                  <a:schemeClr val="dk1"/>
+                </a:solidFill>
+                <a:latin typeface="Consolas" panose="020B0609020204030204" pitchFamily="49" charset="0"/>
+                <a:ea typeface="Arial"/>
+                <a:cs typeface="Arial"/>
+                <a:sym typeface="Arial"/>
+              </a:rPr>
+              <a:t> '</a:t>
+            </a:r>
+            <a:r>
+              <a:rPr lang="en-US" altLang="zh-TW" sz="1000" dirty="0" err="1">
+                <a:solidFill>
+                  <a:schemeClr val="dk1"/>
+                </a:solidFill>
+                <a:latin typeface="Consolas" panose="020B0609020204030204" pitchFamily="49" charset="0"/>
+                <a:ea typeface="Arial"/>
+                <a:cs typeface="Arial"/>
+                <a:sym typeface="Arial"/>
+              </a:rPr>
+              <a:t>result_pos</a:t>
+            </a:r>
+            <a:r>
+              <a:rPr lang="en-US" altLang="zh-TW" sz="1000" dirty="0">
+                <a:solidFill>
+                  <a:schemeClr val="dk1"/>
+                </a:solidFill>
+                <a:latin typeface="Consolas" panose="020B0609020204030204" pitchFamily="49" charset="0"/>
+                <a:ea typeface="Arial"/>
+                <a:cs typeface="Arial"/>
+                <a:sym typeface="Arial"/>
+              </a:rPr>
+              <a:t>': ['&lt;MODIFIER&gt;</a:t>
+            </a:r>
+            <a:r>
+              <a:rPr lang="zh-TW" altLang="en-US" sz="1000" dirty="0">
+                <a:solidFill>
+                  <a:schemeClr val="dk1"/>
+                </a:solidFill>
+                <a:latin typeface="Consolas" panose="020B0609020204030204" pitchFamily="49" charset="0"/>
+                <a:ea typeface="Arial"/>
+                <a:cs typeface="Arial"/>
+                <a:sym typeface="Arial"/>
+              </a:rPr>
+              <a:t>小</a:t>
+            </a:r>
+            <a:r>
+              <a:rPr lang="en-US" altLang="zh-TW" sz="1000" dirty="0">
+                <a:solidFill>
+                  <a:schemeClr val="dk1"/>
+                </a:solidFill>
+                <a:latin typeface="Consolas" panose="020B0609020204030204" pitchFamily="49" charset="0"/>
+                <a:ea typeface="Arial"/>
+                <a:cs typeface="Arial"/>
+                <a:sym typeface="Arial"/>
+              </a:rPr>
+              <a:t>&lt;/MODIFIER&gt;&lt;</a:t>
+            </a:r>
+            <a:r>
+              <a:rPr lang="en-US" altLang="zh-TW" sz="1000" dirty="0" err="1">
+                <a:solidFill>
+                  <a:schemeClr val="dk1"/>
+                </a:solidFill>
+                <a:latin typeface="Consolas" panose="020B0609020204030204" pitchFamily="49" charset="0"/>
+                <a:ea typeface="Arial"/>
+                <a:cs typeface="Arial"/>
+                <a:sym typeface="Arial"/>
+              </a:rPr>
+              <a:t>MODIFIER_color</a:t>
+            </a:r>
+            <a:r>
+              <a:rPr lang="en-US" altLang="zh-TW" sz="1000" dirty="0">
+                <a:solidFill>
+                  <a:schemeClr val="dk1"/>
+                </a:solidFill>
+                <a:latin typeface="Consolas" panose="020B0609020204030204" pitchFamily="49" charset="0"/>
+                <a:ea typeface="Arial"/>
+                <a:cs typeface="Arial"/>
+                <a:sym typeface="Arial"/>
+              </a:rPr>
+              <a:t>&gt;</a:t>
+            </a:r>
+            <a:r>
+              <a:rPr lang="zh-TW" altLang="en-US" sz="1000" dirty="0">
+                <a:solidFill>
+                  <a:schemeClr val="dk1"/>
+                </a:solidFill>
+                <a:latin typeface="Consolas" panose="020B0609020204030204" pitchFamily="49" charset="0"/>
+                <a:ea typeface="Arial"/>
+                <a:cs typeface="Arial"/>
+                <a:sym typeface="Arial"/>
+              </a:rPr>
+              <a:t>紅</a:t>
+            </a:r>
+            <a:r>
+              <a:rPr lang="en-US" altLang="zh-TW" sz="1000" dirty="0">
+                <a:solidFill>
+                  <a:schemeClr val="dk1"/>
+                </a:solidFill>
+                <a:latin typeface="Consolas" panose="020B0609020204030204" pitchFamily="49" charset="0"/>
+                <a:ea typeface="Arial"/>
+                <a:cs typeface="Arial"/>
+                <a:sym typeface="Arial"/>
+              </a:rPr>
+              <a:t>&lt;/</a:t>
+            </a:r>
+            <a:r>
+              <a:rPr lang="en-US" altLang="zh-TW" sz="1000" dirty="0" err="1">
+                <a:solidFill>
+                  <a:schemeClr val="dk1"/>
+                </a:solidFill>
+                <a:latin typeface="Consolas" panose="020B0609020204030204" pitchFamily="49" charset="0"/>
+                <a:ea typeface="Arial"/>
+                <a:cs typeface="Arial"/>
+                <a:sym typeface="Arial"/>
+              </a:rPr>
+              <a:t>MODIFIER_color</a:t>
+            </a:r>
+            <a:r>
+              <a:rPr lang="en-US" altLang="zh-TW" sz="1000" dirty="0">
+                <a:solidFill>
+                  <a:schemeClr val="dk1"/>
+                </a:solidFill>
+                <a:latin typeface="Consolas" panose="020B0609020204030204" pitchFamily="49" charset="0"/>
+                <a:ea typeface="Arial"/>
+                <a:cs typeface="Arial"/>
+                <a:sym typeface="Arial"/>
+              </a:rPr>
+              <a:t>&gt;&lt;</a:t>
+            </a:r>
+            <a:r>
+              <a:rPr lang="en-US" altLang="zh-TW" sz="1000" dirty="0" err="1">
+                <a:solidFill>
+                  <a:schemeClr val="dk1"/>
+                </a:solidFill>
+                <a:latin typeface="Consolas" panose="020B0609020204030204" pitchFamily="49" charset="0"/>
+                <a:ea typeface="Arial"/>
+                <a:cs typeface="Arial"/>
+                <a:sym typeface="Arial"/>
+              </a:rPr>
+              <a:t>ENTITY_nounHead</a:t>
+            </a:r>
+            <a:r>
+              <a:rPr lang="en-US" altLang="zh-TW" sz="1000" dirty="0">
+                <a:solidFill>
+                  <a:schemeClr val="dk1"/>
+                </a:solidFill>
+                <a:latin typeface="Consolas" panose="020B0609020204030204" pitchFamily="49" charset="0"/>
+                <a:ea typeface="Arial"/>
+                <a:cs typeface="Arial"/>
+                <a:sym typeface="Arial"/>
+              </a:rPr>
+              <a:t>&gt;</a:t>
+            </a:r>
+            <a:r>
+              <a:rPr lang="zh-TW" altLang="en-US" sz="1000" dirty="0">
+                <a:solidFill>
+                  <a:schemeClr val="dk1"/>
+                </a:solidFill>
+                <a:latin typeface="Consolas" panose="020B0609020204030204" pitchFamily="49" charset="0"/>
+                <a:ea typeface="Arial"/>
+                <a:cs typeface="Arial"/>
+                <a:sym typeface="Arial"/>
+              </a:rPr>
+              <a:t>帽</a:t>
+            </a:r>
+            <a:r>
+              <a:rPr lang="en-US" altLang="zh-TW" sz="1000" dirty="0">
+                <a:solidFill>
+                  <a:schemeClr val="dk1"/>
+                </a:solidFill>
+                <a:latin typeface="Consolas" panose="020B0609020204030204" pitchFamily="49" charset="0"/>
+                <a:ea typeface="Arial"/>
+                <a:cs typeface="Arial"/>
+                <a:sym typeface="Arial"/>
+              </a:rPr>
+              <a:t>&lt;/</a:t>
+            </a:r>
+            <a:r>
+              <a:rPr lang="en-US" altLang="zh-TW" sz="1000" dirty="0" err="1">
+                <a:solidFill>
+                  <a:schemeClr val="dk1"/>
+                </a:solidFill>
+                <a:latin typeface="Consolas" panose="020B0609020204030204" pitchFamily="49" charset="0"/>
+                <a:ea typeface="Arial"/>
+                <a:cs typeface="Arial"/>
+                <a:sym typeface="Arial"/>
+              </a:rPr>
+              <a:t>ENTITY_nounHead</a:t>
+            </a:r>
+            <a:r>
+              <a:rPr lang="en-US" altLang="zh-TW" sz="1000" dirty="0">
+                <a:solidFill>
+                  <a:schemeClr val="dk1"/>
+                </a:solidFill>
+                <a:latin typeface="Consolas" panose="020B0609020204030204" pitchFamily="49" charset="0"/>
+                <a:ea typeface="Arial"/>
+                <a:cs typeface="Arial"/>
+                <a:sym typeface="Arial"/>
+              </a:rPr>
+              <a:t>&gt;'],</a:t>
+            </a:r>
+          </a:p>
+          <a:p>
+            <a:pPr defTabSz="914400" eaLnBrk="0" fontAlgn="base" hangingPunct="0">
+              <a:spcBef>
+                <a:spcPct val="0"/>
+              </a:spcBef>
+              <a:spcAft>
+                <a:spcPct val="0"/>
+              </a:spcAft>
+            </a:pPr>
+            <a:r>
+              <a:rPr lang="en-US" altLang="zh-TW" sz="1000" dirty="0">
+                <a:solidFill>
+                  <a:schemeClr val="dk1"/>
+                </a:solidFill>
+                <a:latin typeface="Consolas" panose="020B0609020204030204" pitchFamily="49" charset="0"/>
+                <a:ea typeface="Arial"/>
+                <a:cs typeface="Arial"/>
+                <a:sym typeface="Arial"/>
+              </a:rPr>
+              <a:t> '</a:t>
+            </a:r>
+            <a:r>
+              <a:rPr lang="en-US" altLang="zh-TW" sz="1000" dirty="0" err="1">
+                <a:solidFill>
+                  <a:schemeClr val="dk1"/>
+                </a:solidFill>
+                <a:latin typeface="Consolas" panose="020B0609020204030204" pitchFamily="49" charset="0"/>
+                <a:ea typeface="Arial"/>
+                <a:cs typeface="Arial"/>
+                <a:sym typeface="Arial"/>
+              </a:rPr>
+              <a:t>result_segmentation</a:t>
+            </a:r>
+            <a:r>
+              <a:rPr lang="en-US" altLang="zh-TW" sz="1000" dirty="0">
+                <a:solidFill>
+                  <a:schemeClr val="dk1"/>
+                </a:solidFill>
+                <a:latin typeface="Consolas" panose="020B0609020204030204" pitchFamily="49" charset="0"/>
+                <a:ea typeface="Arial"/>
+                <a:cs typeface="Arial"/>
+                <a:sym typeface="Arial"/>
+              </a:rPr>
+              <a:t>': '</a:t>
+            </a:r>
+            <a:r>
+              <a:rPr lang="zh-TW" altLang="en-US" sz="1000" dirty="0">
+                <a:solidFill>
+                  <a:schemeClr val="dk1"/>
+                </a:solidFill>
+                <a:latin typeface="Consolas" panose="020B0609020204030204" pitchFamily="49" charset="0"/>
+                <a:ea typeface="Arial"/>
+                <a:cs typeface="Arial"/>
+                <a:sym typeface="Arial"/>
+              </a:rPr>
+              <a:t>小</a:t>
+            </a:r>
+            <a:r>
+              <a:rPr lang="en-US" altLang="zh-TW" sz="1000" dirty="0">
+                <a:solidFill>
+                  <a:schemeClr val="dk1"/>
+                </a:solidFill>
+                <a:latin typeface="Consolas" panose="020B0609020204030204" pitchFamily="49" charset="0"/>
+                <a:ea typeface="Arial"/>
+                <a:cs typeface="Arial"/>
+                <a:sym typeface="Arial"/>
+              </a:rPr>
+              <a:t>/</a:t>
+            </a:r>
+            <a:r>
+              <a:rPr lang="zh-TW" altLang="en-US" sz="1000" dirty="0">
+                <a:solidFill>
+                  <a:schemeClr val="dk1"/>
+                </a:solidFill>
+                <a:latin typeface="Consolas" panose="020B0609020204030204" pitchFamily="49" charset="0"/>
+                <a:ea typeface="Arial"/>
+                <a:cs typeface="Arial"/>
+                <a:sym typeface="Arial"/>
+              </a:rPr>
+              <a:t>紅</a:t>
+            </a:r>
+            <a:r>
+              <a:rPr lang="en-US" altLang="zh-TW" sz="1000" dirty="0">
+                <a:solidFill>
+                  <a:schemeClr val="dk1"/>
+                </a:solidFill>
+                <a:latin typeface="Consolas" panose="020B0609020204030204" pitchFamily="49" charset="0"/>
+                <a:ea typeface="Arial"/>
+                <a:cs typeface="Arial"/>
+                <a:sym typeface="Arial"/>
+              </a:rPr>
+              <a:t>/</a:t>
+            </a:r>
+            <a:r>
+              <a:rPr lang="zh-TW" altLang="en-US" sz="1000" dirty="0">
+                <a:solidFill>
+                  <a:schemeClr val="dk1"/>
+                </a:solidFill>
+                <a:latin typeface="Consolas" panose="020B0609020204030204" pitchFamily="49" charset="0"/>
+                <a:ea typeface="Arial"/>
+                <a:cs typeface="Arial"/>
+                <a:sym typeface="Arial"/>
+              </a:rPr>
+              <a:t>帽</a:t>
+            </a:r>
+            <a:r>
+              <a:rPr lang="en-US" altLang="zh-TW" sz="1000" dirty="0">
+                <a:solidFill>
+                  <a:schemeClr val="dk1"/>
+                </a:solidFill>
+                <a:latin typeface="Consolas" panose="020B0609020204030204" pitchFamily="49" charset="0"/>
+                <a:ea typeface="Arial"/>
+                <a:cs typeface="Arial"/>
+                <a:sym typeface="Arial"/>
+              </a:rPr>
+              <a:t>',</a:t>
+            </a:r>
+          </a:p>
+          <a:p>
+            <a:pPr defTabSz="914400" eaLnBrk="0" fontAlgn="base" hangingPunct="0">
+              <a:spcBef>
+                <a:spcPct val="0"/>
+              </a:spcBef>
+              <a:spcAft>
+                <a:spcPct val="0"/>
+              </a:spcAft>
+            </a:pPr>
+            <a:r>
+              <a:rPr lang="en-US" altLang="zh-TW" sz="1000" dirty="0">
+                <a:solidFill>
+                  <a:schemeClr val="dk1"/>
+                </a:solidFill>
+                <a:latin typeface="Consolas" panose="020B0609020204030204" pitchFamily="49" charset="0"/>
+                <a:ea typeface="Arial"/>
+                <a:cs typeface="Arial"/>
+                <a:sym typeface="Arial"/>
+              </a:rPr>
+              <a:t> 'status': True,</a:t>
+            </a:r>
+          </a:p>
+          <a:p>
+            <a:pPr defTabSz="914400" eaLnBrk="0" fontAlgn="base" hangingPunct="0">
+              <a:spcBef>
+                <a:spcPct val="0"/>
+              </a:spcBef>
+              <a:spcAft>
+                <a:spcPct val="0"/>
+              </a:spcAft>
+            </a:pPr>
+            <a:r>
+              <a:rPr lang="en-US" altLang="zh-TW" sz="1000" dirty="0">
+                <a:solidFill>
+                  <a:schemeClr val="dk1"/>
+                </a:solidFill>
+                <a:latin typeface="Consolas" panose="020B0609020204030204" pitchFamily="49" charset="0"/>
+                <a:ea typeface="Arial"/>
+                <a:cs typeface="Arial"/>
+                <a:sym typeface="Arial"/>
+              </a:rPr>
+              <a:t> 'version': 'v236',</a:t>
+            </a:r>
+          </a:p>
+          <a:p>
+            <a:pPr defTabSz="914400" eaLnBrk="0" fontAlgn="base" hangingPunct="0">
+              <a:spcBef>
+                <a:spcPct val="0"/>
+              </a:spcBef>
+              <a:spcAft>
+                <a:spcPct val="0"/>
+              </a:spcAft>
+            </a:pPr>
+            <a:r>
+              <a:rPr lang="en-US" altLang="zh-TW" sz="1000" dirty="0">
+                <a:solidFill>
+                  <a:schemeClr val="dk1"/>
+                </a:solidFill>
+                <a:latin typeface="Consolas" panose="020B0609020204030204" pitchFamily="49" charset="0"/>
+                <a:ea typeface="Arial"/>
+                <a:cs typeface="Arial"/>
+                <a:sym typeface="Arial"/>
+              </a:rPr>
+              <a:t> '</a:t>
+            </a:r>
+            <a:r>
+              <a:rPr lang="en-US" altLang="zh-TW" sz="1000" dirty="0" err="1">
+                <a:solidFill>
+                  <a:schemeClr val="dk1"/>
+                </a:solidFill>
+                <a:latin typeface="Consolas" panose="020B0609020204030204" pitchFamily="49" charset="0"/>
+                <a:ea typeface="Arial"/>
+                <a:cs typeface="Arial"/>
+                <a:sym typeface="Arial"/>
+              </a:rPr>
+              <a:t>word_count_balance</a:t>
+            </a:r>
+            <a:r>
+              <a:rPr lang="en-US" altLang="zh-TW" sz="1000" dirty="0">
+                <a:solidFill>
+                  <a:schemeClr val="dk1"/>
+                </a:solidFill>
+                <a:latin typeface="Consolas" panose="020B0609020204030204" pitchFamily="49" charset="0"/>
+                <a:ea typeface="Arial"/>
+                <a:cs typeface="Arial"/>
+                <a:sym typeface="Arial"/>
+              </a:rPr>
+              <a:t>': 1933}</a:t>
+            </a:r>
+          </a:p>
+          <a:p>
+            <a:pPr defTabSz="914400" eaLnBrk="0" fontAlgn="base" hangingPunct="0">
+              <a:spcBef>
+                <a:spcPct val="0"/>
+              </a:spcBef>
+              <a:spcAft>
+                <a:spcPct val="0"/>
+              </a:spcAft>
+            </a:pPr>
+            <a:endParaRPr lang="en-US" altLang="zh-TW" sz="1000" dirty="0">
+              <a:solidFill>
+                <a:schemeClr val="dk1"/>
+              </a:solidFill>
+              <a:latin typeface="Consolas" panose="020B0609020204030204" pitchFamily="49" charset="0"/>
+              <a:ea typeface="Arial"/>
+              <a:cs typeface="Arial"/>
+              <a:sym typeface="Arial"/>
+            </a:endParaRPr>
+          </a:p>
+          <a:p>
+            <a:pPr defTabSz="914400" eaLnBrk="0" fontAlgn="base" hangingPunct="0">
+              <a:spcBef>
+                <a:spcPct val="0"/>
+              </a:spcBef>
+              <a:spcAft>
+                <a:spcPct val="0"/>
+              </a:spcAft>
+            </a:pPr>
+            <a:r>
+              <a:rPr lang="en-US" altLang="zh-TW" sz="1000" dirty="0">
+                <a:solidFill>
+                  <a:schemeClr val="dk1"/>
+                </a:solidFill>
+                <a:latin typeface="Consolas" panose="020B0609020204030204" pitchFamily="49" charset="0"/>
+                <a:ea typeface="Arial"/>
+                <a:cs typeface="Arial"/>
+                <a:sym typeface="Arial"/>
+              </a:rPr>
+              <a:t> lv2 </a:t>
+            </a:r>
+            <a:r>
+              <a:rPr lang="zh-TW" altLang="en-US" sz="1000" dirty="0">
+                <a:solidFill>
+                  <a:schemeClr val="dk1"/>
+                </a:solidFill>
+                <a:latin typeface="Consolas" panose="020B0609020204030204" pitchFamily="49" charset="0"/>
+                <a:ea typeface="Arial"/>
+                <a:cs typeface="Arial"/>
+                <a:sym typeface="Arial"/>
+              </a:rPr>
+              <a:t>的設定下，處理結果：</a:t>
+            </a:r>
+          </a:p>
+          <a:p>
+            <a:pPr defTabSz="914400" eaLnBrk="0" fontAlgn="base" hangingPunct="0">
+              <a:spcBef>
+                <a:spcPct val="0"/>
+              </a:spcBef>
+              <a:spcAft>
+                <a:spcPct val="0"/>
+              </a:spcAft>
+            </a:pPr>
+            <a:endParaRPr lang="zh-TW" altLang="en-US" sz="1000" dirty="0">
+              <a:solidFill>
+                <a:schemeClr val="dk1"/>
+              </a:solidFill>
+              <a:latin typeface="Consolas" panose="020B0609020204030204" pitchFamily="49" charset="0"/>
+              <a:ea typeface="Arial"/>
+              <a:cs typeface="Arial"/>
+              <a:sym typeface="Arial"/>
+            </a:endParaRPr>
+          </a:p>
+          <a:p>
+            <a:pPr defTabSz="914400" eaLnBrk="0" fontAlgn="base" hangingPunct="0">
+              <a:spcBef>
+                <a:spcPct val="0"/>
+              </a:spcBef>
+              <a:spcAft>
+                <a:spcPct val="0"/>
+              </a:spcAft>
+            </a:pPr>
+            <a:r>
+              <a:rPr lang="en-US" altLang="zh-TW" sz="1000" dirty="0">
+                <a:solidFill>
+                  <a:schemeClr val="dk1"/>
+                </a:solidFill>
+                <a:latin typeface="Consolas" panose="020B0609020204030204" pitchFamily="49" charset="0"/>
+                <a:ea typeface="Arial"/>
+                <a:cs typeface="Arial"/>
+                <a:sym typeface="Arial"/>
+              </a:rPr>
+              <a:t>{'document': 'https://api.droidtown.co/document/',</a:t>
+            </a:r>
+          </a:p>
+          <a:p>
+            <a:pPr defTabSz="914400" eaLnBrk="0" fontAlgn="base" hangingPunct="0">
+              <a:spcBef>
+                <a:spcPct val="0"/>
+              </a:spcBef>
+              <a:spcAft>
+                <a:spcPct val="0"/>
+              </a:spcAft>
+            </a:pPr>
+            <a:r>
+              <a:rPr lang="en-US" altLang="zh-TW" sz="1000" dirty="0">
+                <a:solidFill>
+                  <a:schemeClr val="dk1"/>
+                </a:solidFill>
+                <a:latin typeface="Consolas" panose="020B0609020204030204" pitchFamily="49" charset="0"/>
+                <a:ea typeface="Arial"/>
+                <a:cs typeface="Arial"/>
+                <a:sym typeface="Arial"/>
+              </a:rPr>
+              <a:t> '</a:t>
+            </a:r>
+            <a:r>
+              <a:rPr lang="en-US" altLang="zh-TW" sz="1000" dirty="0" err="1">
+                <a:solidFill>
+                  <a:schemeClr val="dk1"/>
+                </a:solidFill>
+                <a:latin typeface="Consolas" panose="020B0609020204030204" pitchFamily="49" charset="0"/>
+                <a:ea typeface="Arial"/>
+                <a:cs typeface="Arial"/>
+                <a:sym typeface="Arial"/>
+              </a:rPr>
+              <a:t>exec_time</a:t>
+            </a:r>
+            <a:r>
+              <a:rPr lang="en-US" altLang="zh-TW" sz="1000" dirty="0">
+                <a:solidFill>
+                  <a:schemeClr val="dk1"/>
+                </a:solidFill>
+                <a:latin typeface="Consolas" panose="020B0609020204030204" pitchFamily="49" charset="0"/>
+                <a:ea typeface="Arial"/>
+                <a:cs typeface="Arial"/>
+                <a:sym typeface="Arial"/>
+              </a:rPr>
+              <a:t>': 0.04227423667907715,</a:t>
+            </a:r>
+          </a:p>
+          <a:p>
+            <a:pPr defTabSz="914400" eaLnBrk="0" fontAlgn="base" hangingPunct="0">
+              <a:spcBef>
+                <a:spcPct val="0"/>
+              </a:spcBef>
+              <a:spcAft>
+                <a:spcPct val="0"/>
+              </a:spcAft>
+            </a:pPr>
+            <a:r>
+              <a:rPr lang="en-US" altLang="zh-TW" sz="1000" dirty="0">
+                <a:solidFill>
+                  <a:schemeClr val="dk1"/>
+                </a:solidFill>
+                <a:latin typeface="Consolas" panose="020B0609020204030204" pitchFamily="49" charset="0"/>
+                <a:ea typeface="Arial"/>
+                <a:cs typeface="Arial"/>
+                <a:sym typeface="Arial"/>
+              </a:rPr>
+              <a:t> 'level': 'lv2',</a:t>
+            </a:r>
+          </a:p>
+          <a:p>
+            <a:pPr defTabSz="914400" eaLnBrk="0" fontAlgn="base" hangingPunct="0">
+              <a:spcBef>
+                <a:spcPct val="0"/>
+              </a:spcBef>
+              <a:spcAft>
+                <a:spcPct val="0"/>
+              </a:spcAft>
+            </a:pPr>
+            <a:r>
+              <a:rPr lang="en-US" altLang="zh-TW" sz="1000" dirty="0">
+                <a:solidFill>
+                  <a:schemeClr val="dk1"/>
+                </a:solidFill>
+                <a:latin typeface="Consolas" panose="020B0609020204030204" pitchFamily="49" charset="0"/>
+                <a:ea typeface="Arial"/>
+                <a:cs typeface="Arial"/>
+                <a:sym typeface="Arial"/>
+              </a:rPr>
+              <a:t> 'msg': 'Success!',</a:t>
+            </a:r>
+          </a:p>
+          <a:p>
+            <a:pPr defTabSz="914400" eaLnBrk="0" fontAlgn="base" hangingPunct="0">
+              <a:spcBef>
+                <a:spcPct val="0"/>
+              </a:spcBef>
+              <a:spcAft>
+                <a:spcPct val="0"/>
+              </a:spcAft>
+            </a:pPr>
+            <a:r>
+              <a:rPr lang="en-US" altLang="zh-TW" sz="1000" dirty="0">
+                <a:solidFill>
+                  <a:schemeClr val="dk1"/>
+                </a:solidFill>
+                <a:latin typeface="Consolas" panose="020B0609020204030204" pitchFamily="49" charset="0"/>
+                <a:ea typeface="Arial"/>
+                <a:cs typeface="Arial"/>
+                <a:sym typeface="Arial"/>
+              </a:rPr>
+              <a:t> 'product': 'https://api.droidtown.co/product/',</a:t>
+            </a:r>
+          </a:p>
+          <a:p>
+            <a:pPr defTabSz="914400" eaLnBrk="0" fontAlgn="base" hangingPunct="0">
+              <a:spcBef>
+                <a:spcPct val="0"/>
+              </a:spcBef>
+              <a:spcAft>
+                <a:spcPct val="0"/>
+              </a:spcAft>
+            </a:pPr>
+            <a:r>
+              <a:rPr lang="en-US" altLang="zh-TW" sz="1000" dirty="0">
+                <a:solidFill>
+                  <a:schemeClr val="dk1"/>
+                </a:solidFill>
+                <a:latin typeface="Consolas" panose="020B0609020204030204" pitchFamily="49" charset="0"/>
+                <a:ea typeface="Arial"/>
+                <a:cs typeface="Arial"/>
+                <a:sym typeface="Arial"/>
+              </a:rPr>
+              <a:t> '</a:t>
+            </a:r>
+            <a:r>
+              <a:rPr lang="en-US" altLang="zh-TW" sz="1000" dirty="0" err="1">
+                <a:solidFill>
+                  <a:schemeClr val="dk1"/>
+                </a:solidFill>
+                <a:latin typeface="Consolas" panose="020B0609020204030204" pitchFamily="49" charset="0"/>
+                <a:ea typeface="Arial"/>
+                <a:cs typeface="Arial"/>
+                <a:sym typeface="Arial"/>
+              </a:rPr>
+              <a:t>result_obj</a:t>
+            </a:r>
+            <a:r>
+              <a:rPr lang="en-US" altLang="zh-TW" sz="1000" dirty="0">
+                <a:solidFill>
+                  <a:schemeClr val="dk1"/>
+                </a:solidFill>
+                <a:latin typeface="Consolas" panose="020B0609020204030204" pitchFamily="49" charset="0"/>
+                <a:ea typeface="Arial"/>
+                <a:cs typeface="Arial"/>
+                <a:sym typeface="Arial"/>
+              </a:rPr>
+              <a:t>': [[{'pos': '</a:t>
+            </a:r>
+            <a:r>
+              <a:rPr lang="en-US" altLang="zh-TW" sz="1000" dirty="0" err="1">
+                <a:solidFill>
+                  <a:schemeClr val="dk1"/>
+                </a:solidFill>
+                <a:latin typeface="Consolas" panose="020B0609020204030204" pitchFamily="49" charset="0"/>
+                <a:ea typeface="Arial"/>
+                <a:cs typeface="Arial"/>
+                <a:sym typeface="Arial"/>
+              </a:rPr>
+              <a:t>ENTITY_nouny</a:t>
+            </a:r>
+            <a:r>
+              <a:rPr lang="en-US" altLang="zh-TW" sz="1000" dirty="0">
+                <a:solidFill>
+                  <a:schemeClr val="dk1"/>
+                </a:solidFill>
+                <a:latin typeface="Consolas" panose="020B0609020204030204" pitchFamily="49" charset="0"/>
+                <a:ea typeface="Arial"/>
+                <a:cs typeface="Arial"/>
+                <a:sym typeface="Arial"/>
+              </a:rPr>
+              <a:t>', 'text': '</a:t>
+            </a:r>
+            <a:r>
+              <a:rPr lang="zh-TW" altLang="en-US" sz="1000" dirty="0">
+                <a:solidFill>
+                  <a:schemeClr val="dk1"/>
+                </a:solidFill>
+                <a:latin typeface="Consolas" panose="020B0609020204030204" pitchFamily="49" charset="0"/>
+                <a:ea typeface="Arial"/>
+                <a:cs typeface="Arial"/>
+                <a:sym typeface="Arial"/>
+              </a:rPr>
+              <a:t>小紅帽</a:t>
+            </a:r>
+            <a:r>
+              <a:rPr lang="en-US" altLang="zh-TW" sz="1000" dirty="0">
+                <a:solidFill>
+                  <a:schemeClr val="dk1"/>
+                </a:solidFill>
+                <a:latin typeface="Consolas" panose="020B0609020204030204" pitchFamily="49" charset="0"/>
+                <a:ea typeface="Arial"/>
+                <a:cs typeface="Arial"/>
+                <a:sym typeface="Arial"/>
+              </a:rPr>
+              <a:t>'}]],</a:t>
+            </a:r>
+          </a:p>
+          <a:p>
+            <a:pPr defTabSz="914400" eaLnBrk="0" fontAlgn="base" hangingPunct="0">
+              <a:spcBef>
+                <a:spcPct val="0"/>
+              </a:spcBef>
+              <a:spcAft>
+                <a:spcPct val="0"/>
+              </a:spcAft>
+            </a:pPr>
+            <a:r>
+              <a:rPr lang="en-US" altLang="zh-TW" sz="1000" dirty="0">
+                <a:solidFill>
+                  <a:schemeClr val="dk1"/>
+                </a:solidFill>
+                <a:latin typeface="Consolas" panose="020B0609020204030204" pitchFamily="49" charset="0"/>
+                <a:ea typeface="Arial"/>
+                <a:cs typeface="Arial"/>
+                <a:sym typeface="Arial"/>
+              </a:rPr>
+              <a:t> '</a:t>
+            </a:r>
+            <a:r>
+              <a:rPr lang="en-US" altLang="zh-TW" sz="1000" dirty="0" err="1">
+                <a:solidFill>
+                  <a:schemeClr val="dk1"/>
+                </a:solidFill>
+                <a:latin typeface="Consolas" panose="020B0609020204030204" pitchFamily="49" charset="0"/>
+                <a:ea typeface="Arial"/>
+                <a:cs typeface="Arial"/>
+                <a:sym typeface="Arial"/>
+              </a:rPr>
+              <a:t>result_pos</a:t>
+            </a:r>
+            <a:r>
+              <a:rPr lang="en-US" altLang="zh-TW" sz="1000" dirty="0">
+                <a:solidFill>
+                  <a:schemeClr val="dk1"/>
+                </a:solidFill>
+                <a:latin typeface="Consolas" panose="020B0609020204030204" pitchFamily="49" charset="0"/>
+                <a:ea typeface="Arial"/>
+                <a:cs typeface="Arial"/>
+                <a:sym typeface="Arial"/>
+              </a:rPr>
+              <a:t>': ['&lt;</a:t>
+            </a:r>
+            <a:r>
+              <a:rPr lang="en-US" altLang="zh-TW" sz="1000" dirty="0" err="1">
+                <a:solidFill>
+                  <a:schemeClr val="dk1"/>
+                </a:solidFill>
+                <a:latin typeface="Consolas" panose="020B0609020204030204" pitchFamily="49" charset="0"/>
+                <a:ea typeface="Arial"/>
+                <a:cs typeface="Arial"/>
+                <a:sym typeface="Arial"/>
+              </a:rPr>
+              <a:t>ENTITY_nouny</a:t>
+            </a:r>
+            <a:r>
+              <a:rPr lang="en-US" altLang="zh-TW" sz="1000" dirty="0">
+                <a:solidFill>
+                  <a:schemeClr val="dk1"/>
+                </a:solidFill>
+                <a:latin typeface="Consolas" panose="020B0609020204030204" pitchFamily="49" charset="0"/>
+                <a:ea typeface="Arial"/>
+                <a:cs typeface="Arial"/>
+                <a:sym typeface="Arial"/>
+              </a:rPr>
+              <a:t>&gt;</a:t>
+            </a:r>
+            <a:r>
+              <a:rPr lang="zh-TW" altLang="en-US" sz="1000" dirty="0">
+                <a:solidFill>
+                  <a:schemeClr val="dk1"/>
+                </a:solidFill>
+                <a:latin typeface="Consolas" panose="020B0609020204030204" pitchFamily="49" charset="0"/>
+                <a:ea typeface="Arial"/>
+                <a:cs typeface="Arial"/>
+                <a:sym typeface="Arial"/>
+              </a:rPr>
+              <a:t>小紅帽</a:t>
+            </a:r>
+            <a:r>
+              <a:rPr lang="en-US" altLang="zh-TW" sz="1000" dirty="0">
+                <a:solidFill>
+                  <a:schemeClr val="dk1"/>
+                </a:solidFill>
+                <a:latin typeface="Consolas" panose="020B0609020204030204" pitchFamily="49" charset="0"/>
+                <a:ea typeface="Arial"/>
+                <a:cs typeface="Arial"/>
+                <a:sym typeface="Arial"/>
+              </a:rPr>
+              <a:t>&lt;/</a:t>
+            </a:r>
+            <a:r>
+              <a:rPr lang="en-US" altLang="zh-TW" sz="1000" dirty="0" err="1">
+                <a:solidFill>
+                  <a:schemeClr val="dk1"/>
+                </a:solidFill>
+                <a:latin typeface="Consolas" panose="020B0609020204030204" pitchFamily="49" charset="0"/>
+                <a:ea typeface="Arial"/>
+                <a:cs typeface="Arial"/>
+                <a:sym typeface="Arial"/>
+              </a:rPr>
+              <a:t>ENTITY_nouny</a:t>
+            </a:r>
+            <a:r>
+              <a:rPr lang="en-US" altLang="zh-TW" sz="1000" dirty="0">
+                <a:solidFill>
+                  <a:schemeClr val="dk1"/>
+                </a:solidFill>
+                <a:latin typeface="Consolas" panose="020B0609020204030204" pitchFamily="49" charset="0"/>
+                <a:ea typeface="Arial"/>
+                <a:cs typeface="Arial"/>
+                <a:sym typeface="Arial"/>
+              </a:rPr>
+              <a:t>&gt;'],</a:t>
+            </a:r>
+          </a:p>
+          <a:p>
+            <a:pPr defTabSz="914400" eaLnBrk="0" fontAlgn="base" hangingPunct="0">
+              <a:spcBef>
+                <a:spcPct val="0"/>
+              </a:spcBef>
+              <a:spcAft>
+                <a:spcPct val="0"/>
+              </a:spcAft>
+            </a:pPr>
+            <a:r>
+              <a:rPr lang="en-US" altLang="zh-TW" sz="1000" dirty="0">
+                <a:solidFill>
+                  <a:schemeClr val="dk1"/>
+                </a:solidFill>
+                <a:latin typeface="Consolas" panose="020B0609020204030204" pitchFamily="49" charset="0"/>
+                <a:ea typeface="Arial"/>
+                <a:cs typeface="Arial"/>
+                <a:sym typeface="Arial"/>
+              </a:rPr>
+              <a:t> '</a:t>
+            </a:r>
+            <a:r>
+              <a:rPr lang="en-US" altLang="zh-TW" sz="1000" dirty="0" err="1">
+                <a:solidFill>
+                  <a:schemeClr val="dk1"/>
+                </a:solidFill>
+                <a:latin typeface="Consolas" panose="020B0609020204030204" pitchFamily="49" charset="0"/>
+                <a:ea typeface="Arial"/>
+                <a:cs typeface="Arial"/>
+                <a:sym typeface="Arial"/>
+              </a:rPr>
+              <a:t>result_segmentation</a:t>
+            </a:r>
+            <a:r>
+              <a:rPr lang="en-US" altLang="zh-TW" sz="1000" dirty="0">
+                <a:solidFill>
+                  <a:schemeClr val="dk1"/>
+                </a:solidFill>
+                <a:latin typeface="Consolas" panose="020B0609020204030204" pitchFamily="49" charset="0"/>
+                <a:ea typeface="Arial"/>
+                <a:cs typeface="Arial"/>
+                <a:sym typeface="Arial"/>
+              </a:rPr>
+              <a:t>': '</a:t>
+            </a:r>
+            <a:r>
+              <a:rPr lang="zh-TW" altLang="en-US" sz="1000" dirty="0">
+                <a:solidFill>
+                  <a:schemeClr val="dk1"/>
+                </a:solidFill>
+                <a:latin typeface="Consolas" panose="020B0609020204030204" pitchFamily="49" charset="0"/>
+                <a:ea typeface="Arial"/>
+                <a:cs typeface="Arial"/>
+                <a:sym typeface="Arial"/>
+              </a:rPr>
+              <a:t>小紅帽</a:t>
+            </a:r>
+            <a:r>
+              <a:rPr lang="en-US" altLang="zh-TW" sz="1000" dirty="0">
+                <a:solidFill>
+                  <a:schemeClr val="dk1"/>
+                </a:solidFill>
+                <a:latin typeface="Consolas" panose="020B0609020204030204" pitchFamily="49" charset="0"/>
+                <a:ea typeface="Arial"/>
+                <a:cs typeface="Arial"/>
+                <a:sym typeface="Arial"/>
+              </a:rPr>
+              <a:t>',</a:t>
+            </a:r>
+          </a:p>
+          <a:p>
+            <a:pPr defTabSz="914400" eaLnBrk="0" fontAlgn="base" hangingPunct="0">
+              <a:spcBef>
+                <a:spcPct val="0"/>
+              </a:spcBef>
+              <a:spcAft>
+                <a:spcPct val="0"/>
+              </a:spcAft>
+            </a:pPr>
+            <a:r>
+              <a:rPr lang="en-US" altLang="zh-TW" sz="1000" dirty="0">
+                <a:solidFill>
+                  <a:schemeClr val="dk1"/>
+                </a:solidFill>
+                <a:latin typeface="Consolas" panose="020B0609020204030204" pitchFamily="49" charset="0"/>
+                <a:ea typeface="Arial"/>
+                <a:cs typeface="Arial"/>
+                <a:sym typeface="Arial"/>
+              </a:rPr>
+              <a:t> 'status': True,</a:t>
+            </a:r>
+          </a:p>
+          <a:p>
+            <a:pPr defTabSz="914400" eaLnBrk="0" fontAlgn="base" hangingPunct="0">
+              <a:spcBef>
+                <a:spcPct val="0"/>
+              </a:spcBef>
+              <a:spcAft>
+                <a:spcPct val="0"/>
+              </a:spcAft>
+            </a:pPr>
+            <a:r>
+              <a:rPr lang="en-US" altLang="zh-TW" sz="1000" dirty="0">
+                <a:solidFill>
+                  <a:schemeClr val="dk1"/>
+                </a:solidFill>
+                <a:latin typeface="Consolas" panose="020B0609020204030204" pitchFamily="49" charset="0"/>
+                <a:ea typeface="Arial"/>
+                <a:cs typeface="Arial"/>
+                <a:sym typeface="Arial"/>
+              </a:rPr>
+              <a:t> 'version': 'v236',</a:t>
+            </a:r>
+          </a:p>
+          <a:p>
+            <a:pPr defTabSz="914400" eaLnBrk="0" fontAlgn="base" hangingPunct="0">
+              <a:spcBef>
+                <a:spcPct val="0"/>
+              </a:spcBef>
+              <a:spcAft>
+                <a:spcPct val="0"/>
+              </a:spcAft>
+            </a:pPr>
+            <a:r>
+              <a:rPr lang="en-US" altLang="zh-TW" sz="1000" dirty="0">
+                <a:solidFill>
+                  <a:schemeClr val="dk1"/>
+                </a:solidFill>
+                <a:latin typeface="Consolas" panose="020B0609020204030204" pitchFamily="49" charset="0"/>
+                <a:ea typeface="Arial"/>
+                <a:cs typeface="Arial"/>
+                <a:sym typeface="Arial"/>
+              </a:rPr>
+              <a:t> '</a:t>
+            </a:r>
+            <a:r>
+              <a:rPr lang="en-US" altLang="zh-TW" sz="1000" dirty="0" err="1">
+                <a:solidFill>
+                  <a:schemeClr val="dk1"/>
+                </a:solidFill>
+                <a:latin typeface="Consolas" panose="020B0609020204030204" pitchFamily="49" charset="0"/>
+                <a:ea typeface="Arial"/>
+                <a:cs typeface="Arial"/>
+                <a:sym typeface="Arial"/>
+              </a:rPr>
+              <a:t>word_count_balance</a:t>
+            </a:r>
+            <a:r>
+              <a:rPr lang="en-US" altLang="zh-TW" sz="1000" dirty="0">
+                <a:solidFill>
+                  <a:schemeClr val="dk1"/>
+                </a:solidFill>
+                <a:latin typeface="Consolas" panose="020B0609020204030204" pitchFamily="49" charset="0"/>
+                <a:ea typeface="Arial"/>
+                <a:cs typeface="Arial"/>
+                <a:sym typeface="Arial"/>
+              </a:rPr>
+              <a:t>': 1930}</a:t>
+            </a:r>
+            <a:endParaRPr lang="zh-TW" altLang="en-US" sz="1000" dirty="0">
+              <a:solidFill>
+                <a:schemeClr val="dk1"/>
+              </a:solidFill>
+              <a:latin typeface="Consolas" panose="020B0609020204030204" pitchFamily="49" charset="0"/>
+              <a:ea typeface="Arial"/>
+              <a:cs typeface="Arial"/>
+              <a:sym typeface="Arial"/>
+            </a:endParaRPr>
+          </a:p>
+        </p:txBody>
+      </p:sp>
+      <p:sp>
+        <p:nvSpPr>
+          <p:cNvPr id="7" name="矩形 6">
+            <a:extLst>
+              <a:ext uri="{FF2B5EF4-FFF2-40B4-BE49-F238E27FC236}">
+                <a16:creationId xmlns:a16="http://schemas.microsoft.com/office/drawing/2014/main" id="{8D616CE0-4BEA-46AE-B46B-C1A9AEE90B0C}"/>
+              </a:ext>
+            </a:extLst>
+          </p:cNvPr>
+          <p:cNvSpPr/>
+          <p:nvPr/>
+        </p:nvSpPr>
+        <p:spPr>
+          <a:xfrm>
+            <a:off x="1833555" y="2069005"/>
+            <a:ext cx="852617" cy="238669"/>
+          </a:xfrm>
+          <a:prstGeom prst="rect">
+            <a:avLst/>
+          </a:prstGeom>
+          <a:noFill/>
+          <a:ln>
+            <a:solidFill>
+              <a:srgbClr val="FF0000"/>
+            </a:solidFill>
+          </a:ln>
+        </p:spPr>
+        <p:style>
+          <a:lnRef idx="2">
+            <a:schemeClr val="accent1">
+              <a:shade val="50000"/>
+            </a:schemeClr>
+          </a:lnRef>
+          <a:fillRef idx="1">
+            <a:schemeClr val="accent1"/>
+          </a:fillRef>
+          <a:effectRef idx="0">
+            <a:schemeClr val="accent1"/>
+          </a:effectRef>
+          <a:fontRef idx="minor">
+            <a:schemeClr val="lt1"/>
+          </a:fontRef>
+        </p:style>
+        <p:txBody>
+          <a:bodyPr rtlCol="0" anchor="ctr"/>
+          <a:lstStyle/>
+          <a:p>
+            <a:pPr algn="ctr"/>
+            <a:endParaRPr lang="zh-TW" altLang="en-US"/>
+          </a:p>
+        </p:txBody>
+      </p:sp>
+      <p:sp>
+        <p:nvSpPr>
+          <p:cNvPr id="8" name="矩形 7">
+            <a:extLst>
+              <a:ext uri="{FF2B5EF4-FFF2-40B4-BE49-F238E27FC236}">
+                <a16:creationId xmlns:a16="http://schemas.microsoft.com/office/drawing/2014/main" id="{7D819325-1566-4B65-B7F6-1EB95549A9AF}"/>
+              </a:ext>
+            </a:extLst>
+          </p:cNvPr>
+          <p:cNvSpPr/>
+          <p:nvPr/>
+        </p:nvSpPr>
+        <p:spPr>
+          <a:xfrm>
+            <a:off x="1833554" y="4180193"/>
+            <a:ext cx="852617" cy="238669"/>
+          </a:xfrm>
+          <a:prstGeom prst="rect">
+            <a:avLst/>
+          </a:prstGeom>
+          <a:noFill/>
+          <a:ln>
+            <a:solidFill>
+              <a:srgbClr val="FF0000"/>
+            </a:solidFill>
+          </a:ln>
+        </p:spPr>
+        <p:style>
+          <a:lnRef idx="2">
+            <a:schemeClr val="accent1">
+              <a:shade val="50000"/>
+            </a:schemeClr>
+          </a:lnRef>
+          <a:fillRef idx="1">
+            <a:schemeClr val="accent1"/>
+          </a:fillRef>
+          <a:effectRef idx="0">
+            <a:schemeClr val="accent1"/>
+          </a:effectRef>
+          <a:fontRef idx="minor">
+            <a:schemeClr val="lt1"/>
+          </a:fontRef>
+        </p:style>
+        <p:txBody>
+          <a:bodyPr rtlCol="0" anchor="ctr"/>
+          <a:lstStyle/>
+          <a:p>
+            <a:pPr algn="ctr"/>
+            <a:endParaRPr lang="zh-TW" altLang="en-US"/>
+          </a:p>
+        </p:txBody>
+      </p:sp>
     </p:spTree>
     <p:extLst>
       <p:ext uri="{BB962C8B-B14F-4D97-AF65-F5344CB8AC3E}">
-        <p14:creationId xmlns:p14="http://schemas.microsoft.com/office/powerpoint/2010/main" val="464410141"/>
+        <p14:creationId xmlns:p14="http://schemas.microsoft.com/office/powerpoint/2010/main" val="2274539487"/>
       </p:ext>
     </p:extLst>
   </p:cSld>
@@ -20166,6 +21076,177 @@
       </p:sp>
       <p:sp>
         <p:nvSpPr>
+          <p:cNvPr id="120" name="Google Shape;120;p9"/>
+          <p:cNvSpPr txBox="1">
+            <a:spLocks noGrp="1"/>
+          </p:cNvSpPr>
+          <p:nvPr>
+            <p:ph type="body" idx="1"/>
+          </p:nvPr>
+        </p:nvSpPr>
+        <p:spPr>
+          <a:xfrm>
+            <a:off x="387900" y="1489825"/>
+            <a:ext cx="7926367" cy="3032748"/>
+          </a:xfrm>
+          <a:prstGeom prst="rect">
+            <a:avLst/>
+          </a:prstGeom>
+          <a:noFill/>
+          <a:ln>
+            <a:noFill/>
+          </a:ln>
+        </p:spPr>
+        <p:txBody>
+          <a:bodyPr spcFirstLastPara="1" wrap="square" lIns="91425" tIns="91425" rIns="91425" bIns="91425" anchor="t" anchorCtr="0">
+            <a:normAutofit/>
+          </a:bodyPr>
+          <a:lstStyle/>
+          <a:p>
+            <a:pPr marL="285750" lvl="0" indent="-285750" algn="l" rtl="0">
+              <a:lnSpc>
+                <a:spcPct val="115000"/>
+              </a:lnSpc>
+              <a:spcBef>
+                <a:spcPts val="0"/>
+              </a:spcBef>
+              <a:spcAft>
+                <a:spcPts val="0"/>
+              </a:spcAft>
+              <a:buSzPct val="117647"/>
+              <a:buFont typeface="Wingdings" panose="05000000000000000000" pitchFamily="2" charset="2"/>
+              <a:buChar char="Ø"/>
+            </a:pPr>
+            <a:r>
+              <a:rPr lang="zh-TW" sz="2800" dirty="0">
+                <a:latin typeface="Arial" panose="020B0604020202020204" pitchFamily="34" charset="0"/>
+                <a:cs typeface="Arial" panose="020B0604020202020204" pitchFamily="34" charset="0"/>
+              </a:rPr>
+              <a:t>同理，在 lv1 下會把動詞和時態標記分開，因此「創造了」會被切分成「創造/了」；但在 lv2 的設定下，則會把動詞和時態標記結合在一起，因此「創造了」將在 lv2 處理為「創造了」。</a:t>
+            </a:r>
+            <a:endParaRPr sz="2800" dirty="0">
+              <a:latin typeface="Arial" panose="020B0604020202020204" pitchFamily="34" charset="0"/>
+              <a:cs typeface="Arial" panose="020B0604020202020204" pitchFamily="34" charset="0"/>
+            </a:endParaRPr>
+          </a:p>
+        </p:txBody>
+      </p:sp>
+      <p:sp>
+        <p:nvSpPr>
+          <p:cNvPr id="3" name="投影片編號版面配置區 2">
+            <a:extLst>
+              <a:ext uri="{FF2B5EF4-FFF2-40B4-BE49-F238E27FC236}">
+                <a16:creationId xmlns:a16="http://schemas.microsoft.com/office/drawing/2014/main" id="{921313F3-F025-4D09-89F6-6AE0219AD102}"/>
+              </a:ext>
+            </a:extLst>
+          </p:cNvPr>
+          <p:cNvSpPr>
+            <a:spLocks noGrp="1"/>
+          </p:cNvSpPr>
+          <p:nvPr>
+            <p:ph type="sldNum" idx="12"/>
+          </p:nvPr>
+        </p:nvSpPr>
+        <p:spPr/>
+        <p:txBody>
+          <a:bodyPr/>
+          <a:lstStyle/>
+          <a:p>
+            <a:pPr marL="0" lvl="0" indent="0" algn="r" rtl="0">
+              <a:spcBef>
+                <a:spcPts val="0"/>
+              </a:spcBef>
+              <a:spcAft>
+                <a:spcPts val="0"/>
+              </a:spcAft>
+              <a:buNone/>
+            </a:pPr>
+            <a:fld id="{00000000-1234-1234-1234-123412341234}" type="slidenum">
+              <a:rPr lang="en-US" altLang="zh-TW" smtClean="0"/>
+              <a:t>31</a:t>
+            </a:fld>
+            <a:endParaRPr lang="zh-TW" altLang="en-US"/>
+          </a:p>
+        </p:txBody>
+      </p:sp>
+    </p:spTree>
+    <p:extLst>
+      <p:ext uri="{BB962C8B-B14F-4D97-AF65-F5344CB8AC3E}">
+        <p14:creationId xmlns:p14="http://schemas.microsoft.com/office/powerpoint/2010/main" val="464410141"/>
+      </p:ext>
+    </p:extLst>
+  </p:cSld>
+  <p:clrMapOvr>
+    <a:masterClrMapping/>
+  </p:clrMapOvr>
+</p:sld>
+</file>
+
+<file path=ppt/slides/slide32.xml><?xml version="1.0" encoding="utf-8"?>
+<p:sld xmlns:a="http://schemas.openxmlformats.org/drawingml/2006/main" xmlns:r="http://schemas.openxmlformats.org/officeDocument/2006/relationships" xmlns:p="http://schemas.openxmlformats.org/presentationml/2006/main">
+  <p:cSld>
+    <p:spTree>
+      <p:nvGrpSpPr>
+        <p:cNvPr id="1" name="Shape 118"/>
+        <p:cNvGrpSpPr/>
+        <p:nvPr/>
+      </p:nvGrpSpPr>
+      <p:grpSpPr>
+        <a:xfrm>
+          <a:off x="0" y="0"/>
+          <a:ext cx="0" cy="0"/>
+          <a:chOff x="0" y="0"/>
+          <a:chExt cx="0" cy="0"/>
+        </a:xfrm>
+      </p:grpSpPr>
+      <p:sp>
+        <p:nvSpPr>
+          <p:cNvPr id="119" name="Google Shape;119;p9"/>
+          <p:cNvSpPr txBox="1">
+            <a:spLocks noGrp="1"/>
+          </p:cNvSpPr>
+          <p:nvPr>
+            <p:ph type="title"/>
+          </p:nvPr>
+        </p:nvSpPr>
+        <p:spPr>
+          <a:prstGeom prst="rect">
+            <a:avLst/>
+          </a:prstGeom>
+          <a:noFill/>
+          <a:ln>
+            <a:noFill/>
+          </a:ln>
+        </p:spPr>
+        <p:txBody>
+          <a:bodyPr spcFirstLastPara="1" wrap="square" lIns="91425" tIns="91425" rIns="91425" bIns="91425" anchor="b" anchorCtr="0">
+            <a:noAutofit/>
+          </a:bodyPr>
+          <a:lstStyle/>
+          <a:p>
+            <a:pPr marL="0" lvl="0" indent="0" algn="l" rtl="0">
+              <a:lnSpc>
+                <a:spcPct val="100000"/>
+              </a:lnSpc>
+              <a:spcBef>
+                <a:spcPts val="0"/>
+              </a:spcBef>
+              <a:spcAft>
+                <a:spcPts val="0"/>
+              </a:spcAft>
+              <a:buSzPts val="3000"/>
+              <a:buNone/>
+            </a:pPr>
+            <a:r>
+              <a:rPr lang="zh-TW" sz="4000" dirty="0"/>
+              <a:t>進階用法之一：lv1 和 lv2</a:t>
+            </a:r>
+            <a:endParaRPr sz="4000" dirty="0"/>
+          </a:p>
+        </p:txBody>
+      </p:sp>
+      <p:sp>
+        <p:nvSpPr>
           <p:cNvPr id="5" name="Google Shape;201;p3">
             <a:extLst>
               <a:ext uri="{FF2B5EF4-FFF2-40B4-BE49-F238E27FC236}">
@@ -20930,7 +22011,7 @@
             </a:pPr>
             <a:fld id="{00000000-1234-1234-1234-123412341234}" type="slidenum">
               <a:rPr lang="en-US" altLang="zh-TW" smtClean="0"/>
-              <a:t>31</a:t>
+              <a:t>32</a:t>
             </a:fld>
             <a:endParaRPr lang="zh-TW" altLang="en-US"/>
           </a:p>
@@ -20994,253 +22075,6 @@
         </p:txBody>
       </p:sp>
     </p:spTree>
-  </p:cSld>
-  <p:clrMapOvr>
-    <a:masterClrMapping/>
-  </p:clrMapOvr>
-</p:sld>
-</file>
-
-<file path=ppt/slides/slide32.xml><?xml version="1.0" encoding="utf-8"?>
-<p:sld xmlns:a="http://schemas.openxmlformats.org/drawingml/2006/main" xmlns:r="http://schemas.openxmlformats.org/officeDocument/2006/relationships" xmlns:p="http://schemas.openxmlformats.org/presentationml/2006/main">
-  <p:cSld>
-    <p:spTree>
-      <p:nvGrpSpPr>
-        <p:cNvPr id="1" name=""/>
-        <p:cNvGrpSpPr/>
-        <p:nvPr/>
-      </p:nvGrpSpPr>
-      <p:grpSpPr>
-        <a:xfrm>
-          <a:off x="0" y="0"/>
-          <a:ext cx="0" cy="0"/>
-          <a:chOff x="0" y="0"/>
-          <a:chExt cx="0" cy="0"/>
-        </a:xfrm>
-      </p:grpSpPr>
-      <p:sp>
-        <p:nvSpPr>
-          <p:cNvPr id="2" name="標題 1">
-            <a:extLst>
-              <a:ext uri="{FF2B5EF4-FFF2-40B4-BE49-F238E27FC236}">
-                <a16:creationId xmlns:a16="http://schemas.microsoft.com/office/drawing/2014/main" id="{C3E54291-B233-4E07-AEF6-64CD8DF8B988}"/>
-              </a:ext>
-            </a:extLst>
-          </p:cNvPr>
-          <p:cNvSpPr>
-            <a:spLocks noGrp="1"/>
-          </p:cNvSpPr>
-          <p:nvPr>
-            <p:ph type="title"/>
-          </p:nvPr>
-        </p:nvSpPr>
-        <p:spPr/>
-        <p:txBody>
-          <a:bodyPr>
-            <a:noAutofit/>
-          </a:bodyPr>
-          <a:lstStyle/>
-          <a:p>
-            <a:r>
-              <a:rPr lang="zh-TW" altLang="zh-TW" sz="4000" dirty="0"/>
-              <a:t>進階用法之一：lv1 和 lv2</a:t>
-            </a:r>
-            <a:endParaRPr lang="zh-TW" altLang="en-US" sz="4000" dirty="0"/>
-          </a:p>
-        </p:txBody>
-      </p:sp>
-      <p:sp>
-        <p:nvSpPr>
-          <p:cNvPr id="3" name="文字版面配置區 2">
-            <a:extLst>
-              <a:ext uri="{FF2B5EF4-FFF2-40B4-BE49-F238E27FC236}">
-                <a16:creationId xmlns:a16="http://schemas.microsoft.com/office/drawing/2014/main" id="{757AF423-CC8E-4C26-A815-A4BD1DB04BCE}"/>
-              </a:ext>
-            </a:extLst>
-          </p:cNvPr>
-          <p:cNvSpPr>
-            <a:spLocks noGrp="1"/>
-          </p:cNvSpPr>
-          <p:nvPr>
-            <p:ph type="body" idx="1"/>
-          </p:nvPr>
-        </p:nvSpPr>
-        <p:spPr>
-          <a:xfrm>
-            <a:off x="210065" y="1235824"/>
-            <a:ext cx="8546035" cy="3078900"/>
-          </a:xfrm>
-        </p:spPr>
-        <p:txBody>
-          <a:bodyPr/>
-          <a:lstStyle/>
-          <a:p>
-            <a:pPr>
-              <a:buFont typeface="Wingdings" panose="05000000000000000000" pitchFamily="2" charset="2"/>
-              <a:buChar char="Ø"/>
-            </a:pPr>
-            <a:r>
-              <a:rPr lang="zh-TW" altLang="en-US" sz="2800" dirty="0">
-                <a:latin typeface="Arial" panose="020B0604020202020204" pitchFamily="34" charset="0"/>
-                <a:cs typeface="Arial" panose="020B0604020202020204" pitchFamily="34" charset="0"/>
-              </a:rPr>
-              <a:t>這是因為 </a:t>
-            </a:r>
-            <a:r>
-              <a:rPr lang="en-US" altLang="zh-TW" sz="2800" dirty="0" err="1">
-                <a:latin typeface="Arial" panose="020B0604020202020204" pitchFamily="34" charset="0"/>
-                <a:cs typeface="Arial" panose="020B0604020202020204" pitchFamily="34" charset="0"/>
-              </a:rPr>
-              <a:t>Articut</a:t>
-            </a:r>
-            <a:r>
-              <a:rPr lang="en-US" altLang="zh-TW" sz="2800" dirty="0">
-                <a:latin typeface="Arial" panose="020B0604020202020204" pitchFamily="34" charset="0"/>
-                <a:cs typeface="Arial" panose="020B0604020202020204" pitchFamily="34" charset="0"/>
-              </a:rPr>
-              <a:t> </a:t>
-            </a:r>
-            <a:r>
-              <a:rPr lang="zh-TW" altLang="en-US" sz="2800" dirty="0">
-                <a:latin typeface="Arial" panose="020B0604020202020204" pitchFamily="34" charset="0"/>
-                <a:cs typeface="Arial" panose="020B0604020202020204" pitchFamily="34" charset="0"/>
-              </a:rPr>
-              <a:t>將時態標記「了」視為像是英文裡的 </a:t>
-            </a:r>
-            <a:r>
-              <a:rPr lang="en-US" altLang="zh-TW" sz="2800" dirty="0">
-                <a:latin typeface="Arial" panose="020B0604020202020204" pitchFamily="34" charset="0"/>
-                <a:cs typeface="Arial" panose="020B0604020202020204" pitchFamily="34" charset="0"/>
-              </a:rPr>
-              <a:t>-ed</a:t>
-            </a:r>
-            <a:r>
-              <a:rPr lang="zh-TW" altLang="en-US" sz="2800" dirty="0">
-                <a:latin typeface="Arial" panose="020B0604020202020204" pitchFamily="34" charset="0"/>
-                <a:cs typeface="Arial" panose="020B0604020202020204" pitchFamily="34" charset="0"/>
-              </a:rPr>
-              <a:t>。因此，在 </a:t>
-            </a:r>
-            <a:r>
-              <a:rPr lang="en-US" altLang="zh-TW" sz="2800" dirty="0">
-                <a:latin typeface="Arial" panose="020B0604020202020204" pitchFamily="34" charset="0"/>
-                <a:cs typeface="Arial" panose="020B0604020202020204" pitchFamily="34" charset="0"/>
-              </a:rPr>
-              <a:t>lv1 </a:t>
-            </a:r>
-            <a:r>
-              <a:rPr lang="zh-TW" altLang="en-US" sz="2800" dirty="0">
-                <a:latin typeface="Arial" panose="020B0604020202020204" pitchFamily="34" charset="0"/>
-                <a:cs typeface="Arial" panose="020B0604020202020204" pitchFamily="34" charset="0"/>
-              </a:rPr>
-              <a:t>時，採取將之處理為 </a:t>
-            </a:r>
-            <a:r>
-              <a:rPr lang="en-US" altLang="zh-TW" sz="2800" dirty="0">
-                <a:latin typeface="Arial" panose="020B0604020202020204" pitchFamily="34" charset="0"/>
-                <a:cs typeface="Arial" panose="020B0604020202020204" pitchFamily="34" charset="0"/>
-              </a:rPr>
-              <a:t>"create/-ed" </a:t>
-            </a:r>
-            <a:r>
-              <a:rPr lang="zh-TW" altLang="en-US" sz="2800" dirty="0">
-                <a:latin typeface="Arial" panose="020B0604020202020204" pitchFamily="34" charset="0"/>
-                <a:cs typeface="Arial" panose="020B0604020202020204" pitchFamily="34" charset="0"/>
-              </a:rPr>
-              <a:t>分開的兩個元素，但在 </a:t>
-            </a:r>
-            <a:r>
-              <a:rPr lang="en-US" altLang="zh-TW" sz="2800" dirty="0">
-                <a:latin typeface="Arial" panose="020B0604020202020204" pitchFamily="34" charset="0"/>
-                <a:cs typeface="Arial" panose="020B0604020202020204" pitchFamily="34" charset="0"/>
-              </a:rPr>
-              <a:t>lv2 </a:t>
-            </a:r>
-            <a:r>
-              <a:rPr lang="zh-TW" altLang="en-US" sz="2800" dirty="0">
-                <a:latin typeface="Arial" panose="020B0604020202020204" pitchFamily="34" charset="0"/>
-                <a:cs typeface="Arial" panose="020B0604020202020204" pitchFamily="34" charset="0"/>
-              </a:rPr>
-              <a:t>的設定下，則是以 </a:t>
-            </a:r>
-            <a:r>
-              <a:rPr lang="en-US" altLang="zh-TW" sz="2800" dirty="0">
-                <a:latin typeface="Arial" panose="020B0604020202020204" pitchFamily="34" charset="0"/>
-                <a:cs typeface="Arial" panose="020B0604020202020204" pitchFamily="34" charset="0"/>
-              </a:rPr>
-              <a:t>"created" </a:t>
-            </a:r>
-            <a:r>
-              <a:rPr lang="zh-TW" altLang="en-US" sz="2800" dirty="0">
-                <a:latin typeface="Arial" panose="020B0604020202020204" pitchFamily="34" charset="0"/>
-                <a:cs typeface="Arial" panose="020B0604020202020204" pitchFamily="34" charset="0"/>
-              </a:rPr>
-              <a:t>這種「詞 </a:t>
-            </a:r>
-            <a:r>
-              <a:rPr lang="en-US" altLang="zh-TW" sz="2800" dirty="0">
-                <a:latin typeface="Arial" panose="020B0604020202020204" pitchFamily="34" charset="0"/>
-                <a:cs typeface="Arial" panose="020B0604020202020204" pitchFamily="34" charset="0"/>
-              </a:rPr>
-              <a:t>+ </a:t>
-            </a:r>
-            <a:r>
-              <a:rPr lang="zh-TW" altLang="en-US" sz="2800" dirty="0">
-                <a:latin typeface="Arial" panose="020B0604020202020204" pitchFamily="34" charset="0"/>
-                <a:cs typeface="Arial" panose="020B0604020202020204" pitchFamily="34" charset="0"/>
-              </a:rPr>
-              <a:t>時態標記」的形式輸出。</a:t>
-            </a:r>
-          </a:p>
-          <a:p>
-            <a:endParaRPr lang="zh-TW" altLang="en-US" dirty="0"/>
-          </a:p>
-        </p:txBody>
-      </p:sp>
-      <p:sp>
-        <p:nvSpPr>
-          <p:cNvPr id="8" name="投影片編號版面配置區 7">
-            <a:extLst>
-              <a:ext uri="{FF2B5EF4-FFF2-40B4-BE49-F238E27FC236}">
-                <a16:creationId xmlns:a16="http://schemas.microsoft.com/office/drawing/2014/main" id="{78B5C0F0-CD7A-4EC6-BC3F-0ABF296B35FB}"/>
-              </a:ext>
-            </a:extLst>
-          </p:cNvPr>
-          <p:cNvSpPr>
-            <a:spLocks noGrp="1"/>
-          </p:cNvSpPr>
-          <p:nvPr>
-            <p:ph type="sldNum" idx="12"/>
-          </p:nvPr>
-        </p:nvSpPr>
-        <p:spPr/>
-        <p:txBody>
-          <a:bodyPr/>
-          <a:lstStyle/>
-          <a:p>
-            <a:pPr marL="0" lvl="0" indent="0" algn="r" rtl="0">
-              <a:spcBef>
-                <a:spcPts val="0"/>
-              </a:spcBef>
-              <a:spcAft>
-                <a:spcPts val="0"/>
-              </a:spcAft>
-              <a:buNone/>
-            </a:pPr>
-            <a:fld id="{00000000-1234-1234-1234-123412341234}" type="slidenum">
-              <a:rPr lang="en-US" altLang="zh-TW" smtClean="0"/>
-              <a:t>32</a:t>
-            </a:fld>
-            <a:endParaRPr lang="zh-TW" altLang="en-US"/>
-          </a:p>
-        </p:txBody>
-      </p:sp>
-    </p:spTree>
-    <p:extLst>
-      <p:ext uri="{BB962C8B-B14F-4D97-AF65-F5344CB8AC3E}">
-        <p14:creationId xmlns:p14="http://schemas.microsoft.com/office/powerpoint/2010/main" val="390932046"/>
-      </p:ext>
-    </p:extLst>
   </p:cSld>
   <p:clrMapOvr>
     <a:masterClrMapping/>
@@ -21298,6 +22132,222 @@
       </p:sp>
       <p:sp>
         <p:nvSpPr>
+          <p:cNvPr id="3" name="文字版面配置區 2">
+            <a:extLst>
+              <a:ext uri="{FF2B5EF4-FFF2-40B4-BE49-F238E27FC236}">
+                <a16:creationId xmlns:a16="http://schemas.microsoft.com/office/drawing/2014/main" id="{757AF423-CC8E-4C26-A815-A4BD1DB04BCE}"/>
+              </a:ext>
+            </a:extLst>
+          </p:cNvPr>
+          <p:cNvSpPr>
+            <a:spLocks noGrp="1"/>
+          </p:cNvSpPr>
+          <p:nvPr>
+            <p:ph type="body" idx="1"/>
+          </p:nvPr>
+        </p:nvSpPr>
+        <p:spPr>
+          <a:xfrm>
+            <a:off x="210065" y="1235824"/>
+            <a:ext cx="8546035" cy="3078900"/>
+          </a:xfrm>
+        </p:spPr>
+        <p:txBody>
+          <a:bodyPr/>
+          <a:lstStyle/>
+          <a:p>
+            <a:pPr>
+              <a:buFont typeface="Wingdings" panose="05000000000000000000" pitchFamily="2" charset="2"/>
+              <a:buChar char="Ø"/>
+            </a:pPr>
+            <a:r>
+              <a:rPr lang="zh-TW" altLang="en-US" sz="2800" dirty="0">
+                <a:latin typeface="Arial" panose="020B0604020202020204" pitchFamily="34" charset="0"/>
+                <a:cs typeface="Arial" panose="020B0604020202020204" pitchFamily="34" charset="0"/>
+              </a:rPr>
+              <a:t>這是因為 </a:t>
+            </a:r>
+            <a:r>
+              <a:rPr lang="en-US" altLang="zh-TW" sz="2800" dirty="0" err="1">
+                <a:latin typeface="Arial" panose="020B0604020202020204" pitchFamily="34" charset="0"/>
+                <a:cs typeface="Arial" panose="020B0604020202020204" pitchFamily="34" charset="0"/>
+              </a:rPr>
+              <a:t>Articut</a:t>
+            </a:r>
+            <a:r>
+              <a:rPr lang="en-US" altLang="zh-TW" sz="2800" dirty="0">
+                <a:latin typeface="Arial" panose="020B0604020202020204" pitchFamily="34" charset="0"/>
+                <a:cs typeface="Arial" panose="020B0604020202020204" pitchFamily="34" charset="0"/>
+              </a:rPr>
+              <a:t> </a:t>
+            </a:r>
+            <a:r>
+              <a:rPr lang="zh-TW" altLang="en-US" sz="2800" dirty="0">
+                <a:latin typeface="Arial" panose="020B0604020202020204" pitchFamily="34" charset="0"/>
+                <a:cs typeface="Arial" panose="020B0604020202020204" pitchFamily="34" charset="0"/>
+              </a:rPr>
+              <a:t>將時態標記「了」視為像是英文裡的 </a:t>
+            </a:r>
+            <a:r>
+              <a:rPr lang="en-US" altLang="zh-TW" sz="2800" dirty="0">
+                <a:latin typeface="Arial" panose="020B0604020202020204" pitchFamily="34" charset="0"/>
+                <a:cs typeface="Arial" panose="020B0604020202020204" pitchFamily="34" charset="0"/>
+              </a:rPr>
+              <a:t>-ed</a:t>
+            </a:r>
+            <a:r>
+              <a:rPr lang="zh-TW" altLang="en-US" sz="2800" dirty="0">
+                <a:latin typeface="Arial" panose="020B0604020202020204" pitchFamily="34" charset="0"/>
+                <a:cs typeface="Arial" panose="020B0604020202020204" pitchFamily="34" charset="0"/>
+              </a:rPr>
+              <a:t>。因此，在 </a:t>
+            </a:r>
+            <a:r>
+              <a:rPr lang="en-US" altLang="zh-TW" sz="2800" dirty="0">
+                <a:latin typeface="Arial" panose="020B0604020202020204" pitchFamily="34" charset="0"/>
+                <a:cs typeface="Arial" panose="020B0604020202020204" pitchFamily="34" charset="0"/>
+              </a:rPr>
+              <a:t>lv1 </a:t>
+            </a:r>
+            <a:r>
+              <a:rPr lang="zh-TW" altLang="en-US" sz="2800" dirty="0">
+                <a:latin typeface="Arial" panose="020B0604020202020204" pitchFamily="34" charset="0"/>
+                <a:cs typeface="Arial" panose="020B0604020202020204" pitchFamily="34" charset="0"/>
+              </a:rPr>
+              <a:t>時，採取將之處理為 </a:t>
+            </a:r>
+            <a:r>
+              <a:rPr lang="en-US" altLang="zh-TW" sz="2800" dirty="0">
+                <a:latin typeface="Arial" panose="020B0604020202020204" pitchFamily="34" charset="0"/>
+                <a:cs typeface="Arial" panose="020B0604020202020204" pitchFamily="34" charset="0"/>
+              </a:rPr>
+              <a:t>"create/-ed" </a:t>
+            </a:r>
+            <a:r>
+              <a:rPr lang="zh-TW" altLang="en-US" sz="2800" dirty="0">
+                <a:latin typeface="Arial" panose="020B0604020202020204" pitchFamily="34" charset="0"/>
+                <a:cs typeface="Arial" panose="020B0604020202020204" pitchFamily="34" charset="0"/>
+              </a:rPr>
+              <a:t>分開的兩個元素，但在 </a:t>
+            </a:r>
+            <a:r>
+              <a:rPr lang="en-US" altLang="zh-TW" sz="2800" dirty="0">
+                <a:latin typeface="Arial" panose="020B0604020202020204" pitchFamily="34" charset="0"/>
+                <a:cs typeface="Arial" panose="020B0604020202020204" pitchFamily="34" charset="0"/>
+              </a:rPr>
+              <a:t>lv2 </a:t>
+            </a:r>
+            <a:r>
+              <a:rPr lang="zh-TW" altLang="en-US" sz="2800" dirty="0">
+                <a:latin typeface="Arial" panose="020B0604020202020204" pitchFamily="34" charset="0"/>
+                <a:cs typeface="Arial" panose="020B0604020202020204" pitchFamily="34" charset="0"/>
+              </a:rPr>
+              <a:t>的設定下，則是以 </a:t>
+            </a:r>
+            <a:r>
+              <a:rPr lang="en-US" altLang="zh-TW" sz="2800" dirty="0">
+                <a:latin typeface="Arial" panose="020B0604020202020204" pitchFamily="34" charset="0"/>
+                <a:cs typeface="Arial" panose="020B0604020202020204" pitchFamily="34" charset="0"/>
+              </a:rPr>
+              <a:t>"created" </a:t>
+            </a:r>
+            <a:r>
+              <a:rPr lang="zh-TW" altLang="en-US" sz="2800" dirty="0">
+                <a:latin typeface="Arial" panose="020B0604020202020204" pitchFamily="34" charset="0"/>
+                <a:cs typeface="Arial" panose="020B0604020202020204" pitchFamily="34" charset="0"/>
+              </a:rPr>
+              <a:t>這種「詞 </a:t>
+            </a:r>
+            <a:r>
+              <a:rPr lang="en-US" altLang="zh-TW" sz="2800" dirty="0">
+                <a:latin typeface="Arial" panose="020B0604020202020204" pitchFamily="34" charset="0"/>
+                <a:cs typeface="Arial" panose="020B0604020202020204" pitchFamily="34" charset="0"/>
+              </a:rPr>
+              <a:t>+ </a:t>
+            </a:r>
+            <a:r>
+              <a:rPr lang="zh-TW" altLang="en-US" sz="2800" dirty="0">
+                <a:latin typeface="Arial" panose="020B0604020202020204" pitchFamily="34" charset="0"/>
+                <a:cs typeface="Arial" panose="020B0604020202020204" pitchFamily="34" charset="0"/>
+              </a:rPr>
+              <a:t>時態標記」的形式輸出。</a:t>
+            </a:r>
+          </a:p>
+          <a:p>
+            <a:endParaRPr lang="zh-TW" altLang="en-US" dirty="0"/>
+          </a:p>
+        </p:txBody>
+      </p:sp>
+      <p:sp>
+        <p:nvSpPr>
+          <p:cNvPr id="8" name="投影片編號版面配置區 7">
+            <a:extLst>
+              <a:ext uri="{FF2B5EF4-FFF2-40B4-BE49-F238E27FC236}">
+                <a16:creationId xmlns:a16="http://schemas.microsoft.com/office/drawing/2014/main" id="{78B5C0F0-CD7A-4EC6-BC3F-0ABF296B35FB}"/>
+              </a:ext>
+            </a:extLst>
+          </p:cNvPr>
+          <p:cNvSpPr>
+            <a:spLocks noGrp="1"/>
+          </p:cNvSpPr>
+          <p:nvPr>
+            <p:ph type="sldNum" idx="12"/>
+          </p:nvPr>
+        </p:nvSpPr>
+        <p:spPr/>
+        <p:txBody>
+          <a:bodyPr/>
+          <a:lstStyle/>
+          <a:p>
+            <a:pPr marL="0" lvl="0" indent="0" algn="r" rtl="0">
+              <a:spcBef>
+                <a:spcPts val="0"/>
+              </a:spcBef>
+              <a:spcAft>
+                <a:spcPts val="0"/>
+              </a:spcAft>
+              <a:buNone/>
+            </a:pPr>
+            <a:fld id="{00000000-1234-1234-1234-123412341234}" type="slidenum">
+              <a:rPr lang="en-US" altLang="zh-TW" smtClean="0"/>
+              <a:t>33</a:t>
+            </a:fld>
+            <a:endParaRPr lang="zh-TW" altLang="en-US"/>
+          </a:p>
+        </p:txBody>
+      </p:sp>
+    </p:spTree>
+    <p:extLst>
+      <p:ext uri="{BB962C8B-B14F-4D97-AF65-F5344CB8AC3E}">
+        <p14:creationId xmlns:p14="http://schemas.microsoft.com/office/powerpoint/2010/main" val="390932046"/>
+      </p:ext>
+    </p:extLst>
+  </p:cSld>
+  <p:clrMapOvr>
+    <a:masterClrMapping/>
+  </p:clrMapOvr>
+</p:sld>
+</file>
+
+<file path=ppt/slides/slide34.xml><?xml version="1.0" encoding="utf-8"?>
+<p:sld xmlns:a="http://schemas.openxmlformats.org/drawingml/2006/main" xmlns:r="http://schemas.openxmlformats.org/officeDocument/2006/relationships" xmlns:p="http://schemas.openxmlformats.org/presentationml/2006/main">
+  <p:cSld>
+    <p:spTree>
+      <p:nvGrpSpPr>
+        <p:cNvPr id="1" name=""/>
+        <p:cNvGrpSpPr/>
+        <p:nvPr/>
+      </p:nvGrpSpPr>
+      <p:grpSpPr>
+        <a:xfrm>
+          <a:off x="0" y="0"/>
+          <a:ext cx="0" cy="0"/>
+          <a:chOff x="0" y="0"/>
+          <a:chExt cx="0" cy="0"/>
+        </a:xfrm>
+      </p:grpSpPr>
+      <p:sp>
+        <p:nvSpPr>
           <p:cNvPr id="4" name="Rectangle 1">
             <a:extLst>
               <a:ext uri="{FF2B5EF4-FFF2-40B4-BE49-F238E27FC236}">
@@ -21312,8 +22362,8 @@
         </p:nvSpPr>
         <p:spPr bwMode="auto">
           <a:xfrm>
-            <a:off x="387900" y="1143536"/>
-            <a:ext cx="8176208" cy="3323987"/>
+            <a:off x="164978" y="86683"/>
+            <a:ext cx="8814043" cy="4862870"/>
           </a:xfrm>
           <a:prstGeom prst="rect">
             <a:avLst/>
@@ -21377,7 +22427,641 @@
                 <a:spcPct val="0"/>
               </a:spcAft>
             </a:pPr>
-            <a:endParaRPr lang="zh-TW" altLang="en-US" sz="1000" u="sng" dirty="0">
+            <a:r>
+              <a:rPr lang="en-US" altLang="zh-TW" sz="900" dirty="0">
+                <a:solidFill>
+                  <a:schemeClr val="dk1"/>
+                </a:solidFill>
+                <a:latin typeface="Consolas" panose="020B0609020204030204" pitchFamily="49" charset="0"/>
+                <a:ea typeface="Arial"/>
+                <a:cs typeface="Arial"/>
+                <a:sym typeface="Arial"/>
+              </a:rPr>
+              <a:t>lv1 </a:t>
+            </a:r>
+            <a:r>
+              <a:rPr lang="zh-TW" altLang="en-US" sz="900" dirty="0">
+                <a:solidFill>
+                  <a:schemeClr val="dk1"/>
+                </a:solidFill>
+                <a:latin typeface="Consolas" panose="020B0609020204030204" pitchFamily="49" charset="0"/>
+                <a:ea typeface="Arial"/>
+                <a:cs typeface="Arial"/>
+                <a:sym typeface="Arial"/>
+              </a:rPr>
+              <a:t>的設定下，處理結果：</a:t>
+            </a:r>
+          </a:p>
+          <a:p>
+            <a:pPr defTabSz="914400" eaLnBrk="0" fontAlgn="base" hangingPunct="0">
+              <a:spcBef>
+                <a:spcPct val="0"/>
+              </a:spcBef>
+              <a:spcAft>
+                <a:spcPct val="0"/>
+              </a:spcAft>
+            </a:pPr>
+            <a:r>
+              <a:rPr lang="en-US" altLang="zh-TW" sz="900" dirty="0">
+                <a:solidFill>
+                  <a:schemeClr val="dk1"/>
+                </a:solidFill>
+                <a:latin typeface="Consolas" panose="020B0609020204030204" pitchFamily="49" charset="0"/>
+                <a:ea typeface="Arial"/>
+                <a:cs typeface="Arial"/>
+                <a:sym typeface="Arial"/>
+              </a:rPr>
+              <a:t>{'document': 'https://api.droidtown.co/document/',</a:t>
+            </a:r>
+          </a:p>
+          <a:p>
+            <a:pPr defTabSz="914400" eaLnBrk="0" fontAlgn="base" hangingPunct="0">
+              <a:spcBef>
+                <a:spcPct val="0"/>
+              </a:spcBef>
+              <a:spcAft>
+                <a:spcPct val="0"/>
+              </a:spcAft>
+            </a:pPr>
+            <a:r>
+              <a:rPr lang="en-US" altLang="zh-TW" sz="900" dirty="0">
+                <a:solidFill>
+                  <a:schemeClr val="dk1"/>
+                </a:solidFill>
+                <a:latin typeface="Consolas" panose="020B0609020204030204" pitchFamily="49" charset="0"/>
+                <a:ea typeface="Arial"/>
+                <a:cs typeface="Arial"/>
+                <a:sym typeface="Arial"/>
+              </a:rPr>
+              <a:t> '</a:t>
+            </a:r>
+            <a:r>
+              <a:rPr lang="en-US" altLang="zh-TW" sz="900" dirty="0" err="1">
+                <a:solidFill>
+                  <a:schemeClr val="dk1"/>
+                </a:solidFill>
+                <a:latin typeface="Consolas" panose="020B0609020204030204" pitchFamily="49" charset="0"/>
+                <a:ea typeface="Arial"/>
+                <a:cs typeface="Arial"/>
+                <a:sym typeface="Arial"/>
+              </a:rPr>
+              <a:t>exec_time</a:t>
+            </a:r>
+            <a:r>
+              <a:rPr lang="en-US" altLang="zh-TW" sz="900" dirty="0">
+                <a:solidFill>
+                  <a:schemeClr val="dk1"/>
+                </a:solidFill>
+                <a:latin typeface="Consolas" panose="020B0609020204030204" pitchFamily="49" charset="0"/>
+                <a:ea typeface="Arial"/>
+                <a:cs typeface="Arial"/>
+                <a:sym typeface="Arial"/>
+              </a:rPr>
+              <a:t>': 0.03736257553100586,</a:t>
+            </a:r>
+          </a:p>
+          <a:p>
+            <a:pPr defTabSz="914400" eaLnBrk="0" fontAlgn="base" hangingPunct="0">
+              <a:spcBef>
+                <a:spcPct val="0"/>
+              </a:spcBef>
+              <a:spcAft>
+                <a:spcPct val="0"/>
+              </a:spcAft>
+            </a:pPr>
+            <a:r>
+              <a:rPr lang="en-US" altLang="zh-TW" sz="900" dirty="0">
+                <a:solidFill>
+                  <a:schemeClr val="dk1"/>
+                </a:solidFill>
+                <a:latin typeface="Consolas" panose="020B0609020204030204" pitchFamily="49" charset="0"/>
+                <a:ea typeface="Arial"/>
+                <a:cs typeface="Arial"/>
+                <a:sym typeface="Arial"/>
+              </a:rPr>
+              <a:t> 'level': 'lv1',</a:t>
+            </a:r>
+          </a:p>
+          <a:p>
+            <a:pPr defTabSz="914400" eaLnBrk="0" fontAlgn="base" hangingPunct="0">
+              <a:spcBef>
+                <a:spcPct val="0"/>
+              </a:spcBef>
+              <a:spcAft>
+                <a:spcPct val="0"/>
+              </a:spcAft>
+            </a:pPr>
+            <a:r>
+              <a:rPr lang="en-US" altLang="zh-TW" sz="900" dirty="0">
+                <a:solidFill>
+                  <a:schemeClr val="dk1"/>
+                </a:solidFill>
+                <a:latin typeface="Consolas" panose="020B0609020204030204" pitchFamily="49" charset="0"/>
+                <a:ea typeface="Arial"/>
+                <a:cs typeface="Arial"/>
+                <a:sym typeface="Arial"/>
+              </a:rPr>
+              <a:t> 'msg': 'Success!',</a:t>
+            </a:r>
+          </a:p>
+          <a:p>
+            <a:pPr defTabSz="914400" eaLnBrk="0" fontAlgn="base" hangingPunct="0">
+              <a:spcBef>
+                <a:spcPct val="0"/>
+              </a:spcBef>
+              <a:spcAft>
+                <a:spcPct val="0"/>
+              </a:spcAft>
+            </a:pPr>
+            <a:r>
+              <a:rPr lang="en-US" altLang="zh-TW" sz="900" dirty="0">
+                <a:solidFill>
+                  <a:schemeClr val="dk1"/>
+                </a:solidFill>
+                <a:latin typeface="Consolas" panose="020B0609020204030204" pitchFamily="49" charset="0"/>
+                <a:ea typeface="Arial"/>
+                <a:cs typeface="Arial"/>
+                <a:sym typeface="Arial"/>
+              </a:rPr>
+              <a:t> 'product': 'https://api.droidtown.co/product/',</a:t>
+            </a:r>
+          </a:p>
+          <a:p>
+            <a:pPr defTabSz="914400" eaLnBrk="0" fontAlgn="base" hangingPunct="0">
+              <a:spcBef>
+                <a:spcPct val="0"/>
+              </a:spcBef>
+              <a:spcAft>
+                <a:spcPct val="0"/>
+              </a:spcAft>
+            </a:pPr>
+            <a:r>
+              <a:rPr lang="en-US" altLang="zh-TW" sz="900" dirty="0">
+                <a:solidFill>
+                  <a:schemeClr val="dk1"/>
+                </a:solidFill>
+                <a:latin typeface="Consolas" panose="020B0609020204030204" pitchFamily="49" charset="0"/>
+                <a:ea typeface="Arial"/>
+                <a:cs typeface="Arial"/>
+                <a:sym typeface="Arial"/>
+              </a:rPr>
+              <a:t> '</a:t>
+            </a:r>
+            <a:r>
+              <a:rPr lang="en-US" altLang="zh-TW" sz="900" dirty="0" err="1">
+                <a:solidFill>
+                  <a:schemeClr val="dk1"/>
+                </a:solidFill>
+                <a:latin typeface="Consolas" panose="020B0609020204030204" pitchFamily="49" charset="0"/>
+                <a:ea typeface="Arial"/>
+                <a:cs typeface="Arial"/>
+                <a:sym typeface="Arial"/>
+              </a:rPr>
+              <a:t>result_obj</a:t>
+            </a:r>
+            <a:r>
+              <a:rPr lang="en-US" altLang="zh-TW" sz="900" dirty="0">
+                <a:solidFill>
+                  <a:schemeClr val="dk1"/>
+                </a:solidFill>
+                <a:latin typeface="Consolas" panose="020B0609020204030204" pitchFamily="49" charset="0"/>
+                <a:ea typeface="Arial"/>
+                <a:cs typeface="Arial"/>
+                <a:sym typeface="Arial"/>
+              </a:rPr>
+              <a:t>': [[{'pos': '</a:t>
+            </a:r>
+            <a:r>
+              <a:rPr lang="en-US" altLang="zh-TW" sz="900" dirty="0" err="1">
+                <a:solidFill>
+                  <a:schemeClr val="dk1"/>
+                </a:solidFill>
+                <a:latin typeface="Consolas" panose="020B0609020204030204" pitchFamily="49" charset="0"/>
+                <a:ea typeface="Arial"/>
+                <a:cs typeface="Arial"/>
+                <a:sym typeface="Arial"/>
+              </a:rPr>
+              <a:t>ACTION_verb</a:t>
+            </a:r>
+            <a:r>
+              <a:rPr lang="en-US" altLang="zh-TW" sz="900" dirty="0">
+                <a:solidFill>
+                  <a:schemeClr val="dk1"/>
+                </a:solidFill>
+                <a:latin typeface="Consolas" panose="020B0609020204030204" pitchFamily="49" charset="0"/>
+                <a:ea typeface="Arial"/>
+                <a:cs typeface="Arial"/>
+                <a:sym typeface="Arial"/>
+              </a:rPr>
+              <a:t>', 'text': '</a:t>
+            </a:r>
+            <a:r>
+              <a:rPr lang="zh-TW" altLang="en-US" sz="900" dirty="0">
+                <a:solidFill>
+                  <a:schemeClr val="dk1"/>
+                </a:solidFill>
+                <a:latin typeface="Consolas" panose="020B0609020204030204" pitchFamily="49" charset="0"/>
+                <a:ea typeface="Arial"/>
+                <a:cs typeface="Arial"/>
+                <a:sym typeface="Arial"/>
+              </a:rPr>
+              <a:t>創造</a:t>
+            </a:r>
+            <a:r>
+              <a:rPr lang="en-US" altLang="zh-TW" sz="900" dirty="0">
+                <a:solidFill>
+                  <a:schemeClr val="dk1"/>
+                </a:solidFill>
+                <a:latin typeface="Consolas" panose="020B0609020204030204" pitchFamily="49" charset="0"/>
+                <a:ea typeface="Arial"/>
+                <a:cs typeface="Arial"/>
+                <a:sym typeface="Arial"/>
+              </a:rPr>
+              <a:t>'},</a:t>
+            </a:r>
+          </a:p>
+          <a:p>
+            <a:pPr defTabSz="914400" eaLnBrk="0" fontAlgn="base" hangingPunct="0">
+              <a:spcBef>
+                <a:spcPct val="0"/>
+              </a:spcBef>
+              <a:spcAft>
+                <a:spcPct val="0"/>
+              </a:spcAft>
+            </a:pPr>
+            <a:r>
+              <a:rPr lang="en-US" altLang="zh-TW" sz="900" dirty="0">
+                <a:solidFill>
+                  <a:schemeClr val="dk1"/>
+                </a:solidFill>
+                <a:latin typeface="Consolas" panose="020B0609020204030204" pitchFamily="49" charset="0"/>
+                <a:ea typeface="Arial"/>
+                <a:cs typeface="Arial"/>
+                <a:sym typeface="Arial"/>
+              </a:rPr>
+              <a:t>                 {'pos': 'ASPECT', 'text': '</a:t>
+            </a:r>
+            <a:r>
+              <a:rPr lang="zh-TW" altLang="en-US" sz="900" dirty="0">
+                <a:solidFill>
+                  <a:schemeClr val="dk1"/>
+                </a:solidFill>
+                <a:latin typeface="Consolas" panose="020B0609020204030204" pitchFamily="49" charset="0"/>
+                <a:ea typeface="Arial"/>
+                <a:cs typeface="Arial"/>
+                <a:sym typeface="Arial"/>
+              </a:rPr>
+              <a:t>了</a:t>
+            </a:r>
+            <a:r>
+              <a:rPr lang="en-US" altLang="zh-TW" sz="900" dirty="0">
+                <a:solidFill>
+                  <a:schemeClr val="dk1"/>
+                </a:solidFill>
+                <a:latin typeface="Consolas" panose="020B0609020204030204" pitchFamily="49" charset="0"/>
+                <a:ea typeface="Arial"/>
+                <a:cs typeface="Arial"/>
+                <a:sym typeface="Arial"/>
+              </a:rPr>
+              <a:t>'}]],</a:t>
+            </a:r>
+          </a:p>
+          <a:p>
+            <a:pPr defTabSz="914400" eaLnBrk="0" fontAlgn="base" hangingPunct="0">
+              <a:spcBef>
+                <a:spcPct val="0"/>
+              </a:spcBef>
+              <a:spcAft>
+                <a:spcPct val="0"/>
+              </a:spcAft>
+            </a:pPr>
+            <a:r>
+              <a:rPr lang="en-US" altLang="zh-TW" sz="900" dirty="0">
+                <a:solidFill>
+                  <a:schemeClr val="dk1"/>
+                </a:solidFill>
+                <a:latin typeface="Consolas" panose="020B0609020204030204" pitchFamily="49" charset="0"/>
+                <a:ea typeface="Arial"/>
+                <a:cs typeface="Arial"/>
+                <a:sym typeface="Arial"/>
+              </a:rPr>
+              <a:t> '</a:t>
+            </a:r>
+            <a:r>
+              <a:rPr lang="en-US" altLang="zh-TW" sz="900" dirty="0" err="1">
+                <a:solidFill>
+                  <a:schemeClr val="dk1"/>
+                </a:solidFill>
+                <a:latin typeface="Consolas" panose="020B0609020204030204" pitchFamily="49" charset="0"/>
+                <a:ea typeface="Arial"/>
+                <a:cs typeface="Arial"/>
+                <a:sym typeface="Arial"/>
+              </a:rPr>
+              <a:t>result_pos</a:t>
+            </a:r>
+            <a:r>
+              <a:rPr lang="en-US" altLang="zh-TW" sz="900" dirty="0">
+                <a:solidFill>
+                  <a:schemeClr val="dk1"/>
+                </a:solidFill>
+                <a:latin typeface="Consolas" panose="020B0609020204030204" pitchFamily="49" charset="0"/>
+                <a:ea typeface="Arial"/>
+                <a:cs typeface="Arial"/>
+                <a:sym typeface="Arial"/>
+              </a:rPr>
+              <a:t>': ['&lt;</a:t>
+            </a:r>
+            <a:r>
+              <a:rPr lang="en-US" altLang="zh-TW" sz="900" dirty="0" err="1">
+                <a:solidFill>
+                  <a:schemeClr val="dk1"/>
+                </a:solidFill>
+                <a:latin typeface="Consolas" panose="020B0609020204030204" pitchFamily="49" charset="0"/>
+                <a:ea typeface="Arial"/>
+                <a:cs typeface="Arial"/>
+                <a:sym typeface="Arial"/>
+              </a:rPr>
+              <a:t>ACTION_verb</a:t>
+            </a:r>
+            <a:r>
+              <a:rPr lang="en-US" altLang="zh-TW" sz="900" dirty="0">
+                <a:solidFill>
+                  <a:schemeClr val="dk1"/>
+                </a:solidFill>
+                <a:latin typeface="Consolas" panose="020B0609020204030204" pitchFamily="49" charset="0"/>
+                <a:ea typeface="Arial"/>
+                <a:cs typeface="Arial"/>
+                <a:sym typeface="Arial"/>
+              </a:rPr>
+              <a:t>&gt;</a:t>
+            </a:r>
+            <a:r>
+              <a:rPr lang="zh-TW" altLang="en-US" sz="900" dirty="0">
+                <a:solidFill>
+                  <a:schemeClr val="dk1"/>
+                </a:solidFill>
+                <a:latin typeface="Consolas" panose="020B0609020204030204" pitchFamily="49" charset="0"/>
+                <a:ea typeface="Arial"/>
+                <a:cs typeface="Arial"/>
+                <a:sym typeface="Arial"/>
+              </a:rPr>
+              <a:t>創造</a:t>
+            </a:r>
+            <a:r>
+              <a:rPr lang="en-US" altLang="zh-TW" sz="900" dirty="0">
+                <a:solidFill>
+                  <a:schemeClr val="dk1"/>
+                </a:solidFill>
+                <a:latin typeface="Consolas" panose="020B0609020204030204" pitchFamily="49" charset="0"/>
+                <a:ea typeface="Arial"/>
+                <a:cs typeface="Arial"/>
+                <a:sym typeface="Arial"/>
+              </a:rPr>
+              <a:t>&lt;/</a:t>
+            </a:r>
+            <a:r>
+              <a:rPr lang="en-US" altLang="zh-TW" sz="900" dirty="0" err="1">
+                <a:solidFill>
+                  <a:schemeClr val="dk1"/>
+                </a:solidFill>
+                <a:latin typeface="Consolas" panose="020B0609020204030204" pitchFamily="49" charset="0"/>
+                <a:ea typeface="Arial"/>
+                <a:cs typeface="Arial"/>
+                <a:sym typeface="Arial"/>
+              </a:rPr>
+              <a:t>ACTION_verb</a:t>
+            </a:r>
+            <a:r>
+              <a:rPr lang="en-US" altLang="zh-TW" sz="900" dirty="0">
+                <a:solidFill>
+                  <a:schemeClr val="dk1"/>
+                </a:solidFill>
+                <a:latin typeface="Consolas" panose="020B0609020204030204" pitchFamily="49" charset="0"/>
+                <a:ea typeface="Arial"/>
+                <a:cs typeface="Arial"/>
+                <a:sym typeface="Arial"/>
+              </a:rPr>
+              <a:t>&gt;&lt;ASPECT&gt;</a:t>
+            </a:r>
+            <a:r>
+              <a:rPr lang="zh-TW" altLang="en-US" sz="900" dirty="0">
+                <a:solidFill>
+                  <a:schemeClr val="dk1"/>
+                </a:solidFill>
+                <a:latin typeface="Consolas" panose="020B0609020204030204" pitchFamily="49" charset="0"/>
+                <a:ea typeface="Arial"/>
+                <a:cs typeface="Arial"/>
+                <a:sym typeface="Arial"/>
+              </a:rPr>
+              <a:t>了</a:t>
+            </a:r>
+            <a:r>
+              <a:rPr lang="en-US" altLang="zh-TW" sz="900" dirty="0">
+                <a:solidFill>
+                  <a:schemeClr val="dk1"/>
+                </a:solidFill>
+                <a:latin typeface="Consolas" panose="020B0609020204030204" pitchFamily="49" charset="0"/>
+                <a:ea typeface="Arial"/>
+                <a:cs typeface="Arial"/>
+                <a:sym typeface="Arial"/>
+              </a:rPr>
+              <a:t>&lt;/ASPECT&gt;'],</a:t>
+            </a:r>
+          </a:p>
+          <a:p>
+            <a:pPr defTabSz="914400" eaLnBrk="0" fontAlgn="base" hangingPunct="0">
+              <a:spcBef>
+                <a:spcPct val="0"/>
+              </a:spcBef>
+              <a:spcAft>
+                <a:spcPct val="0"/>
+              </a:spcAft>
+            </a:pPr>
+            <a:r>
+              <a:rPr lang="en-US" altLang="zh-TW" sz="900" dirty="0">
+                <a:solidFill>
+                  <a:schemeClr val="dk1"/>
+                </a:solidFill>
+                <a:latin typeface="Consolas" panose="020B0609020204030204" pitchFamily="49" charset="0"/>
+                <a:ea typeface="Arial"/>
+                <a:cs typeface="Arial"/>
+                <a:sym typeface="Arial"/>
+              </a:rPr>
+              <a:t> '</a:t>
+            </a:r>
+            <a:r>
+              <a:rPr lang="en-US" altLang="zh-TW" sz="900" dirty="0" err="1">
+                <a:solidFill>
+                  <a:schemeClr val="dk1"/>
+                </a:solidFill>
+                <a:latin typeface="Consolas" panose="020B0609020204030204" pitchFamily="49" charset="0"/>
+                <a:ea typeface="Arial"/>
+                <a:cs typeface="Arial"/>
+                <a:sym typeface="Arial"/>
+              </a:rPr>
+              <a:t>result_segmentation</a:t>
+            </a:r>
+            <a:r>
+              <a:rPr lang="en-US" altLang="zh-TW" sz="900" dirty="0">
+                <a:solidFill>
+                  <a:schemeClr val="dk1"/>
+                </a:solidFill>
+                <a:latin typeface="Consolas" panose="020B0609020204030204" pitchFamily="49" charset="0"/>
+                <a:ea typeface="Arial"/>
+                <a:cs typeface="Arial"/>
+                <a:sym typeface="Arial"/>
+              </a:rPr>
+              <a:t>': '</a:t>
+            </a:r>
+            <a:r>
+              <a:rPr lang="zh-TW" altLang="en-US" sz="900" dirty="0">
+                <a:solidFill>
+                  <a:schemeClr val="dk1"/>
+                </a:solidFill>
+                <a:latin typeface="Consolas" panose="020B0609020204030204" pitchFamily="49" charset="0"/>
+                <a:ea typeface="Arial"/>
+                <a:cs typeface="Arial"/>
+                <a:sym typeface="Arial"/>
+              </a:rPr>
+              <a:t>創造</a:t>
+            </a:r>
+            <a:r>
+              <a:rPr lang="en-US" altLang="zh-TW" sz="900" dirty="0">
+                <a:solidFill>
+                  <a:schemeClr val="dk1"/>
+                </a:solidFill>
+                <a:latin typeface="Consolas" panose="020B0609020204030204" pitchFamily="49" charset="0"/>
+                <a:ea typeface="Arial"/>
+                <a:cs typeface="Arial"/>
+                <a:sym typeface="Arial"/>
+              </a:rPr>
+              <a:t>/</a:t>
+            </a:r>
+            <a:r>
+              <a:rPr lang="zh-TW" altLang="en-US" sz="900" dirty="0">
+                <a:solidFill>
+                  <a:schemeClr val="dk1"/>
+                </a:solidFill>
+                <a:latin typeface="Consolas" panose="020B0609020204030204" pitchFamily="49" charset="0"/>
+                <a:ea typeface="Arial"/>
+                <a:cs typeface="Arial"/>
+                <a:sym typeface="Arial"/>
+              </a:rPr>
+              <a:t>了</a:t>
+            </a:r>
+            <a:r>
+              <a:rPr lang="en-US" altLang="zh-TW" sz="900" dirty="0">
+                <a:solidFill>
+                  <a:schemeClr val="dk1"/>
+                </a:solidFill>
+                <a:latin typeface="Consolas" panose="020B0609020204030204" pitchFamily="49" charset="0"/>
+                <a:ea typeface="Arial"/>
+                <a:cs typeface="Arial"/>
+                <a:sym typeface="Arial"/>
+              </a:rPr>
+              <a:t>',</a:t>
+            </a:r>
+          </a:p>
+          <a:p>
+            <a:pPr defTabSz="914400" eaLnBrk="0" fontAlgn="base" hangingPunct="0">
+              <a:spcBef>
+                <a:spcPct val="0"/>
+              </a:spcBef>
+              <a:spcAft>
+                <a:spcPct val="0"/>
+              </a:spcAft>
+            </a:pPr>
+            <a:r>
+              <a:rPr lang="en-US" altLang="zh-TW" sz="900" dirty="0">
+                <a:solidFill>
+                  <a:schemeClr val="dk1"/>
+                </a:solidFill>
+                <a:latin typeface="Consolas" panose="020B0609020204030204" pitchFamily="49" charset="0"/>
+                <a:ea typeface="Arial"/>
+                <a:cs typeface="Arial"/>
+                <a:sym typeface="Arial"/>
+              </a:rPr>
+              <a:t> 'status': True,</a:t>
+            </a:r>
+          </a:p>
+          <a:p>
+            <a:pPr defTabSz="914400" eaLnBrk="0" fontAlgn="base" hangingPunct="0">
+              <a:spcBef>
+                <a:spcPct val="0"/>
+              </a:spcBef>
+              <a:spcAft>
+                <a:spcPct val="0"/>
+              </a:spcAft>
+            </a:pPr>
+            <a:r>
+              <a:rPr lang="en-US" altLang="zh-TW" sz="900" dirty="0">
+                <a:solidFill>
+                  <a:schemeClr val="dk1"/>
+                </a:solidFill>
+                <a:latin typeface="Consolas" panose="020B0609020204030204" pitchFamily="49" charset="0"/>
+                <a:ea typeface="Arial"/>
+                <a:cs typeface="Arial"/>
+                <a:sym typeface="Arial"/>
+              </a:rPr>
+              <a:t> 'version': 'v236',</a:t>
+            </a:r>
+          </a:p>
+          <a:p>
+            <a:pPr defTabSz="914400" eaLnBrk="0" fontAlgn="base" hangingPunct="0">
+              <a:spcBef>
+                <a:spcPct val="0"/>
+              </a:spcBef>
+              <a:spcAft>
+                <a:spcPct val="0"/>
+              </a:spcAft>
+            </a:pPr>
+            <a:r>
+              <a:rPr lang="en-US" altLang="zh-TW" sz="900" dirty="0">
+                <a:solidFill>
+                  <a:schemeClr val="dk1"/>
+                </a:solidFill>
+                <a:latin typeface="Consolas" panose="020B0609020204030204" pitchFamily="49" charset="0"/>
+                <a:ea typeface="Arial"/>
+                <a:cs typeface="Arial"/>
+                <a:sym typeface="Arial"/>
+              </a:rPr>
+              <a:t> '</a:t>
+            </a:r>
+            <a:r>
+              <a:rPr lang="en-US" altLang="zh-TW" sz="900" dirty="0" err="1">
+                <a:solidFill>
+                  <a:schemeClr val="dk1"/>
+                </a:solidFill>
+                <a:latin typeface="Consolas" panose="020B0609020204030204" pitchFamily="49" charset="0"/>
+                <a:ea typeface="Arial"/>
+                <a:cs typeface="Arial"/>
+                <a:sym typeface="Arial"/>
+              </a:rPr>
+              <a:t>word_count_balance</a:t>
+            </a:r>
+            <a:r>
+              <a:rPr lang="en-US" altLang="zh-TW" sz="900" dirty="0">
+                <a:solidFill>
+                  <a:schemeClr val="dk1"/>
+                </a:solidFill>
+                <a:latin typeface="Consolas" panose="020B0609020204030204" pitchFamily="49" charset="0"/>
+                <a:ea typeface="Arial"/>
+                <a:cs typeface="Arial"/>
+                <a:sym typeface="Arial"/>
+              </a:rPr>
+              <a:t>': 345}</a:t>
+            </a:r>
+          </a:p>
+          <a:p>
+            <a:pPr defTabSz="914400" eaLnBrk="0" fontAlgn="base" hangingPunct="0">
+              <a:spcBef>
+                <a:spcPct val="0"/>
+              </a:spcBef>
+              <a:spcAft>
+                <a:spcPct val="0"/>
+              </a:spcAft>
+            </a:pPr>
+            <a:endParaRPr lang="en-US" altLang="zh-TW" sz="900" dirty="0">
               <a:solidFill>
                 <a:schemeClr val="dk1"/>
               </a:solidFill>
@@ -21388,7 +23072,7 @@
             </a:endParaRPr>
           </a:p>
           <a:p>
-            <a:pPr lvl="0" defTabSz="914400" eaLnBrk="0" fontAlgn="base" hangingPunct="0">
+            <a:pPr defTabSz="914400" eaLnBrk="0" fontAlgn="base" hangingPunct="0">
               <a:spcBef>
                 <a:spcPct val="0"/>
               </a:spcBef>
@@ -21397,20 +23081,32 @@
               </a:spcAft>
             </a:pPr>
             <a:r>
-              <a:rPr lang="en-US" altLang="zh-TW" sz="1400" dirty="0">
-                <a:latin typeface="Consolas" panose="020B0609020204030204" pitchFamily="49" charset="0"/>
-              </a:rPr>
-              <a:t>lv1 </a:t>
-            </a:r>
-            <a:r>
-              <a:rPr lang="zh-TW" altLang="en-US" sz="1400" dirty="0">
-                <a:latin typeface="Consolas" panose="020B0609020204030204" pitchFamily="49" charset="0"/>
+              <a:rPr lang="en-US" altLang="zh-TW" sz="900" dirty="0">
+                <a:solidFill>
+                  <a:schemeClr val="dk1"/>
+                </a:solidFill>
+                <a:latin typeface="Consolas" panose="020B0609020204030204" pitchFamily="49" charset="0"/>
+                <a:ea typeface="Arial"/>
+                <a:cs typeface="Arial"/>
+                <a:sym typeface="Arial"/>
+              </a:rPr>
+              <a:t> lv2 </a:t>
+            </a:r>
+            <a:r>
+              <a:rPr lang="zh-TW" altLang="en-US" sz="900" dirty="0">
+                <a:solidFill>
+                  <a:schemeClr val="dk1"/>
+                </a:solidFill>
+                <a:latin typeface="Consolas" panose="020B0609020204030204" pitchFamily="49" charset="0"/>
+                <a:ea typeface="Arial"/>
+                <a:cs typeface="Arial"/>
+                <a:sym typeface="Arial"/>
               </a:rPr>
               <a:t>的設定下，處理結果：</a:t>
             </a:r>
           </a:p>
           <a:p>
-            <a:pPr lvl="0" defTabSz="914400" eaLnBrk="0" fontAlgn="base" hangingPunct="0">
+            <a:pPr defTabSz="914400" eaLnBrk="0" fontAlgn="base" hangingPunct="0">
               <a:spcBef>
                 <a:spcPct val="0"/>
               </a:spcBef>
@@ -21419,140 +23115,1520 @@
               </a:spcAft>
             </a:pPr>
             <a:r>
-              <a:rPr lang="zh-TW" altLang="en-US" sz="1400" dirty="0">
-                <a:latin typeface="Consolas" panose="020B0609020204030204" pitchFamily="49" charset="0"/>
+              <a:rPr lang="zh-TW" altLang="en-US" sz="900" dirty="0">
+                <a:solidFill>
+                  <a:schemeClr val="dk1"/>
+                </a:solidFill>
+                <a:latin typeface="Consolas" panose="020B0609020204030204" pitchFamily="49" charset="0"/>
+                <a:ea typeface="Arial"/>
+                <a:cs typeface="Arial"/>
+                <a:sym typeface="Arial"/>
               </a:rPr>
               <a:t> </a:t>
             </a:r>
             <a:r>
-              <a:rPr lang="en-US" altLang="zh-TW" sz="1400" dirty="0">
-                <a:latin typeface="Consolas" panose="020B0609020204030204" pitchFamily="49" charset="0"/>
-              </a:rPr>
-              <a:t>{'exec_time': 0.04845786094665527, 'result_pos': ['&lt;</a:t>
-            </a:r>
-            <a:r>
-              <a:rPr lang="en-US" altLang="zh-TW" sz="1400" dirty="0" err="1">
-                <a:latin typeface="Consolas" panose="020B0609020204030204" pitchFamily="49" charset="0"/>
+              <a:rPr lang="en-US" altLang="zh-TW" sz="900" dirty="0">
+                <a:solidFill>
+                  <a:schemeClr val="dk1"/>
+                </a:solidFill>
+                <a:latin typeface="Consolas" panose="020B0609020204030204" pitchFamily="49" charset="0"/>
+                <a:ea typeface="Arial"/>
+                <a:cs typeface="Arial"/>
+                <a:sym typeface="Arial"/>
+              </a:rPr>
+              <a:t>{'</a:t>
+            </a:r>
+            <a:r>
+              <a:rPr lang="en-US" altLang="zh-TW" sz="900" dirty="0" err="1">
+                <a:solidFill>
+                  <a:schemeClr val="dk1"/>
+                </a:solidFill>
+                <a:latin typeface="Consolas" panose="020B0609020204030204" pitchFamily="49" charset="0"/>
+                <a:ea typeface="Arial"/>
+                <a:cs typeface="Arial"/>
+                <a:sym typeface="Arial"/>
+              </a:rPr>
+              <a:t>exec_time</a:t>
+            </a:r>
+            <a:r>
+              <a:rPr lang="en-US" altLang="zh-TW" sz="900" dirty="0">
+                <a:solidFill>
+                  <a:schemeClr val="dk1"/>
+                </a:solidFill>
+                <a:latin typeface="Consolas" panose="020B0609020204030204" pitchFamily="49" charset="0"/>
+                <a:ea typeface="Arial"/>
+                <a:cs typeface="Arial"/>
+                <a:sym typeface="Arial"/>
+              </a:rPr>
+              <a:t>': 0.08351516723632812, '</a:t>
+            </a:r>
+            <a:r>
+              <a:rPr lang="en-US" altLang="zh-TW" sz="900" dirty="0" err="1">
+                <a:solidFill>
+                  <a:schemeClr val="dk1"/>
+                </a:solidFill>
+                <a:latin typeface="Consolas" panose="020B0609020204030204" pitchFamily="49" charset="0"/>
+                <a:ea typeface="Arial"/>
+                <a:cs typeface="Arial"/>
+                <a:sym typeface="Arial"/>
+              </a:rPr>
+              <a:t>result_pos</a:t>
+            </a:r>
+            <a:r>
+              <a:rPr lang="en-US" altLang="zh-TW" sz="900" dirty="0">
+                <a:solidFill>
+                  <a:schemeClr val="dk1"/>
+                </a:solidFill>
+                <a:latin typeface="Consolas" panose="020B0609020204030204" pitchFamily="49" charset="0"/>
+                <a:ea typeface="Arial"/>
+                <a:cs typeface="Arial"/>
+                <a:sym typeface="Arial"/>
+              </a:rPr>
+              <a:t>': ['&lt;MODAL&gt;</a:t>
+            </a:r>
+            <a:r>
+              <a:rPr lang="zh-TW" altLang="en-US" sz="900" dirty="0">
+                <a:solidFill>
+                  <a:schemeClr val="dk1"/>
+                </a:solidFill>
+                <a:latin typeface="Consolas" panose="020B0609020204030204" pitchFamily="49" charset="0"/>
+                <a:ea typeface="Arial"/>
+                <a:cs typeface="Arial"/>
+                <a:sym typeface="Arial"/>
+              </a:rPr>
+              <a:t>會</a:t>
+            </a:r>
+            <a:r>
+              <a:rPr lang="en-US" altLang="zh-TW" sz="900" dirty="0">
+                <a:solidFill>
+                  <a:schemeClr val="dk1"/>
+                </a:solidFill>
+                <a:latin typeface="Consolas" panose="020B0609020204030204" pitchFamily="49" charset="0"/>
+                <a:ea typeface="Arial"/>
+                <a:cs typeface="Arial"/>
+                <a:sym typeface="Arial"/>
+              </a:rPr>
+              <a:t>&lt;/MODAL&gt;&lt;</a:t>
+            </a:r>
+            <a:r>
+              <a:rPr lang="en-US" altLang="zh-TW" sz="900" dirty="0" err="1">
+                <a:solidFill>
+                  <a:schemeClr val="dk1"/>
+                </a:solidFill>
+                <a:latin typeface="Consolas" panose="020B0609020204030204" pitchFamily="49" charset="0"/>
+                <a:ea typeface="Arial"/>
+                <a:cs typeface="Arial"/>
+                <a:sym typeface="Arial"/>
+              </a:rPr>
+              <a:t>ACTION_lightVerb</a:t>
+            </a:r>
+            <a:r>
+              <a:rPr lang="en-US" altLang="zh-TW" sz="900" dirty="0">
+                <a:solidFill>
+                  <a:schemeClr val="dk1"/>
+                </a:solidFill>
+                <a:latin typeface="Consolas" panose="020B0609020204030204" pitchFamily="49" charset="0"/>
+                <a:ea typeface="Arial"/>
+                <a:cs typeface="Arial"/>
+                <a:sym typeface="Arial"/>
+              </a:rPr>
+              <a:t>&gt;</a:t>
+            </a:r>
+            <a:r>
+              <a:rPr lang="zh-TW" altLang="en-US" sz="900" dirty="0">
+                <a:solidFill>
+                  <a:schemeClr val="dk1"/>
+                </a:solidFill>
+                <a:latin typeface="Consolas" panose="020B0609020204030204" pitchFamily="49" charset="0"/>
+                <a:ea typeface="Arial"/>
+                <a:cs typeface="Arial"/>
+                <a:sym typeface="Arial"/>
+              </a:rPr>
+              <a:t>被</a:t>
+            </a:r>
+            <a:r>
+              <a:rPr lang="en-US" altLang="zh-TW" sz="900" dirty="0">
+                <a:solidFill>
+                  <a:schemeClr val="dk1"/>
+                </a:solidFill>
+                <a:latin typeface="Consolas" panose="020B0609020204030204" pitchFamily="49" charset="0"/>
+                <a:ea typeface="Arial"/>
+                <a:cs typeface="Arial"/>
+                <a:sym typeface="Arial"/>
+              </a:rPr>
+              <a:t>&lt;/</a:t>
+            </a:r>
+            <a:r>
+              <a:rPr lang="en-US" altLang="zh-TW" sz="900" dirty="0" err="1">
+                <a:solidFill>
+                  <a:schemeClr val="dk1"/>
+                </a:solidFill>
+                <a:latin typeface="Consolas" panose="020B0609020204030204" pitchFamily="49" charset="0"/>
+                <a:ea typeface="Arial"/>
+                <a:cs typeface="Arial"/>
+                <a:sym typeface="Arial"/>
+              </a:rPr>
+              <a:t>ACTION_lightVerb</a:t>
+            </a:r>
+            <a:r>
+              <a:rPr lang="en-US" altLang="zh-TW" sz="900" dirty="0">
+                <a:solidFill>
+                  <a:schemeClr val="dk1"/>
+                </a:solidFill>
+                <a:latin typeface="Consolas" panose="020B0609020204030204" pitchFamily="49" charset="0"/>
+                <a:ea typeface="Arial"/>
+                <a:cs typeface="Arial"/>
+                <a:sym typeface="Arial"/>
+              </a:rPr>
+              <a:t>&gt;&lt;</a:t>
+            </a:r>
+            <a:r>
+              <a:rPr lang="en-US" altLang="zh-TW" sz="900" dirty="0" err="1">
+                <a:solidFill>
+                  <a:schemeClr val="dk1"/>
+                </a:solidFill>
+                <a:latin typeface="Consolas" panose="020B0609020204030204" pitchFamily="49" charset="0"/>
+                <a:ea typeface="Arial"/>
+                <a:cs typeface="Arial"/>
+                <a:sym typeface="Arial"/>
+              </a:rPr>
+              <a:t>ENTITY_noun</a:t>
+            </a:r>
+            <a:r>
+              <a:rPr lang="en-US" altLang="zh-TW" sz="900" dirty="0">
+                <a:solidFill>
+                  <a:schemeClr val="dk1"/>
+                </a:solidFill>
+                <a:latin typeface="Consolas" panose="020B0609020204030204" pitchFamily="49" charset="0"/>
+                <a:ea typeface="Arial"/>
+                <a:cs typeface="Arial"/>
+                <a:sym typeface="Arial"/>
+              </a:rPr>
+              <a:t>&gt;</a:t>
+            </a:r>
+            <a:r>
+              <a:rPr lang="zh-TW" altLang="en-US" sz="900" dirty="0">
+                <a:solidFill>
+                  <a:schemeClr val="dk1"/>
+                </a:solidFill>
+                <a:latin typeface="Consolas" panose="020B0609020204030204" pitchFamily="49" charset="0"/>
+                <a:ea typeface="Arial"/>
+                <a:cs typeface="Arial"/>
+                <a:sym typeface="Arial"/>
+              </a:rPr>
+              <a:t>大家</a:t>
+            </a:r>
+            <a:r>
+              <a:rPr lang="en-US" altLang="zh-TW" sz="900" dirty="0">
+                <a:solidFill>
+                  <a:schemeClr val="dk1"/>
+                </a:solidFill>
+                <a:latin typeface="Consolas" panose="020B0609020204030204" pitchFamily="49" charset="0"/>
+                <a:ea typeface="Arial"/>
+                <a:cs typeface="Arial"/>
+                <a:sym typeface="Arial"/>
+              </a:rPr>
+              <a:t>&lt;/</a:t>
+            </a:r>
+            <a:r>
+              <a:rPr lang="en-US" altLang="zh-TW" sz="900" dirty="0" err="1">
+                <a:solidFill>
+                  <a:schemeClr val="dk1"/>
+                </a:solidFill>
+                <a:latin typeface="Consolas" panose="020B0609020204030204" pitchFamily="49" charset="0"/>
+                <a:ea typeface="Arial"/>
+                <a:cs typeface="Arial"/>
+                <a:sym typeface="Arial"/>
+              </a:rPr>
+              <a:t>ENTITY_noun</a:t>
+            </a:r>
+            <a:r>
+              <a:rPr lang="en-US" altLang="zh-TW" sz="900" dirty="0">
+                <a:solidFill>
+                  <a:schemeClr val="dk1"/>
+                </a:solidFill>
+                <a:latin typeface="Consolas" panose="020B0609020204030204" pitchFamily="49" charset="0"/>
+                <a:ea typeface="Arial"/>
+                <a:cs typeface="Arial"/>
+                <a:sym typeface="Arial"/>
+              </a:rPr>
+              <a:t>&gt;&lt;</a:t>
+            </a:r>
+            <a:r>
+              <a:rPr lang="en-US" altLang="zh-TW" sz="900" dirty="0" err="1">
+                <a:solidFill>
+                  <a:schemeClr val="dk1"/>
+                </a:solidFill>
+                <a:latin typeface="Consolas" panose="020B0609020204030204" pitchFamily="49" charset="0"/>
+                <a:ea typeface="Arial"/>
+                <a:cs typeface="Arial"/>
+                <a:sym typeface="Arial"/>
               </a:rPr>
               <a:t>ACTION_verb</a:t>
             </a:r>
             <a:r>
-              <a:rPr lang="en-US" altLang="zh-TW" sz="1400" dirty="0">
-                <a:latin typeface="Consolas" panose="020B0609020204030204" pitchFamily="49" charset="0"/>
+              <a:rPr lang="en-US" altLang="zh-TW" sz="900" dirty="0">
+                <a:solidFill>
+                  <a:schemeClr val="dk1"/>
+                </a:solidFill>
+                <a:latin typeface="Consolas" panose="020B0609020204030204" pitchFamily="49" charset="0"/>
+                <a:ea typeface="Arial"/>
+                <a:cs typeface="Arial"/>
+                <a:sym typeface="Arial"/>
               </a:rPr>
               <a:t>&gt;</a:t>
             </a:r>
             <a:r>
-              <a:rPr lang="zh-TW" altLang="en-US" sz="1400" dirty="0">
-                <a:latin typeface="Consolas" panose="020B0609020204030204" pitchFamily="49" charset="0"/>
-              </a:rPr>
-              <a:t>創造</a:t>
-            </a:r>
-            <a:r>
-              <a:rPr lang="en-US" altLang="zh-TW" sz="1400" dirty="0">
-                <a:latin typeface="Consolas" panose="020B0609020204030204" pitchFamily="49" charset="0"/>
+              <a:rPr lang="zh-TW" altLang="en-US" sz="900" dirty="0">
+                <a:solidFill>
+                  <a:schemeClr val="dk1"/>
+                </a:solidFill>
+                <a:latin typeface="Consolas" panose="020B0609020204030204" pitchFamily="49" charset="0"/>
+                <a:ea typeface="Arial"/>
+                <a:cs typeface="Arial"/>
+                <a:sym typeface="Arial"/>
+              </a:rPr>
+              <a:t>盯</a:t>
+            </a:r>
+            <a:r>
+              <a:rPr lang="en-US" altLang="zh-TW" sz="900" dirty="0">
+                <a:solidFill>
+                  <a:schemeClr val="dk1"/>
+                </a:solidFill>
+                <a:latin typeface="Consolas" panose="020B0609020204030204" pitchFamily="49" charset="0"/>
+                <a:ea typeface="Arial"/>
+                <a:cs typeface="Arial"/>
+                <a:sym typeface="Arial"/>
               </a:rPr>
               <a:t>&lt;/</a:t>
             </a:r>
             <a:r>
-              <a:rPr lang="en-US" altLang="zh-TW" sz="1400" dirty="0" err="1">
-                <a:latin typeface="Consolas" panose="020B0609020204030204" pitchFamily="49" charset="0"/>
+              <a:rPr lang="en-US" altLang="zh-TW" sz="900" dirty="0" err="1">
+                <a:solidFill>
+                  <a:schemeClr val="dk1"/>
+                </a:solidFill>
+                <a:latin typeface="Consolas" panose="020B0609020204030204" pitchFamily="49" charset="0"/>
+                <a:ea typeface="Arial"/>
+                <a:cs typeface="Arial"/>
+                <a:sym typeface="Arial"/>
               </a:rPr>
               <a:t>ACTION_verb</a:t>
             </a:r>
             <a:r>
-              <a:rPr lang="en-US" altLang="zh-TW" sz="1400" dirty="0">
-                <a:latin typeface="Consolas" panose="020B0609020204030204" pitchFamily="49" charset="0"/>
-              </a:rPr>
-              <a:t>&gt;&lt;ASPECT&gt;</a:t>
-            </a:r>
-            <a:r>
-              <a:rPr lang="zh-TW" altLang="en-US" sz="1400" dirty="0">
-                <a:latin typeface="Consolas" panose="020B0609020204030204" pitchFamily="49" charset="0"/>
-              </a:rPr>
-              <a:t>了</a:t>
-            </a:r>
-            <a:r>
-              <a:rPr lang="en-US" altLang="zh-TW" sz="1400" dirty="0">
-                <a:latin typeface="Consolas" panose="020B0609020204030204" pitchFamily="49" charset="0"/>
-              </a:rPr>
-              <a:t>&lt;/ASPECT&gt;'], 'result_segmentation': '</a:t>
-            </a:r>
-            <a:r>
-              <a:rPr lang="zh-TW" altLang="en-US" sz="1400" dirty="0">
-                <a:latin typeface="Consolas" panose="020B0609020204030204" pitchFamily="49" charset="0"/>
-              </a:rPr>
-              <a:t>創造</a:t>
-            </a:r>
-            <a:r>
-              <a:rPr lang="en-US" altLang="zh-TW" sz="1400" dirty="0">
-                <a:latin typeface="Consolas" panose="020B0609020204030204" pitchFamily="49" charset="0"/>
+              <a:rPr lang="en-US" altLang="zh-TW" sz="900" dirty="0">
+                <a:solidFill>
+                  <a:schemeClr val="dk1"/>
+                </a:solidFill>
+                <a:latin typeface="Consolas" panose="020B0609020204030204" pitchFamily="49" charset="0"/>
+                <a:ea typeface="Arial"/>
+                <a:cs typeface="Arial"/>
+                <a:sym typeface="Arial"/>
+              </a:rPr>
+              <a:t>&gt;&lt;</a:t>
+            </a:r>
+            <a:r>
+              <a:rPr lang="en-US" altLang="zh-TW" sz="900" dirty="0" err="1">
+                <a:solidFill>
+                  <a:schemeClr val="dk1"/>
+                </a:solidFill>
+                <a:latin typeface="Consolas" panose="020B0609020204030204" pitchFamily="49" charset="0"/>
+                <a:ea typeface="Arial"/>
+                <a:cs typeface="Arial"/>
+                <a:sym typeface="Arial"/>
+              </a:rPr>
+              <a:t>RANGE_locality</a:t>
+            </a:r>
+            <a:r>
+              <a:rPr lang="en-US" altLang="zh-TW" sz="900" dirty="0">
+                <a:solidFill>
+                  <a:schemeClr val="dk1"/>
+                </a:solidFill>
+                <a:latin typeface="Consolas" panose="020B0609020204030204" pitchFamily="49" charset="0"/>
+                <a:ea typeface="Arial"/>
+                <a:cs typeface="Arial"/>
+                <a:sym typeface="Arial"/>
+              </a:rPr>
+              <a:t>&gt;</a:t>
+            </a:r>
+            <a:r>
+              <a:rPr lang="zh-TW" altLang="en-US" sz="900" dirty="0">
+                <a:solidFill>
+                  <a:schemeClr val="dk1"/>
+                </a:solidFill>
+                <a:latin typeface="Consolas" panose="020B0609020204030204" pitchFamily="49" charset="0"/>
+                <a:ea typeface="Arial"/>
+                <a:cs typeface="Arial"/>
+                <a:sym typeface="Arial"/>
+              </a:rPr>
+              <a:t>上</a:t>
+            </a:r>
+            <a:r>
+              <a:rPr lang="en-US" altLang="zh-TW" sz="900" dirty="0">
+                <a:solidFill>
+                  <a:schemeClr val="dk1"/>
+                </a:solidFill>
+                <a:latin typeface="Consolas" panose="020B0609020204030204" pitchFamily="49" charset="0"/>
+                <a:ea typeface="Arial"/>
+                <a:cs typeface="Arial"/>
+                <a:sym typeface="Arial"/>
+              </a:rPr>
+              <a:t>&lt;/</a:t>
+            </a:r>
+            <a:r>
+              <a:rPr lang="en-US" altLang="zh-TW" sz="900" dirty="0" err="1">
+                <a:solidFill>
+                  <a:schemeClr val="dk1"/>
+                </a:solidFill>
+                <a:latin typeface="Consolas" panose="020B0609020204030204" pitchFamily="49" charset="0"/>
+                <a:ea typeface="Arial"/>
+                <a:cs typeface="Arial"/>
+                <a:sym typeface="Arial"/>
+              </a:rPr>
+              <a:t>RANGE_locality</a:t>
+            </a:r>
+            <a:r>
+              <a:rPr lang="en-US" altLang="zh-TW" sz="900" dirty="0">
+                <a:solidFill>
+                  <a:schemeClr val="dk1"/>
+                </a:solidFill>
+                <a:latin typeface="Consolas" panose="020B0609020204030204" pitchFamily="49" charset="0"/>
+                <a:ea typeface="Arial"/>
+                <a:cs typeface="Arial"/>
+                <a:sym typeface="Arial"/>
+              </a:rPr>
+              <a:t>&gt;', '</a:t>
+            </a:r>
+            <a:r>
+              <a:rPr lang="zh-TW" altLang="en-US" sz="900" dirty="0">
+                <a:solidFill>
+                  <a:schemeClr val="dk1"/>
+                </a:solidFill>
+                <a:latin typeface="Consolas" panose="020B0609020204030204" pitchFamily="49" charset="0"/>
+                <a:ea typeface="Arial"/>
+                <a:cs typeface="Arial"/>
+                <a:sym typeface="Arial"/>
+              </a:rPr>
+              <a:t>，</a:t>
+            </a:r>
+            <a:r>
+              <a:rPr lang="en-US" altLang="zh-TW" sz="900" dirty="0">
+                <a:solidFill>
+                  <a:schemeClr val="dk1"/>
+                </a:solidFill>
+                <a:latin typeface="Consolas" panose="020B0609020204030204" pitchFamily="49" charset="0"/>
+                <a:ea typeface="Arial"/>
+                <a:cs typeface="Arial"/>
+                <a:sym typeface="Arial"/>
+              </a:rPr>
+              <a:t>', '&lt;MODAL&gt;</a:t>
+            </a:r>
+            <a:r>
+              <a:rPr lang="zh-TW" altLang="en-US" sz="900" dirty="0">
+                <a:solidFill>
+                  <a:schemeClr val="dk1"/>
+                </a:solidFill>
+                <a:latin typeface="Consolas" panose="020B0609020204030204" pitchFamily="49" charset="0"/>
+                <a:ea typeface="Arial"/>
+                <a:cs typeface="Arial"/>
+                <a:sym typeface="Arial"/>
+              </a:rPr>
+              <a:t>才</a:t>
+            </a:r>
+            <a:r>
+              <a:rPr lang="en-US" altLang="zh-TW" sz="900" dirty="0">
+                <a:solidFill>
+                  <a:schemeClr val="dk1"/>
+                </a:solidFill>
+                <a:latin typeface="Consolas" panose="020B0609020204030204" pitchFamily="49" charset="0"/>
+                <a:ea typeface="Arial"/>
+                <a:cs typeface="Arial"/>
+                <a:sym typeface="Arial"/>
+              </a:rPr>
+              <a:t>&lt;/MODAL&gt;&lt;</a:t>
+            </a:r>
+            <a:r>
+              <a:rPr lang="en-US" altLang="zh-TW" sz="900" dirty="0" err="1">
+                <a:solidFill>
+                  <a:schemeClr val="dk1"/>
+                </a:solidFill>
+                <a:latin typeface="Consolas" panose="020B0609020204030204" pitchFamily="49" charset="0"/>
+                <a:ea typeface="Arial"/>
+                <a:cs typeface="Arial"/>
+                <a:sym typeface="Arial"/>
+              </a:rPr>
+              <a:t>ACTION_verb</a:t>
+            </a:r>
+            <a:r>
+              <a:rPr lang="en-US" altLang="zh-TW" sz="900" dirty="0">
+                <a:solidFill>
+                  <a:schemeClr val="dk1"/>
+                </a:solidFill>
+                <a:latin typeface="Consolas" panose="020B0609020204030204" pitchFamily="49" charset="0"/>
+                <a:ea typeface="Arial"/>
+                <a:cs typeface="Arial"/>
+                <a:sym typeface="Arial"/>
+              </a:rPr>
+              <a:t>&gt;</a:t>
+            </a:r>
+            <a:r>
+              <a:rPr lang="zh-TW" altLang="en-US" sz="900" dirty="0">
+                <a:solidFill>
+                  <a:schemeClr val="dk1"/>
+                </a:solidFill>
+                <a:latin typeface="Consolas" panose="020B0609020204030204" pitchFamily="49" charset="0"/>
+                <a:ea typeface="Arial"/>
+                <a:cs typeface="Arial"/>
+                <a:sym typeface="Arial"/>
+              </a:rPr>
+              <a:t>證明</a:t>
+            </a:r>
+            <a:r>
+              <a:rPr lang="en-US" altLang="zh-TW" sz="900" dirty="0">
+                <a:solidFill>
+                  <a:schemeClr val="dk1"/>
+                </a:solidFill>
+                <a:latin typeface="Consolas" panose="020B0609020204030204" pitchFamily="49" charset="0"/>
+                <a:ea typeface="Arial"/>
+                <a:cs typeface="Arial"/>
+                <a:sym typeface="Arial"/>
+              </a:rPr>
+              <a:t>&lt;/</a:t>
+            </a:r>
+            <a:r>
+              <a:rPr lang="en-US" altLang="zh-TW" sz="900" dirty="0" err="1">
+                <a:solidFill>
+                  <a:schemeClr val="dk1"/>
+                </a:solidFill>
+                <a:latin typeface="Consolas" panose="020B0609020204030204" pitchFamily="49" charset="0"/>
+                <a:ea typeface="Arial"/>
+                <a:cs typeface="Arial"/>
+                <a:sym typeface="Arial"/>
+              </a:rPr>
+              <a:t>ACTION_verb</a:t>
+            </a:r>
+            <a:r>
+              <a:rPr lang="en-US" altLang="zh-TW" sz="900" dirty="0">
+                <a:solidFill>
+                  <a:schemeClr val="dk1"/>
+                </a:solidFill>
+                <a:latin typeface="Consolas" panose="020B0609020204030204" pitchFamily="49" charset="0"/>
+                <a:ea typeface="Arial"/>
+                <a:cs typeface="Arial"/>
+                <a:sym typeface="Arial"/>
+              </a:rPr>
+              <a:t>&gt;&lt;</a:t>
+            </a:r>
+            <a:r>
+              <a:rPr lang="en-US" altLang="zh-TW" sz="900" dirty="0" err="1">
+                <a:solidFill>
+                  <a:schemeClr val="dk1"/>
+                </a:solidFill>
+                <a:latin typeface="Consolas" panose="020B0609020204030204" pitchFamily="49" charset="0"/>
+                <a:ea typeface="Arial"/>
+                <a:cs typeface="Arial"/>
+                <a:sym typeface="Arial"/>
+              </a:rPr>
+              <a:t>ENTITY_pronoun</a:t>
+            </a:r>
+            <a:r>
+              <a:rPr lang="en-US" altLang="zh-TW" sz="900" dirty="0">
+                <a:solidFill>
+                  <a:schemeClr val="dk1"/>
+                </a:solidFill>
+                <a:latin typeface="Consolas" panose="020B0609020204030204" pitchFamily="49" charset="0"/>
+                <a:ea typeface="Arial"/>
+                <a:cs typeface="Arial"/>
+                <a:sym typeface="Arial"/>
+              </a:rPr>
+              <a:t>&gt;</a:t>
+            </a:r>
+            <a:r>
+              <a:rPr lang="zh-TW" altLang="en-US" sz="900" dirty="0">
+                <a:solidFill>
+                  <a:schemeClr val="dk1"/>
+                </a:solidFill>
+                <a:latin typeface="Consolas" panose="020B0609020204030204" pitchFamily="49" charset="0"/>
+                <a:ea typeface="Arial"/>
+                <a:cs typeface="Arial"/>
+                <a:sym typeface="Arial"/>
+              </a:rPr>
+              <a:t>你</a:t>
+            </a:r>
+            <a:r>
+              <a:rPr lang="en-US" altLang="zh-TW" sz="900" dirty="0">
+                <a:solidFill>
+                  <a:schemeClr val="dk1"/>
+                </a:solidFill>
+                <a:latin typeface="Consolas" panose="020B0609020204030204" pitchFamily="49" charset="0"/>
+                <a:ea typeface="Arial"/>
+                <a:cs typeface="Arial"/>
+                <a:sym typeface="Arial"/>
+              </a:rPr>
+              <a:t>&lt;/</a:t>
+            </a:r>
+            <a:r>
+              <a:rPr lang="en-US" altLang="zh-TW" sz="900" dirty="0" err="1">
+                <a:solidFill>
+                  <a:schemeClr val="dk1"/>
+                </a:solidFill>
+                <a:latin typeface="Consolas" panose="020B0609020204030204" pitchFamily="49" charset="0"/>
+                <a:ea typeface="Arial"/>
+                <a:cs typeface="Arial"/>
+                <a:sym typeface="Arial"/>
+              </a:rPr>
+              <a:t>ENTITY_pronoun</a:t>
+            </a:r>
+            <a:r>
+              <a:rPr lang="en-US" altLang="zh-TW" sz="900" dirty="0">
+                <a:solidFill>
+                  <a:schemeClr val="dk1"/>
+                </a:solidFill>
+                <a:latin typeface="Consolas" panose="020B0609020204030204" pitchFamily="49" charset="0"/>
+                <a:ea typeface="Arial"/>
+                <a:cs typeface="Arial"/>
+                <a:sym typeface="Arial"/>
+              </a:rPr>
+              <a:t>&gt;&lt;</a:t>
+            </a:r>
+            <a:r>
+              <a:rPr lang="en-US" altLang="zh-TW" sz="900" dirty="0" err="1">
+                <a:solidFill>
+                  <a:schemeClr val="dk1"/>
+                </a:solidFill>
+                <a:latin typeface="Consolas" panose="020B0609020204030204" pitchFamily="49" charset="0"/>
+                <a:ea typeface="Arial"/>
+                <a:cs typeface="Arial"/>
+                <a:sym typeface="Arial"/>
+              </a:rPr>
+              <a:t>ACTION_verb</a:t>
+            </a:r>
+            <a:r>
+              <a:rPr lang="en-US" altLang="zh-TW" sz="900" dirty="0">
+                <a:solidFill>
+                  <a:schemeClr val="dk1"/>
+                </a:solidFill>
+                <a:latin typeface="Consolas" panose="020B0609020204030204" pitchFamily="49" charset="0"/>
+                <a:ea typeface="Arial"/>
+                <a:cs typeface="Arial"/>
+                <a:sym typeface="Arial"/>
+              </a:rPr>
+              <a:t>&gt;</a:t>
+            </a:r>
+            <a:r>
+              <a:rPr lang="zh-TW" altLang="en-US" sz="900" dirty="0">
+                <a:solidFill>
+                  <a:schemeClr val="dk1"/>
+                </a:solidFill>
+                <a:latin typeface="Consolas" panose="020B0609020204030204" pitchFamily="49" charset="0"/>
+                <a:ea typeface="Arial"/>
+                <a:cs typeface="Arial"/>
+                <a:sym typeface="Arial"/>
+              </a:rPr>
+              <a:t>有</a:t>
+            </a:r>
+            <a:r>
+              <a:rPr lang="en-US" altLang="zh-TW" sz="900" dirty="0">
+                <a:solidFill>
+                  <a:schemeClr val="dk1"/>
+                </a:solidFill>
+                <a:latin typeface="Consolas" panose="020B0609020204030204" pitchFamily="49" charset="0"/>
+                <a:ea typeface="Arial"/>
+                <a:cs typeface="Arial"/>
+                <a:sym typeface="Arial"/>
+              </a:rPr>
+              <a:t>&lt;/</a:t>
+            </a:r>
+            <a:r>
+              <a:rPr lang="en-US" altLang="zh-TW" sz="900" dirty="0" err="1">
+                <a:solidFill>
+                  <a:schemeClr val="dk1"/>
+                </a:solidFill>
+                <a:latin typeface="Consolas" panose="020B0609020204030204" pitchFamily="49" charset="0"/>
+                <a:ea typeface="Arial"/>
+                <a:cs typeface="Arial"/>
+                <a:sym typeface="Arial"/>
+              </a:rPr>
+              <a:t>ACTION_verb</a:t>
+            </a:r>
+            <a:r>
+              <a:rPr lang="en-US" altLang="zh-TW" sz="900" dirty="0">
+                <a:solidFill>
+                  <a:schemeClr val="dk1"/>
+                </a:solidFill>
+                <a:latin typeface="Consolas" panose="020B0609020204030204" pitchFamily="49" charset="0"/>
+                <a:ea typeface="Arial"/>
+                <a:cs typeface="Arial"/>
+                <a:sym typeface="Arial"/>
+              </a:rPr>
+              <a:t>&gt;&lt;</a:t>
+            </a:r>
+            <a:r>
+              <a:rPr lang="en-US" altLang="zh-TW" sz="900" dirty="0" err="1">
+                <a:solidFill>
+                  <a:schemeClr val="dk1"/>
+                </a:solidFill>
+                <a:latin typeface="Consolas" panose="020B0609020204030204" pitchFamily="49" charset="0"/>
+                <a:ea typeface="Arial"/>
+                <a:cs typeface="Arial"/>
+                <a:sym typeface="Arial"/>
+              </a:rPr>
+              <a:t>ENTITY_noun</a:t>
+            </a:r>
+            <a:r>
+              <a:rPr lang="en-US" altLang="zh-TW" sz="900" dirty="0">
+                <a:solidFill>
+                  <a:schemeClr val="dk1"/>
+                </a:solidFill>
+                <a:latin typeface="Consolas" panose="020B0609020204030204" pitchFamily="49" charset="0"/>
+                <a:ea typeface="Arial"/>
+                <a:cs typeface="Arial"/>
+                <a:sym typeface="Arial"/>
+              </a:rPr>
+              <a:t>&gt;</a:t>
+            </a:r>
+            <a:r>
+              <a:rPr lang="zh-TW" altLang="en-US" sz="900" dirty="0">
+                <a:solidFill>
+                  <a:schemeClr val="dk1"/>
+                </a:solidFill>
+                <a:latin typeface="Consolas" panose="020B0609020204030204" pitchFamily="49" charset="0"/>
+                <a:ea typeface="Arial"/>
+                <a:cs typeface="Arial"/>
+                <a:sym typeface="Arial"/>
+              </a:rPr>
+              <a:t>實力</a:t>
+            </a:r>
+            <a:r>
+              <a:rPr lang="en-US" altLang="zh-TW" sz="900" dirty="0">
+                <a:solidFill>
+                  <a:schemeClr val="dk1"/>
+                </a:solidFill>
+                <a:latin typeface="Consolas" panose="020B0609020204030204" pitchFamily="49" charset="0"/>
+                <a:ea typeface="Arial"/>
+                <a:cs typeface="Arial"/>
+                <a:sym typeface="Arial"/>
+              </a:rPr>
+              <a:t>&lt;/</a:t>
+            </a:r>
+            <a:r>
+              <a:rPr lang="en-US" altLang="zh-TW" sz="900" dirty="0" err="1">
+                <a:solidFill>
+                  <a:schemeClr val="dk1"/>
+                </a:solidFill>
+                <a:latin typeface="Consolas" panose="020B0609020204030204" pitchFamily="49" charset="0"/>
+                <a:ea typeface="Arial"/>
+                <a:cs typeface="Arial"/>
+                <a:sym typeface="Arial"/>
+              </a:rPr>
+              <a:t>ENTITY_noun</a:t>
+            </a:r>
+            <a:r>
+              <a:rPr lang="en-US" altLang="zh-TW" sz="900" dirty="0">
+                <a:solidFill>
+                  <a:schemeClr val="dk1"/>
+                </a:solidFill>
+                <a:latin typeface="Consolas" panose="020B0609020204030204" pitchFamily="49" charset="0"/>
+                <a:ea typeface="Arial"/>
+                <a:cs typeface="Arial"/>
+                <a:sym typeface="Arial"/>
+              </a:rPr>
+              <a:t>&gt;'], '</a:t>
+            </a:r>
+            <a:r>
+              <a:rPr lang="en-US" altLang="zh-TW" sz="900" dirty="0" err="1">
+                <a:solidFill>
+                  <a:schemeClr val="dk1"/>
+                </a:solidFill>
+                <a:latin typeface="Consolas" panose="020B0609020204030204" pitchFamily="49" charset="0"/>
+                <a:ea typeface="Arial"/>
+                <a:cs typeface="Arial"/>
+                <a:sym typeface="Arial"/>
+              </a:rPr>
+              <a:t>result_segmentation</a:t>
+            </a:r>
+            <a:r>
+              <a:rPr lang="en-US" altLang="zh-TW" sz="900" dirty="0">
+                <a:solidFill>
+                  <a:schemeClr val="dk1"/>
+                </a:solidFill>
+                <a:latin typeface="Consolas" panose="020B0609020204030204" pitchFamily="49" charset="0"/>
+                <a:ea typeface="Arial"/>
+                <a:cs typeface="Arial"/>
+                <a:sym typeface="Arial"/>
+              </a:rPr>
+              <a:t>': '</a:t>
+            </a:r>
+            <a:r>
+              <a:rPr lang="zh-TW" altLang="en-US" sz="900" dirty="0">
+                <a:solidFill>
+                  <a:schemeClr val="dk1"/>
+                </a:solidFill>
+                <a:latin typeface="Consolas" panose="020B0609020204030204" pitchFamily="49" charset="0"/>
+                <a:ea typeface="Arial"/>
+                <a:cs typeface="Arial"/>
+                <a:sym typeface="Arial"/>
+              </a:rPr>
+              <a:t>會</a:t>
+            </a:r>
+            <a:r>
+              <a:rPr lang="en-US" altLang="zh-TW" sz="900" dirty="0">
+                <a:solidFill>
+                  <a:schemeClr val="dk1"/>
+                </a:solidFill>
+                <a:latin typeface="Consolas" panose="020B0609020204030204" pitchFamily="49" charset="0"/>
+                <a:ea typeface="Arial"/>
+                <a:cs typeface="Arial"/>
+                <a:sym typeface="Arial"/>
               </a:rPr>
               <a:t>/</a:t>
             </a:r>
             <a:r>
-              <a:rPr lang="zh-TW" altLang="en-US" sz="1400" dirty="0">
-                <a:latin typeface="Consolas" panose="020B0609020204030204" pitchFamily="49" charset="0"/>
-              </a:rPr>
-              <a:t>了</a:t>
-            </a:r>
-            <a:r>
-              <a:rPr lang="en-US" altLang="zh-TW" sz="1400" dirty="0">
-                <a:latin typeface="Consolas" panose="020B0609020204030204" pitchFamily="49" charset="0"/>
+              <a:rPr lang="zh-TW" altLang="en-US" sz="900" dirty="0">
+                <a:solidFill>
+                  <a:schemeClr val="dk1"/>
+                </a:solidFill>
+                <a:latin typeface="Consolas" panose="020B0609020204030204" pitchFamily="49" charset="0"/>
+                <a:ea typeface="Arial"/>
+                <a:cs typeface="Arial"/>
+                <a:sym typeface="Arial"/>
+              </a:rPr>
+              <a:t>被</a:t>
+            </a:r>
+            <a:r>
+              <a:rPr lang="en-US" altLang="zh-TW" sz="900" dirty="0">
+                <a:solidFill>
+                  <a:schemeClr val="dk1"/>
+                </a:solidFill>
+                <a:latin typeface="Consolas" panose="020B0609020204030204" pitchFamily="49" charset="0"/>
+                <a:ea typeface="Arial"/>
+                <a:cs typeface="Arial"/>
+                <a:sym typeface="Arial"/>
+              </a:rPr>
+              <a:t>/</a:t>
+            </a:r>
+            <a:r>
+              <a:rPr lang="zh-TW" altLang="en-US" sz="900" dirty="0">
+                <a:solidFill>
+                  <a:schemeClr val="dk1"/>
+                </a:solidFill>
+                <a:latin typeface="Consolas" panose="020B0609020204030204" pitchFamily="49" charset="0"/>
+                <a:ea typeface="Arial"/>
+                <a:cs typeface="Arial"/>
+                <a:sym typeface="Arial"/>
+              </a:rPr>
+              <a:t>大家</a:t>
+            </a:r>
+            <a:r>
+              <a:rPr lang="en-US" altLang="zh-TW" sz="900" dirty="0">
+                <a:solidFill>
+                  <a:schemeClr val="dk1"/>
+                </a:solidFill>
+                <a:latin typeface="Consolas" panose="020B0609020204030204" pitchFamily="49" charset="0"/>
+                <a:ea typeface="Arial"/>
+                <a:cs typeface="Arial"/>
+                <a:sym typeface="Arial"/>
+              </a:rPr>
+              <a:t>/</a:t>
+            </a:r>
+            <a:r>
+              <a:rPr lang="zh-TW" altLang="en-US" sz="900" dirty="0">
+                <a:solidFill>
+                  <a:schemeClr val="dk1"/>
+                </a:solidFill>
+                <a:latin typeface="Consolas" panose="020B0609020204030204" pitchFamily="49" charset="0"/>
+                <a:ea typeface="Arial"/>
+                <a:cs typeface="Arial"/>
+                <a:sym typeface="Arial"/>
+              </a:rPr>
+              <a:t>盯</a:t>
+            </a:r>
+            <a:r>
+              <a:rPr lang="en-US" altLang="zh-TW" sz="900" dirty="0">
+                <a:solidFill>
+                  <a:schemeClr val="dk1"/>
+                </a:solidFill>
+                <a:latin typeface="Consolas" panose="020B0609020204030204" pitchFamily="49" charset="0"/>
+                <a:ea typeface="Arial"/>
+                <a:cs typeface="Arial"/>
+                <a:sym typeface="Arial"/>
+              </a:rPr>
+              <a:t>/</a:t>
+            </a:r>
+            <a:r>
+              <a:rPr lang="zh-TW" altLang="en-US" sz="900" dirty="0">
+                <a:solidFill>
+                  <a:schemeClr val="dk1"/>
+                </a:solidFill>
+                <a:latin typeface="Consolas" panose="020B0609020204030204" pitchFamily="49" charset="0"/>
+                <a:ea typeface="Arial"/>
+                <a:cs typeface="Arial"/>
+                <a:sym typeface="Arial"/>
+              </a:rPr>
+              <a:t>上</a:t>
+            </a:r>
+            <a:r>
+              <a:rPr lang="en-US" altLang="zh-TW" sz="900" dirty="0">
+                <a:solidFill>
+                  <a:schemeClr val="dk1"/>
+                </a:solidFill>
+                <a:latin typeface="Consolas" panose="020B0609020204030204" pitchFamily="49" charset="0"/>
+                <a:ea typeface="Arial"/>
+                <a:cs typeface="Arial"/>
+                <a:sym typeface="Arial"/>
+              </a:rPr>
+              <a:t>/</a:t>
+            </a:r>
+            <a:r>
+              <a:rPr lang="zh-TW" altLang="en-US" sz="900" dirty="0">
+                <a:solidFill>
+                  <a:schemeClr val="dk1"/>
+                </a:solidFill>
+                <a:latin typeface="Consolas" panose="020B0609020204030204" pitchFamily="49" charset="0"/>
+                <a:ea typeface="Arial"/>
+                <a:cs typeface="Arial"/>
+                <a:sym typeface="Arial"/>
+              </a:rPr>
+              <a:t>，</a:t>
+            </a:r>
+            <a:r>
+              <a:rPr lang="en-US" altLang="zh-TW" sz="900" dirty="0">
+                <a:solidFill>
+                  <a:schemeClr val="dk1"/>
+                </a:solidFill>
+                <a:latin typeface="Consolas" panose="020B0609020204030204" pitchFamily="49" charset="0"/>
+                <a:ea typeface="Arial"/>
+                <a:cs typeface="Arial"/>
+                <a:sym typeface="Arial"/>
+              </a:rPr>
+              <a:t>/</a:t>
+            </a:r>
+            <a:r>
+              <a:rPr lang="zh-TW" altLang="en-US" sz="900" dirty="0">
+                <a:solidFill>
+                  <a:schemeClr val="dk1"/>
+                </a:solidFill>
+                <a:latin typeface="Consolas" panose="020B0609020204030204" pitchFamily="49" charset="0"/>
+                <a:ea typeface="Arial"/>
+                <a:cs typeface="Arial"/>
+                <a:sym typeface="Arial"/>
+              </a:rPr>
+              <a:t>才</a:t>
+            </a:r>
+            <a:r>
+              <a:rPr lang="en-US" altLang="zh-TW" sz="900" dirty="0">
+                <a:solidFill>
+                  <a:schemeClr val="dk1"/>
+                </a:solidFill>
+                <a:latin typeface="Consolas" panose="020B0609020204030204" pitchFamily="49" charset="0"/>
+                <a:ea typeface="Arial"/>
+                <a:cs typeface="Arial"/>
+                <a:sym typeface="Arial"/>
+              </a:rPr>
+              <a:t>/</a:t>
+            </a:r>
+            <a:r>
+              <a:rPr lang="zh-TW" altLang="en-US" sz="900" dirty="0">
+                <a:solidFill>
+                  <a:schemeClr val="dk1"/>
+                </a:solidFill>
+                <a:latin typeface="Consolas" panose="020B0609020204030204" pitchFamily="49" charset="0"/>
+                <a:ea typeface="Arial"/>
+                <a:cs typeface="Arial"/>
+                <a:sym typeface="Arial"/>
+              </a:rPr>
+              <a:t>證明</a:t>
+            </a:r>
+            <a:r>
+              <a:rPr lang="en-US" altLang="zh-TW" sz="900" dirty="0">
+                <a:solidFill>
+                  <a:schemeClr val="dk1"/>
+                </a:solidFill>
+                <a:latin typeface="Consolas" panose="020B0609020204030204" pitchFamily="49" charset="0"/>
+                <a:ea typeface="Arial"/>
+                <a:cs typeface="Arial"/>
+                <a:sym typeface="Arial"/>
+              </a:rPr>
+              <a:t>/</a:t>
+            </a:r>
+            <a:r>
+              <a:rPr lang="zh-TW" altLang="en-US" sz="900" dirty="0">
+                <a:solidFill>
+                  <a:schemeClr val="dk1"/>
+                </a:solidFill>
+                <a:latin typeface="Consolas" panose="020B0609020204030204" pitchFamily="49" charset="0"/>
+                <a:ea typeface="Arial"/>
+                <a:cs typeface="Arial"/>
+                <a:sym typeface="Arial"/>
+              </a:rPr>
+              <a:t>你</a:t>
+            </a:r>
+            <a:r>
+              <a:rPr lang="en-US" altLang="zh-TW" sz="900" dirty="0">
+                <a:solidFill>
+                  <a:schemeClr val="dk1"/>
+                </a:solidFill>
+                <a:latin typeface="Consolas" panose="020B0609020204030204" pitchFamily="49" charset="0"/>
+                <a:ea typeface="Arial"/>
+                <a:cs typeface="Arial"/>
+                <a:sym typeface="Arial"/>
+              </a:rPr>
+              <a:t>/</a:t>
+            </a:r>
+            <a:r>
+              <a:rPr lang="zh-TW" altLang="en-US" sz="900" dirty="0">
+                <a:solidFill>
+                  <a:schemeClr val="dk1"/>
+                </a:solidFill>
+                <a:latin typeface="Consolas" panose="020B0609020204030204" pitchFamily="49" charset="0"/>
+                <a:ea typeface="Arial"/>
+                <a:cs typeface="Arial"/>
+                <a:sym typeface="Arial"/>
+              </a:rPr>
+              <a:t>有</a:t>
+            </a:r>
+            <a:r>
+              <a:rPr lang="en-US" altLang="zh-TW" sz="900" dirty="0">
+                <a:solidFill>
+                  <a:schemeClr val="dk1"/>
+                </a:solidFill>
+                <a:latin typeface="Consolas" panose="020B0609020204030204" pitchFamily="49" charset="0"/>
+                <a:ea typeface="Arial"/>
+                <a:cs typeface="Arial"/>
+                <a:sym typeface="Arial"/>
+              </a:rPr>
+              <a:t>/</a:t>
+            </a:r>
+            <a:r>
+              <a:rPr lang="zh-TW" altLang="en-US" sz="900" dirty="0">
+                <a:solidFill>
+                  <a:schemeClr val="dk1"/>
+                </a:solidFill>
+                <a:latin typeface="Consolas" panose="020B0609020204030204" pitchFamily="49" charset="0"/>
+                <a:ea typeface="Arial"/>
+                <a:cs typeface="Arial"/>
+                <a:sym typeface="Arial"/>
+              </a:rPr>
+              <a:t>實力</a:t>
+            </a:r>
+            <a:r>
+              <a:rPr lang="en-US" altLang="zh-TW" sz="900" dirty="0">
+                <a:solidFill>
+                  <a:schemeClr val="dk1"/>
+                </a:solidFill>
+                <a:latin typeface="Consolas" panose="020B0609020204030204" pitchFamily="49" charset="0"/>
+                <a:ea typeface="Arial"/>
+                <a:cs typeface="Arial"/>
+                <a:sym typeface="Arial"/>
               </a:rPr>
               <a:t>', '</a:t>
             </a:r>
             <a:r>
-              <a:rPr lang="en-US" altLang="zh-TW" sz="1400" dirty="0" err="1">
-                <a:latin typeface="Consolas" panose="020B0609020204030204" pitchFamily="49" charset="0"/>
+              <a:rPr lang="en-US" altLang="zh-TW" sz="900" dirty="0" err="1">
+                <a:solidFill>
+                  <a:schemeClr val="dk1"/>
+                </a:solidFill>
+                <a:latin typeface="Consolas" panose="020B0609020204030204" pitchFamily="49" charset="0"/>
+                <a:ea typeface="Arial"/>
+                <a:cs typeface="Arial"/>
+                <a:sym typeface="Arial"/>
               </a:rPr>
               <a:t>result_obj</a:t>
             </a:r>
             <a:r>
-              <a:rPr lang="en-US" altLang="zh-TW" sz="1400" dirty="0">
-                <a:latin typeface="Consolas" panose="020B0609020204030204" pitchFamily="49" charset="0"/>
+              <a:rPr lang="en-US" altLang="zh-TW" sz="900" dirty="0">
+                <a:solidFill>
+                  <a:schemeClr val="dk1"/>
+                </a:solidFill>
+                <a:latin typeface="Consolas" panose="020B0609020204030204" pitchFamily="49" charset="0"/>
+                <a:ea typeface="Arial"/>
+                <a:cs typeface="Arial"/>
+                <a:sym typeface="Arial"/>
               </a:rPr>
               <a:t>': [[{'text': '</a:t>
             </a:r>
             <a:r>
-              <a:rPr lang="zh-TW" altLang="en-US" sz="1400" dirty="0">
-                <a:latin typeface="Consolas" panose="020B0609020204030204" pitchFamily="49" charset="0"/>
-              </a:rPr>
-              <a:t>創造</a:t>
-            </a:r>
-            <a:r>
-              <a:rPr lang="en-US" altLang="zh-TW" sz="1400" dirty="0">
-                <a:latin typeface="Consolas" panose="020B0609020204030204" pitchFamily="49" charset="0"/>
+              <a:rPr lang="zh-TW" altLang="en-US" sz="900" dirty="0">
+                <a:solidFill>
+                  <a:schemeClr val="dk1"/>
+                </a:solidFill>
+                <a:latin typeface="Consolas" panose="020B0609020204030204" pitchFamily="49" charset="0"/>
+                <a:ea typeface="Arial"/>
+                <a:cs typeface="Arial"/>
+                <a:sym typeface="Arial"/>
+              </a:rPr>
+              <a:t>會</a:t>
+            </a:r>
+            <a:r>
+              <a:rPr lang="en-US" altLang="zh-TW" sz="900" dirty="0">
+                <a:solidFill>
+                  <a:schemeClr val="dk1"/>
+                </a:solidFill>
+                <a:latin typeface="Consolas" panose="020B0609020204030204" pitchFamily="49" charset="0"/>
+                <a:ea typeface="Arial"/>
+                <a:cs typeface="Arial"/>
+                <a:sym typeface="Arial"/>
+              </a:rPr>
+              <a:t>', 'pos': 'MODAL'}, {'text': '</a:t>
+            </a:r>
+            <a:r>
+              <a:rPr lang="zh-TW" altLang="en-US" sz="900" dirty="0">
+                <a:solidFill>
+                  <a:schemeClr val="dk1"/>
+                </a:solidFill>
+                <a:latin typeface="Consolas" panose="020B0609020204030204" pitchFamily="49" charset="0"/>
+                <a:ea typeface="Arial"/>
+                <a:cs typeface="Arial"/>
+                <a:sym typeface="Arial"/>
+              </a:rPr>
+              <a:t>被</a:t>
+            </a:r>
+            <a:r>
+              <a:rPr lang="en-US" altLang="zh-TW" sz="900" dirty="0">
+                <a:solidFill>
+                  <a:schemeClr val="dk1"/>
+                </a:solidFill>
+                <a:latin typeface="Consolas" panose="020B0609020204030204" pitchFamily="49" charset="0"/>
+                <a:ea typeface="Arial"/>
+                <a:cs typeface="Arial"/>
+                <a:sym typeface="Arial"/>
               </a:rPr>
               <a:t>', 'pos': '</a:t>
             </a:r>
             <a:r>
-              <a:rPr lang="en-US" altLang="zh-TW" sz="1400" dirty="0" err="1">
-                <a:latin typeface="Consolas" panose="020B0609020204030204" pitchFamily="49" charset="0"/>
+              <a:rPr lang="en-US" altLang="zh-TW" sz="900" dirty="0" err="1">
+                <a:solidFill>
+                  <a:schemeClr val="dk1"/>
+                </a:solidFill>
+                <a:latin typeface="Consolas" panose="020B0609020204030204" pitchFamily="49" charset="0"/>
+                <a:ea typeface="Arial"/>
+                <a:cs typeface="Arial"/>
+                <a:sym typeface="Arial"/>
+              </a:rPr>
+              <a:t>ACTION_lightVerb</a:t>
+            </a:r>
+            <a:r>
+              <a:rPr lang="en-US" altLang="zh-TW" sz="900" dirty="0">
+                <a:solidFill>
+                  <a:schemeClr val="dk1"/>
+                </a:solidFill>
+                <a:latin typeface="Consolas" panose="020B0609020204030204" pitchFamily="49" charset="0"/>
+                <a:ea typeface="Arial"/>
+                <a:cs typeface="Arial"/>
+                <a:sym typeface="Arial"/>
+              </a:rPr>
+              <a:t>'}, {'text': '</a:t>
+            </a:r>
+            <a:r>
+              <a:rPr lang="zh-TW" altLang="en-US" sz="900" dirty="0">
+                <a:solidFill>
+                  <a:schemeClr val="dk1"/>
+                </a:solidFill>
+                <a:latin typeface="Consolas" panose="020B0609020204030204" pitchFamily="49" charset="0"/>
+                <a:ea typeface="Arial"/>
+                <a:cs typeface="Arial"/>
+                <a:sym typeface="Arial"/>
+              </a:rPr>
+              <a:t>大家</a:t>
+            </a:r>
+            <a:r>
+              <a:rPr lang="en-US" altLang="zh-TW" sz="900" dirty="0">
+                <a:solidFill>
+                  <a:schemeClr val="dk1"/>
+                </a:solidFill>
+                <a:latin typeface="Consolas" panose="020B0609020204030204" pitchFamily="49" charset="0"/>
+                <a:ea typeface="Arial"/>
+                <a:cs typeface="Arial"/>
+                <a:sym typeface="Arial"/>
+              </a:rPr>
+              <a:t>', 'pos': '</a:t>
+            </a:r>
+            <a:r>
+              <a:rPr lang="en-US" altLang="zh-TW" sz="900" dirty="0" err="1">
+                <a:solidFill>
+                  <a:schemeClr val="dk1"/>
+                </a:solidFill>
+                <a:latin typeface="Consolas" panose="020B0609020204030204" pitchFamily="49" charset="0"/>
+                <a:ea typeface="Arial"/>
+                <a:cs typeface="Arial"/>
+                <a:sym typeface="Arial"/>
+              </a:rPr>
+              <a:t>ENTITY_noun</a:t>
+            </a:r>
+            <a:r>
+              <a:rPr lang="en-US" altLang="zh-TW" sz="900" dirty="0">
+                <a:solidFill>
+                  <a:schemeClr val="dk1"/>
+                </a:solidFill>
+                <a:latin typeface="Consolas" panose="020B0609020204030204" pitchFamily="49" charset="0"/>
+                <a:ea typeface="Arial"/>
+                <a:cs typeface="Arial"/>
+                <a:sym typeface="Arial"/>
+              </a:rPr>
+              <a:t>'}, {'text': '</a:t>
+            </a:r>
+            <a:r>
+              <a:rPr lang="zh-TW" altLang="en-US" sz="900" dirty="0">
+                <a:solidFill>
+                  <a:schemeClr val="dk1"/>
+                </a:solidFill>
+                <a:latin typeface="Consolas" panose="020B0609020204030204" pitchFamily="49" charset="0"/>
+                <a:ea typeface="Arial"/>
+                <a:cs typeface="Arial"/>
+                <a:sym typeface="Arial"/>
+              </a:rPr>
+              <a:t>盯</a:t>
+            </a:r>
+            <a:r>
+              <a:rPr lang="en-US" altLang="zh-TW" sz="900" dirty="0">
+                <a:solidFill>
+                  <a:schemeClr val="dk1"/>
+                </a:solidFill>
+                <a:latin typeface="Consolas" panose="020B0609020204030204" pitchFamily="49" charset="0"/>
+                <a:ea typeface="Arial"/>
+                <a:cs typeface="Arial"/>
+                <a:sym typeface="Arial"/>
+              </a:rPr>
+              <a:t>', 'pos': '</a:t>
+            </a:r>
+            <a:r>
+              <a:rPr lang="en-US" altLang="zh-TW" sz="900" dirty="0" err="1">
+                <a:solidFill>
+                  <a:schemeClr val="dk1"/>
+                </a:solidFill>
+                <a:latin typeface="Consolas" panose="020B0609020204030204" pitchFamily="49" charset="0"/>
+                <a:ea typeface="Arial"/>
+                <a:cs typeface="Arial"/>
+                <a:sym typeface="Arial"/>
               </a:rPr>
               <a:t>ACTION_verb</a:t>
             </a:r>
             <a:r>
-              <a:rPr lang="en-US" altLang="zh-TW" sz="1400" dirty="0">
-                <a:latin typeface="Consolas" panose="020B0609020204030204" pitchFamily="49" charset="0"/>
+              <a:rPr lang="en-US" altLang="zh-TW" sz="900" dirty="0">
+                <a:solidFill>
+                  <a:schemeClr val="dk1"/>
+                </a:solidFill>
+                <a:latin typeface="Consolas" panose="020B0609020204030204" pitchFamily="49" charset="0"/>
+                <a:ea typeface="Arial"/>
+                <a:cs typeface="Arial"/>
+                <a:sym typeface="Arial"/>
               </a:rPr>
               <a:t>'}, {'text': '</a:t>
             </a:r>
             <a:r>
-              <a:rPr lang="zh-TW" altLang="en-US" sz="1400" dirty="0">
-                <a:latin typeface="Consolas" panose="020B0609020204030204" pitchFamily="49" charset="0"/>
-              </a:rPr>
-              <a:t>了</a:t>
-            </a:r>
-            <a:r>
-              <a:rPr lang="en-US" altLang="zh-TW" sz="1400" dirty="0">
-                <a:latin typeface="Consolas" panose="020B0609020204030204" pitchFamily="49" charset="0"/>
-              </a:rPr>
-              <a:t>', 'pos': 'ASPECT'}]], 'level': 'lv1', 'version': 'v235', 'status': True, 'msg': 'Success!', 'word_count_balance': 1985, 'product': 'https://api.droidtown.co/product/', 'document': 'https://api.droidtown.co/document/'}</a:t>
-            </a:r>
-          </a:p>
-          <a:p>
-            <a:pPr lvl="0" defTabSz="914400" eaLnBrk="0" fontAlgn="base" hangingPunct="0">
+              <a:rPr lang="zh-TW" altLang="en-US" sz="900" dirty="0">
+                <a:solidFill>
+                  <a:schemeClr val="dk1"/>
+                </a:solidFill>
+                <a:latin typeface="Consolas" panose="020B0609020204030204" pitchFamily="49" charset="0"/>
+                <a:ea typeface="Arial"/>
+                <a:cs typeface="Arial"/>
+                <a:sym typeface="Arial"/>
+              </a:rPr>
+              <a:t>上</a:t>
+            </a:r>
+            <a:r>
+              <a:rPr lang="en-US" altLang="zh-TW" sz="900" dirty="0">
+                <a:solidFill>
+                  <a:schemeClr val="dk1"/>
+                </a:solidFill>
+                <a:latin typeface="Consolas" panose="020B0609020204030204" pitchFamily="49" charset="0"/>
+                <a:ea typeface="Arial"/>
+                <a:cs typeface="Arial"/>
+                <a:sym typeface="Arial"/>
+              </a:rPr>
+              <a:t>', 'pos': '</a:t>
+            </a:r>
+            <a:r>
+              <a:rPr lang="en-US" altLang="zh-TW" sz="900" dirty="0" err="1">
+                <a:solidFill>
+                  <a:schemeClr val="dk1"/>
+                </a:solidFill>
+                <a:latin typeface="Consolas" panose="020B0609020204030204" pitchFamily="49" charset="0"/>
+                <a:ea typeface="Arial"/>
+                <a:cs typeface="Arial"/>
+                <a:sym typeface="Arial"/>
+              </a:rPr>
+              <a:t>RANGE_locality</a:t>
+            </a:r>
+            <a:r>
+              <a:rPr lang="en-US" altLang="zh-TW" sz="900" dirty="0">
+                <a:solidFill>
+                  <a:schemeClr val="dk1"/>
+                </a:solidFill>
+                <a:latin typeface="Consolas" panose="020B0609020204030204" pitchFamily="49" charset="0"/>
+                <a:ea typeface="Arial"/>
+                <a:cs typeface="Arial"/>
+                <a:sym typeface="Arial"/>
+              </a:rPr>
+              <a:t>'}], [{'text': '</a:t>
+            </a:r>
+            <a:r>
+              <a:rPr lang="zh-TW" altLang="en-US" sz="900" dirty="0">
+                <a:solidFill>
+                  <a:schemeClr val="dk1"/>
+                </a:solidFill>
+                <a:latin typeface="Consolas" panose="020B0609020204030204" pitchFamily="49" charset="0"/>
+                <a:ea typeface="Arial"/>
+                <a:cs typeface="Arial"/>
+                <a:sym typeface="Arial"/>
+              </a:rPr>
+              <a:t>，</a:t>
+            </a:r>
+            <a:r>
+              <a:rPr lang="en-US" altLang="zh-TW" sz="900" dirty="0">
+                <a:solidFill>
+                  <a:schemeClr val="dk1"/>
+                </a:solidFill>
+                <a:latin typeface="Consolas" panose="020B0609020204030204" pitchFamily="49" charset="0"/>
+                <a:ea typeface="Arial"/>
+                <a:cs typeface="Arial"/>
+                <a:sym typeface="Arial"/>
+              </a:rPr>
+              <a:t>', 'pos': 'PUNCTUATION'}], [{'text': '</a:t>
+            </a:r>
+            <a:r>
+              <a:rPr lang="zh-TW" altLang="en-US" sz="900" dirty="0">
+                <a:solidFill>
+                  <a:schemeClr val="dk1"/>
+                </a:solidFill>
+                <a:latin typeface="Consolas" panose="020B0609020204030204" pitchFamily="49" charset="0"/>
+                <a:ea typeface="Arial"/>
+                <a:cs typeface="Arial"/>
+                <a:sym typeface="Arial"/>
+              </a:rPr>
+              <a:t>才</a:t>
+            </a:r>
+            <a:r>
+              <a:rPr lang="en-US" altLang="zh-TW" sz="900" dirty="0">
+                <a:solidFill>
+                  <a:schemeClr val="dk1"/>
+                </a:solidFill>
+                <a:latin typeface="Consolas" panose="020B0609020204030204" pitchFamily="49" charset="0"/>
+                <a:ea typeface="Arial"/>
+                <a:cs typeface="Arial"/>
+                <a:sym typeface="Arial"/>
+              </a:rPr>
+              <a:t>', 'pos': 'MODAL'}, {'text': '</a:t>
+            </a:r>
+            <a:r>
+              <a:rPr lang="zh-TW" altLang="en-US" sz="900" dirty="0">
+                <a:solidFill>
+                  <a:schemeClr val="dk1"/>
+                </a:solidFill>
+                <a:latin typeface="Consolas" panose="020B0609020204030204" pitchFamily="49" charset="0"/>
+                <a:ea typeface="Arial"/>
+                <a:cs typeface="Arial"/>
+                <a:sym typeface="Arial"/>
+              </a:rPr>
+              <a:t>證明</a:t>
+            </a:r>
+            <a:r>
+              <a:rPr lang="en-US" altLang="zh-TW" sz="900" dirty="0">
+                <a:solidFill>
+                  <a:schemeClr val="dk1"/>
+                </a:solidFill>
+                <a:latin typeface="Consolas" panose="020B0609020204030204" pitchFamily="49" charset="0"/>
+                <a:ea typeface="Arial"/>
+                <a:cs typeface="Arial"/>
+                <a:sym typeface="Arial"/>
+              </a:rPr>
+              <a:t>', 'pos': '</a:t>
+            </a:r>
+            <a:r>
+              <a:rPr lang="en-US" altLang="zh-TW" sz="900" dirty="0" err="1">
+                <a:solidFill>
+                  <a:schemeClr val="dk1"/>
+                </a:solidFill>
+                <a:latin typeface="Consolas" panose="020B0609020204030204" pitchFamily="49" charset="0"/>
+                <a:ea typeface="Arial"/>
+                <a:cs typeface="Arial"/>
+                <a:sym typeface="Arial"/>
+              </a:rPr>
+              <a:t>ACTION_verb</a:t>
+            </a:r>
+            <a:r>
+              <a:rPr lang="en-US" altLang="zh-TW" sz="900" dirty="0">
+                <a:solidFill>
+                  <a:schemeClr val="dk1"/>
+                </a:solidFill>
+                <a:latin typeface="Consolas" panose="020B0609020204030204" pitchFamily="49" charset="0"/>
+                <a:ea typeface="Arial"/>
+                <a:cs typeface="Arial"/>
+                <a:sym typeface="Arial"/>
+              </a:rPr>
+              <a:t>'}, {'text': '</a:t>
+            </a:r>
+            <a:r>
+              <a:rPr lang="zh-TW" altLang="en-US" sz="900" dirty="0">
+                <a:solidFill>
+                  <a:schemeClr val="dk1"/>
+                </a:solidFill>
+                <a:latin typeface="Consolas" panose="020B0609020204030204" pitchFamily="49" charset="0"/>
+                <a:ea typeface="Arial"/>
+                <a:cs typeface="Arial"/>
+                <a:sym typeface="Arial"/>
+              </a:rPr>
+              <a:t>你</a:t>
+            </a:r>
+            <a:r>
+              <a:rPr lang="en-US" altLang="zh-TW" sz="900" dirty="0">
+                <a:solidFill>
+                  <a:schemeClr val="dk1"/>
+                </a:solidFill>
+                <a:latin typeface="Consolas" panose="020B0609020204030204" pitchFamily="49" charset="0"/>
+                <a:ea typeface="Arial"/>
+                <a:cs typeface="Arial"/>
+                <a:sym typeface="Arial"/>
+              </a:rPr>
+              <a:t>', 'pos': '</a:t>
+            </a:r>
+            <a:r>
+              <a:rPr lang="en-US" altLang="zh-TW" sz="900" dirty="0" err="1">
+                <a:solidFill>
+                  <a:schemeClr val="dk1"/>
+                </a:solidFill>
+                <a:latin typeface="Consolas" panose="020B0609020204030204" pitchFamily="49" charset="0"/>
+                <a:ea typeface="Arial"/>
+                <a:cs typeface="Arial"/>
+                <a:sym typeface="Arial"/>
+              </a:rPr>
+              <a:t>ENTITY_pronoun</a:t>
+            </a:r>
+            <a:r>
+              <a:rPr lang="en-US" altLang="zh-TW" sz="900" dirty="0">
+                <a:solidFill>
+                  <a:schemeClr val="dk1"/>
+                </a:solidFill>
+                <a:latin typeface="Consolas" panose="020B0609020204030204" pitchFamily="49" charset="0"/>
+                <a:ea typeface="Arial"/>
+                <a:cs typeface="Arial"/>
+                <a:sym typeface="Arial"/>
+              </a:rPr>
+              <a:t>'}, {'text': '</a:t>
+            </a:r>
+            <a:r>
+              <a:rPr lang="zh-TW" altLang="en-US" sz="900" dirty="0">
+                <a:solidFill>
+                  <a:schemeClr val="dk1"/>
+                </a:solidFill>
+                <a:latin typeface="Consolas" panose="020B0609020204030204" pitchFamily="49" charset="0"/>
+                <a:ea typeface="Arial"/>
+                <a:cs typeface="Arial"/>
+                <a:sym typeface="Arial"/>
+              </a:rPr>
+              <a:t>有</a:t>
+            </a:r>
+            <a:r>
+              <a:rPr lang="en-US" altLang="zh-TW" sz="900" dirty="0">
+                <a:solidFill>
+                  <a:schemeClr val="dk1"/>
+                </a:solidFill>
+                <a:latin typeface="Consolas" panose="020B0609020204030204" pitchFamily="49" charset="0"/>
+                <a:ea typeface="Arial"/>
+                <a:cs typeface="Arial"/>
+                <a:sym typeface="Arial"/>
+              </a:rPr>
+              <a:t>', 'pos': '</a:t>
+            </a:r>
+            <a:r>
+              <a:rPr lang="en-US" altLang="zh-TW" sz="900" dirty="0" err="1">
+                <a:solidFill>
+                  <a:schemeClr val="dk1"/>
+                </a:solidFill>
+                <a:latin typeface="Consolas" panose="020B0609020204030204" pitchFamily="49" charset="0"/>
+                <a:ea typeface="Arial"/>
+                <a:cs typeface="Arial"/>
+                <a:sym typeface="Arial"/>
+              </a:rPr>
+              <a:t>ACTION_verb</a:t>
+            </a:r>
+            <a:r>
+              <a:rPr lang="en-US" altLang="zh-TW" sz="900" dirty="0">
+                <a:solidFill>
+                  <a:schemeClr val="dk1"/>
+                </a:solidFill>
+                <a:latin typeface="Consolas" panose="020B0609020204030204" pitchFamily="49" charset="0"/>
+                <a:ea typeface="Arial"/>
+                <a:cs typeface="Arial"/>
+                <a:sym typeface="Arial"/>
+              </a:rPr>
+              <a:t>'}, {'text': '</a:t>
+            </a:r>
+            <a:r>
+              <a:rPr lang="zh-TW" altLang="en-US" sz="900" dirty="0">
+                <a:solidFill>
+                  <a:schemeClr val="dk1"/>
+                </a:solidFill>
+                <a:latin typeface="Consolas" panose="020B0609020204030204" pitchFamily="49" charset="0"/>
+                <a:ea typeface="Arial"/>
+                <a:cs typeface="Arial"/>
+                <a:sym typeface="Arial"/>
+              </a:rPr>
+              <a:t>實力</a:t>
+            </a:r>
+            <a:r>
+              <a:rPr lang="en-US" altLang="zh-TW" sz="900" dirty="0">
+                <a:solidFill>
+                  <a:schemeClr val="dk1"/>
+                </a:solidFill>
+                <a:latin typeface="Consolas" panose="020B0609020204030204" pitchFamily="49" charset="0"/>
+                <a:ea typeface="Arial"/>
+                <a:cs typeface="Arial"/>
+                <a:sym typeface="Arial"/>
+              </a:rPr>
+              <a:t>', 'pos': '</a:t>
+            </a:r>
+            <a:r>
+              <a:rPr lang="en-US" altLang="zh-TW" sz="900" dirty="0" err="1">
+                <a:solidFill>
+                  <a:schemeClr val="dk1"/>
+                </a:solidFill>
+                <a:latin typeface="Consolas" panose="020B0609020204030204" pitchFamily="49" charset="0"/>
+                <a:ea typeface="Arial"/>
+                <a:cs typeface="Arial"/>
+                <a:sym typeface="Arial"/>
+              </a:rPr>
+              <a:t>ENTITY_noun</a:t>
+            </a:r>
+            <a:r>
+              <a:rPr lang="en-US" altLang="zh-TW" sz="900" dirty="0">
+                <a:solidFill>
+                  <a:schemeClr val="dk1"/>
+                </a:solidFill>
+                <a:latin typeface="Consolas" panose="020B0609020204030204" pitchFamily="49" charset="0"/>
+                <a:ea typeface="Arial"/>
+                <a:cs typeface="Arial"/>
+                <a:sym typeface="Arial"/>
+              </a:rPr>
+              <a:t>'}]], 'level': 'lv2', 'version': 'v236', 'status': True, 'msg': 'Success!', '</a:t>
+            </a:r>
+            <a:r>
+              <a:rPr lang="en-US" altLang="zh-TW" sz="900" dirty="0" err="1">
+                <a:solidFill>
+                  <a:schemeClr val="dk1"/>
+                </a:solidFill>
+                <a:latin typeface="Consolas" panose="020B0609020204030204" pitchFamily="49" charset="0"/>
+                <a:ea typeface="Arial"/>
+                <a:cs typeface="Arial"/>
+                <a:sym typeface="Arial"/>
+              </a:rPr>
+              <a:t>word_count_balance</a:t>
+            </a:r>
+            <a:r>
+              <a:rPr lang="en-US" altLang="zh-TW" sz="900" dirty="0">
+                <a:solidFill>
+                  <a:schemeClr val="dk1"/>
+                </a:solidFill>
+                <a:latin typeface="Consolas" panose="020B0609020204030204" pitchFamily="49" charset="0"/>
+                <a:ea typeface="Arial"/>
+                <a:cs typeface="Arial"/>
+                <a:sym typeface="Arial"/>
+              </a:rPr>
+              <a:t>': 354, 'product': 'https://api.droidtown.co/product/', 'document': 'https://api.droidtown.co/document/'}</a:t>
+            </a:r>
+          </a:p>
+          <a:p>
+            <a:pPr defTabSz="914400" eaLnBrk="0" fontAlgn="base" hangingPunct="0">
               <a:spcBef>
                 <a:spcPct val="0"/>
               </a:spcBef>
@@ -21560,12 +24636,21 @@
                 <a:spcPct val="0"/>
               </a:spcAft>
             </a:pPr>
-            <a:endParaRPr lang="en-US" altLang="zh-TW" sz="1400" dirty="0">
-              <a:latin typeface="Consolas" panose="020B0609020204030204" pitchFamily="49" charset="0"/>
-            </a:endParaRPr>
-          </a:p>
-          <a:p>
-            <a:pPr lvl="0" defTabSz="914400" eaLnBrk="0" fontAlgn="base" hangingPunct="0">
+            <a:r>
+              <a:rPr lang="en-US" altLang="zh-TW" sz="900" dirty="0">
+                <a:solidFill>
+                  <a:schemeClr val="dk1"/>
+                </a:solidFill>
+                <a:latin typeface="Consolas" panose="020B0609020204030204" pitchFamily="49" charset="0"/>
+                <a:ea typeface="Arial"/>
+                <a:cs typeface="Arial"/>
+                <a:sym typeface="Arial"/>
+              </a:rPr>
+              <a:t>{'document': 'https://api.droidtown.co/document/',</a:t>
+            </a:r>
+          </a:p>
+          <a:p>
+            <a:pPr defTabSz="914400" eaLnBrk="0" fontAlgn="base" hangingPunct="0">
               <a:spcBef>
                 <a:spcPct val="0"/>
               </a:spcBef>
@@ -21574,20 +24659,44 @@
               </a:spcAft>
             </a:pPr>
             <a:r>
-              <a:rPr lang="en-US" altLang="zh-TW" sz="1400" dirty="0">
-                <a:latin typeface="Consolas" panose="020B0609020204030204" pitchFamily="49" charset="0"/>
-              </a:rPr>
-              <a:t> lv2 </a:t>
-            </a:r>
-            <a:r>
-              <a:rPr lang="zh-TW" altLang="en-US" sz="1400" dirty="0">
-                <a:latin typeface="Consolas" panose="020B0609020204030204" pitchFamily="49" charset="0"/>
-              </a:rPr>
-              <a:t>的設定下，處理結果：</a:t>
-            </a:r>
-          </a:p>
-          <a:p>
-            <a:pPr lvl="0" defTabSz="914400" eaLnBrk="0" fontAlgn="base" hangingPunct="0">
+              <a:rPr lang="en-US" altLang="zh-TW" sz="900" dirty="0">
+                <a:solidFill>
+                  <a:schemeClr val="dk1"/>
+                </a:solidFill>
+                <a:latin typeface="Consolas" panose="020B0609020204030204" pitchFamily="49" charset="0"/>
+                <a:ea typeface="Arial"/>
+                <a:cs typeface="Arial"/>
+                <a:sym typeface="Arial"/>
+              </a:rPr>
+              <a:t> '</a:t>
+            </a:r>
+            <a:r>
+              <a:rPr lang="en-US" altLang="zh-TW" sz="900" dirty="0" err="1">
+                <a:solidFill>
+                  <a:schemeClr val="dk1"/>
+                </a:solidFill>
+                <a:latin typeface="Consolas" panose="020B0609020204030204" pitchFamily="49" charset="0"/>
+                <a:ea typeface="Arial"/>
+                <a:cs typeface="Arial"/>
+                <a:sym typeface="Arial"/>
+              </a:rPr>
+              <a:t>exec_time</a:t>
+            </a:r>
+            <a:r>
+              <a:rPr lang="en-US" altLang="zh-TW" sz="900" dirty="0">
+                <a:solidFill>
+                  <a:schemeClr val="dk1"/>
+                </a:solidFill>
+                <a:latin typeface="Consolas" panose="020B0609020204030204" pitchFamily="49" charset="0"/>
+                <a:ea typeface="Arial"/>
+                <a:cs typeface="Arial"/>
+                <a:sym typeface="Arial"/>
+              </a:rPr>
+              <a:t>': 0.04187440872192383,</a:t>
+            </a:r>
+          </a:p>
+          <a:p>
+            <a:pPr defTabSz="914400" eaLnBrk="0" fontAlgn="base" hangingPunct="0">
               <a:spcBef>
                 <a:spcPct val="0"/>
               </a:spcBef>
@@ -21596,110 +24705,441 @@
               </a:spcAft>
             </a:pPr>
             <a:r>
-              <a:rPr lang="zh-TW" altLang="en-US" sz="1400" dirty="0">
-                <a:latin typeface="Consolas" panose="020B0609020204030204" pitchFamily="49" charset="0"/>
-              </a:rPr>
-              <a:t> </a:t>
-            </a:r>
-            <a:r>
-              <a:rPr lang="en-US" altLang="zh-TW" sz="1400" dirty="0">
-                <a:latin typeface="Consolas" panose="020B0609020204030204" pitchFamily="49" charset="0"/>
-              </a:rPr>
-              <a:t>{'exec_time': 0.052085161209106445, 'result_pos': ['&lt;</a:t>
-            </a:r>
-            <a:r>
-              <a:rPr lang="en-US" altLang="zh-TW" sz="1400" dirty="0" err="1">
-                <a:latin typeface="Consolas" panose="020B0609020204030204" pitchFamily="49" charset="0"/>
+              <a:rPr lang="en-US" altLang="zh-TW" sz="900" dirty="0">
+                <a:solidFill>
+                  <a:schemeClr val="dk1"/>
+                </a:solidFill>
+                <a:latin typeface="Consolas" panose="020B0609020204030204" pitchFamily="49" charset="0"/>
+                <a:ea typeface="Arial"/>
+                <a:cs typeface="Arial"/>
+                <a:sym typeface="Arial"/>
+              </a:rPr>
+              <a:t> 'level': 'lv2',</a:t>
+            </a:r>
+          </a:p>
+          <a:p>
+            <a:pPr defTabSz="914400" eaLnBrk="0" fontAlgn="base" hangingPunct="0">
+              <a:spcBef>
+                <a:spcPct val="0"/>
+              </a:spcBef>
+              <a:spcAft>
+                <a:spcPct val="0"/>
+              </a:spcAft>
+            </a:pPr>
+            <a:r>
+              <a:rPr lang="en-US" altLang="zh-TW" sz="900" dirty="0">
+                <a:solidFill>
+                  <a:schemeClr val="dk1"/>
+                </a:solidFill>
+                <a:latin typeface="Consolas" panose="020B0609020204030204" pitchFamily="49" charset="0"/>
+                <a:ea typeface="Arial"/>
+                <a:cs typeface="Arial"/>
+                <a:sym typeface="Arial"/>
+              </a:rPr>
+              <a:t> 'msg': 'Success!',</a:t>
+            </a:r>
+          </a:p>
+          <a:p>
+            <a:pPr defTabSz="914400" eaLnBrk="0" fontAlgn="base" hangingPunct="0">
+              <a:spcBef>
+                <a:spcPct val="0"/>
+              </a:spcBef>
+              <a:spcAft>
+                <a:spcPct val="0"/>
+              </a:spcAft>
+            </a:pPr>
+            <a:r>
+              <a:rPr lang="en-US" altLang="zh-TW" sz="900" dirty="0">
+                <a:solidFill>
+                  <a:schemeClr val="dk1"/>
+                </a:solidFill>
+                <a:latin typeface="Consolas" panose="020B0609020204030204" pitchFamily="49" charset="0"/>
+                <a:ea typeface="Arial"/>
+                <a:cs typeface="Arial"/>
+                <a:sym typeface="Arial"/>
+              </a:rPr>
+              <a:t> 'product': 'https://api.droidtown.co/product/',</a:t>
+            </a:r>
+          </a:p>
+          <a:p>
+            <a:pPr defTabSz="914400" eaLnBrk="0" fontAlgn="base" hangingPunct="0">
+              <a:spcBef>
+                <a:spcPct val="0"/>
+              </a:spcBef>
+              <a:spcAft>
+                <a:spcPct val="0"/>
+              </a:spcAft>
+            </a:pPr>
+            <a:r>
+              <a:rPr lang="en-US" altLang="zh-TW" sz="900" dirty="0">
+                <a:solidFill>
+                  <a:schemeClr val="dk1"/>
+                </a:solidFill>
+                <a:latin typeface="Consolas" panose="020B0609020204030204" pitchFamily="49" charset="0"/>
+                <a:ea typeface="Arial"/>
+                <a:cs typeface="Arial"/>
+                <a:sym typeface="Arial"/>
+              </a:rPr>
+              <a:t> '</a:t>
+            </a:r>
+            <a:r>
+              <a:rPr lang="en-US" altLang="zh-TW" sz="900" dirty="0" err="1">
+                <a:solidFill>
+                  <a:schemeClr val="dk1"/>
+                </a:solidFill>
+                <a:latin typeface="Consolas" panose="020B0609020204030204" pitchFamily="49" charset="0"/>
+                <a:ea typeface="Arial"/>
+                <a:cs typeface="Arial"/>
+                <a:sym typeface="Arial"/>
+              </a:rPr>
+              <a:t>result_obj</a:t>
+            </a:r>
+            <a:r>
+              <a:rPr lang="en-US" altLang="zh-TW" sz="900" dirty="0">
+                <a:solidFill>
+                  <a:schemeClr val="dk1"/>
+                </a:solidFill>
+                <a:latin typeface="Consolas" panose="020B0609020204030204" pitchFamily="49" charset="0"/>
+                <a:ea typeface="Arial"/>
+                <a:cs typeface="Arial"/>
+                <a:sym typeface="Arial"/>
+              </a:rPr>
+              <a:t>': [[{'pos': '</a:t>
+            </a:r>
+            <a:r>
+              <a:rPr lang="en-US" altLang="zh-TW" sz="900" dirty="0" err="1">
+                <a:solidFill>
+                  <a:schemeClr val="dk1"/>
+                </a:solidFill>
+                <a:latin typeface="Consolas" panose="020B0609020204030204" pitchFamily="49" charset="0"/>
+                <a:ea typeface="Arial"/>
+                <a:cs typeface="Arial"/>
+                <a:sym typeface="Arial"/>
               </a:rPr>
               <a:t>VerbP</a:t>
             </a:r>
             <a:r>
-              <a:rPr lang="en-US" altLang="zh-TW" sz="1400" dirty="0">
-                <a:latin typeface="Consolas" panose="020B0609020204030204" pitchFamily="49" charset="0"/>
+              <a:rPr lang="en-US" altLang="zh-TW" sz="900" dirty="0">
+                <a:solidFill>
+                  <a:schemeClr val="dk1"/>
+                </a:solidFill>
+                <a:latin typeface="Consolas" panose="020B0609020204030204" pitchFamily="49" charset="0"/>
+                <a:ea typeface="Arial"/>
+                <a:cs typeface="Arial"/>
+                <a:sym typeface="Arial"/>
+              </a:rPr>
+              <a:t>', 'text': '</a:t>
+            </a:r>
+            <a:r>
+              <a:rPr lang="zh-TW" altLang="en-US" sz="900" dirty="0">
+                <a:solidFill>
+                  <a:schemeClr val="dk1"/>
+                </a:solidFill>
+                <a:latin typeface="Consolas" panose="020B0609020204030204" pitchFamily="49" charset="0"/>
+                <a:ea typeface="Arial"/>
+                <a:cs typeface="Arial"/>
+                <a:sym typeface="Arial"/>
+              </a:rPr>
+              <a:t>創造了</a:t>
+            </a:r>
+            <a:r>
+              <a:rPr lang="en-US" altLang="zh-TW" sz="900" dirty="0">
+                <a:solidFill>
+                  <a:schemeClr val="dk1"/>
+                </a:solidFill>
+                <a:latin typeface="Consolas" panose="020B0609020204030204" pitchFamily="49" charset="0"/>
+                <a:ea typeface="Arial"/>
+                <a:cs typeface="Arial"/>
+                <a:sym typeface="Arial"/>
+              </a:rPr>
+              <a:t>'}]],</a:t>
+            </a:r>
+          </a:p>
+          <a:p>
+            <a:pPr defTabSz="914400" eaLnBrk="0" fontAlgn="base" hangingPunct="0">
+              <a:spcBef>
+                <a:spcPct val="0"/>
+              </a:spcBef>
+              <a:spcAft>
+                <a:spcPct val="0"/>
+              </a:spcAft>
+            </a:pPr>
+            <a:r>
+              <a:rPr lang="en-US" altLang="zh-TW" sz="900" dirty="0">
+                <a:solidFill>
+                  <a:schemeClr val="dk1"/>
+                </a:solidFill>
+                <a:latin typeface="Consolas" panose="020B0609020204030204" pitchFamily="49" charset="0"/>
+                <a:ea typeface="Arial"/>
+                <a:cs typeface="Arial"/>
+                <a:sym typeface="Arial"/>
+              </a:rPr>
+              <a:t> '</a:t>
+            </a:r>
+            <a:r>
+              <a:rPr lang="en-US" altLang="zh-TW" sz="900" dirty="0" err="1">
+                <a:solidFill>
+                  <a:schemeClr val="dk1"/>
+                </a:solidFill>
+                <a:latin typeface="Consolas" panose="020B0609020204030204" pitchFamily="49" charset="0"/>
+                <a:ea typeface="Arial"/>
+                <a:cs typeface="Arial"/>
+                <a:sym typeface="Arial"/>
+              </a:rPr>
+              <a:t>result_pos</a:t>
+            </a:r>
+            <a:r>
+              <a:rPr lang="en-US" altLang="zh-TW" sz="900" dirty="0">
+                <a:solidFill>
+                  <a:schemeClr val="dk1"/>
+                </a:solidFill>
+                <a:latin typeface="Consolas" panose="020B0609020204030204" pitchFamily="49" charset="0"/>
+                <a:ea typeface="Arial"/>
+                <a:cs typeface="Arial"/>
+                <a:sym typeface="Arial"/>
+              </a:rPr>
+              <a:t>': ['&lt;</a:t>
+            </a:r>
+            <a:r>
+              <a:rPr lang="en-US" altLang="zh-TW" sz="900" dirty="0" err="1">
+                <a:solidFill>
+                  <a:schemeClr val="dk1"/>
+                </a:solidFill>
+                <a:latin typeface="Consolas" panose="020B0609020204030204" pitchFamily="49" charset="0"/>
+                <a:ea typeface="Arial"/>
+                <a:cs typeface="Arial"/>
+                <a:sym typeface="Arial"/>
+              </a:rPr>
+              <a:t>VerbP</a:t>
+            </a:r>
+            <a:r>
+              <a:rPr lang="en-US" altLang="zh-TW" sz="900" dirty="0">
+                <a:solidFill>
+                  <a:schemeClr val="dk1"/>
+                </a:solidFill>
+                <a:latin typeface="Consolas" panose="020B0609020204030204" pitchFamily="49" charset="0"/>
+                <a:ea typeface="Arial"/>
+                <a:cs typeface="Arial"/>
+                <a:sym typeface="Arial"/>
               </a:rPr>
               <a:t>&gt;</a:t>
             </a:r>
             <a:r>
-              <a:rPr lang="zh-TW" altLang="en-US" sz="1400" dirty="0">
-                <a:latin typeface="Consolas" panose="020B0609020204030204" pitchFamily="49" charset="0"/>
+              <a:rPr lang="zh-TW" altLang="en-US" sz="900" dirty="0">
+                <a:solidFill>
+                  <a:schemeClr val="dk1"/>
+                </a:solidFill>
+                <a:latin typeface="Consolas" panose="020B0609020204030204" pitchFamily="49" charset="0"/>
+                <a:ea typeface="Arial"/>
+                <a:cs typeface="Arial"/>
+                <a:sym typeface="Arial"/>
               </a:rPr>
               <a:t>創造了</a:t>
             </a:r>
             <a:r>
-              <a:rPr lang="en-US" altLang="zh-TW" sz="1400" dirty="0">
-                <a:latin typeface="Consolas" panose="020B0609020204030204" pitchFamily="49" charset="0"/>
+              <a:rPr lang="en-US" altLang="zh-TW" sz="900" dirty="0">
+                <a:solidFill>
+                  <a:schemeClr val="dk1"/>
+                </a:solidFill>
+                <a:latin typeface="Consolas" panose="020B0609020204030204" pitchFamily="49" charset="0"/>
+                <a:ea typeface="Arial"/>
+                <a:cs typeface="Arial"/>
+                <a:sym typeface="Arial"/>
               </a:rPr>
               <a:t>&lt;/</a:t>
             </a:r>
             <a:r>
-              <a:rPr lang="en-US" altLang="zh-TW" sz="1400" dirty="0" err="1">
-                <a:latin typeface="Consolas" panose="020B0609020204030204" pitchFamily="49" charset="0"/>
+              <a:rPr lang="en-US" altLang="zh-TW" sz="900" dirty="0" err="1">
+                <a:solidFill>
+                  <a:schemeClr val="dk1"/>
+                </a:solidFill>
+                <a:latin typeface="Consolas" panose="020B0609020204030204" pitchFamily="49" charset="0"/>
+                <a:ea typeface="Arial"/>
+                <a:cs typeface="Arial"/>
+                <a:sym typeface="Arial"/>
               </a:rPr>
               <a:t>VerbP</a:t>
             </a:r>
             <a:r>
-              <a:rPr lang="en-US" altLang="zh-TW" sz="1400" dirty="0">
-                <a:latin typeface="Consolas" panose="020B0609020204030204" pitchFamily="49" charset="0"/>
-              </a:rPr>
-              <a:t>&gt;'], 'result_segmentation': '</a:t>
-            </a:r>
-            <a:r>
-              <a:rPr lang="zh-TW" altLang="en-US" sz="1400" dirty="0">
-                <a:latin typeface="Consolas" panose="020B0609020204030204" pitchFamily="49" charset="0"/>
+              <a:rPr lang="en-US" altLang="zh-TW" sz="900" dirty="0">
+                <a:solidFill>
+                  <a:schemeClr val="dk1"/>
+                </a:solidFill>
+                <a:latin typeface="Consolas" panose="020B0609020204030204" pitchFamily="49" charset="0"/>
+                <a:ea typeface="Arial"/>
+                <a:cs typeface="Arial"/>
+                <a:sym typeface="Arial"/>
+              </a:rPr>
+              <a:t>&gt;'],</a:t>
+            </a:r>
+          </a:p>
+          <a:p>
+            <a:pPr defTabSz="914400" eaLnBrk="0" fontAlgn="base" hangingPunct="0">
+              <a:spcBef>
+                <a:spcPct val="0"/>
+              </a:spcBef>
+              <a:spcAft>
+                <a:spcPct val="0"/>
+              </a:spcAft>
+            </a:pPr>
+            <a:r>
+              <a:rPr lang="en-US" altLang="zh-TW" sz="900" dirty="0">
+                <a:solidFill>
+                  <a:schemeClr val="dk1"/>
+                </a:solidFill>
+                <a:latin typeface="Consolas" panose="020B0609020204030204" pitchFamily="49" charset="0"/>
+                <a:ea typeface="Arial"/>
+                <a:cs typeface="Arial"/>
+                <a:sym typeface="Arial"/>
+              </a:rPr>
+              <a:t> '</a:t>
+            </a:r>
+            <a:r>
+              <a:rPr lang="en-US" altLang="zh-TW" sz="900" dirty="0" err="1">
+                <a:solidFill>
+                  <a:schemeClr val="dk1"/>
+                </a:solidFill>
+                <a:latin typeface="Consolas" panose="020B0609020204030204" pitchFamily="49" charset="0"/>
+                <a:ea typeface="Arial"/>
+                <a:cs typeface="Arial"/>
+                <a:sym typeface="Arial"/>
+              </a:rPr>
+              <a:t>result_segmentation</a:t>
+            </a:r>
+            <a:r>
+              <a:rPr lang="en-US" altLang="zh-TW" sz="900" dirty="0">
+                <a:solidFill>
+                  <a:schemeClr val="dk1"/>
+                </a:solidFill>
+                <a:latin typeface="Consolas" panose="020B0609020204030204" pitchFamily="49" charset="0"/>
+                <a:ea typeface="Arial"/>
+                <a:cs typeface="Arial"/>
+                <a:sym typeface="Arial"/>
+              </a:rPr>
+              <a:t>': '</a:t>
+            </a:r>
+            <a:r>
+              <a:rPr lang="zh-TW" altLang="en-US" sz="900" dirty="0">
+                <a:solidFill>
+                  <a:schemeClr val="dk1"/>
+                </a:solidFill>
+                <a:latin typeface="Consolas" panose="020B0609020204030204" pitchFamily="49" charset="0"/>
+                <a:ea typeface="Arial"/>
+                <a:cs typeface="Arial"/>
+                <a:sym typeface="Arial"/>
               </a:rPr>
               <a:t>創造了</a:t>
             </a:r>
             <a:r>
-              <a:rPr lang="en-US" altLang="zh-TW" sz="1400" dirty="0">
-                <a:latin typeface="Consolas" panose="020B0609020204030204" pitchFamily="49" charset="0"/>
-              </a:rPr>
-              <a:t>', '</a:t>
-            </a:r>
-            <a:r>
-              <a:rPr lang="en-US" altLang="zh-TW" sz="1400" dirty="0" err="1">
-                <a:latin typeface="Consolas" panose="020B0609020204030204" pitchFamily="49" charset="0"/>
-              </a:rPr>
-              <a:t>result_obj</a:t>
-            </a:r>
-            <a:r>
-              <a:rPr lang="en-US" altLang="zh-TW" sz="1400" dirty="0">
-                <a:latin typeface="Consolas" panose="020B0609020204030204" pitchFamily="49" charset="0"/>
-              </a:rPr>
-              <a:t>': [[{'text': '</a:t>
-            </a:r>
-            <a:r>
-              <a:rPr lang="zh-TW" altLang="en-US" sz="1400" dirty="0">
-                <a:latin typeface="Consolas" panose="020B0609020204030204" pitchFamily="49" charset="0"/>
-              </a:rPr>
-              <a:t>創造了</a:t>
-            </a:r>
-            <a:r>
-              <a:rPr lang="en-US" altLang="zh-TW" sz="1400" dirty="0">
-                <a:latin typeface="Consolas" panose="020B0609020204030204" pitchFamily="49" charset="0"/>
-              </a:rPr>
-              <a:t>', 'pos': '</a:t>
-            </a:r>
-            <a:r>
-              <a:rPr lang="en-US" altLang="zh-TW" sz="1400" dirty="0" err="1">
-                <a:latin typeface="Consolas" panose="020B0609020204030204" pitchFamily="49" charset="0"/>
-              </a:rPr>
-              <a:t>VerbP</a:t>
-            </a:r>
-            <a:r>
-              <a:rPr lang="en-US" altLang="zh-TW" sz="1400" dirty="0">
-                <a:latin typeface="Consolas" panose="020B0609020204030204" pitchFamily="49" charset="0"/>
-              </a:rPr>
-              <a:t>'}]], 'level': 'lv2', 'version': 'v235', 'status': True, 'msg': 'Success!', 'word_count_balance': 1982, 'product': 'https://api.droidtown.co/product/', 'document': 'https://api.droidtown.co/document/'}</a:t>
-            </a:r>
-            <a:endParaRPr kumimoji="0" lang="zh-TW" altLang="zh-TW" sz="1400" b="0" i="0" u="none" strike="noStrike" cap="none" normalizeH="0" baseline="0" dirty="0">
-              <a:ln>
-                <a:noFill/>
-              </a:ln>
+              <a:rPr lang="en-US" altLang="zh-TW" sz="900" dirty="0">
+                <a:solidFill>
+                  <a:schemeClr val="dk1"/>
+                </a:solidFill>
+                <a:latin typeface="Consolas" panose="020B0609020204030204" pitchFamily="49" charset="0"/>
+                <a:ea typeface="Arial"/>
+                <a:cs typeface="Arial"/>
+                <a:sym typeface="Arial"/>
+              </a:rPr>
+              <a:t>',</a:t>
+            </a:r>
+          </a:p>
+          <a:p>
+            <a:pPr defTabSz="914400" eaLnBrk="0" fontAlgn="base" hangingPunct="0">
+              <a:spcBef>
+                <a:spcPct val="0"/>
+              </a:spcBef>
+              <a:spcAft>
+                <a:spcPct val="0"/>
+              </a:spcAft>
+            </a:pPr>
+            <a:r>
+              <a:rPr lang="en-US" altLang="zh-TW" sz="900" dirty="0">
+                <a:solidFill>
+                  <a:schemeClr val="dk1"/>
+                </a:solidFill>
+                <a:latin typeface="Consolas" panose="020B0609020204030204" pitchFamily="49" charset="0"/>
+                <a:ea typeface="Arial"/>
+                <a:cs typeface="Arial"/>
+                <a:sym typeface="Arial"/>
+              </a:rPr>
+              <a:t> 'status': True,</a:t>
+            </a:r>
+          </a:p>
+          <a:p>
+            <a:pPr defTabSz="914400" eaLnBrk="0" fontAlgn="base" hangingPunct="0">
+              <a:spcBef>
+                <a:spcPct val="0"/>
+              </a:spcBef>
+              <a:spcAft>
+                <a:spcPct val="0"/>
+              </a:spcAft>
+            </a:pPr>
+            <a:r>
+              <a:rPr lang="en-US" altLang="zh-TW" sz="900" dirty="0">
+                <a:solidFill>
+                  <a:schemeClr val="dk1"/>
+                </a:solidFill>
+                <a:latin typeface="Consolas" panose="020B0609020204030204" pitchFamily="49" charset="0"/>
+                <a:ea typeface="Arial"/>
+                <a:cs typeface="Arial"/>
+                <a:sym typeface="Arial"/>
+              </a:rPr>
+              <a:t> 'version': 'v236',</a:t>
+            </a:r>
+          </a:p>
+          <a:p>
+            <a:pPr defTabSz="914400" eaLnBrk="0" fontAlgn="base" hangingPunct="0">
+              <a:spcBef>
+                <a:spcPct val="0"/>
+              </a:spcBef>
+              <a:spcAft>
+                <a:spcPct val="0"/>
+              </a:spcAft>
+            </a:pPr>
+            <a:r>
+              <a:rPr lang="en-US" altLang="zh-TW" sz="900" dirty="0">
+                <a:solidFill>
+                  <a:schemeClr val="dk1"/>
+                </a:solidFill>
+                <a:latin typeface="Consolas" panose="020B0609020204030204" pitchFamily="49" charset="0"/>
+                <a:ea typeface="Arial"/>
+                <a:cs typeface="Arial"/>
+                <a:sym typeface="Arial"/>
+              </a:rPr>
+              <a:t> '</a:t>
+            </a:r>
+            <a:r>
+              <a:rPr lang="en-US" altLang="zh-TW" sz="900" dirty="0" err="1">
+                <a:solidFill>
+                  <a:schemeClr val="dk1"/>
+                </a:solidFill>
+                <a:latin typeface="Consolas" panose="020B0609020204030204" pitchFamily="49" charset="0"/>
+                <a:ea typeface="Arial"/>
+                <a:cs typeface="Arial"/>
+                <a:sym typeface="Arial"/>
+              </a:rPr>
+              <a:t>word_count_balance</a:t>
+            </a:r>
+            <a:r>
+              <a:rPr lang="en-US" altLang="zh-TW" sz="900" dirty="0">
+                <a:solidFill>
+                  <a:schemeClr val="dk1"/>
+                </a:solidFill>
+                <a:latin typeface="Consolas" panose="020B0609020204030204" pitchFamily="49" charset="0"/>
+                <a:ea typeface="Arial"/>
+                <a:cs typeface="Arial"/>
+                <a:sym typeface="Arial"/>
+              </a:rPr>
+              <a:t>': 342}</a:t>
+            </a:r>
+            <a:endParaRPr lang="zh-TW" altLang="en-US" sz="1000" dirty="0">
               <a:solidFill>
-                <a:schemeClr val="tx1"/>
+                <a:schemeClr val="dk1"/>
               </a:solidFill>
-              <a:effectLst/>
               <a:latin typeface="Consolas" panose="020B0609020204030204" pitchFamily="49" charset="0"/>
+              <a:ea typeface="Arial"/>
+              <a:cs typeface="Arial"/>
+              <a:sym typeface="Arial"/>
             </a:endParaRPr>
           </a:p>
         </p:txBody>
@@ -21718,7 +25158,7 @@
         </p:nvSpPr>
         <p:spPr>
           <a:xfrm>
-            <a:off x="6243791" y="1829636"/>
+            <a:off x="1631449" y="1439671"/>
             <a:ext cx="864973" cy="269484"/>
           </a:xfrm>
           <a:prstGeom prst="rect">
@@ -21770,7 +25210,7 @@
         </p:nvSpPr>
         <p:spPr>
           <a:xfrm>
-            <a:off x="6243791" y="3356690"/>
+            <a:off x="1544044" y="4318155"/>
             <a:ext cx="852617" cy="238669"/>
           </a:xfrm>
           <a:prstGeom prst="rect">
@@ -21840,7 +25280,7 @@
             </a:pPr>
             <a:fld id="{00000000-1234-1234-1234-123412341234}" type="slidenum">
               <a:rPr lang="en-US" altLang="zh-TW" smtClean="0"/>
-              <a:t>33</a:t>
+              <a:t>34</a:t>
             </a:fld>
             <a:endParaRPr lang="zh-TW" altLang="en-US"/>
           </a:p>
@@ -21859,7 +25299,7 @@
 </p:sld>
 </file>
 
-<file path=ppt/slides/slide34.xml><?xml version="1.0" encoding="utf-8"?>
+<file path=ppt/slides/slide35.xml><?xml version="1.0" encoding="utf-8"?>
 <p:sld xmlns:a="http://schemas.openxmlformats.org/drawingml/2006/main" xmlns:r="http://schemas.openxmlformats.org/officeDocument/2006/relationships" xmlns:p="http://schemas.openxmlformats.org/presentationml/2006/main">
   <p:cSld>
     <p:spTree>
@@ -22051,7 +25491,7 @@
             </a:pPr>
             <a:fld id="{00000000-1234-1234-1234-123412341234}" type="slidenum">
               <a:rPr lang="en-US" altLang="zh-TW" smtClean="0"/>
-              <a:t>34</a:t>
+              <a:t>35</a:t>
             </a:fld>
             <a:endParaRPr lang="zh-TW" altLang="en-US"/>
           </a:p>
@@ -22070,7 +25510,7 @@
 </p:sld>
 </file>
 
-<file path=ppt/slides/slide35.xml><?xml version="1.0" encoding="utf-8"?>
+<file path=ppt/slides/slide36.xml><?xml version="1.0" encoding="utf-8"?>
 <p:sld xmlns:a="http://schemas.openxmlformats.org/drawingml/2006/main" xmlns:r="http://schemas.openxmlformats.org/officeDocument/2006/relationships" xmlns:p="http://schemas.openxmlformats.org/presentationml/2006/main">
   <p:cSld>
     <p:spTree>
@@ -22239,7 +25679,7 @@
             </a:pPr>
             <a:fld id="{00000000-1234-1234-1234-123412341234}" type="slidenum">
               <a:rPr lang="en-US" altLang="zh-TW" smtClean="0"/>
-              <a:t>35</a:t>
+              <a:t>36</a:t>
             </a:fld>
             <a:endParaRPr lang="zh-TW" altLang="en-US"/>
           </a:p>
@@ -22253,7 +25693,7 @@
 </p:sld>
 </file>
 
-<file path=ppt/slides/slide36.xml><?xml version="1.0" encoding="utf-8"?>
+<file path=ppt/slides/slide37.xml><?xml version="1.0" encoding="utf-8"?>
 <p:sld xmlns:a="http://schemas.openxmlformats.org/drawingml/2006/main" xmlns:r="http://schemas.openxmlformats.org/officeDocument/2006/relationships" xmlns:p="http://schemas.openxmlformats.org/presentationml/2006/main">
   <p:cSld>
     <p:spTree>
@@ -22551,7 +25991,7 @@
             </a:pPr>
             <a:fld id="{00000000-1234-1234-1234-123412341234}" type="slidenum">
               <a:rPr lang="en-US" altLang="zh-TW" smtClean="0"/>
-              <a:t>36</a:t>
+              <a:t>37</a:t>
             </a:fld>
             <a:endParaRPr lang="zh-TW" altLang="en-US"/>
           </a:p>
@@ -22570,7 +26010,7 @@
 </p:sld>
 </file>
 
-<file path=ppt/slides/slide37.xml><?xml version="1.0" encoding="utf-8"?>
+<file path=ppt/slides/slide38.xml><?xml version="1.0" encoding="utf-8"?>
 <p:sld xmlns:a="http://schemas.openxmlformats.org/drawingml/2006/main" xmlns:r="http://schemas.openxmlformats.org/officeDocument/2006/relationships" xmlns:p="http://schemas.openxmlformats.org/presentationml/2006/main">
   <p:cSld>
     <p:spTree>
@@ -22807,7 +26247,7 @@
             </a:pPr>
             <a:fld id="{00000000-1234-1234-1234-123412341234}" type="slidenum">
               <a:rPr lang="en-US" altLang="zh-TW" smtClean="0"/>
-              <a:t>37</a:t>
+              <a:t>38</a:t>
             </a:fld>
             <a:endParaRPr lang="zh-TW" altLang="en-US"/>
           </a:p>
@@ -22873,7 +26313,7 @@
 </p:sld>
 </file>
 
-<file path=ppt/slides/slide38.xml><?xml version="1.0" encoding="utf-8"?>
+<file path=ppt/slides/slide39.xml><?xml version="1.0" encoding="utf-8"?>
 <p:sld xmlns:a="http://schemas.openxmlformats.org/drawingml/2006/main" xmlns:r="http://schemas.openxmlformats.org/officeDocument/2006/relationships" xmlns:p="http://schemas.openxmlformats.org/presentationml/2006/main">
   <p:cSld>
     <p:spTree>
@@ -23204,7 +26644,7 @@
             </a:pPr>
             <a:fld id="{00000000-1234-1234-1234-123412341234}" type="slidenum">
               <a:rPr lang="en-US" altLang="zh-TW" smtClean="0"/>
-              <a:t>38</a:t>
+              <a:t>39</a:t>
             </a:fld>
             <a:endParaRPr lang="zh-TW" altLang="en-US"/>
           </a:p>
@@ -23216,272 +26656,6 @@
         <p14:creationId xmlns:p14="http://schemas.microsoft.com/office/powerpoint/2010/main" val="4108724638"/>
       </p:ext>
     </p:extLst>
-  </p:cSld>
-  <p:clrMapOvr>
-    <a:masterClrMapping/>
-  </p:clrMapOvr>
-</p:sld>
-</file>
-
-<file path=ppt/slides/slide39.xml><?xml version="1.0" encoding="utf-8"?>
-<p:sld xmlns:a="http://schemas.openxmlformats.org/drawingml/2006/main" xmlns:r="http://schemas.openxmlformats.org/officeDocument/2006/relationships" xmlns:p="http://schemas.openxmlformats.org/presentationml/2006/main">
-  <p:cSld>
-    <p:spTree>
-      <p:nvGrpSpPr>
-        <p:cNvPr id="1" name="Shape 140"/>
-        <p:cNvGrpSpPr/>
-        <p:nvPr/>
-      </p:nvGrpSpPr>
-      <p:grpSpPr>
-        <a:xfrm>
-          <a:off x="0" y="0"/>
-          <a:ext cx="0" cy="0"/>
-          <a:chOff x="0" y="0"/>
-          <a:chExt cx="0" cy="0"/>
-        </a:xfrm>
-      </p:grpSpPr>
-      <p:sp>
-        <p:nvSpPr>
-          <p:cNvPr id="141" name="Google Shape;141;p12"/>
-          <p:cNvSpPr txBox="1">
-            <a:spLocks noGrp="1"/>
-          </p:cNvSpPr>
-          <p:nvPr>
-            <p:ph type="title"/>
-          </p:nvPr>
-        </p:nvSpPr>
-        <p:spPr>
-          <a:xfrm>
-            <a:off x="387900" y="458025"/>
-            <a:ext cx="8368200" cy="686100"/>
-          </a:xfrm>
-          <a:prstGeom prst="rect">
-            <a:avLst/>
-          </a:prstGeom>
-          <a:noFill/>
-          <a:ln>
-            <a:noFill/>
-          </a:ln>
-        </p:spPr>
-        <p:txBody>
-          <a:bodyPr spcFirstLastPara="1" wrap="square" lIns="91425" tIns="91425" rIns="91425" bIns="91425" anchor="b" anchorCtr="0">
-            <a:noAutofit/>
-          </a:bodyPr>
-          <a:lstStyle/>
-          <a:p>
-            <a:pPr marL="0" lvl="0" indent="0" algn="l" rtl="0">
-              <a:lnSpc>
-                <a:spcPct val="100000"/>
-              </a:lnSpc>
-              <a:spcBef>
-                <a:spcPts val="0"/>
-              </a:spcBef>
-              <a:spcAft>
-                <a:spcPts val="0"/>
-              </a:spcAft>
-              <a:buSzPts val="3000"/>
-              <a:buNone/>
-            </a:pPr>
-            <a:r>
-              <a:rPr lang="zh-TW" sz="4000" dirty="0">
-                <a:latin typeface="Arial" panose="020B0604020202020204" pitchFamily="34" charset="0"/>
-                <a:cs typeface="Arial" panose="020B0604020202020204" pitchFamily="34" charset="0"/>
-              </a:rPr>
-              <a:t>進階用法之一：lv1 和 lv2</a:t>
-            </a:r>
-            <a:endParaRPr sz="4000" dirty="0">
-              <a:latin typeface="Arial" panose="020B0604020202020204" pitchFamily="34" charset="0"/>
-              <a:cs typeface="Arial" panose="020B0604020202020204" pitchFamily="34" charset="0"/>
-            </a:endParaRPr>
-          </a:p>
-        </p:txBody>
-      </p:sp>
-      <p:sp>
-        <p:nvSpPr>
-          <p:cNvPr id="142" name="Google Shape;142;p12"/>
-          <p:cNvSpPr txBox="1">
-            <a:spLocks noGrp="1"/>
-          </p:cNvSpPr>
-          <p:nvPr>
-            <p:ph type="body" idx="1"/>
-          </p:nvPr>
-        </p:nvSpPr>
-        <p:spPr>
-          <a:xfrm>
-            <a:off x="265058" y="1144125"/>
-            <a:ext cx="8756100" cy="1547289"/>
-          </a:xfrm>
-          <a:prstGeom prst="rect">
-            <a:avLst/>
-          </a:prstGeom>
-          <a:noFill/>
-          <a:ln>
-            <a:noFill/>
-          </a:ln>
-        </p:spPr>
-        <p:txBody>
-          <a:bodyPr spcFirstLastPara="1" wrap="square" lIns="91425" tIns="91425" rIns="91425" bIns="91425" anchor="t" anchorCtr="0">
-            <a:noAutofit/>
-          </a:bodyPr>
-          <a:lstStyle/>
-          <a:p>
-            <a:pPr marL="285750" lvl="0" indent="-285750" algn="l" rtl="0">
-              <a:lnSpc>
-                <a:spcPct val="115000"/>
-              </a:lnSpc>
-              <a:spcBef>
-                <a:spcPts val="0"/>
-              </a:spcBef>
-              <a:spcAft>
-                <a:spcPts val="1200"/>
-              </a:spcAft>
-              <a:buSzPts val="1800"/>
-              <a:buFont typeface="Wingdings" panose="05000000000000000000" pitchFamily="2" charset="2"/>
-              <a:buChar char="Ø"/>
-            </a:pPr>
-            <a:r>
-              <a:rPr lang="zh-TW" sz="2800" dirty="0">
-                <a:latin typeface="Arial" panose="020B0604020202020204" pitchFamily="34" charset="0"/>
-                <a:cs typeface="Arial" panose="020B0604020202020204" pitchFamily="34" charset="0"/>
-              </a:rPr>
-              <a:t>由於在之後的課程裡，我們</a:t>
-            </a:r>
-            <a:r>
-              <a:rPr lang="zh-TW" altLang="en-US" sz="2800" dirty="0">
-                <a:latin typeface="Arial" panose="020B0604020202020204" pitchFamily="34" charset="0"/>
-                <a:cs typeface="Arial" panose="020B0604020202020204" pitchFamily="34" charset="0"/>
-              </a:rPr>
-              <a:t>將以</a:t>
-            </a:r>
-            <a:r>
-              <a:rPr lang="zh-TW" sz="2800" dirty="0">
-                <a:latin typeface="Arial" panose="020B0604020202020204" pitchFamily="34" charset="0"/>
-                <a:cs typeface="Arial" panose="020B0604020202020204" pitchFamily="34" charset="0"/>
-              </a:rPr>
-              <a:t>「體育運動」類</a:t>
-            </a:r>
-            <a:r>
-              <a:rPr lang="zh-TW" altLang="en-US" sz="2800" dirty="0">
-                <a:latin typeface="Arial" panose="020B0604020202020204" pitchFamily="34" charset="0"/>
-                <a:cs typeface="Arial" panose="020B0604020202020204" pitchFamily="34" charset="0"/>
-              </a:rPr>
-              <a:t>文章作範例</a:t>
-            </a:r>
-            <a:r>
-              <a:rPr lang="zh-TW" sz="2800" dirty="0">
-                <a:latin typeface="Arial" panose="020B0604020202020204" pitchFamily="34" charset="0"/>
-                <a:cs typeface="Arial" panose="020B0604020202020204" pitchFamily="34" charset="0"/>
-              </a:rPr>
-              <a:t>，</a:t>
-            </a:r>
-            <a:r>
-              <a:rPr lang="zh-TW" altLang="en-US" sz="2800" dirty="0">
-                <a:latin typeface="Arial" panose="020B0604020202020204" pitchFamily="34" charset="0"/>
-                <a:cs typeface="Arial" panose="020B0604020202020204" pitchFamily="34" charset="0"/>
-              </a:rPr>
-              <a:t>所以我們會使用</a:t>
-            </a:r>
-            <a:r>
-              <a:rPr lang="zh-TW" sz="2800" b="1" dirty="0">
-                <a:latin typeface="Arial" panose="020B0604020202020204" pitchFamily="34" charset="0"/>
-                <a:cs typeface="Arial" panose="020B0604020202020204" pitchFamily="34" charset="0"/>
-              </a:rPr>
-              <a:t>ArticutAPI-master</a:t>
-            </a:r>
-            <a:r>
-              <a:rPr lang="zh-TW" sz="2800" dirty="0">
-                <a:latin typeface="Arial" panose="020B0604020202020204" pitchFamily="34" charset="0"/>
-                <a:cs typeface="Arial" panose="020B0604020202020204" pitchFamily="34" charset="0"/>
-              </a:rPr>
-              <a:t> 的 </a:t>
-            </a:r>
-            <a:r>
-              <a:rPr lang="zh-TW" sz="2800" b="1" dirty="0">
-                <a:latin typeface="Arial" panose="020B0604020202020204" pitchFamily="34" charset="0"/>
-                <a:cs typeface="Arial" panose="020B0604020202020204" pitchFamily="34" charset="0"/>
-              </a:rPr>
-              <a:t>Public_UserdefinedDict</a:t>
-            </a:r>
-            <a:r>
-              <a:rPr lang="zh-TW" sz="2800" dirty="0">
-                <a:latin typeface="Arial" panose="020B0604020202020204" pitchFamily="34" charset="0"/>
-                <a:cs typeface="Arial" panose="020B0604020202020204" pitchFamily="34" charset="0"/>
-              </a:rPr>
-              <a:t> 內幾個球隊名稱的領域字典。</a:t>
-            </a:r>
-            <a:endParaRPr lang="en-US" altLang="zh-TW" sz="2800" dirty="0">
-              <a:latin typeface="Arial" panose="020B0604020202020204" pitchFamily="34" charset="0"/>
-              <a:cs typeface="Arial" panose="020B0604020202020204" pitchFamily="34" charset="0"/>
-            </a:endParaRPr>
-          </a:p>
-          <a:p>
-            <a:pPr marL="285750" lvl="0" indent="-285750" algn="l" rtl="0">
-              <a:lnSpc>
-                <a:spcPct val="115000"/>
-              </a:lnSpc>
-              <a:spcBef>
-                <a:spcPts val="0"/>
-              </a:spcBef>
-              <a:spcAft>
-                <a:spcPts val="1200"/>
-              </a:spcAft>
-              <a:buSzPts val="1800"/>
-              <a:buFont typeface="Wingdings" panose="05000000000000000000" pitchFamily="2" charset="2"/>
-              <a:buChar char="Ø"/>
-            </a:pPr>
-            <a:r>
-              <a:rPr lang="zh-TW" sz="2800" dirty="0">
-                <a:latin typeface="Arial" panose="020B0604020202020204" pitchFamily="34" charset="0"/>
-                <a:cs typeface="Arial" panose="020B0604020202020204" pitchFamily="34" charset="0"/>
-              </a:rPr>
-              <a:t>我們將這幾個領域字典讀取出來，並結合成單一一個字典檔，和要處理的文本一起傳給 Articut 以便增加結果的正確性。</a:t>
-            </a:r>
-            <a:endParaRPr sz="2800" dirty="0">
-              <a:latin typeface="Arial" panose="020B0604020202020204" pitchFamily="34" charset="0"/>
-              <a:cs typeface="Arial" panose="020B0604020202020204" pitchFamily="34" charset="0"/>
-            </a:endParaRPr>
-          </a:p>
-        </p:txBody>
-      </p:sp>
-      <p:sp>
-        <p:nvSpPr>
-          <p:cNvPr id="3" name="投影片編號版面配置區 2">
-            <a:extLst>
-              <a:ext uri="{FF2B5EF4-FFF2-40B4-BE49-F238E27FC236}">
-                <a16:creationId xmlns:a16="http://schemas.microsoft.com/office/drawing/2014/main" id="{0A332060-835B-4AE5-8FB5-EEF5AD7095A6}"/>
-              </a:ext>
-            </a:extLst>
-          </p:cNvPr>
-          <p:cNvSpPr>
-            <a:spLocks noGrp="1"/>
-          </p:cNvSpPr>
-          <p:nvPr>
-            <p:ph type="sldNum" idx="12"/>
-          </p:nvPr>
-        </p:nvSpPr>
-        <p:spPr/>
-        <p:txBody>
-          <a:bodyPr/>
-          <a:lstStyle/>
-          <a:p>
-            <a:pPr marL="0" lvl="0" indent="0" algn="r" rtl="0">
-              <a:spcBef>
-                <a:spcPts val="0"/>
-              </a:spcBef>
-              <a:spcAft>
-                <a:spcPts val="0"/>
-              </a:spcAft>
-              <a:buNone/>
-            </a:pPr>
-            <a:fld id="{00000000-1234-1234-1234-123412341234}" type="slidenum">
-              <a:rPr lang="en-US" altLang="zh-TW" smtClean="0"/>
-              <a:t>39</a:t>
-            </a:fld>
-            <a:endParaRPr lang="zh-TW" altLang="en-US"/>
-          </a:p>
-        </p:txBody>
-      </p:sp>
-    </p:spTree>
   </p:cSld>
   <p:clrMapOvr>
     <a:masterClrMapping/>
@@ -23745,6 +26919,272 @@
           </p:nvPr>
         </p:nvSpPr>
         <p:spPr>
+          <a:xfrm>
+            <a:off x="387900" y="458025"/>
+            <a:ext cx="8368200" cy="686100"/>
+          </a:xfrm>
+          <a:prstGeom prst="rect">
+            <a:avLst/>
+          </a:prstGeom>
+          <a:noFill/>
+          <a:ln>
+            <a:noFill/>
+          </a:ln>
+        </p:spPr>
+        <p:txBody>
+          <a:bodyPr spcFirstLastPara="1" wrap="square" lIns="91425" tIns="91425" rIns="91425" bIns="91425" anchor="b" anchorCtr="0">
+            <a:noAutofit/>
+          </a:bodyPr>
+          <a:lstStyle/>
+          <a:p>
+            <a:pPr marL="0" lvl="0" indent="0" algn="l" rtl="0">
+              <a:lnSpc>
+                <a:spcPct val="100000"/>
+              </a:lnSpc>
+              <a:spcBef>
+                <a:spcPts val="0"/>
+              </a:spcBef>
+              <a:spcAft>
+                <a:spcPts val="0"/>
+              </a:spcAft>
+              <a:buSzPts val="3000"/>
+              <a:buNone/>
+            </a:pPr>
+            <a:r>
+              <a:rPr lang="zh-TW" sz="4000" dirty="0">
+                <a:latin typeface="Arial" panose="020B0604020202020204" pitchFamily="34" charset="0"/>
+                <a:cs typeface="Arial" panose="020B0604020202020204" pitchFamily="34" charset="0"/>
+              </a:rPr>
+              <a:t>進階用法之一：lv1 和 lv2</a:t>
+            </a:r>
+            <a:endParaRPr sz="4000" dirty="0">
+              <a:latin typeface="Arial" panose="020B0604020202020204" pitchFamily="34" charset="0"/>
+              <a:cs typeface="Arial" panose="020B0604020202020204" pitchFamily="34" charset="0"/>
+            </a:endParaRPr>
+          </a:p>
+        </p:txBody>
+      </p:sp>
+      <p:sp>
+        <p:nvSpPr>
+          <p:cNvPr id="142" name="Google Shape;142;p12"/>
+          <p:cNvSpPr txBox="1">
+            <a:spLocks noGrp="1"/>
+          </p:cNvSpPr>
+          <p:nvPr>
+            <p:ph type="body" idx="1"/>
+          </p:nvPr>
+        </p:nvSpPr>
+        <p:spPr>
+          <a:xfrm>
+            <a:off x="265058" y="1144125"/>
+            <a:ext cx="8756100" cy="1547289"/>
+          </a:xfrm>
+          <a:prstGeom prst="rect">
+            <a:avLst/>
+          </a:prstGeom>
+          <a:noFill/>
+          <a:ln>
+            <a:noFill/>
+          </a:ln>
+        </p:spPr>
+        <p:txBody>
+          <a:bodyPr spcFirstLastPara="1" wrap="square" lIns="91425" tIns="91425" rIns="91425" bIns="91425" anchor="t" anchorCtr="0">
+            <a:noAutofit/>
+          </a:bodyPr>
+          <a:lstStyle/>
+          <a:p>
+            <a:pPr marL="285750" lvl="0" indent="-285750" algn="l" rtl="0">
+              <a:lnSpc>
+                <a:spcPct val="115000"/>
+              </a:lnSpc>
+              <a:spcBef>
+                <a:spcPts val="0"/>
+              </a:spcBef>
+              <a:spcAft>
+                <a:spcPts val="1200"/>
+              </a:spcAft>
+              <a:buSzPts val="1800"/>
+              <a:buFont typeface="Wingdings" panose="05000000000000000000" pitchFamily="2" charset="2"/>
+              <a:buChar char="Ø"/>
+            </a:pPr>
+            <a:r>
+              <a:rPr lang="zh-TW" sz="2800" dirty="0">
+                <a:latin typeface="Arial" panose="020B0604020202020204" pitchFamily="34" charset="0"/>
+                <a:cs typeface="Arial" panose="020B0604020202020204" pitchFamily="34" charset="0"/>
+              </a:rPr>
+              <a:t>由於在之後的課程裡，我們</a:t>
+            </a:r>
+            <a:r>
+              <a:rPr lang="zh-TW" altLang="en-US" sz="2800" dirty="0">
+                <a:latin typeface="Arial" panose="020B0604020202020204" pitchFamily="34" charset="0"/>
+                <a:cs typeface="Arial" panose="020B0604020202020204" pitchFamily="34" charset="0"/>
+              </a:rPr>
+              <a:t>將以</a:t>
+            </a:r>
+            <a:r>
+              <a:rPr lang="zh-TW" sz="2800" dirty="0">
+                <a:latin typeface="Arial" panose="020B0604020202020204" pitchFamily="34" charset="0"/>
+                <a:cs typeface="Arial" panose="020B0604020202020204" pitchFamily="34" charset="0"/>
+              </a:rPr>
+              <a:t>「體育運動」類</a:t>
+            </a:r>
+            <a:r>
+              <a:rPr lang="zh-TW" altLang="en-US" sz="2800" dirty="0">
+                <a:latin typeface="Arial" panose="020B0604020202020204" pitchFamily="34" charset="0"/>
+                <a:cs typeface="Arial" panose="020B0604020202020204" pitchFamily="34" charset="0"/>
+              </a:rPr>
+              <a:t>文章作範例</a:t>
+            </a:r>
+            <a:r>
+              <a:rPr lang="zh-TW" sz="2800" dirty="0">
+                <a:latin typeface="Arial" panose="020B0604020202020204" pitchFamily="34" charset="0"/>
+                <a:cs typeface="Arial" panose="020B0604020202020204" pitchFamily="34" charset="0"/>
+              </a:rPr>
+              <a:t>，</a:t>
+            </a:r>
+            <a:r>
+              <a:rPr lang="zh-TW" altLang="en-US" sz="2800" dirty="0">
+                <a:latin typeface="Arial" panose="020B0604020202020204" pitchFamily="34" charset="0"/>
+                <a:cs typeface="Arial" panose="020B0604020202020204" pitchFamily="34" charset="0"/>
+              </a:rPr>
+              <a:t>所以我們會使用</a:t>
+            </a:r>
+            <a:r>
+              <a:rPr lang="zh-TW" sz="2800" b="1" dirty="0">
+                <a:latin typeface="Arial" panose="020B0604020202020204" pitchFamily="34" charset="0"/>
+                <a:cs typeface="Arial" panose="020B0604020202020204" pitchFamily="34" charset="0"/>
+              </a:rPr>
+              <a:t>ArticutAPI-master</a:t>
+            </a:r>
+            <a:r>
+              <a:rPr lang="zh-TW" sz="2800" dirty="0">
+                <a:latin typeface="Arial" panose="020B0604020202020204" pitchFamily="34" charset="0"/>
+                <a:cs typeface="Arial" panose="020B0604020202020204" pitchFamily="34" charset="0"/>
+              </a:rPr>
+              <a:t> 的 </a:t>
+            </a:r>
+            <a:r>
+              <a:rPr lang="zh-TW" sz="2800" b="1" dirty="0">
+                <a:latin typeface="Arial" panose="020B0604020202020204" pitchFamily="34" charset="0"/>
+                <a:cs typeface="Arial" panose="020B0604020202020204" pitchFamily="34" charset="0"/>
+              </a:rPr>
+              <a:t>Public_UserdefinedDict</a:t>
+            </a:r>
+            <a:r>
+              <a:rPr lang="zh-TW" sz="2800" dirty="0">
+                <a:latin typeface="Arial" panose="020B0604020202020204" pitchFamily="34" charset="0"/>
+                <a:cs typeface="Arial" panose="020B0604020202020204" pitchFamily="34" charset="0"/>
+              </a:rPr>
+              <a:t> 內幾個球隊名稱的領域字典。</a:t>
+            </a:r>
+            <a:endParaRPr lang="en-US" altLang="zh-TW" sz="2800" dirty="0">
+              <a:latin typeface="Arial" panose="020B0604020202020204" pitchFamily="34" charset="0"/>
+              <a:cs typeface="Arial" panose="020B0604020202020204" pitchFamily="34" charset="0"/>
+            </a:endParaRPr>
+          </a:p>
+          <a:p>
+            <a:pPr marL="285750" lvl="0" indent="-285750" algn="l" rtl="0">
+              <a:lnSpc>
+                <a:spcPct val="115000"/>
+              </a:lnSpc>
+              <a:spcBef>
+                <a:spcPts val="0"/>
+              </a:spcBef>
+              <a:spcAft>
+                <a:spcPts val="1200"/>
+              </a:spcAft>
+              <a:buSzPts val="1800"/>
+              <a:buFont typeface="Wingdings" panose="05000000000000000000" pitchFamily="2" charset="2"/>
+              <a:buChar char="Ø"/>
+            </a:pPr>
+            <a:r>
+              <a:rPr lang="zh-TW" sz="2800" dirty="0">
+                <a:latin typeface="Arial" panose="020B0604020202020204" pitchFamily="34" charset="0"/>
+                <a:cs typeface="Arial" panose="020B0604020202020204" pitchFamily="34" charset="0"/>
+              </a:rPr>
+              <a:t>我們將這幾個領域字典讀取出來，並結合成單一一個字典檔，和要處理的文本一起傳給 Articut 以便增加結果的正確性。</a:t>
+            </a:r>
+            <a:endParaRPr sz="2800" dirty="0">
+              <a:latin typeface="Arial" panose="020B0604020202020204" pitchFamily="34" charset="0"/>
+              <a:cs typeface="Arial" panose="020B0604020202020204" pitchFamily="34" charset="0"/>
+            </a:endParaRPr>
+          </a:p>
+        </p:txBody>
+      </p:sp>
+      <p:sp>
+        <p:nvSpPr>
+          <p:cNvPr id="3" name="投影片編號版面配置區 2">
+            <a:extLst>
+              <a:ext uri="{FF2B5EF4-FFF2-40B4-BE49-F238E27FC236}">
+                <a16:creationId xmlns:a16="http://schemas.microsoft.com/office/drawing/2014/main" id="{0A332060-835B-4AE5-8FB5-EEF5AD7095A6}"/>
+              </a:ext>
+            </a:extLst>
+          </p:cNvPr>
+          <p:cNvSpPr>
+            <a:spLocks noGrp="1"/>
+          </p:cNvSpPr>
+          <p:nvPr>
+            <p:ph type="sldNum" idx="12"/>
+          </p:nvPr>
+        </p:nvSpPr>
+        <p:spPr/>
+        <p:txBody>
+          <a:bodyPr/>
+          <a:lstStyle/>
+          <a:p>
+            <a:pPr marL="0" lvl="0" indent="0" algn="r" rtl="0">
+              <a:spcBef>
+                <a:spcPts val="0"/>
+              </a:spcBef>
+              <a:spcAft>
+                <a:spcPts val="0"/>
+              </a:spcAft>
+              <a:buNone/>
+            </a:pPr>
+            <a:fld id="{00000000-1234-1234-1234-123412341234}" type="slidenum">
+              <a:rPr lang="en-US" altLang="zh-TW" smtClean="0"/>
+              <a:t>40</a:t>
+            </a:fld>
+            <a:endParaRPr lang="zh-TW" altLang="en-US"/>
+          </a:p>
+        </p:txBody>
+      </p:sp>
+    </p:spTree>
+  </p:cSld>
+  <p:clrMapOvr>
+    <a:masterClrMapping/>
+  </p:clrMapOvr>
+</p:sld>
+</file>
+
+<file path=ppt/slides/slide41.xml><?xml version="1.0" encoding="utf-8"?>
+<p:sld xmlns:a="http://schemas.openxmlformats.org/drawingml/2006/main" xmlns:r="http://schemas.openxmlformats.org/officeDocument/2006/relationships" xmlns:p="http://schemas.openxmlformats.org/presentationml/2006/main">
+  <p:cSld>
+    <p:spTree>
+      <p:nvGrpSpPr>
+        <p:cNvPr id="1" name="Shape 140"/>
+        <p:cNvGrpSpPr/>
+        <p:nvPr/>
+      </p:nvGrpSpPr>
+      <p:grpSpPr>
+        <a:xfrm>
+          <a:off x="0" y="0"/>
+          <a:ext cx="0" cy="0"/>
+          <a:chOff x="0" y="0"/>
+          <a:chExt cx="0" cy="0"/>
+        </a:xfrm>
+      </p:grpSpPr>
+      <p:sp>
+        <p:nvSpPr>
+          <p:cNvPr id="141" name="Google Shape;141;p12"/>
+          <p:cNvSpPr txBox="1">
+            <a:spLocks noGrp="1"/>
+          </p:cNvSpPr>
+          <p:nvPr>
+            <p:ph type="title"/>
+          </p:nvPr>
+        </p:nvSpPr>
+        <p:spPr>
           <a:prstGeom prst="rect">
             <a:avLst/>
           </a:prstGeom>
@@ -24080,7 +27520,7 @@
             </a:pPr>
             <a:fld id="{00000000-1234-1234-1234-123412341234}" type="slidenum">
               <a:rPr lang="en-US" altLang="zh-TW" smtClean="0"/>
-              <a:t>40</a:t>
+              <a:t>41</a:t>
             </a:fld>
             <a:endParaRPr lang="zh-TW" altLang="en-US"/>
           </a:p>
@@ -24144,203 +27584,6 @@
         <p14:creationId xmlns:p14="http://schemas.microsoft.com/office/powerpoint/2010/main" val="1872154146"/>
       </p:ext>
     </p:extLst>
-  </p:cSld>
-  <p:clrMapOvr>
-    <a:masterClrMapping/>
-  </p:clrMapOvr>
-</p:sld>
-</file>
-
-<file path=ppt/slides/slide41.xml><?xml version="1.0" encoding="utf-8"?>
-<p:sld xmlns:a="http://schemas.openxmlformats.org/drawingml/2006/main" xmlns:r="http://schemas.openxmlformats.org/officeDocument/2006/relationships" xmlns:p="http://schemas.openxmlformats.org/presentationml/2006/main">
-  <p:cSld>
-    <p:spTree>
-      <p:nvGrpSpPr>
-        <p:cNvPr id="1" name="Shape 148"/>
-        <p:cNvGrpSpPr/>
-        <p:nvPr/>
-      </p:nvGrpSpPr>
-      <p:grpSpPr>
-        <a:xfrm>
-          <a:off x="0" y="0"/>
-          <a:ext cx="0" cy="0"/>
-          <a:chOff x="0" y="0"/>
-          <a:chExt cx="0" cy="0"/>
-        </a:xfrm>
-      </p:grpSpPr>
-      <p:sp>
-        <p:nvSpPr>
-          <p:cNvPr id="149" name="Google Shape;149;p13"/>
-          <p:cNvSpPr txBox="1">
-            <a:spLocks noGrp="1"/>
-          </p:cNvSpPr>
-          <p:nvPr>
-            <p:ph type="title"/>
-          </p:nvPr>
-        </p:nvSpPr>
-        <p:spPr>
-          <a:prstGeom prst="rect">
-            <a:avLst/>
-          </a:prstGeom>
-          <a:noFill/>
-          <a:ln>
-            <a:noFill/>
-          </a:ln>
-        </p:spPr>
-        <p:txBody>
-          <a:bodyPr spcFirstLastPara="1" wrap="square" lIns="91425" tIns="91425" rIns="91425" bIns="91425" anchor="b" anchorCtr="0">
-            <a:noAutofit/>
-          </a:bodyPr>
-          <a:lstStyle/>
-          <a:p>
-            <a:pPr marL="0" lvl="0" indent="0" algn="l" rtl="0">
-              <a:lnSpc>
-                <a:spcPct val="100000"/>
-              </a:lnSpc>
-              <a:spcBef>
-                <a:spcPts val="0"/>
-              </a:spcBef>
-              <a:spcAft>
-                <a:spcPts val="0"/>
-              </a:spcAft>
-              <a:buSzPts val="3000"/>
-              <a:buNone/>
-            </a:pPr>
-            <a:r>
-              <a:rPr lang="zh-TW" altLang="en-US" sz="4000" dirty="0"/>
-              <a:t>課間練習</a:t>
-            </a:r>
-            <a:r>
-              <a:rPr lang="en-US" altLang="zh-TW" sz="4000" dirty="0"/>
-              <a:t>3</a:t>
-            </a:r>
-            <a:endParaRPr sz="4000" dirty="0"/>
-          </a:p>
-        </p:txBody>
-      </p:sp>
-      <p:sp>
-        <p:nvSpPr>
-          <p:cNvPr id="151" name="Google Shape;151;p13"/>
-          <p:cNvSpPr txBox="1">
-            <a:spLocks noGrp="1"/>
-          </p:cNvSpPr>
-          <p:nvPr>
-            <p:ph type="body" idx="1"/>
-          </p:nvPr>
-        </p:nvSpPr>
-        <p:spPr>
-          <a:xfrm>
-            <a:off x="387900" y="1144125"/>
-            <a:ext cx="7286529" cy="3441600"/>
-          </a:xfrm>
-          <a:prstGeom prst="rect">
-            <a:avLst/>
-          </a:prstGeom>
-          <a:noFill/>
-          <a:ln>
-            <a:noFill/>
-          </a:ln>
-        </p:spPr>
-        <p:txBody>
-          <a:bodyPr spcFirstLastPara="1" wrap="square" lIns="91425" tIns="91425" rIns="91425" bIns="91425" anchor="t" anchorCtr="0">
-            <a:normAutofit/>
-          </a:bodyPr>
-          <a:lstStyle/>
-          <a:p>
-            <a:pPr marL="0" lvl="0" indent="0" algn="l" rtl="0">
-              <a:lnSpc>
-                <a:spcPct val="115000"/>
-              </a:lnSpc>
-              <a:spcBef>
-                <a:spcPts val="1200"/>
-              </a:spcBef>
-              <a:spcAft>
-                <a:spcPts val="1200"/>
-              </a:spcAft>
-              <a:buSzPts val="1800"/>
-              <a:buNone/>
-            </a:pPr>
-            <a:r>
-              <a:rPr lang="zh-TW" sz="2800" dirty="0">
-                <a:latin typeface="Arial" panose="020B0604020202020204" pitchFamily="34" charset="0"/>
-                <a:cs typeface="Arial" panose="020B0604020202020204" pitchFamily="34" charset="0"/>
-              </a:rPr>
-              <a:t>仿照</a:t>
-            </a:r>
-            <a:r>
-              <a:rPr lang="zh-TW" altLang="en-US" sz="2800" dirty="0">
-                <a:latin typeface="Arial" panose="020B0604020202020204" pitchFamily="34" charset="0"/>
-                <a:cs typeface="Arial" panose="020B0604020202020204" pitchFamily="34" charset="0"/>
-              </a:rPr>
-              <a:t>後一頁的例子</a:t>
-            </a:r>
-            <a:r>
-              <a:rPr lang="zh-TW" sz="2800" dirty="0">
-                <a:latin typeface="Arial" panose="020B0604020202020204" pitchFamily="34" charset="0"/>
-                <a:cs typeface="Arial" panose="020B0604020202020204" pitchFamily="34" charset="0"/>
-              </a:rPr>
-              <a:t>，結合兩個字典檔成為一個 mixedDICT.json 檔以後</a:t>
-            </a:r>
-            <a:r>
-              <a:rPr lang="zh-TW" altLang="en-US" sz="2800" dirty="0">
-                <a:latin typeface="Arial" panose="020B0604020202020204" pitchFamily="34" charset="0"/>
-                <a:cs typeface="Arial" panose="020B0604020202020204" pitchFamily="34" charset="0"/>
-              </a:rPr>
-              <a:t>，</a:t>
-            </a:r>
-            <a:r>
-              <a:rPr lang="zh-TW" sz="2800" dirty="0">
-                <a:latin typeface="Arial" panose="020B0604020202020204" pitchFamily="34" charset="0"/>
-                <a:cs typeface="Arial" panose="020B0604020202020204" pitchFamily="34" charset="0"/>
-              </a:rPr>
-              <a:t>分別將 basebalSTR 和 basketballSTR 輸入 Articut 進行處理並取得回傳結果。</a:t>
-            </a:r>
-            <a:endParaRPr sz="2800" dirty="0">
-              <a:latin typeface="Arial" panose="020B0604020202020204" pitchFamily="34" charset="0"/>
-              <a:cs typeface="Arial" panose="020B0604020202020204" pitchFamily="34" charset="0"/>
-            </a:endParaRPr>
-          </a:p>
-        </p:txBody>
-      </p:sp>
-      <p:sp>
-        <p:nvSpPr>
-          <p:cNvPr id="3" name="投影片編號版面配置區 2">
-            <a:extLst>
-              <a:ext uri="{FF2B5EF4-FFF2-40B4-BE49-F238E27FC236}">
-                <a16:creationId xmlns:a16="http://schemas.microsoft.com/office/drawing/2014/main" id="{0306D24A-AD81-4640-B510-F777DFBC2A00}"/>
-              </a:ext>
-            </a:extLst>
-          </p:cNvPr>
-          <p:cNvSpPr>
-            <a:spLocks noGrp="1"/>
-          </p:cNvSpPr>
-          <p:nvPr>
-            <p:ph type="sldNum" idx="12"/>
-          </p:nvPr>
-        </p:nvSpPr>
-        <p:spPr/>
-        <p:txBody>
-          <a:bodyPr/>
-          <a:lstStyle/>
-          <a:p>
-            <a:pPr marL="0" lvl="0" indent="0" algn="r" rtl="0">
-              <a:spcBef>
-                <a:spcPts val="0"/>
-              </a:spcBef>
-              <a:spcAft>
-                <a:spcPts val="0"/>
-              </a:spcAft>
-              <a:buNone/>
-            </a:pPr>
-            <a:fld id="{00000000-1234-1234-1234-123412341234}" type="slidenum">
-              <a:rPr lang="en-US" altLang="zh-TW" smtClean="0"/>
-              <a:t>41</a:t>
-            </a:fld>
-            <a:endParaRPr lang="zh-TW" altLang="en-US"/>
-          </a:p>
-        </p:txBody>
-      </p:sp>
-    </p:spTree>
   </p:cSld>
   <p:clrMapOvr>
     <a:masterClrMapping/>
@@ -24417,6 +27660,90 @@
       </p:sp>
       <p:sp>
         <p:nvSpPr>
+          <p:cNvPr id="151" name="Google Shape;151;p13"/>
+          <p:cNvSpPr txBox="1">
+            <a:spLocks noGrp="1"/>
+          </p:cNvSpPr>
+          <p:nvPr>
+            <p:ph type="body" idx="1"/>
+          </p:nvPr>
+        </p:nvSpPr>
+        <p:spPr>
+          <a:xfrm>
+            <a:off x="387900" y="1144125"/>
+            <a:ext cx="7286529" cy="3441600"/>
+          </a:xfrm>
+          <a:prstGeom prst="rect">
+            <a:avLst/>
+          </a:prstGeom>
+          <a:noFill/>
+          <a:ln>
+            <a:noFill/>
+          </a:ln>
+        </p:spPr>
+        <p:txBody>
+          <a:bodyPr spcFirstLastPara="1" wrap="square" lIns="91425" tIns="91425" rIns="91425" bIns="91425" anchor="t" anchorCtr="0">
+            <a:normAutofit/>
+          </a:bodyPr>
+          <a:lstStyle/>
+          <a:p>
+            <a:pPr marL="0" lvl="0" indent="0" algn="l" rtl="0">
+              <a:lnSpc>
+                <a:spcPct val="115000"/>
+              </a:lnSpc>
+              <a:spcBef>
+                <a:spcPts val="1200"/>
+              </a:spcBef>
+              <a:spcAft>
+                <a:spcPts val="1200"/>
+              </a:spcAft>
+              <a:buSzPts val="1800"/>
+              <a:buNone/>
+            </a:pPr>
+            <a:r>
+              <a:rPr lang="zh-TW" sz="2800" dirty="0">
+                <a:latin typeface="Arial" panose="020B0604020202020204" pitchFamily="34" charset="0"/>
+                <a:cs typeface="Arial" panose="020B0604020202020204" pitchFamily="34" charset="0"/>
+              </a:rPr>
+              <a:t>仿照</a:t>
+            </a:r>
+            <a:r>
+              <a:rPr lang="zh-TW" altLang="en-US" sz="2800" dirty="0">
+                <a:latin typeface="Arial" panose="020B0604020202020204" pitchFamily="34" charset="0"/>
+                <a:cs typeface="Arial" panose="020B0604020202020204" pitchFamily="34" charset="0"/>
+              </a:rPr>
+              <a:t>後一頁的例子</a:t>
+            </a:r>
+            <a:r>
+              <a:rPr lang="zh-TW" sz="2800" dirty="0">
+                <a:latin typeface="Arial" panose="020B0604020202020204" pitchFamily="34" charset="0"/>
+                <a:cs typeface="Arial" panose="020B0604020202020204" pitchFamily="34" charset="0"/>
+              </a:rPr>
+              <a:t>，結合兩個字典檔成為一個 mixedDICT.json 檔以後</a:t>
+            </a:r>
+            <a:r>
+              <a:rPr lang="zh-TW" altLang="en-US" sz="2800" dirty="0">
+                <a:latin typeface="Arial" panose="020B0604020202020204" pitchFamily="34" charset="0"/>
+                <a:cs typeface="Arial" panose="020B0604020202020204" pitchFamily="34" charset="0"/>
+              </a:rPr>
+              <a:t>，</a:t>
+            </a:r>
+            <a:r>
+              <a:rPr lang="zh-TW" sz="2800" dirty="0">
+                <a:latin typeface="Arial" panose="020B0604020202020204" pitchFamily="34" charset="0"/>
+                <a:cs typeface="Arial" panose="020B0604020202020204" pitchFamily="34" charset="0"/>
+              </a:rPr>
+              <a:t>分別將 basebalSTR 和 basketballSTR 輸入 Articut 進行處理並取得回傳結果。</a:t>
+            </a:r>
+            <a:endParaRPr sz="2800" dirty="0">
+              <a:latin typeface="Arial" panose="020B0604020202020204" pitchFamily="34" charset="0"/>
+              <a:cs typeface="Arial" panose="020B0604020202020204" pitchFamily="34" charset="0"/>
+            </a:endParaRPr>
+          </a:p>
+        </p:txBody>
+      </p:sp>
+      <p:sp>
+        <p:nvSpPr>
           <p:cNvPr id="3" name="投影片編號版面配置區 2">
             <a:extLst>
               <a:ext uri="{FF2B5EF4-FFF2-40B4-BE49-F238E27FC236}">
@@ -24448,6 +27775,119 @@
             <a:fld id="{00000000-1234-1234-1234-123412341234}" type="slidenum">
               <a:rPr lang="en-US" altLang="zh-TW" smtClean="0"/>
               <a:t>42</a:t>
+            </a:fld>
+            <a:endParaRPr lang="zh-TW" altLang="en-US"/>
+          </a:p>
+        </p:txBody>
+      </p:sp>
+    </p:spTree>
+  </p:cSld>
+  <p:clrMapOvr>
+    <a:masterClrMapping/>
+  </p:clrMapOvr>
+</p:sld>
+</file>
+
+<file path=ppt/slides/slide43.xml><?xml version="1.0" encoding="utf-8"?>
+<p:sld xmlns:a="http://schemas.openxmlformats.org/drawingml/2006/main" xmlns:r="http://schemas.openxmlformats.org/officeDocument/2006/relationships" xmlns:p="http://schemas.openxmlformats.org/presentationml/2006/main">
+  <p:cSld>
+    <p:spTree>
+      <p:nvGrpSpPr>
+        <p:cNvPr id="1" name="Shape 148"/>
+        <p:cNvGrpSpPr/>
+        <p:nvPr/>
+      </p:nvGrpSpPr>
+      <p:grpSpPr>
+        <a:xfrm>
+          <a:off x="0" y="0"/>
+          <a:ext cx="0" cy="0"/>
+          <a:chOff x="0" y="0"/>
+          <a:chExt cx="0" cy="0"/>
+        </a:xfrm>
+      </p:grpSpPr>
+      <p:sp>
+        <p:nvSpPr>
+          <p:cNvPr id="149" name="Google Shape;149;p13"/>
+          <p:cNvSpPr txBox="1">
+            <a:spLocks noGrp="1"/>
+          </p:cNvSpPr>
+          <p:nvPr>
+            <p:ph type="title"/>
+          </p:nvPr>
+        </p:nvSpPr>
+        <p:spPr>
+          <a:prstGeom prst="rect">
+            <a:avLst/>
+          </a:prstGeom>
+          <a:noFill/>
+          <a:ln>
+            <a:noFill/>
+          </a:ln>
+        </p:spPr>
+        <p:txBody>
+          <a:bodyPr spcFirstLastPara="1" wrap="square" lIns="91425" tIns="91425" rIns="91425" bIns="91425" anchor="b" anchorCtr="0">
+            <a:noAutofit/>
+          </a:bodyPr>
+          <a:lstStyle/>
+          <a:p>
+            <a:pPr marL="0" lvl="0" indent="0" algn="l" rtl="0">
+              <a:lnSpc>
+                <a:spcPct val="100000"/>
+              </a:lnSpc>
+              <a:spcBef>
+                <a:spcPts val="0"/>
+              </a:spcBef>
+              <a:spcAft>
+                <a:spcPts val="0"/>
+              </a:spcAft>
+              <a:buSzPts val="3000"/>
+              <a:buNone/>
+            </a:pPr>
+            <a:r>
+              <a:rPr lang="zh-TW" altLang="en-US" sz="4000" dirty="0"/>
+              <a:t>課間練習</a:t>
+            </a:r>
+            <a:r>
+              <a:rPr lang="en-US" altLang="zh-TW" sz="4000" dirty="0"/>
+              <a:t>3</a:t>
+            </a:r>
+            <a:endParaRPr sz="4000" dirty="0"/>
+          </a:p>
+        </p:txBody>
+      </p:sp>
+      <p:sp>
+        <p:nvSpPr>
+          <p:cNvPr id="3" name="投影片編號版面配置區 2">
+            <a:extLst>
+              <a:ext uri="{FF2B5EF4-FFF2-40B4-BE49-F238E27FC236}">
+                <a16:creationId xmlns:a16="http://schemas.microsoft.com/office/drawing/2014/main" id="{0306D24A-AD81-4640-B510-F777DFBC2A00}"/>
+              </a:ext>
+            </a:extLst>
+          </p:cNvPr>
+          <p:cNvSpPr>
+            <a:spLocks noGrp="1"/>
+          </p:cNvSpPr>
+          <p:nvPr>
+            <p:ph type="sldNum" idx="12"/>
+          </p:nvPr>
+        </p:nvSpPr>
+        <p:spPr/>
+        <p:txBody>
+          <a:bodyPr/>
+          <a:lstStyle/>
+          <a:p>
+            <a:pPr marL="0" lvl="0" indent="0" algn="r" rtl="0">
+              <a:spcBef>
+                <a:spcPts val="0"/>
+              </a:spcBef>
+              <a:spcAft>
+                <a:spcPts val="0"/>
+              </a:spcAft>
+              <a:buNone/>
+            </a:pPr>
+            <a:fld id="{00000000-1234-1234-1234-123412341234}" type="slidenum">
+              <a:rPr lang="en-US" altLang="zh-TW" smtClean="0"/>
+              <a:t>43</a:t>
             </a:fld>
             <a:endParaRPr lang="zh-TW" altLang="en-US"/>
           </a:p>
@@ -25153,7 +28593,7 @@
 </p:sld>
 </file>
 
-<file path=ppt/slides/slide43.xml><?xml version="1.0" encoding="utf-8"?>
+<file path=ppt/slides/slide44.xml><?xml version="1.0" encoding="utf-8"?>
 <p:sld xmlns:a="http://schemas.openxmlformats.org/drawingml/2006/main" xmlns:r="http://schemas.openxmlformats.org/officeDocument/2006/relationships" xmlns:p="http://schemas.openxmlformats.org/presentationml/2006/main">
   <p:cSld>
     <p:spTree>
@@ -25256,7 +28696,7 @@
             </a:pPr>
             <a:fld id="{00000000-1234-1234-1234-123412341234}" type="slidenum">
               <a:rPr lang="en-US" altLang="zh-TW" smtClean="0"/>
-              <a:t>43</a:t>
+              <a:t>44</a:t>
             </a:fld>
             <a:endParaRPr lang="zh-TW" altLang="en-US"/>
           </a:p>
@@ -26100,7 +29540,7 @@
 </p:sld>
 </file>
 
-<file path=ppt/slides/slide44.xml><?xml version="1.0" encoding="utf-8"?>
+<file path=ppt/slides/slide45.xml><?xml version="1.0" encoding="utf-8"?>
 <p:sld xmlns:a="http://schemas.openxmlformats.org/drawingml/2006/main" xmlns:r="http://schemas.openxmlformats.org/officeDocument/2006/relationships" xmlns:p="http://schemas.openxmlformats.org/presentationml/2006/main">
   <p:cSld>
     <p:spTree>
@@ -26199,7 +29639,7 @@
             </a:pPr>
             <a:fld id="{00000000-1234-1234-1234-123412341234}" type="slidenum">
               <a:rPr lang="en-US" altLang="zh-TW" smtClean="0"/>
-              <a:t>44</a:t>
+              <a:t>45</a:t>
             </a:fld>
             <a:endParaRPr lang="zh-TW" altLang="en-US"/>
           </a:p>
@@ -26902,7 +30342,7 @@
 </p:sld>
 </file>
 
-<file path=ppt/slides/slide45.xml><?xml version="1.0" encoding="utf-8"?>
+<file path=ppt/slides/slide46.xml><?xml version="1.0" encoding="utf-8"?>
 <p:sld xmlns:a="http://schemas.openxmlformats.org/drawingml/2006/main" xmlns:r="http://schemas.openxmlformats.org/officeDocument/2006/relationships" xmlns:p="http://schemas.openxmlformats.org/presentationml/2006/main">
   <p:cSld>
     <p:spTree>
@@ -27105,7 +30545,7 @@
             </a:pPr>
             <a:fld id="{00000000-1234-1234-1234-123412341234}" type="slidenum">
               <a:rPr lang="en-US" altLang="zh-TW" smtClean="0"/>
-              <a:t>45</a:t>
+              <a:t>46</a:t>
             </a:fld>
             <a:endParaRPr lang="zh-TW" altLang="en-US"/>
           </a:p>
@@ -27124,7 +30564,7 @@
 </p:sld>
 </file>
 
-<file path=ppt/slides/slide46.xml><?xml version="1.0" encoding="utf-8"?>
+<file path=ppt/slides/slide47.xml><?xml version="1.0" encoding="utf-8"?>
 <p:sld xmlns:a="http://schemas.openxmlformats.org/drawingml/2006/main" xmlns:r="http://schemas.openxmlformats.org/officeDocument/2006/relationships" xmlns:p="http://schemas.openxmlformats.org/presentationml/2006/main">
   <p:cSld>
     <p:spTree>
@@ -27491,7 +30931,7 @@
             </a:pPr>
             <a:fld id="{00000000-1234-1234-1234-123412341234}" type="slidenum">
               <a:rPr lang="en-US" altLang="zh-TW" smtClean="0"/>
-              <a:t>46</a:t>
+              <a:t>47</a:t>
             </a:fld>
             <a:endParaRPr lang="zh-TW" altLang="en-US"/>
           </a:p>
@@ -27510,7 +30950,7 @@
 </p:sld>
 </file>
 
-<file path=ppt/slides/slide47.xml><?xml version="1.0" encoding="utf-8"?>
+<file path=ppt/slides/slide48.xml><?xml version="1.0" encoding="utf-8"?>
 <p:sld xmlns:a="http://schemas.openxmlformats.org/drawingml/2006/main" xmlns:r="http://schemas.openxmlformats.org/officeDocument/2006/relationships" xmlns:p="http://schemas.openxmlformats.org/presentationml/2006/main">
   <p:cSld>
     <p:spTree>
@@ -27671,7 +31111,7 @@
             </a:pPr>
             <a:fld id="{00000000-1234-1234-1234-123412341234}" type="slidenum">
               <a:rPr lang="en-US" altLang="zh-TW" smtClean="0"/>
-              <a:t>47</a:t>
+              <a:t>48</a:t>
             </a:fld>
             <a:endParaRPr lang="zh-TW" altLang="en-US"/>
           </a:p>
@@ -27690,7 +31130,7 @@
 </p:sld>
 </file>
 
-<file path=ppt/slides/slide48.xml><?xml version="1.0" encoding="utf-8"?>
+<file path=ppt/slides/slide49.xml><?xml version="1.0" encoding="utf-8"?>
 <p:sld xmlns:a="http://schemas.openxmlformats.org/drawingml/2006/main" xmlns:r="http://schemas.openxmlformats.org/officeDocument/2006/relationships" xmlns:p="http://schemas.openxmlformats.org/presentationml/2006/main">
   <p:cSld>
     <p:spTree>
@@ -27895,7 +31335,7 @@
             </a:pPr>
             <a:fld id="{00000000-1234-1234-1234-123412341234}" type="slidenum">
               <a:rPr lang="en-US" altLang="zh-TW" smtClean="0"/>
-              <a:t>48</a:t>
+              <a:t>49</a:t>
             </a:fld>
             <a:endParaRPr lang="zh-TW" altLang="en-US"/>
           </a:p>
@@ -27905,282 +31345,6 @@
     <p:extLst>
       <p:ext uri="{BB962C8B-B14F-4D97-AF65-F5344CB8AC3E}">
         <p14:creationId xmlns:p14="http://schemas.microsoft.com/office/powerpoint/2010/main" val="1812469052"/>
-      </p:ext>
-    </p:extLst>
-  </p:cSld>
-  <p:clrMapOvr>
-    <a:masterClrMapping/>
-  </p:clrMapOvr>
-</p:sld>
-</file>
-
-<file path=ppt/slides/slide49.xml><?xml version="1.0" encoding="utf-8"?>
-<p:sld xmlns:a="http://schemas.openxmlformats.org/drawingml/2006/main" xmlns:r="http://schemas.openxmlformats.org/officeDocument/2006/relationships" xmlns:p="http://schemas.openxmlformats.org/presentationml/2006/main">
-  <p:cSld>
-    <p:spTree>
-      <p:nvGrpSpPr>
-        <p:cNvPr id="1" name=""/>
-        <p:cNvGrpSpPr/>
-        <p:nvPr/>
-      </p:nvGrpSpPr>
-      <p:grpSpPr>
-        <a:xfrm>
-          <a:off x="0" y="0"/>
-          <a:ext cx="0" cy="0"/>
-          <a:chOff x="0" y="0"/>
-          <a:chExt cx="0" cy="0"/>
-        </a:xfrm>
-      </p:grpSpPr>
-      <p:sp>
-        <p:nvSpPr>
-          <p:cNvPr id="2" name="Title 1">
-            <a:extLst>
-              <a:ext uri="{FF2B5EF4-FFF2-40B4-BE49-F238E27FC236}">
-                <a16:creationId xmlns:a16="http://schemas.microsoft.com/office/drawing/2014/main" id="{B80EA659-D76B-4EEE-A023-11C0BADBCF2B}"/>
-              </a:ext>
-            </a:extLst>
-          </p:cNvPr>
-          <p:cNvSpPr>
-            <a:spLocks noGrp="1"/>
-          </p:cNvSpPr>
-          <p:nvPr>
-            <p:ph type="title"/>
-          </p:nvPr>
-        </p:nvSpPr>
-        <p:spPr/>
-        <p:txBody>
-          <a:bodyPr>
-            <a:normAutofit fontScale="90000"/>
-          </a:bodyPr>
-          <a:lstStyle/>
-          <a:p>
-            <a:r>
-              <a:rPr lang="zh-TW" altLang="en-US" dirty="0"/>
-              <a:t>任務</a:t>
-            </a:r>
-            <a:r>
-              <a:rPr lang="en-US" altLang="zh-TW" dirty="0"/>
-              <a:t>1</a:t>
-            </a:r>
-            <a:r>
-              <a:rPr lang="zh-TW" altLang="en-US" dirty="0"/>
-              <a:t>所需能力</a:t>
-            </a:r>
-          </a:p>
-        </p:txBody>
-      </p:sp>
-      <p:sp>
-        <p:nvSpPr>
-          <p:cNvPr id="3" name="Text Placeholder 2">
-            <a:extLst>
-              <a:ext uri="{FF2B5EF4-FFF2-40B4-BE49-F238E27FC236}">
-                <a16:creationId xmlns:a16="http://schemas.microsoft.com/office/drawing/2014/main" id="{7F937EA3-6775-40D7-889B-A14C029B7FB8}"/>
-              </a:ext>
-            </a:extLst>
-          </p:cNvPr>
-          <p:cNvSpPr>
-            <a:spLocks noGrp="1"/>
-          </p:cNvSpPr>
-          <p:nvPr>
-            <p:ph type="body" idx="1"/>
-          </p:nvPr>
-        </p:nvSpPr>
-        <p:spPr/>
-        <p:txBody>
-          <a:bodyPr/>
-          <a:lstStyle/>
-          <a:p>
-            <a:pPr>
-              <a:buFont typeface="Wingdings" panose="05000000000000000000" pitchFamily="2" charset="2"/>
-              <a:buChar char="Ø"/>
-            </a:pPr>
-            <a:r>
-              <a:rPr lang="zh-TW" altLang="en-US" dirty="0">
-                <a:solidFill>
-                  <a:srgbClr val="00B0F0"/>
-                </a:solidFill>
-              </a:rPr>
-              <a:t>將字串進行分割</a:t>
-            </a:r>
-            <a:r>
-              <a:rPr lang="en-US" altLang="zh-TW" dirty="0">
-                <a:solidFill>
-                  <a:srgbClr val="00B0F0"/>
-                </a:solidFill>
-              </a:rPr>
-              <a:t>:</a:t>
-            </a:r>
-            <a:r>
-              <a:rPr lang="zh-TW" altLang="en-US" dirty="0">
-                <a:solidFill>
-                  <a:srgbClr val="00B0F0"/>
-                </a:solidFill>
-              </a:rPr>
-              <a:t> </a:t>
-            </a:r>
-            <a:endParaRPr lang="en-US" altLang="zh-TW" dirty="0">
-              <a:solidFill>
-                <a:srgbClr val="00B0F0"/>
-              </a:solidFill>
-            </a:endParaRPr>
-          </a:p>
-          <a:p>
-            <a:pPr marL="114300" indent="0">
-              <a:buNone/>
-            </a:pPr>
-            <a:r>
-              <a:rPr lang="zh-TW" altLang="en-US" dirty="0"/>
-              <a:t>因為回傳結果是整個字串</a:t>
-            </a:r>
-            <a:endParaRPr lang="en-US" altLang="zh-TW" dirty="0"/>
-          </a:p>
-          <a:p>
-            <a:pPr marL="114300" indent="0">
-              <a:buNone/>
-            </a:pPr>
-            <a:r>
-              <a:rPr lang="zh-TW" altLang="en-US" dirty="0"/>
-              <a:t>例如</a:t>
-            </a:r>
-            <a:r>
-              <a:rPr lang="en-US" altLang="zh-TW" dirty="0"/>
-              <a:t>: \n/</a:t>
-            </a:r>
-            <a:r>
-              <a:rPr lang="zh-TW" altLang="en-US" dirty="0"/>
-              <a:t>指揮中心</a:t>
-            </a:r>
-            <a:r>
-              <a:rPr lang="en-US" altLang="zh-TW" dirty="0"/>
-              <a:t>/</a:t>
-            </a:r>
-            <a:r>
-              <a:rPr lang="zh-TW" altLang="en-US" dirty="0"/>
-              <a:t>今天</a:t>
-            </a:r>
-            <a:r>
-              <a:rPr lang="en-US" altLang="zh-TW" dirty="0"/>
-              <a:t>/</a:t>
-            </a:r>
-            <a:r>
-              <a:rPr lang="zh-TW" altLang="en-US" dirty="0"/>
-              <a:t>公布</a:t>
-            </a:r>
-            <a:r>
-              <a:rPr lang="en-US" altLang="zh-TW" dirty="0"/>
-              <a:t>/</a:t>
-            </a:r>
-            <a:r>
-              <a:rPr lang="zh-TW" altLang="en-US" dirty="0"/>
-              <a:t>新增</a:t>
-            </a:r>
-            <a:r>
-              <a:rPr lang="en-US" altLang="zh-TW" dirty="0"/>
-              <a:t>/135</a:t>
-            </a:r>
-            <a:r>
-              <a:rPr lang="zh-TW" altLang="en-US" dirty="0"/>
-              <a:t>例</a:t>
-            </a:r>
-            <a:r>
-              <a:rPr lang="en-US" altLang="zh-TW" dirty="0"/>
-              <a:t>/</a:t>
-            </a:r>
-            <a:r>
-              <a:rPr lang="zh-TW" altLang="en-US" dirty="0"/>
-              <a:t>武漢</a:t>
-            </a:r>
-            <a:r>
-              <a:rPr lang="en-US" altLang="zh-TW" dirty="0"/>
-              <a:t>/</a:t>
-            </a:r>
-            <a:r>
-              <a:rPr lang="zh-TW" altLang="en-US" dirty="0"/>
-              <a:t>肺炎</a:t>
-            </a:r>
-            <a:r>
-              <a:rPr lang="en-US" altLang="zh-TW" dirty="0"/>
-              <a:t>/</a:t>
-            </a:r>
-            <a:r>
-              <a:rPr lang="zh-TW" altLang="en-US" dirty="0"/>
-              <a:t>確定</a:t>
-            </a:r>
-            <a:r>
-              <a:rPr lang="en-US" altLang="zh-TW" dirty="0"/>
-              <a:t>/</a:t>
-            </a:r>
-            <a:r>
-              <a:rPr lang="zh-TW" altLang="en-US" dirty="0"/>
-              <a:t>病例</a:t>
-            </a:r>
-            <a:r>
-              <a:rPr lang="en-US" altLang="zh-TW" dirty="0"/>
-              <a:t>/</a:t>
-            </a:r>
-          </a:p>
-          <a:p>
-            <a:pPr marL="114300" indent="0">
-              <a:buNone/>
-            </a:pPr>
-            <a:r>
-              <a:rPr lang="zh-TW" altLang="en-US" dirty="0"/>
-              <a:t>所以我們必須將字串依據</a:t>
-            </a:r>
-            <a:r>
-              <a:rPr lang="en-US" altLang="zh-TW" dirty="0"/>
-              <a:t>”/”</a:t>
-            </a:r>
-            <a:r>
-              <a:rPr lang="zh-TW" altLang="en-US" dirty="0"/>
-              <a:t>，的符號進行分割</a:t>
-            </a:r>
-            <a:endParaRPr lang="en-US" altLang="zh-TW" dirty="0"/>
-          </a:p>
-        </p:txBody>
-      </p:sp>
-      <p:sp>
-        <p:nvSpPr>
-          <p:cNvPr id="4" name="Slide Number Placeholder 3">
-            <a:extLst>
-              <a:ext uri="{FF2B5EF4-FFF2-40B4-BE49-F238E27FC236}">
-                <a16:creationId xmlns:a16="http://schemas.microsoft.com/office/drawing/2014/main" id="{09820969-B4A8-47EA-A9CC-D4804B874165}"/>
-              </a:ext>
-            </a:extLst>
-          </p:cNvPr>
-          <p:cNvSpPr>
-            <a:spLocks noGrp="1"/>
-          </p:cNvSpPr>
-          <p:nvPr>
-            <p:ph type="sldNum" idx="12"/>
-          </p:nvPr>
-        </p:nvSpPr>
-        <p:spPr/>
-        <p:txBody>
-          <a:bodyPr/>
-          <a:lstStyle/>
-          <a:p>
-            <a:pPr marL="0" lvl="0" indent="0" algn="r" rtl="0">
-              <a:spcBef>
-                <a:spcPts val="0"/>
-              </a:spcBef>
-              <a:spcAft>
-                <a:spcPts val="0"/>
-              </a:spcAft>
-              <a:buNone/>
-            </a:pPr>
-            <a:fld id="{00000000-1234-1234-1234-123412341234}" type="slidenum">
-              <a:rPr lang="en-US" altLang="zh-TW" smtClean="0"/>
-              <a:t>49</a:t>
-            </a:fld>
-            <a:endParaRPr lang="zh-TW" altLang="en-US"/>
-          </a:p>
-        </p:txBody>
-      </p:sp>
-    </p:spTree>
-    <p:extLst>
-      <p:ext uri="{BB962C8B-B14F-4D97-AF65-F5344CB8AC3E}">
-        <p14:creationId xmlns:p14="http://schemas.microsoft.com/office/powerpoint/2010/main" val="1018282526"/>
       </p:ext>
     </p:extLst>
   </p:cSld>
@@ -28465,29 +31629,113 @@
               <a:buNone/>
             </a:pPr>
             <a:r>
-              <a:rPr lang="zh-TW" altLang="en-US" dirty="0">
-                <a:solidFill>
-                  <a:schemeClr val="tx2"/>
-                </a:solidFill>
-              </a:rPr>
-              <a:t>我們可以使用</a:t>
-            </a:r>
-            <a:r>
-              <a:rPr lang="en-US" altLang="zh-TW" dirty="0">
-                <a:solidFill>
-                  <a:schemeClr val="tx2"/>
-                </a:solidFill>
-              </a:rPr>
-              <a:t>.split()</a:t>
-            </a:r>
-            <a:r>
-              <a:rPr lang="zh-TW" altLang="en-US" dirty="0">
-                <a:solidFill>
-                  <a:schemeClr val="tx2"/>
-                </a:solidFill>
-              </a:rPr>
-              <a:t>這個功能，如下</a:t>
-            </a:r>
+              <a:rPr lang="zh-TW" altLang="en-US" dirty="0"/>
+              <a:t>因為回傳結果是整個字串</a:t>
+            </a:r>
+            <a:endParaRPr lang="en-US" altLang="zh-TW" dirty="0"/>
+          </a:p>
+          <a:p>
+            <a:pPr marL="114300" indent="0">
+              <a:buNone/>
+            </a:pPr>
+            <a:r>
+              <a:rPr lang="zh-TW" altLang="en-US" dirty="0"/>
+              <a:t>例如</a:t>
+            </a:r>
+            <a:r>
+              <a:rPr lang="en-US" altLang="zh-TW" dirty="0"/>
+              <a:t>: \n/</a:t>
+            </a:r>
+            <a:r>
+              <a:rPr lang="zh-TW" altLang="en-US" dirty="0"/>
+              <a:t>指揮中心</a:t>
+            </a:r>
+            <a:r>
+              <a:rPr lang="en-US" altLang="zh-TW" dirty="0"/>
+              <a:t>/</a:t>
+            </a:r>
+            <a:r>
+              <a:rPr lang="zh-TW" altLang="en-US" dirty="0"/>
+              <a:t>今天</a:t>
+            </a:r>
+            <a:r>
+              <a:rPr lang="en-US" altLang="zh-TW" dirty="0"/>
+              <a:t>/</a:t>
+            </a:r>
+            <a:r>
+              <a:rPr lang="zh-TW" altLang="en-US" dirty="0"/>
+              <a:t>公布</a:t>
+            </a:r>
+            <a:r>
+              <a:rPr lang="en-US" altLang="zh-TW" dirty="0"/>
+              <a:t>/</a:t>
+            </a:r>
+            <a:r>
+              <a:rPr lang="zh-TW" altLang="en-US" dirty="0"/>
+              <a:t>新增</a:t>
+            </a:r>
+            <a:r>
+              <a:rPr lang="en-US" altLang="zh-TW" dirty="0"/>
+              <a:t>/135</a:t>
+            </a:r>
+            <a:r>
+              <a:rPr lang="zh-TW" altLang="en-US" dirty="0"/>
+              <a:t>例</a:t>
+            </a:r>
+            <a:r>
+              <a:rPr lang="en-US" altLang="zh-TW" dirty="0"/>
+              <a:t>/</a:t>
+            </a:r>
+            <a:r>
+              <a:rPr lang="zh-TW" altLang="en-US" dirty="0"/>
+              <a:t>武漢</a:t>
+            </a:r>
+            <a:r>
+              <a:rPr lang="en-US" altLang="zh-TW" dirty="0"/>
+              <a:t>/</a:t>
+            </a:r>
+            <a:r>
+              <a:rPr lang="zh-TW" altLang="en-US" dirty="0"/>
+              <a:t>肺炎</a:t>
+            </a:r>
+            <a:r>
+              <a:rPr lang="en-US" altLang="zh-TW" dirty="0"/>
+              <a:t>/</a:t>
+            </a:r>
+            <a:r>
+              <a:rPr lang="zh-TW" altLang="en-US" dirty="0"/>
+              <a:t>確定</a:t>
+            </a:r>
+            <a:r>
+              <a:rPr lang="en-US" altLang="zh-TW" dirty="0"/>
+              <a:t>/</a:t>
+            </a:r>
+            <a:r>
+              <a:rPr lang="zh-TW" altLang="en-US" dirty="0"/>
+              <a:t>病例</a:t>
+            </a:r>
+            <a:r>
+              <a:rPr lang="en-US" altLang="zh-TW" dirty="0"/>
+              <a:t>/</a:t>
+            </a:r>
+          </a:p>
+          <a:p>
+            <a:pPr marL="114300" indent="0">
+              <a:buNone/>
+            </a:pPr>
+            <a:r>
+              <a:rPr lang="zh-TW" altLang="en-US" dirty="0"/>
+              <a:t>所以我們必須將字串依據</a:t>
+            </a:r>
+            <a:r>
+              <a:rPr lang="en-US" altLang="zh-TW" dirty="0"/>
+              <a:t>”/”</a:t>
+            </a:r>
+            <a:r>
+              <a:rPr lang="zh-TW" altLang="en-US" dirty="0"/>
+              <a:t>，的符號進行分割</a:t>
+            </a:r>
+            <a:endParaRPr lang="en-US" altLang="zh-TW" dirty="0"/>
           </a:p>
         </p:txBody>
       </p:sp>
@@ -28529,370 +31777,10 @@
           </a:p>
         </p:txBody>
       </p:sp>
-      <p:sp>
-        <p:nvSpPr>
-          <p:cNvPr id="5" name="Google Shape;201;p3">
-            <a:extLst>
-              <a:ext uri="{FF2B5EF4-FFF2-40B4-BE49-F238E27FC236}">
-                <a16:creationId xmlns:a16="http://schemas.microsoft.com/office/drawing/2014/main" id="{63E57863-FECA-42B3-8DA1-6AD2B0B1293E}"/>
-              </a:ext>
-            </a:extLst>
-          </p:cNvPr>
-          <p:cNvSpPr txBox="1"/>
-          <p:nvPr/>
-        </p:nvSpPr>
-        <p:spPr>
-          <a:xfrm>
-            <a:off x="595423" y="2726862"/>
-            <a:ext cx="6719777" cy="1477287"/>
-          </a:xfrm>
-          <a:prstGeom prst="rect">
-            <a:avLst/>
-          </a:prstGeom>
-          <a:noFill/>
-          <a:ln w="9525" cap="flat" cmpd="sng">
-            <a:solidFill>
-              <a:srgbClr val="16B0E3"/>
-            </a:solidFill>
-            <a:prstDash val="dash"/>
-            <a:round/>
-            <a:headEnd type="none" w="sm" len="sm"/>
-            <a:tailEnd type="none" w="sm" len="sm"/>
-          </a:ln>
-        </p:spPr>
-        <p:txBody>
-          <a:bodyPr spcFirstLastPara="1" wrap="square" lIns="91425" tIns="45700" rIns="91425" bIns="45700" anchor="t" anchorCtr="0">
-            <a:spAutoFit/>
-          </a:bodyPr>
-          <a:lstStyle/>
-          <a:p>
-            <a:pPr lvl="0"/>
-            <a:r>
-              <a:rPr lang="en-US" altLang="zh-TW" dirty="0" err="1">
-                <a:latin typeface="Courier New"/>
-                <a:ea typeface="Courier New"/>
-                <a:cs typeface="Courier New"/>
-                <a:sym typeface="Courier New"/>
-              </a:rPr>
-              <a:t>inputSTR</a:t>
-            </a:r>
-            <a:r>
-              <a:rPr lang="en-US" altLang="zh-TW" dirty="0">
-                <a:latin typeface="Courier New"/>
-                <a:ea typeface="Courier New"/>
-                <a:cs typeface="Courier New"/>
-                <a:sym typeface="Courier New"/>
-              </a:rPr>
-              <a:t> = “\n/</a:t>
-            </a:r>
-            <a:r>
-              <a:rPr lang="zh-TW" altLang="en-US" dirty="0">
-                <a:latin typeface="Courier New"/>
-                <a:ea typeface="Courier New"/>
-                <a:cs typeface="Courier New"/>
-                <a:sym typeface="Courier New"/>
-              </a:rPr>
-              <a:t>指揮中心</a:t>
-            </a:r>
-            <a:r>
-              <a:rPr lang="en-US" altLang="zh-TW" dirty="0">
-                <a:latin typeface="Courier New"/>
-                <a:ea typeface="Courier New"/>
-                <a:cs typeface="Courier New"/>
-                <a:sym typeface="Courier New"/>
-              </a:rPr>
-              <a:t>/</a:t>
-            </a:r>
-            <a:r>
-              <a:rPr lang="zh-TW" altLang="en-US" dirty="0">
-                <a:latin typeface="Courier New"/>
-                <a:ea typeface="Courier New"/>
-                <a:cs typeface="Courier New"/>
-                <a:sym typeface="Courier New"/>
-              </a:rPr>
-              <a:t>今天</a:t>
-            </a:r>
-            <a:r>
-              <a:rPr lang="en-US" altLang="zh-TW" dirty="0">
-                <a:latin typeface="Courier New"/>
-                <a:ea typeface="Courier New"/>
-                <a:cs typeface="Courier New"/>
-                <a:sym typeface="Courier New"/>
-              </a:rPr>
-              <a:t>/</a:t>
-            </a:r>
-            <a:r>
-              <a:rPr lang="zh-TW" altLang="en-US" dirty="0">
-                <a:latin typeface="Courier New"/>
-                <a:ea typeface="Courier New"/>
-                <a:cs typeface="Courier New"/>
-                <a:sym typeface="Courier New"/>
-              </a:rPr>
-              <a:t>公布</a:t>
-            </a:r>
-            <a:r>
-              <a:rPr lang="en-US" altLang="zh-TW" dirty="0">
-                <a:latin typeface="Courier New"/>
-                <a:ea typeface="Courier New"/>
-                <a:cs typeface="Courier New"/>
-                <a:sym typeface="Courier New"/>
-              </a:rPr>
-              <a:t>/</a:t>
-            </a:r>
-            <a:r>
-              <a:rPr lang="zh-TW" altLang="en-US" dirty="0">
-                <a:latin typeface="Courier New"/>
-                <a:ea typeface="Courier New"/>
-                <a:cs typeface="Courier New"/>
-                <a:sym typeface="Courier New"/>
-              </a:rPr>
-              <a:t>新增</a:t>
-            </a:r>
-            <a:r>
-              <a:rPr lang="en-US" altLang="zh-TW" dirty="0">
-                <a:latin typeface="Courier New"/>
-                <a:ea typeface="Courier New"/>
-                <a:cs typeface="Courier New"/>
-                <a:sym typeface="Courier New"/>
-              </a:rPr>
-              <a:t>/135</a:t>
-            </a:r>
-            <a:r>
-              <a:rPr lang="zh-TW" altLang="en-US" dirty="0">
-                <a:latin typeface="Courier New"/>
-                <a:ea typeface="Courier New"/>
-                <a:cs typeface="Courier New"/>
-                <a:sym typeface="Courier New"/>
-              </a:rPr>
-              <a:t>例</a:t>
-            </a:r>
-            <a:r>
-              <a:rPr lang="en-US" altLang="zh-TW" dirty="0">
-                <a:latin typeface="Courier New"/>
-                <a:ea typeface="Courier New"/>
-                <a:cs typeface="Courier New"/>
-                <a:sym typeface="Courier New"/>
-              </a:rPr>
-              <a:t>”</a:t>
-            </a:r>
-          </a:p>
-          <a:p>
-            <a:pPr lvl="0"/>
-            <a:r>
-              <a:rPr lang="en-US" altLang="zh-TW" dirty="0" err="1">
-                <a:latin typeface="Courier New"/>
-                <a:ea typeface="Courier New"/>
-                <a:cs typeface="Courier New"/>
-                <a:sym typeface="Courier New"/>
-              </a:rPr>
-              <a:t>inputSTR.split</a:t>
-            </a:r>
-            <a:r>
-              <a:rPr lang="en-US" altLang="zh-TW" dirty="0">
-                <a:latin typeface="Courier New"/>
-                <a:ea typeface="Courier New"/>
-                <a:cs typeface="Courier New"/>
-                <a:sym typeface="Courier New"/>
-              </a:rPr>
-              <a:t>(“/”) </a:t>
-            </a:r>
-            <a:r>
-              <a:rPr lang="en-US" altLang="zh-TW" dirty="0">
-                <a:solidFill>
-                  <a:schemeClr val="bg2">
-                    <a:lumMod val="75000"/>
-                  </a:schemeClr>
-                </a:solidFill>
-                <a:latin typeface="Courier New"/>
-                <a:ea typeface="Courier New"/>
-                <a:cs typeface="Courier New"/>
-                <a:sym typeface="Courier New"/>
-              </a:rPr>
-              <a:t>#</a:t>
-            </a:r>
-            <a:r>
-              <a:rPr lang="zh-TW" altLang="en-US" dirty="0">
-                <a:solidFill>
-                  <a:schemeClr val="bg2">
-                    <a:lumMod val="75000"/>
-                  </a:schemeClr>
-                </a:solidFill>
-                <a:latin typeface="Courier New"/>
-                <a:ea typeface="Courier New"/>
-                <a:cs typeface="Courier New"/>
-                <a:sym typeface="Courier New"/>
-              </a:rPr>
-              <a:t>請電腦依據 </a:t>
-            </a:r>
-            <a:r>
-              <a:rPr lang="en-US" altLang="zh-TW" dirty="0">
-                <a:solidFill>
-                  <a:schemeClr val="bg2">
-                    <a:lumMod val="75000"/>
-                  </a:schemeClr>
-                </a:solidFill>
-                <a:latin typeface="Courier New"/>
-                <a:ea typeface="Courier New"/>
-                <a:cs typeface="Courier New"/>
-                <a:sym typeface="Courier New"/>
-              </a:rPr>
-              <a:t>“/”</a:t>
-            </a:r>
-            <a:r>
-              <a:rPr lang="zh-TW" altLang="en-US" dirty="0">
-                <a:solidFill>
-                  <a:schemeClr val="bg2">
-                    <a:lumMod val="75000"/>
-                  </a:schemeClr>
-                </a:solidFill>
-                <a:latin typeface="Courier New"/>
-                <a:ea typeface="Courier New"/>
-                <a:cs typeface="Courier New"/>
-                <a:sym typeface="Courier New"/>
-              </a:rPr>
-              <a:t>切開字串</a:t>
-            </a:r>
-            <a:endParaRPr lang="en-US" altLang="zh-TW" dirty="0">
-              <a:solidFill>
-                <a:schemeClr val="bg2">
-                  <a:lumMod val="75000"/>
-                </a:schemeClr>
-              </a:solidFill>
-              <a:latin typeface="Courier New"/>
-              <a:ea typeface="Courier New"/>
-              <a:cs typeface="Courier New"/>
-              <a:sym typeface="Courier New"/>
-            </a:endParaRPr>
-          </a:p>
-          <a:p>
-            <a:pPr lvl="0"/>
-            <a:endParaRPr lang="en-US" altLang="zh-TW" dirty="0">
-              <a:solidFill>
-                <a:schemeClr val="bg2">
-                  <a:lumMod val="75000"/>
-                </a:schemeClr>
-              </a:solidFill>
-              <a:latin typeface="Courier New"/>
-              <a:ea typeface="Courier New"/>
-              <a:cs typeface="Courier New"/>
-              <a:sym typeface="Courier New"/>
-            </a:endParaRPr>
-          </a:p>
-          <a:p>
-            <a:pPr lvl="0"/>
-            <a:endParaRPr lang="en-US" altLang="zh-TW" dirty="0">
-              <a:solidFill>
-                <a:schemeClr val="bg2">
-                  <a:lumMod val="75000"/>
-                </a:schemeClr>
-              </a:solidFill>
-              <a:latin typeface="Courier New"/>
-              <a:ea typeface="Courier New"/>
-              <a:cs typeface="Courier New"/>
-              <a:sym typeface="Courier New"/>
-            </a:endParaRPr>
-          </a:p>
-          <a:p>
-            <a:pPr lvl="0"/>
-            <a:endParaRPr lang="zh-TW" altLang="en-US" dirty="0">
-              <a:solidFill>
-                <a:schemeClr val="bg2">
-                  <a:lumMod val="75000"/>
-                </a:schemeClr>
-              </a:solidFill>
-              <a:latin typeface="Courier New"/>
-              <a:ea typeface="Courier New"/>
-              <a:cs typeface="Courier New"/>
-              <a:sym typeface="Courier New"/>
-            </a:endParaRPr>
-          </a:p>
-        </p:txBody>
-      </p:sp>
-      <p:sp>
-        <p:nvSpPr>
-          <p:cNvPr id="8" name="Rectangle 7">
-            <a:extLst>
-              <a:ext uri="{FF2B5EF4-FFF2-40B4-BE49-F238E27FC236}">
-                <a16:creationId xmlns:a16="http://schemas.microsoft.com/office/drawing/2014/main" id="{C2A14D23-1BA2-4413-9944-EE1239B3735B}"/>
-              </a:ext>
-            </a:extLst>
-          </p:cNvPr>
-          <p:cNvSpPr/>
-          <p:nvPr/>
-        </p:nvSpPr>
-        <p:spPr>
-          <a:xfrm>
-            <a:off x="595423" y="3465505"/>
-            <a:ext cx="5553123" cy="369332"/>
-          </a:xfrm>
-          <a:prstGeom prst="rect">
-            <a:avLst/>
-          </a:prstGeom>
-          <a:solidFill>
-            <a:schemeClr val="accent4">
-              <a:lumMod val="20000"/>
-              <a:lumOff val="80000"/>
-            </a:schemeClr>
-          </a:solidFill>
-        </p:spPr>
-        <p:txBody>
-          <a:bodyPr wrap="none">
-            <a:spAutoFit/>
-          </a:bodyPr>
-          <a:lstStyle/>
-          <a:p>
-            <a:r>
-              <a:rPr lang="en-US" altLang="zh-TW" dirty="0"/>
-              <a:t>Output: ['\n', '</a:t>
-            </a:r>
-            <a:r>
-              <a:rPr lang="zh-TW" altLang="en-US" dirty="0"/>
-              <a:t>指揮中心</a:t>
-            </a:r>
-            <a:r>
-              <a:rPr lang="en-US" altLang="zh-TW" dirty="0"/>
-              <a:t>', '</a:t>
-            </a:r>
-            <a:r>
-              <a:rPr lang="zh-TW" altLang="en-US" dirty="0"/>
-              <a:t>今天</a:t>
-            </a:r>
-            <a:r>
-              <a:rPr lang="en-US" altLang="zh-TW" dirty="0"/>
-              <a:t>', '</a:t>
-            </a:r>
-            <a:r>
-              <a:rPr lang="zh-TW" altLang="en-US" dirty="0"/>
-              <a:t>公布</a:t>
-            </a:r>
-            <a:r>
-              <a:rPr lang="en-US" altLang="zh-TW" dirty="0"/>
-              <a:t>', '</a:t>
-            </a:r>
-            <a:r>
-              <a:rPr lang="zh-TW" altLang="en-US" dirty="0"/>
-              <a:t>新增</a:t>
-            </a:r>
-            <a:r>
-              <a:rPr lang="en-US" altLang="zh-TW" dirty="0"/>
-              <a:t>', '135</a:t>
-            </a:r>
-            <a:r>
-              <a:rPr lang="zh-TW" altLang="en-US" dirty="0"/>
-              <a:t>例</a:t>
-            </a:r>
-            <a:r>
-              <a:rPr lang="en-US" altLang="zh-TW" dirty="0"/>
-              <a:t>']</a:t>
-            </a:r>
-            <a:endParaRPr lang="zh-TW" altLang="en-US" dirty="0"/>
-          </a:p>
-        </p:txBody>
-      </p:sp>
     </p:spTree>
     <p:extLst>
       <p:ext uri="{BB962C8B-B14F-4D97-AF65-F5344CB8AC3E}">
-        <p14:creationId xmlns:p14="http://schemas.microsoft.com/office/powerpoint/2010/main" val="1544178910"/>
+        <p14:creationId xmlns:p14="http://schemas.microsoft.com/office/powerpoint/2010/main" val="1018282526"/>
       </p:ext>
     </p:extLst>
   </p:cSld>
@@ -28985,40 +31873,61 @@
             <a:r>
               <a:rPr lang="zh-TW" altLang="en-US" dirty="0">
                 <a:solidFill>
-                  <a:schemeClr val="tx2"/>
-                </a:solidFill>
-              </a:rPr>
-              <a:t>根據切割好的</a:t>
+                  <a:srgbClr val="00B0F0"/>
+                </a:solidFill>
+              </a:rPr>
+              <a:t>將字串進行分割</a:t>
             </a:r>
             <a:r>
               <a:rPr lang="en-US" altLang="zh-TW" dirty="0">
                 <a:solidFill>
-                  <a:schemeClr val="tx2"/>
-                </a:solidFill>
-              </a:rPr>
-              <a:t>LIST</a:t>
+                  <a:srgbClr val="00B0F0"/>
+                </a:solidFill>
+              </a:rPr>
+              <a:t>:</a:t>
             </a:r>
             <a:r>
               <a:rPr lang="zh-TW" altLang="en-US" dirty="0">
                 <a:solidFill>
-                  <a:schemeClr val="tx2"/>
-                </a:solidFill>
-              </a:rPr>
-              <a:t>去統計每個字出現頻率，並轉成</a:t>
-            </a:r>
-            <a:r>
-              <a:rPr lang="en-US" altLang="zh-TW" dirty="0" err="1">
-                <a:solidFill>
-                  <a:schemeClr val="tx2"/>
-                </a:solidFill>
-              </a:rPr>
-              <a:t>dataframe</a:t>
+                  <a:srgbClr val="00B0F0"/>
+                </a:solidFill>
+              </a:rPr>
+              <a:t> </a:t>
             </a:r>
             <a:endParaRPr lang="en-US" altLang="zh-TW" dirty="0">
               <a:solidFill>
-                <a:schemeClr val="tx2"/>
+                <a:srgbClr val="00B0F0"/>
               </a:solidFill>
             </a:endParaRPr>
+          </a:p>
+          <a:p>
+            <a:pPr marL="114300" indent="0">
+              <a:buNone/>
+            </a:pPr>
+            <a:r>
+              <a:rPr lang="zh-TW" altLang="en-US" dirty="0">
+                <a:solidFill>
+                  <a:schemeClr val="tx2"/>
+                </a:solidFill>
+              </a:rPr>
+              <a:t>我們可以使用</a:t>
+            </a:r>
+            <a:r>
+              <a:rPr lang="en-US" altLang="zh-TW" dirty="0">
+                <a:solidFill>
+                  <a:schemeClr val="tx2"/>
+                </a:solidFill>
+              </a:rPr>
+              <a:t>.split()</a:t>
+            </a:r>
+            <a:r>
+              <a:rPr lang="zh-TW" altLang="en-US" dirty="0">
+                <a:solidFill>
+                  <a:schemeClr val="tx2"/>
+                </a:solidFill>
+              </a:rPr>
+              <a:t>這個功能，如下</a:t>
+            </a:r>
           </a:p>
         </p:txBody>
       </p:sp>
@@ -29055,6 +31964,537 @@
             <a:fld id="{00000000-1234-1234-1234-123412341234}" type="slidenum">
               <a:rPr lang="en-US" altLang="zh-TW" smtClean="0"/>
               <a:t>51</a:t>
+            </a:fld>
+            <a:endParaRPr lang="zh-TW" altLang="en-US"/>
+          </a:p>
+        </p:txBody>
+      </p:sp>
+      <p:sp>
+        <p:nvSpPr>
+          <p:cNvPr id="5" name="Google Shape;201;p3">
+            <a:extLst>
+              <a:ext uri="{FF2B5EF4-FFF2-40B4-BE49-F238E27FC236}">
+                <a16:creationId xmlns:a16="http://schemas.microsoft.com/office/drawing/2014/main" id="{63E57863-FECA-42B3-8DA1-6AD2B0B1293E}"/>
+              </a:ext>
+            </a:extLst>
+          </p:cNvPr>
+          <p:cNvSpPr txBox="1"/>
+          <p:nvPr/>
+        </p:nvSpPr>
+        <p:spPr>
+          <a:xfrm>
+            <a:off x="595423" y="2726862"/>
+            <a:ext cx="6719777" cy="1477287"/>
+          </a:xfrm>
+          <a:prstGeom prst="rect">
+            <a:avLst/>
+          </a:prstGeom>
+          <a:noFill/>
+          <a:ln w="9525" cap="flat" cmpd="sng">
+            <a:solidFill>
+              <a:srgbClr val="16B0E3"/>
+            </a:solidFill>
+            <a:prstDash val="dash"/>
+            <a:round/>
+            <a:headEnd type="none" w="sm" len="sm"/>
+            <a:tailEnd type="none" w="sm" len="sm"/>
+          </a:ln>
+        </p:spPr>
+        <p:txBody>
+          <a:bodyPr spcFirstLastPara="1" wrap="square" lIns="91425" tIns="45700" rIns="91425" bIns="45700" anchor="t" anchorCtr="0">
+            <a:spAutoFit/>
+          </a:bodyPr>
+          <a:lstStyle/>
+          <a:p>
+            <a:pPr lvl="0"/>
+            <a:r>
+              <a:rPr lang="en-US" altLang="zh-TW" dirty="0" err="1">
+                <a:latin typeface="Courier New"/>
+                <a:ea typeface="Courier New"/>
+                <a:cs typeface="Courier New"/>
+                <a:sym typeface="Courier New"/>
+              </a:rPr>
+              <a:t>inputSTR</a:t>
+            </a:r>
+            <a:r>
+              <a:rPr lang="en-US" altLang="zh-TW" dirty="0">
+                <a:latin typeface="Courier New"/>
+                <a:ea typeface="Courier New"/>
+                <a:cs typeface="Courier New"/>
+                <a:sym typeface="Courier New"/>
+              </a:rPr>
+              <a:t> = “\n/</a:t>
+            </a:r>
+            <a:r>
+              <a:rPr lang="zh-TW" altLang="en-US" dirty="0">
+                <a:latin typeface="Courier New"/>
+                <a:ea typeface="Courier New"/>
+                <a:cs typeface="Courier New"/>
+                <a:sym typeface="Courier New"/>
+              </a:rPr>
+              <a:t>指揮中心</a:t>
+            </a:r>
+            <a:r>
+              <a:rPr lang="en-US" altLang="zh-TW" dirty="0">
+                <a:latin typeface="Courier New"/>
+                <a:ea typeface="Courier New"/>
+                <a:cs typeface="Courier New"/>
+                <a:sym typeface="Courier New"/>
+              </a:rPr>
+              <a:t>/</a:t>
+            </a:r>
+            <a:r>
+              <a:rPr lang="zh-TW" altLang="en-US" dirty="0">
+                <a:latin typeface="Courier New"/>
+                <a:ea typeface="Courier New"/>
+                <a:cs typeface="Courier New"/>
+                <a:sym typeface="Courier New"/>
+              </a:rPr>
+              <a:t>今天</a:t>
+            </a:r>
+            <a:r>
+              <a:rPr lang="en-US" altLang="zh-TW" dirty="0">
+                <a:latin typeface="Courier New"/>
+                <a:ea typeface="Courier New"/>
+                <a:cs typeface="Courier New"/>
+                <a:sym typeface="Courier New"/>
+              </a:rPr>
+              <a:t>/</a:t>
+            </a:r>
+            <a:r>
+              <a:rPr lang="zh-TW" altLang="en-US" dirty="0">
+                <a:latin typeface="Courier New"/>
+                <a:ea typeface="Courier New"/>
+                <a:cs typeface="Courier New"/>
+                <a:sym typeface="Courier New"/>
+              </a:rPr>
+              <a:t>公布</a:t>
+            </a:r>
+            <a:r>
+              <a:rPr lang="en-US" altLang="zh-TW" dirty="0">
+                <a:latin typeface="Courier New"/>
+                <a:ea typeface="Courier New"/>
+                <a:cs typeface="Courier New"/>
+                <a:sym typeface="Courier New"/>
+              </a:rPr>
+              <a:t>/</a:t>
+            </a:r>
+            <a:r>
+              <a:rPr lang="zh-TW" altLang="en-US" dirty="0">
+                <a:latin typeface="Courier New"/>
+                <a:ea typeface="Courier New"/>
+                <a:cs typeface="Courier New"/>
+                <a:sym typeface="Courier New"/>
+              </a:rPr>
+              <a:t>新增</a:t>
+            </a:r>
+            <a:r>
+              <a:rPr lang="en-US" altLang="zh-TW" dirty="0">
+                <a:latin typeface="Courier New"/>
+                <a:ea typeface="Courier New"/>
+                <a:cs typeface="Courier New"/>
+                <a:sym typeface="Courier New"/>
+              </a:rPr>
+              <a:t>/135</a:t>
+            </a:r>
+            <a:r>
+              <a:rPr lang="zh-TW" altLang="en-US" dirty="0">
+                <a:latin typeface="Courier New"/>
+                <a:ea typeface="Courier New"/>
+                <a:cs typeface="Courier New"/>
+                <a:sym typeface="Courier New"/>
+              </a:rPr>
+              <a:t>例</a:t>
+            </a:r>
+            <a:r>
+              <a:rPr lang="en-US" altLang="zh-TW" dirty="0">
+                <a:latin typeface="Courier New"/>
+                <a:ea typeface="Courier New"/>
+                <a:cs typeface="Courier New"/>
+                <a:sym typeface="Courier New"/>
+              </a:rPr>
+              <a:t>”</a:t>
+            </a:r>
+          </a:p>
+          <a:p>
+            <a:pPr lvl="0"/>
+            <a:r>
+              <a:rPr lang="en-US" altLang="zh-TW" dirty="0" err="1">
+                <a:latin typeface="Courier New"/>
+                <a:ea typeface="Courier New"/>
+                <a:cs typeface="Courier New"/>
+                <a:sym typeface="Courier New"/>
+              </a:rPr>
+              <a:t>inputSTR.split</a:t>
+            </a:r>
+            <a:r>
+              <a:rPr lang="en-US" altLang="zh-TW" dirty="0">
+                <a:latin typeface="Courier New"/>
+                <a:ea typeface="Courier New"/>
+                <a:cs typeface="Courier New"/>
+                <a:sym typeface="Courier New"/>
+              </a:rPr>
+              <a:t>(“/”) </a:t>
+            </a:r>
+            <a:r>
+              <a:rPr lang="en-US" altLang="zh-TW" dirty="0">
+                <a:solidFill>
+                  <a:schemeClr val="bg2">
+                    <a:lumMod val="75000"/>
+                  </a:schemeClr>
+                </a:solidFill>
+                <a:latin typeface="Courier New"/>
+                <a:ea typeface="Courier New"/>
+                <a:cs typeface="Courier New"/>
+                <a:sym typeface="Courier New"/>
+              </a:rPr>
+              <a:t>#</a:t>
+            </a:r>
+            <a:r>
+              <a:rPr lang="zh-TW" altLang="en-US" dirty="0">
+                <a:solidFill>
+                  <a:schemeClr val="bg2">
+                    <a:lumMod val="75000"/>
+                  </a:schemeClr>
+                </a:solidFill>
+                <a:latin typeface="Courier New"/>
+                <a:ea typeface="Courier New"/>
+                <a:cs typeface="Courier New"/>
+                <a:sym typeface="Courier New"/>
+              </a:rPr>
+              <a:t>請電腦依據 </a:t>
+            </a:r>
+            <a:r>
+              <a:rPr lang="en-US" altLang="zh-TW" dirty="0">
+                <a:solidFill>
+                  <a:schemeClr val="bg2">
+                    <a:lumMod val="75000"/>
+                  </a:schemeClr>
+                </a:solidFill>
+                <a:latin typeface="Courier New"/>
+                <a:ea typeface="Courier New"/>
+                <a:cs typeface="Courier New"/>
+                <a:sym typeface="Courier New"/>
+              </a:rPr>
+              <a:t>“/”</a:t>
+            </a:r>
+            <a:r>
+              <a:rPr lang="zh-TW" altLang="en-US" dirty="0">
+                <a:solidFill>
+                  <a:schemeClr val="bg2">
+                    <a:lumMod val="75000"/>
+                  </a:schemeClr>
+                </a:solidFill>
+                <a:latin typeface="Courier New"/>
+                <a:ea typeface="Courier New"/>
+                <a:cs typeface="Courier New"/>
+                <a:sym typeface="Courier New"/>
+              </a:rPr>
+              <a:t>切開字串</a:t>
+            </a:r>
+            <a:endParaRPr lang="en-US" altLang="zh-TW" dirty="0">
+              <a:solidFill>
+                <a:schemeClr val="bg2">
+                  <a:lumMod val="75000"/>
+                </a:schemeClr>
+              </a:solidFill>
+              <a:latin typeface="Courier New"/>
+              <a:ea typeface="Courier New"/>
+              <a:cs typeface="Courier New"/>
+              <a:sym typeface="Courier New"/>
+            </a:endParaRPr>
+          </a:p>
+          <a:p>
+            <a:pPr lvl="0"/>
+            <a:endParaRPr lang="en-US" altLang="zh-TW" dirty="0">
+              <a:solidFill>
+                <a:schemeClr val="bg2">
+                  <a:lumMod val="75000"/>
+                </a:schemeClr>
+              </a:solidFill>
+              <a:latin typeface="Courier New"/>
+              <a:ea typeface="Courier New"/>
+              <a:cs typeface="Courier New"/>
+              <a:sym typeface="Courier New"/>
+            </a:endParaRPr>
+          </a:p>
+          <a:p>
+            <a:pPr lvl="0"/>
+            <a:endParaRPr lang="en-US" altLang="zh-TW" dirty="0">
+              <a:solidFill>
+                <a:schemeClr val="bg2">
+                  <a:lumMod val="75000"/>
+                </a:schemeClr>
+              </a:solidFill>
+              <a:latin typeface="Courier New"/>
+              <a:ea typeface="Courier New"/>
+              <a:cs typeface="Courier New"/>
+              <a:sym typeface="Courier New"/>
+            </a:endParaRPr>
+          </a:p>
+          <a:p>
+            <a:pPr lvl="0"/>
+            <a:endParaRPr lang="zh-TW" altLang="en-US" dirty="0">
+              <a:solidFill>
+                <a:schemeClr val="bg2">
+                  <a:lumMod val="75000"/>
+                </a:schemeClr>
+              </a:solidFill>
+              <a:latin typeface="Courier New"/>
+              <a:ea typeface="Courier New"/>
+              <a:cs typeface="Courier New"/>
+              <a:sym typeface="Courier New"/>
+            </a:endParaRPr>
+          </a:p>
+        </p:txBody>
+      </p:sp>
+      <p:sp>
+        <p:nvSpPr>
+          <p:cNvPr id="8" name="Rectangle 7">
+            <a:extLst>
+              <a:ext uri="{FF2B5EF4-FFF2-40B4-BE49-F238E27FC236}">
+                <a16:creationId xmlns:a16="http://schemas.microsoft.com/office/drawing/2014/main" id="{C2A14D23-1BA2-4413-9944-EE1239B3735B}"/>
+              </a:ext>
+            </a:extLst>
+          </p:cNvPr>
+          <p:cNvSpPr/>
+          <p:nvPr/>
+        </p:nvSpPr>
+        <p:spPr>
+          <a:xfrm>
+            <a:off x="595423" y="3465505"/>
+            <a:ext cx="5553123" cy="369332"/>
+          </a:xfrm>
+          <a:prstGeom prst="rect">
+            <a:avLst/>
+          </a:prstGeom>
+          <a:solidFill>
+            <a:schemeClr val="accent4">
+              <a:lumMod val="20000"/>
+              <a:lumOff val="80000"/>
+            </a:schemeClr>
+          </a:solidFill>
+        </p:spPr>
+        <p:txBody>
+          <a:bodyPr wrap="none">
+            <a:spAutoFit/>
+          </a:bodyPr>
+          <a:lstStyle/>
+          <a:p>
+            <a:r>
+              <a:rPr lang="en-US" altLang="zh-TW" dirty="0"/>
+              <a:t>Output: ['\n', '</a:t>
+            </a:r>
+            <a:r>
+              <a:rPr lang="zh-TW" altLang="en-US" dirty="0"/>
+              <a:t>指揮中心</a:t>
+            </a:r>
+            <a:r>
+              <a:rPr lang="en-US" altLang="zh-TW" dirty="0"/>
+              <a:t>', '</a:t>
+            </a:r>
+            <a:r>
+              <a:rPr lang="zh-TW" altLang="en-US" dirty="0"/>
+              <a:t>今天</a:t>
+            </a:r>
+            <a:r>
+              <a:rPr lang="en-US" altLang="zh-TW" dirty="0"/>
+              <a:t>', '</a:t>
+            </a:r>
+            <a:r>
+              <a:rPr lang="zh-TW" altLang="en-US" dirty="0"/>
+              <a:t>公布</a:t>
+            </a:r>
+            <a:r>
+              <a:rPr lang="en-US" altLang="zh-TW" dirty="0"/>
+              <a:t>', '</a:t>
+            </a:r>
+            <a:r>
+              <a:rPr lang="zh-TW" altLang="en-US" dirty="0"/>
+              <a:t>新增</a:t>
+            </a:r>
+            <a:r>
+              <a:rPr lang="en-US" altLang="zh-TW" dirty="0"/>
+              <a:t>', '135</a:t>
+            </a:r>
+            <a:r>
+              <a:rPr lang="zh-TW" altLang="en-US" dirty="0"/>
+              <a:t>例</a:t>
+            </a:r>
+            <a:r>
+              <a:rPr lang="en-US" altLang="zh-TW" dirty="0"/>
+              <a:t>']</a:t>
+            </a:r>
+            <a:endParaRPr lang="zh-TW" altLang="en-US" dirty="0"/>
+          </a:p>
+        </p:txBody>
+      </p:sp>
+    </p:spTree>
+    <p:extLst>
+      <p:ext uri="{BB962C8B-B14F-4D97-AF65-F5344CB8AC3E}">
+        <p14:creationId xmlns:p14="http://schemas.microsoft.com/office/powerpoint/2010/main" val="1544178910"/>
+      </p:ext>
+    </p:extLst>
+  </p:cSld>
+  <p:clrMapOvr>
+    <a:masterClrMapping/>
+  </p:clrMapOvr>
+</p:sld>
+</file>
+
+<file path=ppt/slides/slide52.xml><?xml version="1.0" encoding="utf-8"?>
+<p:sld xmlns:a="http://schemas.openxmlformats.org/drawingml/2006/main" xmlns:r="http://schemas.openxmlformats.org/officeDocument/2006/relationships" xmlns:p="http://schemas.openxmlformats.org/presentationml/2006/main">
+  <p:cSld>
+    <p:spTree>
+      <p:nvGrpSpPr>
+        <p:cNvPr id="1" name=""/>
+        <p:cNvGrpSpPr/>
+        <p:nvPr/>
+      </p:nvGrpSpPr>
+      <p:grpSpPr>
+        <a:xfrm>
+          <a:off x="0" y="0"/>
+          <a:ext cx="0" cy="0"/>
+          <a:chOff x="0" y="0"/>
+          <a:chExt cx="0" cy="0"/>
+        </a:xfrm>
+      </p:grpSpPr>
+      <p:sp>
+        <p:nvSpPr>
+          <p:cNvPr id="2" name="Title 1">
+            <a:extLst>
+              <a:ext uri="{FF2B5EF4-FFF2-40B4-BE49-F238E27FC236}">
+                <a16:creationId xmlns:a16="http://schemas.microsoft.com/office/drawing/2014/main" id="{B80EA659-D76B-4EEE-A023-11C0BADBCF2B}"/>
+              </a:ext>
+            </a:extLst>
+          </p:cNvPr>
+          <p:cNvSpPr>
+            <a:spLocks noGrp="1"/>
+          </p:cNvSpPr>
+          <p:nvPr>
+            <p:ph type="title"/>
+          </p:nvPr>
+        </p:nvSpPr>
+        <p:spPr/>
+        <p:txBody>
+          <a:bodyPr>
+            <a:normAutofit fontScale="90000"/>
+          </a:bodyPr>
+          <a:lstStyle/>
+          <a:p>
+            <a:r>
+              <a:rPr lang="zh-TW" altLang="en-US" dirty="0"/>
+              <a:t>任務</a:t>
+            </a:r>
+            <a:r>
+              <a:rPr lang="en-US" altLang="zh-TW" dirty="0"/>
+              <a:t>1</a:t>
+            </a:r>
+            <a:r>
+              <a:rPr lang="zh-TW" altLang="en-US" dirty="0"/>
+              <a:t>所需能力</a:t>
+            </a:r>
+          </a:p>
+        </p:txBody>
+      </p:sp>
+      <p:sp>
+        <p:nvSpPr>
+          <p:cNvPr id="3" name="Text Placeholder 2">
+            <a:extLst>
+              <a:ext uri="{FF2B5EF4-FFF2-40B4-BE49-F238E27FC236}">
+                <a16:creationId xmlns:a16="http://schemas.microsoft.com/office/drawing/2014/main" id="{7F937EA3-6775-40D7-889B-A14C029B7FB8}"/>
+              </a:ext>
+            </a:extLst>
+          </p:cNvPr>
+          <p:cNvSpPr>
+            <a:spLocks noGrp="1"/>
+          </p:cNvSpPr>
+          <p:nvPr>
+            <p:ph type="body" idx="1"/>
+          </p:nvPr>
+        </p:nvSpPr>
+        <p:spPr/>
+        <p:txBody>
+          <a:bodyPr/>
+          <a:lstStyle/>
+          <a:p>
+            <a:pPr>
+              <a:buFont typeface="Wingdings" panose="05000000000000000000" pitchFamily="2" charset="2"/>
+              <a:buChar char="Ø"/>
+            </a:pPr>
+            <a:r>
+              <a:rPr lang="zh-TW" altLang="en-US" dirty="0">
+                <a:solidFill>
+                  <a:schemeClr val="tx2"/>
+                </a:solidFill>
+              </a:rPr>
+              <a:t>根據切割好的</a:t>
+            </a:r>
+            <a:r>
+              <a:rPr lang="en-US" altLang="zh-TW" dirty="0">
+                <a:solidFill>
+                  <a:schemeClr val="tx2"/>
+                </a:solidFill>
+              </a:rPr>
+              <a:t>LIST</a:t>
+            </a:r>
+            <a:r>
+              <a:rPr lang="zh-TW" altLang="en-US" dirty="0">
+                <a:solidFill>
+                  <a:schemeClr val="tx2"/>
+                </a:solidFill>
+              </a:rPr>
+              <a:t>去統計每個字出現頻率，並轉成</a:t>
+            </a:r>
+            <a:r>
+              <a:rPr lang="en-US" altLang="zh-TW" dirty="0" err="1">
+                <a:solidFill>
+                  <a:schemeClr val="tx2"/>
+                </a:solidFill>
+              </a:rPr>
+              <a:t>dataframe</a:t>
+            </a:r>
+            <a:endParaRPr lang="en-US" altLang="zh-TW" dirty="0">
+              <a:solidFill>
+                <a:schemeClr val="tx2"/>
+              </a:solidFill>
+            </a:endParaRPr>
+          </a:p>
+        </p:txBody>
+      </p:sp>
+      <p:sp>
+        <p:nvSpPr>
+          <p:cNvPr id="4" name="Slide Number Placeholder 3">
+            <a:extLst>
+              <a:ext uri="{FF2B5EF4-FFF2-40B4-BE49-F238E27FC236}">
+                <a16:creationId xmlns:a16="http://schemas.microsoft.com/office/drawing/2014/main" id="{09820969-B4A8-47EA-A9CC-D4804B874165}"/>
+              </a:ext>
+            </a:extLst>
+          </p:cNvPr>
+          <p:cNvSpPr>
+            <a:spLocks noGrp="1"/>
+          </p:cNvSpPr>
+          <p:nvPr>
+            <p:ph type="sldNum" idx="12"/>
+          </p:nvPr>
+        </p:nvSpPr>
+        <p:spPr/>
+        <p:txBody>
+          <a:bodyPr/>
+          <a:lstStyle/>
+          <a:p>
+            <a:pPr marL="0" lvl="0" indent="0" algn="r" rtl="0">
+              <a:spcBef>
+                <a:spcPts val="0"/>
+              </a:spcBef>
+              <a:spcAft>
+                <a:spcPts val="0"/>
+              </a:spcAft>
+              <a:buNone/>
+            </a:pPr>
+            <a:fld id="{00000000-1234-1234-1234-123412341234}" type="slidenum">
+              <a:rPr lang="en-US" altLang="zh-TW" smtClean="0"/>
+              <a:t>52</a:t>
             </a:fld>
             <a:endParaRPr lang="zh-TW" altLang="en-US"/>
           </a:p>
@@ -29594,7 +33034,7 @@
 </p:sld>
 </file>
 
-<file path=ppt/slides/slide52.xml><?xml version="1.0" encoding="utf-8"?>
+<file path=ppt/slides/slide53.xml><?xml version="1.0" encoding="utf-8"?>
 <p:sld xmlns:a="http://schemas.openxmlformats.org/drawingml/2006/main" xmlns:r="http://schemas.openxmlformats.org/officeDocument/2006/relationships" xmlns:p="http://schemas.openxmlformats.org/presentationml/2006/main">
   <p:cSld>
     <p:spTree>
@@ -29768,7 +33208,7 @@
             </a:pPr>
             <a:fld id="{00000000-1234-1234-1234-123412341234}" type="slidenum">
               <a:rPr lang="en-US" altLang="zh-TW" smtClean="0"/>
-              <a:t>52</a:t>
+              <a:t>53</a:t>
             </a:fld>
             <a:endParaRPr lang="zh-TW" altLang="en-US"/>
           </a:p>
@@ -29787,7 +33227,7 @@
 </p:sld>
 </file>
 
-<file path=ppt/slides/slide53.xml><?xml version="1.0" encoding="utf-8"?>
+<file path=ppt/slides/slide54.xml><?xml version="1.0" encoding="utf-8"?>
 <p:sld xmlns:a="http://schemas.openxmlformats.org/drawingml/2006/main" xmlns:r="http://schemas.openxmlformats.org/officeDocument/2006/relationships" xmlns:p="http://schemas.openxmlformats.org/presentationml/2006/main">
   <p:cSld>
     <p:spTree>
@@ -29942,7 +33382,7 @@
             </a:pPr>
             <a:fld id="{00000000-1234-1234-1234-123412341234}" type="slidenum">
               <a:rPr lang="en-US" altLang="zh-TW" smtClean="0"/>
-              <a:t>53</a:t>
+              <a:t>54</a:t>
             </a:fld>
             <a:endParaRPr lang="zh-TW" altLang="en-US"/>
           </a:p>
@@ -30303,7 +33743,7 @@
 </p:sld>
 </file>
 
-<file path=ppt/slides/slide54.xml><?xml version="1.0" encoding="utf-8"?>
+<file path=ppt/slides/slide55.xml><?xml version="1.0" encoding="utf-8"?>
 <p:sld xmlns:a="http://schemas.openxmlformats.org/drawingml/2006/main" xmlns:r="http://schemas.openxmlformats.org/officeDocument/2006/relationships" xmlns:p="http://schemas.openxmlformats.org/presentationml/2006/main">
   <p:cSld>
     <p:spTree>
@@ -30477,7 +33917,7 @@
             </a:pPr>
             <a:fld id="{00000000-1234-1234-1234-123412341234}" type="slidenum">
               <a:rPr lang="en-US" altLang="zh-TW" smtClean="0"/>
-              <a:t>54</a:t>
+              <a:t>55</a:t>
             </a:fld>
             <a:endParaRPr lang="zh-TW" altLang="en-US"/>
           </a:p>

--- a/week01/文本分析與程式設計Week01.pptx
+++ b/week01/文本分析與程式設計Week01.pptx
@@ -343,7 +343,7 @@
       </p15:sldGuideLst>
     </p:ext>
     <p:ext uri="http://customooxmlschemas.google.com/">
-      <go:slidesCustomData xmlns:go="http://customooxmlschemas.google.com/" xmlns:ahyp="http://schemas.microsoft.com/office/drawing/2018/hyperlinkcolor" xmlns:p15="http://schemas.microsoft.com/office/powerpoint/2012/main" xmlns:p14="http://schemas.microsoft.com/office/powerpoint/2010/main" xmlns:com="http://schemas.openxmlformats.org/drawingml/2006/compatibility" xmlns:pvml="urn:schemas-microsoft-com:office:powerpoint" xmlns:v="urn:schemas-microsoft-com:vml" xmlns:o="urn:schemas-microsoft-com:office:office" xmlns:dgm="http://schemas.openxmlformats.org/drawingml/2006/diagram" xmlns:c="http://schemas.openxmlformats.org/drawingml/2006/chart" xmlns:mv="urn:schemas-microsoft-com:mac:vml" xmlns:mc="http://schemas.openxmlformats.org/markup-compatibility/2006" xmlns="" r:id="rId73" roundtripDataSignature="AMtx7mgUQKmmGkRDAx1+z1XqxXGeYbaTHA=="/>
+      <go:slidesCustomData xmlns="" xmlns:mc="http://schemas.openxmlformats.org/markup-compatibility/2006" xmlns:mv="urn:schemas-microsoft-com:mac:vml" xmlns:c="http://schemas.openxmlformats.org/drawingml/2006/chart" xmlns:dgm="http://schemas.openxmlformats.org/drawingml/2006/diagram" xmlns:o="urn:schemas-microsoft-com:office:office" xmlns:v="urn:schemas-microsoft-com:vml" xmlns:pvml="urn:schemas-microsoft-com:office:powerpoint" xmlns:com="http://schemas.openxmlformats.org/drawingml/2006/compatibility" xmlns:p14="http://schemas.microsoft.com/office/powerpoint/2010/main" xmlns:p15="http://schemas.microsoft.com/office/powerpoint/2012/main" xmlns:ahyp="http://schemas.microsoft.com/office/drawing/2018/hyperlinkcolor" xmlns:go="http://customooxmlschemas.google.com/" r:id="rId73" roundtripDataSignature="AMtx7mgUQKmmGkRDAx1+z1XqxXGeYbaTHA=="/>
     </p:ext>
   </p:extLst>
 </p:presentation>
@@ -4489,7 +4489,7 @@
           <a:p>
             <a:fld id="{3A92803A-0F1C-4C1D-B134-784D74EF7FC5}" type="datetime1">
               <a:rPr lang="zh-TW" altLang="en-US" smtClean="0"/>
-              <a:t>2021/7/3</a:t>
+              <a:t>2021/7/6</a:t>
             </a:fld>
             <a:endParaRPr lang="en-US" dirty="0"/>
           </a:p>
@@ -5205,7 +5205,7 @@
           <a:p>
             <a:fld id="{AD638850-190C-4A5F-B6A9-6F16A812CB41}" type="datetime1">
               <a:rPr lang="zh-TW" altLang="en-US" smtClean="0"/>
-              <a:t>2021/7/3</a:t>
+              <a:t>2021/7/6</a:t>
             </a:fld>
             <a:endParaRPr lang="en-US" dirty="0"/>
           </a:p>
@@ -6075,7 +6075,7 @@
           <a:p>
             <a:fld id="{6E10F4CF-B5F9-4648-BEE7-992B9B061DA8}" type="datetime1">
               <a:rPr lang="zh-TW" altLang="en-US" smtClean="0"/>
-              <a:t>2021/7/3</a:t>
+              <a:t>2021/7/6</a:t>
             </a:fld>
             <a:endParaRPr lang="en-US" dirty="0"/>
           </a:p>
@@ -6900,7 +6900,7 @@
           <a:p>
             <a:fld id="{74A2EE74-DD9F-4769-A54D-E56DB731716A}" type="datetime1">
               <a:rPr lang="zh-TW" altLang="en-US" smtClean="0"/>
-              <a:t>2021/7/3</a:t>
+              <a:t>2021/7/6</a:t>
             </a:fld>
             <a:endParaRPr lang="en-US" dirty="0"/>
           </a:p>
@@ -7770,7 +7770,7 @@
           <a:p>
             <a:fld id="{6E10F4CF-B5F9-4648-BEE7-992B9B061DA8}" type="datetime1">
               <a:rPr lang="zh-TW" altLang="en-US" smtClean="0"/>
-              <a:t>2021/7/3</a:t>
+              <a:t>2021/7/6</a:t>
             </a:fld>
             <a:endParaRPr lang="en-US" dirty="0"/>
           </a:p>
@@ -8741,7 +8741,7 @@
           <a:p>
             <a:fld id="{6E10F4CF-B5F9-4648-BEE7-992B9B061DA8}" type="datetime1">
               <a:rPr lang="zh-TW" altLang="en-US" smtClean="0"/>
-              <a:t>2021/7/3</a:t>
+              <a:t>2021/7/6</a:t>
             </a:fld>
             <a:endParaRPr lang="en-US" dirty="0"/>
           </a:p>
@@ -9429,7 +9429,7 @@
           <a:p>
             <a:fld id="{A5F6CBE4-86D2-4D55-B77D-A1CC22B1A407}" type="datetime1">
               <a:rPr lang="zh-TW" altLang="en-US" smtClean="0"/>
-              <a:t>2021/7/3</a:t>
+              <a:t>2021/7/6</a:t>
             </a:fld>
             <a:endParaRPr lang="en-US" dirty="0"/>
           </a:p>
@@ -10116,7 +10116,7 @@
           <a:p>
             <a:fld id="{4594EFF4-DC49-45FA-9E18-10CE34C83FAB}" type="datetime1">
               <a:rPr lang="zh-TW" altLang="en-US" smtClean="0"/>
-              <a:t>2021/7/3</a:t>
+              <a:t>2021/7/6</a:t>
             </a:fld>
             <a:endParaRPr lang="en-US" dirty="0"/>
           </a:p>
@@ -12891,7 +12891,7 @@
           <a:p>
             <a:fld id="{6E10F4CF-B5F9-4648-BEE7-992B9B061DA8}" type="datetime1">
               <a:rPr lang="zh-TW" altLang="en-US" smtClean="0"/>
-              <a:t>2021/7/3</a:t>
+              <a:t>2021/7/6</a:t>
             </a:fld>
             <a:endParaRPr lang="en-US" dirty="0"/>
           </a:p>
@@ -15430,7 +15430,7 @@
           <a:p>
             <a:fld id="{796C15B9-032B-4D1A-BC2E-EDBF11555012}" type="datetime1">
               <a:rPr lang="zh-TW" altLang="en-US" smtClean="0"/>
-              <a:t>2021/7/3</a:t>
+              <a:t>2021/7/6</a:t>
             </a:fld>
             <a:endParaRPr lang="en-US" dirty="0"/>
           </a:p>
@@ -16519,7 +16519,7 @@
           <a:p>
             <a:fld id="{6E10F4CF-B5F9-4648-BEE7-992B9B061DA8}" type="datetime1">
               <a:rPr lang="zh-TW" altLang="en-US" smtClean="0"/>
-              <a:t>2021/7/3</a:t>
+              <a:t>2021/7/6</a:t>
             </a:fld>
             <a:endParaRPr lang="en-US" dirty="0"/>
           </a:p>
@@ -17884,7 +17884,7 @@
           <a:p>
             <a:fld id="{6E10F4CF-B5F9-4648-BEE7-992B9B061DA8}" type="datetime1">
               <a:rPr lang="zh-TW" altLang="en-US" smtClean="0"/>
-              <a:t>2021/7/3</a:t>
+              <a:t>2021/7/6</a:t>
             </a:fld>
             <a:endParaRPr lang="en-US" dirty="0"/>
           </a:p>
@@ -18435,7 +18435,7 @@
           <a:p>
             <a:fld id="{C76560EC-6E60-442B-9D9B-54899F4B544F}" type="datetime1">
               <a:rPr lang="zh-TW" altLang="en-US" smtClean="0"/>
-              <a:t>2021/7/3</a:t>
+              <a:t>2021/7/6</a:t>
             </a:fld>
             <a:endParaRPr lang="en-US" dirty="0"/>
           </a:p>
@@ -18845,7 +18845,7 @@
           <a:p>
             <a:fld id="{1E8065FB-F46E-4D50-8CB3-9F20035DB419}" type="datetime1">
               <a:rPr lang="zh-TW" altLang="en-US" smtClean="0"/>
-              <a:t>2021/7/3</a:t>
+              <a:t>2021/7/6</a:t>
             </a:fld>
             <a:endParaRPr lang="en-US" dirty="0"/>
           </a:p>
@@ -19670,7 +19670,7 @@
           <a:p>
             <a:fld id="{0EFA52A9-5311-41DC-91A7-31273C4D72F6}" type="datetime1">
               <a:rPr lang="zh-TW" altLang="en-US" smtClean="0"/>
-              <a:t>2021/7/3</a:t>
+              <a:t>2021/7/6</a:t>
             </a:fld>
             <a:endParaRPr lang="en-US" dirty="0"/>
           </a:p>
@@ -20846,7 +20846,7 @@
           <a:p>
             <a:fld id="{6E10F4CF-B5F9-4648-BEE7-992B9B061DA8}" type="datetime1">
               <a:rPr lang="zh-TW" altLang="en-US" smtClean="0"/>
-              <a:t>2021/7/3</a:t>
+              <a:t>2021/7/6</a:t>
             </a:fld>
             <a:endParaRPr lang="en-US" dirty="0"/>
           </a:p>
@@ -21955,7 +21955,7 @@
           <a:p>
             <a:fld id="{6E10F4CF-B5F9-4648-BEE7-992B9B061DA8}" type="datetime1">
               <a:rPr lang="zh-TW" altLang="en-US" smtClean="0"/>
-              <a:t>2021/7/3</a:t>
+              <a:t>2021/7/6</a:t>
             </a:fld>
             <a:endParaRPr lang="en-US" dirty="0"/>
           </a:p>
@@ -25109,7 +25109,9 @@
         </p:nvSpPr>
         <p:spPr/>
         <p:txBody>
-          <a:bodyPr/>
+          <a:bodyPr>
+            <a:normAutofit/>
+          </a:bodyPr>
           <a:lstStyle/>
           <a:p>
             <a:r>
@@ -25166,6 +25168,57 @@
               </a:rPr>
               <a:t>這個斷詞系統怎麼使用</a:t>
             </a:r>
+            <a:endParaRPr lang="en-US" altLang="zh-TW" dirty="0">
+              <a:latin typeface="Arial" panose="020B0604020202020204" pitchFamily="34" charset="0"/>
+              <a:cs typeface="Arial" panose="020B0604020202020204" pitchFamily="34" charset="0"/>
+            </a:endParaRPr>
+          </a:p>
+          <a:p>
+            <a:r>
+              <a:rPr lang="zh-TW" altLang="en-US" sz="1400" dirty="0"/>
+              <a:t>本課程使用的文本是從</a:t>
+            </a:r>
+            <a:endParaRPr lang="en-US" altLang="zh-TW" sz="1400" dirty="0"/>
+          </a:p>
+          <a:p>
+            <a:r>
+              <a:rPr lang="en-US" altLang="zh-TW" sz="1400" dirty="0"/>
+              <a:t>1.</a:t>
+            </a:r>
+            <a:r>
+              <a:rPr lang="zh-TW" altLang="en-US" sz="1400" dirty="0"/>
+              <a:t> </a:t>
+            </a:r>
+            <a:r>
+              <a:rPr lang="en-US" altLang="zh-TW" sz="1400" dirty="0">
+                <a:hlinkClick r:id="rId2"/>
+              </a:rPr>
+              <a:t>https://news-taiwan.xyz/uncategorized/39053.html</a:t>
+            </a:r>
+            <a:endParaRPr lang="en-US" altLang="zh-TW" sz="1400" dirty="0"/>
+          </a:p>
+          <a:p>
+            <a:r>
+              <a:rPr lang="en-US" altLang="zh-TW" sz="1400" dirty="0"/>
+              <a:t>2.</a:t>
+            </a:r>
+            <a:r>
+              <a:rPr lang="zh-TW" altLang="en-US" sz="1400" dirty="0"/>
+              <a:t> </a:t>
+            </a:r>
+            <a:r>
+              <a:rPr lang="en-US" altLang="zh-TW" sz="1400" dirty="0">
+                <a:hlinkClick r:id="rId3"/>
+              </a:rPr>
+              <a:t>https://www.ctwant.com/article/111388</a:t>
+            </a:r>
+            <a:endParaRPr lang="en-US" altLang="zh-TW" sz="1400" dirty="0"/>
+          </a:p>
+          <a:p>
+            <a:endParaRPr lang="zh-TW" altLang="en-US" dirty="0">
+              <a:latin typeface="Arial" panose="020B0604020202020204" pitchFamily="34" charset="0"/>
+              <a:cs typeface="Arial" panose="020B0604020202020204" pitchFamily="34" charset="0"/>
+            </a:endParaRPr>
           </a:p>
         </p:txBody>
       </p:sp>
@@ -44991,7 +45044,7 @@
             <a:r>
               <a:rPr lang="zh-TW" altLang="en-US" dirty="0">
                 <a:solidFill>
-                  <a:schemeClr val="tx2"/>
+                  <a:schemeClr val="tx1"/>
                 </a:solidFill>
               </a:rPr>
               <a:t>我們可以使用</a:t>
@@ -44999,7 +45052,7 @@
             <a:r>
               <a:rPr lang="en-US" altLang="zh-TW" dirty="0">
                 <a:solidFill>
-                  <a:schemeClr val="tx2"/>
+                  <a:schemeClr val="tx1"/>
                 </a:solidFill>
               </a:rPr>
               <a:t>.split()</a:t>
@@ -45007,7 +45060,7 @@
             <a:r>
               <a:rPr lang="zh-TW" altLang="en-US" dirty="0">
                 <a:solidFill>
-                  <a:schemeClr val="tx2"/>
+                  <a:schemeClr val="tx1"/>
                 </a:solidFill>
               </a:rPr>
               <a:t>這個功能，如下</a:t>
@@ -45509,7 +45562,7 @@
             <a:r>
               <a:rPr lang="zh-TW" altLang="en-US" dirty="0">
                 <a:solidFill>
-                  <a:schemeClr val="tx2"/>
+                  <a:schemeClr val="tx1"/>
                 </a:solidFill>
               </a:rPr>
               <a:t>根據切割好的</a:t>
@@ -45517,7 +45570,7 @@
             <a:r>
               <a:rPr lang="en-US" altLang="zh-TW" dirty="0">
                 <a:solidFill>
-                  <a:schemeClr val="tx2"/>
+                  <a:schemeClr val="tx1"/>
                 </a:solidFill>
               </a:rPr>
               <a:t>LIST</a:t>
@@ -45525,7 +45578,7 @@
             <a:r>
               <a:rPr lang="zh-TW" altLang="en-US" dirty="0">
                 <a:solidFill>
-                  <a:schemeClr val="tx2"/>
+                  <a:schemeClr val="tx1"/>
                 </a:solidFill>
               </a:rPr>
               <a:t>去統計每個字出現頻率，並轉成</a:t>
@@ -45533,14 +45586,14 @@
             <a:r>
               <a:rPr lang="en-US" altLang="zh-TW" dirty="0" err="1">
                 <a:solidFill>
-                  <a:schemeClr val="tx2"/>
+                  <a:schemeClr val="tx1"/>
                 </a:solidFill>
               </a:rPr>
               <a:t>dataframe</a:t>
             </a:r>
             <a:endParaRPr lang="en-US" altLang="zh-TW" dirty="0">
               <a:solidFill>
-                <a:schemeClr val="tx2"/>
+                <a:schemeClr val="tx1"/>
               </a:solidFill>
             </a:endParaRPr>
           </a:p>
@@ -46394,7 +46447,7 @@
             <a:r>
               <a:rPr lang="zh-TW" altLang="en-US" dirty="0">
                 <a:solidFill>
-                  <a:schemeClr val="tx2"/>
+                  <a:schemeClr val="tx1"/>
                 </a:solidFill>
               </a:rPr>
               <a:t>將字串特定內容進行取代</a:t>
@@ -46402,7 +46455,7 @@
             <a:r>
               <a:rPr lang="en-US" altLang="zh-TW" dirty="0">
                 <a:solidFill>
-                  <a:schemeClr val="tx2"/>
+                  <a:schemeClr val="tx1"/>
                 </a:solidFill>
               </a:rPr>
               <a:t>:</a:t>
@@ -46410,7 +46463,7 @@
             <a:r>
               <a:rPr lang="zh-TW" altLang="en-US" dirty="0">
                 <a:solidFill>
-                  <a:schemeClr val="tx2"/>
+                  <a:schemeClr val="tx1"/>
                 </a:solidFill>
               </a:rPr>
               <a:t> 使用</a:t>
@@ -46418,7 +46471,7 @@
             <a:r>
               <a:rPr lang="en-US" altLang="zh-TW" dirty="0" err="1">
                 <a:solidFill>
-                  <a:schemeClr val="tx2"/>
+                  <a:schemeClr val="tx1"/>
                 </a:solidFill>
               </a:rPr>
               <a:t>re.sub</a:t>
@@ -46426,7 +46479,7 @@
             <a:r>
               <a:rPr lang="en-US" altLang="zh-TW" dirty="0">
                 <a:solidFill>
-                  <a:schemeClr val="tx2"/>
+                  <a:schemeClr val="tx1"/>
                 </a:solidFill>
               </a:rPr>
               <a:t>()</a:t>

--- a/week01/文本分析與程式設計Week01.pptx
+++ b/week01/文本分析與程式設計Week01.pptx
@@ -343,7 +343,7 @@
       </p15:sldGuideLst>
     </p:ext>
     <p:ext uri="http://customooxmlschemas.google.com/">
-      <go:slidesCustomData xmlns="" xmlns:mc="http://schemas.openxmlformats.org/markup-compatibility/2006" xmlns:mv="urn:schemas-microsoft-com:mac:vml" xmlns:c="http://schemas.openxmlformats.org/drawingml/2006/chart" xmlns:dgm="http://schemas.openxmlformats.org/drawingml/2006/diagram" xmlns:o="urn:schemas-microsoft-com:office:office" xmlns:v="urn:schemas-microsoft-com:vml" xmlns:pvml="urn:schemas-microsoft-com:office:powerpoint" xmlns:com="http://schemas.openxmlformats.org/drawingml/2006/compatibility" xmlns:p14="http://schemas.microsoft.com/office/powerpoint/2010/main" xmlns:p15="http://schemas.microsoft.com/office/powerpoint/2012/main" xmlns:ahyp="http://schemas.microsoft.com/office/drawing/2018/hyperlinkcolor" xmlns:go="http://customooxmlschemas.google.com/" r:id="rId73" roundtripDataSignature="AMtx7mgUQKmmGkRDAx1+z1XqxXGeYbaTHA=="/>
+      <go:slidesCustomData xmlns:go="http://customooxmlschemas.google.com/" xmlns:ahyp="http://schemas.microsoft.com/office/drawing/2018/hyperlinkcolor" xmlns:p15="http://schemas.microsoft.com/office/powerpoint/2012/main" xmlns:p14="http://schemas.microsoft.com/office/powerpoint/2010/main" xmlns:com="http://schemas.openxmlformats.org/drawingml/2006/compatibility" xmlns:pvml="urn:schemas-microsoft-com:office:powerpoint" xmlns:v="urn:schemas-microsoft-com:vml" xmlns:o="urn:schemas-microsoft-com:office:office" xmlns:dgm="http://schemas.openxmlformats.org/drawingml/2006/diagram" xmlns:c="http://schemas.openxmlformats.org/drawingml/2006/chart" xmlns:mv="urn:schemas-microsoft-com:mac:vml" xmlns:mc="http://schemas.openxmlformats.org/markup-compatibility/2006" xmlns="" r:id="rId73" roundtripDataSignature="AMtx7mgUQKmmGkRDAx1+z1XqxXGeYbaTHA=="/>
     </p:ext>
   </p:extLst>
 </p:presentation>
@@ -4489,7 +4489,7 @@
           <a:p>
             <a:fld id="{3A92803A-0F1C-4C1D-B134-784D74EF7FC5}" type="datetime1">
               <a:rPr lang="zh-TW" altLang="en-US" smtClean="0"/>
-              <a:t>2021/7/6</a:t>
+              <a:t>2021/7/9</a:t>
             </a:fld>
             <a:endParaRPr lang="en-US" dirty="0"/>
           </a:p>
@@ -5205,7 +5205,7 @@
           <a:p>
             <a:fld id="{AD638850-190C-4A5F-B6A9-6F16A812CB41}" type="datetime1">
               <a:rPr lang="zh-TW" altLang="en-US" smtClean="0"/>
-              <a:t>2021/7/6</a:t>
+              <a:t>2021/7/9</a:t>
             </a:fld>
             <a:endParaRPr lang="en-US" dirty="0"/>
           </a:p>
@@ -6075,7 +6075,7 @@
           <a:p>
             <a:fld id="{6E10F4CF-B5F9-4648-BEE7-992B9B061DA8}" type="datetime1">
               <a:rPr lang="zh-TW" altLang="en-US" smtClean="0"/>
-              <a:t>2021/7/6</a:t>
+              <a:t>2021/7/9</a:t>
             </a:fld>
             <a:endParaRPr lang="en-US" dirty="0"/>
           </a:p>
@@ -6900,7 +6900,7 @@
           <a:p>
             <a:fld id="{74A2EE74-DD9F-4769-A54D-E56DB731716A}" type="datetime1">
               <a:rPr lang="zh-TW" altLang="en-US" smtClean="0"/>
-              <a:t>2021/7/6</a:t>
+              <a:t>2021/7/9</a:t>
             </a:fld>
             <a:endParaRPr lang="en-US" dirty="0"/>
           </a:p>
@@ -7770,7 +7770,7 @@
           <a:p>
             <a:fld id="{6E10F4CF-B5F9-4648-BEE7-992B9B061DA8}" type="datetime1">
               <a:rPr lang="zh-TW" altLang="en-US" smtClean="0"/>
-              <a:t>2021/7/6</a:t>
+              <a:t>2021/7/9</a:t>
             </a:fld>
             <a:endParaRPr lang="en-US" dirty="0"/>
           </a:p>
@@ -8741,7 +8741,7 @@
           <a:p>
             <a:fld id="{6E10F4CF-B5F9-4648-BEE7-992B9B061DA8}" type="datetime1">
               <a:rPr lang="zh-TW" altLang="en-US" smtClean="0"/>
-              <a:t>2021/7/6</a:t>
+              <a:t>2021/7/9</a:t>
             </a:fld>
             <a:endParaRPr lang="en-US" dirty="0"/>
           </a:p>
@@ -9429,7 +9429,7 @@
           <a:p>
             <a:fld id="{A5F6CBE4-86D2-4D55-B77D-A1CC22B1A407}" type="datetime1">
               <a:rPr lang="zh-TW" altLang="en-US" smtClean="0"/>
-              <a:t>2021/7/6</a:t>
+              <a:t>2021/7/9</a:t>
             </a:fld>
             <a:endParaRPr lang="en-US" dirty="0"/>
           </a:p>
@@ -10116,7 +10116,7 @@
           <a:p>
             <a:fld id="{4594EFF4-DC49-45FA-9E18-10CE34C83FAB}" type="datetime1">
               <a:rPr lang="zh-TW" altLang="en-US" smtClean="0"/>
-              <a:t>2021/7/6</a:t>
+              <a:t>2021/7/9</a:t>
             </a:fld>
             <a:endParaRPr lang="en-US" dirty="0"/>
           </a:p>
@@ -12891,7 +12891,7 @@
           <a:p>
             <a:fld id="{6E10F4CF-B5F9-4648-BEE7-992B9B061DA8}" type="datetime1">
               <a:rPr lang="zh-TW" altLang="en-US" smtClean="0"/>
-              <a:t>2021/7/6</a:t>
+              <a:t>2021/7/9</a:t>
             </a:fld>
             <a:endParaRPr lang="en-US" dirty="0"/>
           </a:p>
@@ -15430,7 +15430,7 @@
           <a:p>
             <a:fld id="{796C15B9-032B-4D1A-BC2E-EDBF11555012}" type="datetime1">
               <a:rPr lang="zh-TW" altLang="en-US" smtClean="0"/>
-              <a:t>2021/7/6</a:t>
+              <a:t>2021/7/9</a:t>
             </a:fld>
             <a:endParaRPr lang="en-US" dirty="0"/>
           </a:p>
@@ -16519,7 +16519,7 @@
           <a:p>
             <a:fld id="{6E10F4CF-B5F9-4648-BEE7-992B9B061DA8}" type="datetime1">
               <a:rPr lang="zh-TW" altLang="en-US" smtClean="0"/>
-              <a:t>2021/7/6</a:t>
+              <a:t>2021/7/9</a:t>
             </a:fld>
             <a:endParaRPr lang="en-US" dirty="0"/>
           </a:p>
@@ -17884,7 +17884,7 @@
           <a:p>
             <a:fld id="{6E10F4CF-B5F9-4648-BEE7-992B9B061DA8}" type="datetime1">
               <a:rPr lang="zh-TW" altLang="en-US" smtClean="0"/>
-              <a:t>2021/7/6</a:t>
+              <a:t>2021/7/9</a:t>
             </a:fld>
             <a:endParaRPr lang="en-US" dirty="0"/>
           </a:p>
@@ -18435,7 +18435,7 @@
           <a:p>
             <a:fld id="{C76560EC-6E60-442B-9D9B-54899F4B544F}" type="datetime1">
               <a:rPr lang="zh-TW" altLang="en-US" smtClean="0"/>
-              <a:t>2021/7/6</a:t>
+              <a:t>2021/7/9</a:t>
             </a:fld>
             <a:endParaRPr lang="en-US" dirty="0"/>
           </a:p>
@@ -18845,7 +18845,7 @@
           <a:p>
             <a:fld id="{1E8065FB-F46E-4D50-8CB3-9F20035DB419}" type="datetime1">
               <a:rPr lang="zh-TW" altLang="en-US" smtClean="0"/>
-              <a:t>2021/7/6</a:t>
+              <a:t>2021/7/9</a:t>
             </a:fld>
             <a:endParaRPr lang="en-US" dirty="0"/>
           </a:p>
@@ -19670,7 +19670,7 @@
           <a:p>
             <a:fld id="{0EFA52A9-5311-41DC-91A7-31273C4D72F6}" type="datetime1">
               <a:rPr lang="zh-TW" altLang="en-US" smtClean="0"/>
-              <a:t>2021/7/6</a:t>
+              <a:t>2021/7/9</a:t>
             </a:fld>
             <a:endParaRPr lang="en-US" dirty="0"/>
           </a:p>
@@ -20846,7 +20846,7 @@
           <a:p>
             <a:fld id="{6E10F4CF-B5F9-4648-BEE7-992B9B061DA8}" type="datetime1">
               <a:rPr lang="zh-TW" altLang="en-US" smtClean="0"/>
-              <a:t>2021/7/6</a:t>
+              <a:t>2021/7/9</a:t>
             </a:fld>
             <a:endParaRPr lang="en-US" dirty="0"/>
           </a:p>
@@ -21955,7 +21955,7 @@
           <a:p>
             <a:fld id="{6E10F4CF-B5F9-4648-BEE7-992B9B061DA8}" type="datetime1">
               <a:rPr lang="zh-TW" altLang="en-US" smtClean="0"/>
-              <a:t>2021/7/6</a:t>
+              <a:t>2021/7/9</a:t>
             </a:fld>
             <a:endParaRPr lang="en-US" dirty="0"/>
           </a:p>
@@ -25212,6 +25212,22 @@
               </a:rPr>
               <a:t>https://www.ctwant.com/article/111388</a:t>
             </a:r>
+            <a:r>
+              <a:rPr lang="zh-TW" altLang="en-US" sz="1400" dirty="0"/>
+              <a:t> </a:t>
+            </a:r>
+            <a:r>
+              <a:rPr lang="en-US" altLang="zh-TW" sz="1400" dirty="0"/>
+              <a:t>(</a:t>
+            </a:r>
+            <a:r>
+              <a:rPr lang="zh-TW" altLang="en-US" sz="1400" dirty="0"/>
+              <a:t>有經過編輯</a:t>
+            </a:r>
+            <a:r>
+              <a:rPr lang="en-US" altLang="zh-TW" sz="1400"/>
+              <a:t>)</a:t>
+            </a:r>
             <a:endParaRPr lang="en-US" altLang="zh-TW" sz="1400" dirty="0"/>
           </a:p>
           <a:p>

--- a/week01/文本分析與程式設計Week01.pptx
+++ b/week01/文本分析與程式設計Week01.pptx
@@ -343,7 +343,7 @@
       </p15:sldGuideLst>
     </p:ext>
     <p:ext uri="http://customooxmlschemas.google.com/">
-      <go:slidesCustomData xmlns:go="http://customooxmlschemas.google.com/" xmlns:ahyp="http://schemas.microsoft.com/office/drawing/2018/hyperlinkcolor" xmlns:p15="http://schemas.microsoft.com/office/powerpoint/2012/main" xmlns:p14="http://schemas.microsoft.com/office/powerpoint/2010/main" xmlns:com="http://schemas.openxmlformats.org/drawingml/2006/compatibility" xmlns:pvml="urn:schemas-microsoft-com:office:powerpoint" xmlns:v="urn:schemas-microsoft-com:vml" xmlns:o="urn:schemas-microsoft-com:office:office" xmlns:dgm="http://schemas.openxmlformats.org/drawingml/2006/diagram" xmlns:c="http://schemas.openxmlformats.org/drawingml/2006/chart" xmlns:mv="urn:schemas-microsoft-com:mac:vml" xmlns:mc="http://schemas.openxmlformats.org/markup-compatibility/2006" xmlns="" r:id="rId73" roundtripDataSignature="AMtx7mgUQKmmGkRDAx1+z1XqxXGeYbaTHA=="/>
+      <go:slidesCustomData xmlns="" xmlns:mc="http://schemas.openxmlformats.org/markup-compatibility/2006" xmlns:mv="urn:schemas-microsoft-com:mac:vml" xmlns:c="http://schemas.openxmlformats.org/drawingml/2006/chart" xmlns:dgm="http://schemas.openxmlformats.org/drawingml/2006/diagram" xmlns:o="urn:schemas-microsoft-com:office:office" xmlns:v="urn:schemas-microsoft-com:vml" xmlns:pvml="urn:schemas-microsoft-com:office:powerpoint" xmlns:com="http://schemas.openxmlformats.org/drawingml/2006/compatibility" xmlns:p14="http://schemas.microsoft.com/office/powerpoint/2010/main" xmlns:p15="http://schemas.microsoft.com/office/powerpoint/2012/main" xmlns:ahyp="http://schemas.microsoft.com/office/drawing/2018/hyperlinkcolor" xmlns:go="http://customooxmlschemas.google.com/" r:id="rId73" roundtripDataSignature="AMtx7mgUQKmmGkRDAx1+z1XqxXGeYbaTHA=="/>
     </p:ext>
   </p:extLst>
 </p:presentation>
@@ -43569,7 +43569,7 @@
         <p:spPr/>
         <p:txBody>
           <a:bodyPr>
-            <a:normAutofit/>
+            <a:normAutofit fontScale="77500" lnSpcReduction="20000"/>
           </a:bodyPr>
           <a:lstStyle/>
           <a:p>
@@ -43659,6 +43659,40 @@
               <a:rPr lang="zh-TW" altLang="en-US" dirty="0"/>
               <a:t>名。</a:t>
             </a:r>
+            <a:endParaRPr lang="en-US" altLang="zh-TW" dirty="0"/>
+          </a:p>
+          <a:p>
+            <a:pPr marL="114300" indent="0">
+              <a:buNone/>
+            </a:pPr>
+            <a:endParaRPr lang="en-US" altLang="zh-TW" sz="1600" dirty="0"/>
+          </a:p>
+          <a:p>
+            <a:pPr marL="114300" indent="0">
+              <a:buNone/>
+            </a:pPr>
+            <a:r>
+              <a:rPr lang="zh-TW" altLang="en-US" sz="1600" dirty="0"/>
+              <a:t>文章來源</a:t>
+            </a:r>
+            <a:r>
+              <a:rPr lang="en-US" altLang="zh-TW" sz="1600" dirty="0"/>
+              <a:t>:</a:t>
+            </a:r>
+          </a:p>
+          <a:p>
+            <a:pPr marL="114300" indent="0">
+              <a:buNone/>
+            </a:pPr>
+            <a:r>
+              <a:rPr lang="en-US" altLang="zh-TW" sz="1600" dirty="0"/>
+              <a:t>https://www.cna.com.tw/news/firstnews/202106150042.aspx https://tw.news.yahoo.com/%E5%88%86%E9%90%98%E5%A0%B1%E5%A4%A9%E6%B0%A3-%E9%80%B1%E4%BA%8C-06-15%E6%97%A5-%E8%A5%BF%E5%8D%97%E9%A2%A8%E6%BC%B8%E5%A2%9E%E5%BC%B7-091945627.html</a:t>
+            </a:r>
+          </a:p>
+          <a:p>
+            <a:pPr marL="114300" indent="0">
+              <a:buNone/>
+            </a:pPr>
             <a:endParaRPr lang="en-US" altLang="zh-TW" dirty="0"/>
           </a:p>
           <a:p>
